--- a/Lectures/Lecture10.pptx
+++ b/Lectures/Lecture10.pptx
@@ -313,7 +313,7 @@
           <a:p>
             <a:fld id="{CBA08D16-15DC-4E25-BDC3-F25146157B16}" type="datetimeFigureOut">
               <a:rPr lang="ru-RU" smtClean="0"/>
-              <a:t>15.11.2018</a:t>
+              <a:t>16.11.2018</a:t>
             </a:fld>
             <a:endParaRPr lang="ru-RU"/>
           </a:p>
@@ -805,7 +805,7 @@
           <a:p>
             <a:fld id="{FCEC8293-DB51-454A-BE81-EC8FCB31EBA2}" type="datetime1">
               <a:rPr lang="ru-RU" smtClean="0"/>
-              <a:t>15.11.2018</a:t>
+              <a:t>16.11.2018</a:t>
             </a:fld>
             <a:endParaRPr lang="ru-RU"/>
           </a:p>
@@ -979,7 +979,7 @@
           <a:p>
             <a:fld id="{241C87B1-1C35-4DBD-BC18-2BC72E776603}" type="datetime1">
               <a:rPr lang="ru-RU" smtClean="0"/>
-              <a:t>15.11.2018</a:t>
+              <a:t>16.11.2018</a:t>
             </a:fld>
             <a:endParaRPr lang="ru-RU"/>
           </a:p>
@@ -1163,7 +1163,7 @@
           <a:p>
             <a:fld id="{3134C275-26C0-42CD-9111-9ADE65922AF9}" type="datetime1">
               <a:rPr lang="ru-RU" smtClean="0"/>
-              <a:t>15.11.2018</a:t>
+              <a:t>16.11.2018</a:t>
             </a:fld>
             <a:endParaRPr lang="ru-RU"/>
           </a:p>
@@ -1337,7 +1337,7 @@
           <a:p>
             <a:fld id="{C1A9A50B-C350-45F5-8AAB-ADB9E670AF2E}" type="datetime1">
               <a:rPr lang="ru-RU" smtClean="0"/>
-              <a:t>15.11.2018</a:t>
+              <a:t>16.11.2018</a:t>
             </a:fld>
             <a:endParaRPr lang="ru-RU"/>
           </a:p>
@@ -1587,7 +1587,7 @@
           <a:p>
             <a:fld id="{089688C9-348F-42F9-B6C0-5990DDE0C5B2}" type="datetime1">
               <a:rPr lang="ru-RU" smtClean="0"/>
-              <a:t>15.11.2018</a:t>
+              <a:t>16.11.2018</a:t>
             </a:fld>
             <a:endParaRPr lang="ru-RU"/>
           </a:p>
@@ -1823,7 +1823,7 @@
           <a:p>
             <a:fld id="{684AFD8F-6DD9-4AD3-A505-FDC3F5C5F3F6}" type="datetime1">
               <a:rPr lang="ru-RU" smtClean="0"/>
-              <a:t>15.11.2018</a:t>
+              <a:t>16.11.2018</a:t>
             </a:fld>
             <a:endParaRPr lang="ru-RU"/>
           </a:p>
@@ -2194,7 +2194,7 @@
           <a:p>
             <a:fld id="{63551EFE-4D02-45EB-A747-8B6F047B5AA0}" type="datetime1">
               <a:rPr lang="ru-RU" smtClean="0"/>
-              <a:t>15.11.2018</a:t>
+              <a:t>16.11.2018</a:t>
             </a:fld>
             <a:endParaRPr lang="ru-RU"/>
           </a:p>
@@ -2316,7 +2316,7 @@
           <a:p>
             <a:fld id="{813A9F34-E5CD-4B8F-AA9E-889C84372B20}" type="datetime1">
               <a:rPr lang="ru-RU" smtClean="0"/>
-              <a:t>15.11.2018</a:t>
+              <a:t>16.11.2018</a:t>
             </a:fld>
             <a:endParaRPr lang="ru-RU"/>
           </a:p>
@@ -2415,7 +2415,7 @@
           <a:p>
             <a:fld id="{51224D22-9B29-44A6-8E82-95FC492DEDC1}" type="datetime1">
               <a:rPr lang="ru-RU" smtClean="0"/>
-              <a:t>15.11.2018</a:t>
+              <a:t>16.11.2018</a:t>
             </a:fld>
             <a:endParaRPr lang="ru-RU"/>
           </a:p>
@@ -2696,7 +2696,7 @@
           <a:p>
             <a:fld id="{91D1034F-4441-48A1-BDC0-25EA1022324A}" type="datetime1">
               <a:rPr lang="ru-RU" smtClean="0"/>
-              <a:t>15.11.2018</a:t>
+              <a:t>16.11.2018</a:t>
             </a:fld>
             <a:endParaRPr lang="ru-RU"/>
           </a:p>
@@ -2953,7 +2953,7 @@
           <a:p>
             <a:fld id="{B0FFDE79-B627-473B-AE17-4C65BD2495F7}" type="datetime1">
               <a:rPr lang="ru-RU" smtClean="0"/>
-              <a:t>15.11.2018</a:t>
+              <a:t>16.11.2018</a:t>
             </a:fld>
             <a:endParaRPr lang="ru-RU"/>
           </a:p>
@@ -3170,7 +3170,7 @@
           <a:p>
             <a:fld id="{11CA537A-1B8C-47BA-9BA6-7CE3FAFDA8BE}" type="datetime1">
               <a:rPr lang="ru-RU" smtClean="0"/>
-              <a:t>15.11.2018</a:t>
+              <a:t>16.11.2018</a:t>
             </a:fld>
             <a:endParaRPr lang="ru-RU"/>
           </a:p>
@@ -3634,11 +3634,7 @@
             </a:br>
             <a:r>
               <a:rPr lang="en-US" dirty="0" smtClean="0"/>
-              <a:t> MAC</a:t>
-            </a:r>
-            <a:r>
-              <a:rPr lang="en-US" dirty="0" smtClean="0"/>
-              <a:t>: </a:t>
+              <a:t> MAC: </a:t>
             </a:r>
             <a:r>
               <a:rPr lang="ru-RU" dirty="0" smtClean="0"/>
@@ -3762,8 +3758,8 @@
           </a:p>
         </p:txBody>
       </p:sp>
-      <mc:AlternateContent xmlns:mc="http://schemas.openxmlformats.org/markup-compatibility/2006">
-        <mc:Choice xmlns:a14="http://schemas.microsoft.com/office/drawing/2010/main" Requires="a14">
+      <mc:AlternateContent xmlns:mc="http://schemas.openxmlformats.org/markup-compatibility/2006" xmlns:a14="http://schemas.microsoft.com/office/drawing/2010/main">
+        <mc:Choice Requires="a14">
           <p:sp>
             <p:nvSpPr>
               <p:cNvPr id="3" name="Объект 2"/>
@@ -4260,7 +4256,7 @@
             </p:txBody>
           </p:sp>
         </mc:Choice>
-        <mc:Fallback>
+        <mc:Fallback xmlns="">
           <p:sp>
             <p:nvSpPr>
               <p:cNvPr id="3" name="Объект 2"/>
@@ -4428,8 +4424,8 @@
           </a:p>
         </p:txBody>
       </p:sp>
-      <mc:AlternateContent xmlns:mc="http://schemas.openxmlformats.org/markup-compatibility/2006">
-        <mc:Choice xmlns:a14="http://schemas.microsoft.com/office/drawing/2010/main" Requires="a14">
+      <mc:AlternateContent xmlns:mc="http://schemas.openxmlformats.org/markup-compatibility/2006" xmlns:a14="http://schemas.microsoft.com/office/drawing/2010/main">
+        <mc:Choice Requires="a14">
           <p:sp>
             <p:nvSpPr>
               <p:cNvPr id="3" name="Объект 2"/>
@@ -5252,7 +5248,7 @@
             </p:txBody>
           </p:sp>
         </mc:Choice>
-        <mc:Fallback>
+        <mc:Fallback xmlns="">
           <p:sp>
             <p:nvSpPr>
               <p:cNvPr id="3" name="Объект 2"/>
@@ -6165,105 +6161,11 @@
                 </a14:m>
                 <a:r>
                   <a:rPr lang="ru-RU" dirty="0" smtClean="0"/>
-                  <a:t>. Так как мы используем блочные шифры </a:t>
-                </a:r>
-                <a14:m>
-                  <m:oMath xmlns:m="http://schemas.openxmlformats.org/officeDocument/2006/math">
-                    <m:r>
-                      <a:rPr lang="en-US" b="0" i="1" smtClean="0">
-                        <a:latin typeface="Cambria Math" panose="02040503050406030204" pitchFamily="18" charset="0"/>
-                      </a:rPr>
-                      <m:t>(</m:t>
-                    </m:r>
-                    <m:r>
-                      <a:rPr lang="en-US" b="0" i="1" smtClean="0">
-                        <a:latin typeface="Cambria Math" panose="02040503050406030204" pitchFamily="18" charset="0"/>
-                      </a:rPr>
-                      <m:t>𝑃𝑅𝑃</m:t>
-                    </m:r>
-                    <m:r>
-                      <a:rPr lang="en-US" b="0" i="1" smtClean="0">
-                        <a:latin typeface="Cambria Math" panose="02040503050406030204" pitchFamily="18" charset="0"/>
-                      </a:rPr>
-                      <m:t>)</m:t>
-                    </m:r>
-                  </m:oMath>
-                </a14:m>
-                <a:r>
-                  <a:rPr lang="ru-RU" dirty="0" smtClean="0"/>
-                  <a:t> в качестве </a:t>
+                  <a:t>.</a:t>
                 </a:r>
                 <a:r>
                   <a:rPr lang="en-US" dirty="0" smtClean="0"/>
-                  <a:t>PRF</a:t>
-                </a:r>
-                <a:r>
-                  <a:rPr lang="ru-RU" dirty="0" smtClean="0"/>
-                  <a:t> то получаем, что </a:t>
-                </a:r>
-                <a14:m>
-                  <m:oMath xmlns:m="http://schemas.openxmlformats.org/officeDocument/2006/math">
-                    <m:sSub>
-                      <m:sSubPr>
-                        <m:ctrlPr>
-                          <a:rPr lang="en-US" b="0" i="1" smtClean="0">
-                            <a:latin typeface="Cambria Math" panose="02040503050406030204" pitchFamily="18" charset="0"/>
-                          </a:rPr>
-                        </m:ctrlPr>
-                      </m:sSubPr>
-                      <m:e>
-                        <m:r>
-                          <a:rPr lang="en-US" b="0" i="1" smtClean="0">
-                            <a:latin typeface="Cambria Math" panose="02040503050406030204" pitchFamily="18" charset="0"/>
-                          </a:rPr>
-                          <m:t>𝑥</m:t>
-                        </m:r>
-                      </m:e>
-                      <m:sub>
-                        <m:r>
-                          <a:rPr lang="en-US" b="0" i="1" smtClean="0">
-                            <a:latin typeface="Cambria Math" panose="02040503050406030204" pitchFamily="18" charset="0"/>
-                          </a:rPr>
-                          <m:t>𝑖</m:t>
-                        </m:r>
-                      </m:sub>
-                    </m:sSub>
-                    <m:r>
-                      <a:rPr lang="en-US" b="0" i="1" smtClean="0">
-                        <a:latin typeface="Cambria Math" panose="02040503050406030204" pitchFamily="18" charset="0"/>
-                      </a:rPr>
-                      <m:t>≠</m:t>
-                    </m:r>
-                    <m:sSub>
-                      <m:sSubPr>
-                        <m:ctrlPr>
-                          <a:rPr lang="en-US" b="0" i="1" smtClean="0">
-                            <a:latin typeface="Cambria Math" panose="02040503050406030204" pitchFamily="18" charset="0"/>
-                          </a:rPr>
-                        </m:ctrlPr>
-                      </m:sSubPr>
-                      <m:e>
-                        <m:r>
-                          <a:rPr lang="en-US" b="0" i="1" smtClean="0">
-                            <a:latin typeface="Cambria Math" panose="02040503050406030204" pitchFamily="18" charset="0"/>
-                          </a:rPr>
-                          <m:t>𝑥</m:t>
-                        </m:r>
-                      </m:e>
-                      <m:sub>
-                        <m:r>
-                          <a:rPr lang="en-US" b="0" i="1" smtClean="0">
-                            <a:latin typeface="Cambria Math" panose="02040503050406030204" pitchFamily="18" charset="0"/>
-                          </a:rPr>
-                          <m:t>𝑗</m:t>
-                        </m:r>
-                      </m:sub>
-                    </m:sSub>
-                  </m:oMath>
-                </a14:m>
-                <a:r>
-                  <a:rPr lang="en-US" dirty="0" smtClean="0"/>
-                  <a:t>. </a:t>
+                  <a:t> </a:t>
                 </a:r>
                 <a:r>
                   <a:rPr lang="ru-RU" dirty="0" smtClean="0"/>
@@ -6431,10 +6333,10 @@
               </p:nvPr>
             </p:nvSpPr>
             <p:spPr>
-              <a:blipFill rotWithShape="0">
+              <a:blipFill>
                 <a:blip r:embed="rId2"/>
                 <a:stretch>
-                  <a:fillRect l="-1043" t="-2801" r="-1043" b="-980"/>
+                  <a:fillRect l="-1043" t="-2801"/>
                 </a:stretch>
               </a:blipFill>
             </p:spPr>
@@ -6689,8 +6591,8 @@
           </a:p>
         </p:txBody>
       </p:sp>
-      <mc:AlternateContent xmlns:mc="http://schemas.openxmlformats.org/markup-compatibility/2006">
-        <mc:Choice xmlns:a14="http://schemas.microsoft.com/office/drawing/2010/main" Requires="a14">
+      <mc:AlternateContent xmlns:mc="http://schemas.openxmlformats.org/markup-compatibility/2006" xmlns:a14="http://schemas.microsoft.com/office/drawing/2010/main">
+        <mc:Choice Requires="a14">
           <p:sp>
             <p:nvSpPr>
               <p:cNvPr id="3" name="Объект 2"/>
@@ -7410,7 +7312,7 @@
             </p:txBody>
           </p:sp>
         </mc:Choice>
-        <mc:Fallback>
+        <mc:Fallback xmlns="">
           <p:sp>
             <p:nvSpPr>
               <p:cNvPr id="3" name="Объект 2"/>
@@ -7558,8 +7460,8 @@
           </a:p>
         </p:txBody>
       </p:sp>
-      <mc:AlternateContent xmlns:mc="http://schemas.openxmlformats.org/markup-compatibility/2006">
-        <mc:Choice xmlns:a14="http://schemas.microsoft.com/office/drawing/2010/main" Requires="a14">
+      <mc:AlternateContent xmlns:mc="http://schemas.openxmlformats.org/markup-compatibility/2006" xmlns:a14="http://schemas.microsoft.com/office/drawing/2010/main">
+        <mc:Choice Requires="a14">
           <p:sp>
             <p:nvSpPr>
               <p:cNvPr id="3" name="Объект 2"/>
@@ -7602,7 +7504,7 @@
                     <m:d>
                       <m:dPr>
                         <m:ctrlPr>
-                          <a:rPr lang="ru-RU" b="0" i="0" smtClean="0">
+                          <a:rPr lang="ru-RU" b="0" i="1" smtClean="0">
                             <a:latin typeface="Cambria Math" panose="02040503050406030204" pitchFamily="18" charset="0"/>
                           </a:rPr>
                         </m:ctrlPr>
@@ -8448,7 +8350,7 @@
             </p:txBody>
           </p:sp>
         </mc:Choice>
-        <mc:Fallback>
+        <mc:Fallback xmlns="">
           <p:sp>
             <p:nvSpPr>
               <p:cNvPr id="3" name="Объект 2"/>
@@ -8752,8 +8654,8 @@
           </a:p>
         </p:txBody>
       </p:sp>
-      <mc:AlternateContent xmlns:mc="http://schemas.openxmlformats.org/markup-compatibility/2006">
-        <mc:Choice xmlns:a14="http://schemas.microsoft.com/office/drawing/2010/main" Requires="a14">
+      <mc:AlternateContent xmlns:mc="http://schemas.openxmlformats.org/markup-compatibility/2006" xmlns:a14="http://schemas.microsoft.com/office/drawing/2010/main">
+        <mc:Choice Requires="a14">
           <p:sp>
             <p:nvSpPr>
               <p:cNvPr id="3" name="Объект 2"/>
@@ -9397,7 +9299,7 @@
             </p:txBody>
           </p:sp>
         </mc:Choice>
-        <mc:Fallback>
+        <mc:Fallback xmlns="">
           <p:sp>
             <p:nvSpPr>
               <p:cNvPr id="3" name="Объект 2"/>
@@ -9514,8 +9416,8 @@
           </a:p>
         </p:txBody>
       </p:sp>
-      <mc:AlternateContent xmlns:mc="http://schemas.openxmlformats.org/markup-compatibility/2006">
-        <mc:Choice xmlns:a14="http://schemas.microsoft.com/office/drawing/2010/main" Requires="a14">
+      <mc:AlternateContent xmlns:mc="http://schemas.openxmlformats.org/markup-compatibility/2006" xmlns:a14="http://schemas.microsoft.com/office/drawing/2010/main">
+        <mc:Choice Requires="a14">
           <p:sp>
             <p:nvSpPr>
               <p:cNvPr id="3" name="Объект 2"/>
@@ -10472,7 +10374,7 @@
             </p:txBody>
           </p:sp>
         </mc:Choice>
-        <mc:Fallback>
+        <mc:Fallback xmlns="">
           <p:sp>
             <p:nvSpPr>
               <p:cNvPr id="3" name="Объект 2"/>
@@ -11134,8 +11036,8 @@
           </a:p>
         </p:txBody>
       </p:sp>
-      <mc:AlternateContent xmlns:mc="http://schemas.openxmlformats.org/markup-compatibility/2006">
-        <mc:Choice xmlns:a14="http://schemas.microsoft.com/office/drawing/2010/main" Requires="a14">
+      <mc:AlternateContent xmlns:mc="http://schemas.openxmlformats.org/markup-compatibility/2006" xmlns:a14="http://schemas.microsoft.com/office/drawing/2010/main">
+        <mc:Choice Requires="a14">
           <p:sp>
             <p:nvSpPr>
               <p:cNvPr id="3" name="Объект 2"/>
@@ -12108,7 +12010,7 @@
             </p:txBody>
           </p:sp>
         </mc:Choice>
-        <mc:Fallback>
+        <mc:Fallback xmlns="">
           <p:sp>
             <p:nvSpPr>
               <p:cNvPr id="3" name="Объект 2"/>
@@ -12259,8 +12161,8 @@
           </a:p>
         </p:txBody>
       </p:sp>
-      <mc:AlternateContent xmlns:mc="http://schemas.openxmlformats.org/markup-compatibility/2006">
-        <mc:Choice xmlns:a14="http://schemas.microsoft.com/office/drawing/2010/main" Requires="a14">
+      <mc:AlternateContent xmlns:mc="http://schemas.openxmlformats.org/markup-compatibility/2006" xmlns:a14="http://schemas.microsoft.com/office/drawing/2010/main">
+        <mc:Choice Requires="a14">
           <p:sp>
             <p:nvSpPr>
               <p:cNvPr id="3" name="Объект 2"/>
@@ -13304,7 +13206,7 @@
             </p:txBody>
           </p:sp>
         </mc:Choice>
-        <mc:Fallback>
+        <mc:Fallback xmlns="">
           <p:sp>
             <p:nvSpPr>
               <p:cNvPr id="3" name="Объект 2"/>
@@ -13945,12 +13847,12 @@
                   <a:t>PRF </a:t>
                 </a:r>
                 <a:r>
-                  <a:rPr lang="ru-RU" dirty="0" err="1" smtClean="0"/>
-                  <a:t>введёная</a:t>
-                </a:r>
-                <a:r>
                   <a:rPr lang="ru-RU" dirty="0" smtClean="0"/>
-                  <a:t> выше – стойкая </a:t>
+                  <a:t>введённая </a:t>
+                </a:r>
+                <a:r>
+                  <a:rPr lang="ru-RU" dirty="0" smtClean="0"/>
+                  <a:t>выше – стойкая </a:t>
                 </a:r>
                 <a:r>
                   <a:rPr lang="en-US" dirty="0" smtClean="0"/>
@@ -14100,7 +14002,7 @@
               </p:nvPr>
             </p:nvSpPr>
             <p:spPr>
-              <a:blipFill rotWithShape="0">
+              <a:blipFill>
                 <a:blip r:embed="rId2"/>
                 <a:stretch>
                   <a:fillRect l="-1043" t="-2101"/>
@@ -14198,8 +14100,8 @@
           </a:p>
         </p:txBody>
       </p:sp>
-      <mc:AlternateContent xmlns:mc="http://schemas.openxmlformats.org/markup-compatibility/2006">
-        <mc:Choice xmlns:a14="http://schemas.microsoft.com/office/drawing/2010/main" Requires="a14">
+      <mc:AlternateContent xmlns:mc="http://schemas.openxmlformats.org/markup-compatibility/2006" xmlns:a14="http://schemas.microsoft.com/office/drawing/2010/main">
+        <mc:Choice Requires="a14">
           <p:sp>
             <p:nvSpPr>
               <p:cNvPr id="3" name="Объект 2"/>
@@ -14521,7 +14423,7 @@
             </p:txBody>
           </p:sp>
         </mc:Choice>
-        <mc:Fallback>
+        <mc:Fallback xmlns="">
           <p:sp>
             <p:nvSpPr>
               <p:cNvPr id="3" name="Объект 2"/>
@@ -14910,8 +14812,8 @@
           </a:p>
         </p:txBody>
       </p:sp>
-      <mc:AlternateContent xmlns:mc="http://schemas.openxmlformats.org/markup-compatibility/2006">
-        <mc:Choice xmlns:a14="http://schemas.microsoft.com/office/drawing/2010/main" Requires="a14">
+      <mc:AlternateContent xmlns:mc="http://schemas.openxmlformats.org/markup-compatibility/2006" xmlns:a14="http://schemas.microsoft.com/office/drawing/2010/main">
+        <mc:Choice Requires="a14">
           <p:sp>
             <p:nvSpPr>
               <p:cNvPr id="3" name="Объект 2"/>
@@ -15009,7 +14911,7 @@
             </p:txBody>
           </p:sp>
         </mc:Choice>
-        <mc:Fallback>
+        <mc:Fallback xmlns="">
           <p:sp>
             <p:nvSpPr>
               <p:cNvPr id="3" name="Объект 2"/>
@@ -15150,8 +15052,8 @@
           </a:p>
         </p:txBody>
       </p:sp>
-      <mc:AlternateContent xmlns:mc="http://schemas.openxmlformats.org/markup-compatibility/2006">
-        <mc:Choice xmlns:a14="http://schemas.microsoft.com/office/drawing/2010/main" Requires="a14">
+      <mc:AlternateContent xmlns:mc="http://schemas.openxmlformats.org/markup-compatibility/2006" xmlns:a14="http://schemas.microsoft.com/office/drawing/2010/main">
+        <mc:Choice Requires="a14">
           <p:sp>
             <p:nvSpPr>
               <p:cNvPr id="3" name="Объект 2"/>
@@ -15205,7 +15107,7 @@
             </p:txBody>
           </p:sp>
         </mc:Choice>
-        <mc:Fallback>
+        <mc:Fallback xmlns="">
           <p:sp>
             <p:nvSpPr>
               <p:cNvPr id="3" name="Объект 2"/>
@@ -15528,8 +15430,8 @@
           </a:p>
         </p:txBody>
       </p:sp>
-      <mc:AlternateContent xmlns:mc="http://schemas.openxmlformats.org/markup-compatibility/2006">
-        <mc:Choice xmlns:a14="http://schemas.microsoft.com/office/drawing/2010/main" Requires="a14">
+      <mc:AlternateContent xmlns:mc="http://schemas.openxmlformats.org/markup-compatibility/2006" xmlns:a14="http://schemas.microsoft.com/office/drawing/2010/main">
+        <mc:Choice Requires="a14">
           <p:sp>
             <p:nvSpPr>
               <p:cNvPr id="3" name="Объект 2"/>
@@ -16238,7 +16140,7 @@
             </p:txBody>
           </p:sp>
         </mc:Choice>
-        <mc:Fallback>
+        <mc:Fallback xmlns="">
           <p:sp>
             <p:nvSpPr>
               <p:cNvPr id="3" name="Объект 2"/>
@@ -16698,8 +16600,8 @@
           </a:p>
         </p:txBody>
       </p:sp>
-      <mc:AlternateContent xmlns:mc="http://schemas.openxmlformats.org/markup-compatibility/2006">
-        <mc:Choice xmlns:a14="http://schemas.microsoft.com/office/drawing/2010/main" Requires="a14">
+      <mc:AlternateContent xmlns:mc="http://schemas.openxmlformats.org/markup-compatibility/2006" xmlns:a14="http://schemas.microsoft.com/office/drawing/2010/main">
+        <mc:Choice Requires="a14">
           <p:sp>
             <p:nvSpPr>
               <p:cNvPr id="25603" name="Rectangle 3"/>
@@ -17016,7 +16918,7 @@
             </p:txBody>
           </p:sp>
         </mc:Choice>
-        <mc:Fallback>
+        <mc:Fallback xmlns="">
           <p:sp>
             <p:nvSpPr>
               <p:cNvPr id="25603" name="Rectangle 3"/>
@@ -17084,7 +16986,7 @@
           <a:effectLst/>
           <a:extLst>
             <a:ext uri="{AF507438-7753-43e0-B8FC-AC1667EBCBE1}">
-              <a14:hiddenEffects xmlns="" xmlns:a14="http://schemas.microsoft.com/office/drawing/2010/main">
+              <a14:hiddenEffects xmlns:a14="http://schemas.microsoft.com/office/drawing/2010/main" xmlns="">
                 <a:effectLst>
                   <a:outerShdw blurRad="63500" dist="38099" dir="2700000" algn="ctr" rotWithShape="0">
                     <a:schemeClr val="bg2">
@@ -17138,7 +17040,7 @@
           <a:effectLst/>
           <a:extLst>
             <a:ext uri="{AF507438-7753-43e0-B8FC-AC1667EBCBE1}">
-              <a14:hiddenEffects xmlns="" xmlns:a14="http://schemas.microsoft.com/office/drawing/2010/main">
+              <a14:hiddenEffects xmlns:a14="http://schemas.microsoft.com/office/drawing/2010/main" xmlns="">
                 <a:effectLst>
                   <a:outerShdw blurRad="63500" dist="38099" dir="2700000" algn="ctr" rotWithShape="0">
                     <a:schemeClr val="bg2">
@@ -17185,14 +17087,14 @@
           <a:effectLst/>
           <a:extLst>
             <a:ext uri="{909E8E84-426E-40dd-AFC4-6F175D3DCCD1}">
-              <a14:hiddenFill xmlns="" xmlns:a14="http://schemas.microsoft.com/office/drawing/2010/main">
+              <a14:hiddenFill xmlns:a14="http://schemas.microsoft.com/office/drawing/2010/main" xmlns="">
                 <a:solidFill>
                   <a:schemeClr val="accent1"/>
                 </a:solidFill>
               </a14:hiddenFill>
             </a:ext>
             <a:ext uri="{91240B29-F687-4f45-9708-019B960494DF}">
-              <a14:hiddenLine xmlns="" xmlns:a14="http://schemas.microsoft.com/office/drawing/2010/main" w="9525">
+              <a14:hiddenLine xmlns:a14="http://schemas.microsoft.com/office/drawing/2010/main" xmlns="" w="9525">
                 <a:solidFill>
                   <a:schemeClr val="tx1"/>
                 </a:solidFill>
@@ -17202,7 +17104,7 @@
               </a14:hiddenLine>
             </a:ext>
             <a:ext uri="{AF507438-7753-43e0-B8FC-AC1667EBCBE1}">
-              <a14:hiddenEffects xmlns="" xmlns:a14="http://schemas.microsoft.com/office/drawing/2010/main">
+              <a14:hiddenEffects xmlns:a14="http://schemas.microsoft.com/office/drawing/2010/main" xmlns="">
                 <a:effectLst>
                   <a:outerShdw blurRad="63500" dist="38099" dir="2700000" algn="ctr" rotWithShape="0">
                     <a:schemeClr val="bg2">
@@ -17281,12 +17183,12 @@
             <a:effectLst/>
             <a:extLst>
               <a:ext uri="{909E8E84-426E-40dd-AFC4-6F175D3DCCD1}">
-                <a14:hiddenFill xmlns="" xmlns:a14="http://schemas.microsoft.com/office/drawing/2010/main">
+                <a14:hiddenFill xmlns:a14="http://schemas.microsoft.com/office/drawing/2010/main" xmlns="">
                   <a:noFill/>
                 </a14:hiddenFill>
               </a:ext>
               <a:ext uri="{AF507438-7753-43e0-B8FC-AC1667EBCBE1}">
-                <a14:hiddenEffects xmlns="" xmlns:a14="http://schemas.microsoft.com/office/drawing/2010/main">
+                <a14:hiddenEffects xmlns:a14="http://schemas.microsoft.com/office/drawing/2010/main" xmlns="">
                   <a:effectLst>
                     <a:outerShdw blurRad="63500" dist="38099" dir="2700000" algn="ctr" rotWithShape="0">
                       <a:schemeClr val="bg2">
@@ -17329,14 +17231,14 @@
             <a:effectLst/>
             <a:extLst>
               <a:ext uri="{909E8E84-426E-40dd-AFC4-6F175D3DCCD1}">
-                <a14:hiddenFill xmlns="" xmlns:a14="http://schemas.microsoft.com/office/drawing/2010/main">
+                <a14:hiddenFill xmlns:a14="http://schemas.microsoft.com/office/drawing/2010/main" xmlns="">
                   <a:solidFill>
                     <a:schemeClr val="accent1"/>
                   </a:solidFill>
                 </a14:hiddenFill>
               </a:ext>
               <a:ext uri="{91240B29-F687-4f45-9708-019B960494DF}">
-                <a14:hiddenLine xmlns="" xmlns:a14="http://schemas.microsoft.com/office/drawing/2010/main" w="9525">
+                <a14:hiddenLine xmlns:a14="http://schemas.microsoft.com/office/drawing/2010/main" xmlns="" w="9525">
                   <a:solidFill>
                     <a:schemeClr val="tx1"/>
                   </a:solidFill>
@@ -17346,7 +17248,7 @@
                 </a14:hiddenLine>
               </a:ext>
               <a:ext uri="{AF507438-7753-43e0-B8FC-AC1667EBCBE1}">
-                <a14:hiddenEffects xmlns="" xmlns:a14="http://schemas.microsoft.com/office/drawing/2010/main">
+                <a14:hiddenEffects xmlns:a14="http://schemas.microsoft.com/office/drawing/2010/main" xmlns="">
                   <a:effectLst>
                     <a:outerShdw blurRad="63500" dist="38099" dir="2700000" algn="ctr" rotWithShape="0">
                       <a:schemeClr val="bg2">
@@ -17411,14 +17313,14 @@
           <a:effectLst/>
           <a:extLst>
             <a:ext uri="{909E8E84-426E-40dd-AFC4-6F175D3DCCD1}">
-              <a14:hiddenFill xmlns="" xmlns:a14="http://schemas.microsoft.com/office/drawing/2010/main">
+              <a14:hiddenFill xmlns:a14="http://schemas.microsoft.com/office/drawing/2010/main" xmlns="">
                 <a:solidFill>
                   <a:schemeClr val="accent1"/>
                 </a:solidFill>
               </a14:hiddenFill>
             </a:ext>
             <a:ext uri="{AF507438-7753-43e0-B8FC-AC1667EBCBE1}">
-              <a14:hiddenEffects xmlns="" xmlns:a14="http://schemas.microsoft.com/office/drawing/2010/main">
+              <a14:hiddenEffects xmlns:a14="http://schemas.microsoft.com/office/drawing/2010/main" xmlns="">
                 <a:effectLst>
                   <a:outerShdw blurRad="63500" dist="38099" dir="2700000" algn="ctr" rotWithShape="0">
                     <a:schemeClr val="bg2">
@@ -17482,12 +17384,12 @@
             <a:effectLst/>
             <a:extLst>
               <a:ext uri="{909E8E84-426E-40dd-AFC4-6F175D3DCCD1}">
-                <a14:hiddenFill xmlns="" xmlns:a14="http://schemas.microsoft.com/office/drawing/2010/main">
+                <a14:hiddenFill xmlns:a14="http://schemas.microsoft.com/office/drawing/2010/main" xmlns="">
                   <a:noFill/>
                 </a14:hiddenFill>
               </a:ext>
               <a:ext uri="{AF507438-7753-43e0-B8FC-AC1667EBCBE1}">
-                <a14:hiddenEffects xmlns="" xmlns:a14="http://schemas.microsoft.com/office/drawing/2010/main">
+                <a14:hiddenEffects xmlns:a14="http://schemas.microsoft.com/office/drawing/2010/main" xmlns="">
                   <a:effectLst>
                     <a:outerShdw blurRad="63500" dist="38099" dir="2700000" algn="ctr" rotWithShape="0">
                       <a:schemeClr val="bg2">
@@ -17530,14 +17432,14 @@
             <a:effectLst/>
             <a:extLst>
               <a:ext uri="{909E8E84-426E-40dd-AFC4-6F175D3DCCD1}">
-                <a14:hiddenFill xmlns="" xmlns:a14="http://schemas.microsoft.com/office/drawing/2010/main">
+                <a14:hiddenFill xmlns:a14="http://schemas.microsoft.com/office/drawing/2010/main" xmlns="">
                   <a:solidFill>
                     <a:schemeClr val="accent1"/>
                   </a:solidFill>
                 </a14:hiddenFill>
               </a:ext>
               <a:ext uri="{91240B29-F687-4f45-9708-019B960494DF}">
-                <a14:hiddenLine xmlns="" xmlns:a14="http://schemas.microsoft.com/office/drawing/2010/main" w="9525">
+                <a14:hiddenLine xmlns:a14="http://schemas.microsoft.com/office/drawing/2010/main" xmlns="" w="9525">
                   <a:solidFill>
                     <a:schemeClr val="tx1"/>
                   </a:solidFill>
@@ -17547,7 +17449,7 @@
                 </a14:hiddenLine>
               </a:ext>
               <a:ext uri="{AF507438-7753-43e0-B8FC-AC1667EBCBE1}">
-                <a14:hiddenEffects xmlns="" xmlns:a14="http://schemas.microsoft.com/office/drawing/2010/main">
+                <a14:hiddenEffects xmlns:a14="http://schemas.microsoft.com/office/drawing/2010/main" xmlns="">
                   <a:effectLst>
                     <a:outerShdw blurRad="63500" dist="38099" dir="2700000" algn="ctr" rotWithShape="0">
                       <a:schemeClr val="bg2">
@@ -17631,12 +17533,12 @@
             <a:effectLst/>
             <a:extLst>
               <a:ext uri="{909E8E84-426E-40dd-AFC4-6F175D3DCCD1}">
-                <a14:hiddenFill xmlns="" xmlns:a14="http://schemas.microsoft.com/office/drawing/2010/main">
+                <a14:hiddenFill xmlns:a14="http://schemas.microsoft.com/office/drawing/2010/main" xmlns="">
                   <a:noFill/>
                 </a14:hiddenFill>
               </a:ext>
               <a:ext uri="{AF507438-7753-43e0-B8FC-AC1667EBCBE1}">
-                <a14:hiddenEffects xmlns="" xmlns:a14="http://schemas.microsoft.com/office/drawing/2010/main">
+                <a14:hiddenEffects xmlns:a14="http://schemas.microsoft.com/office/drawing/2010/main" xmlns="">
                   <a:effectLst>
                     <a:outerShdw blurRad="63500" dist="38099" dir="2700000" algn="ctr" rotWithShape="0">
                       <a:schemeClr val="bg2">
@@ -17679,14 +17581,14 @@
             <a:effectLst/>
             <a:extLst>
               <a:ext uri="{909E8E84-426E-40dd-AFC4-6F175D3DCCD1}">
-                <a14:hiddenFill xmlns="" xmlns:a14="http://schemas.microsoft.com/office/drawing/2010/main">
+                <a14:hiddenFill xmlns:a14="http://schemas.microsoft.com/office/drawing/2010/main" xmlns="">
                   <a:solidFill>
                     <a:schemeClr val="accent1"/>
                   </a:solidFill>
                 </a14:hiddenFill>
               </a:ext>
               <a:ext uri="{91240B29-F687-4f45-9708-019B960494DF}">
-                <a14:hiddenLine xmlns="" xmlns:a14="http://schemas.microsoft.com/office/drawing/2010/main" w="9525">
+                <a14:hiddenLine xmlns:a14="http://schemas.microsoft.com/office/drawing/2010/main" xmlns="" w="9525">
                   <a:solidFill>
                     <a:schemeClr val="tx1"/>
                   </a:solidFill>
@@ -17696,7 +17598,7 @@
                 </a14:hiddenLine>
               </a:ext>
               <a:ext uri="{AF507438-7753-43e0-B8FC-AC1667EBCBE1}">
-                <a14:hiddenEffects xmlns="" xmlns:a14="http://schemas.microsoft.com/office/drawing/2010/main">
+                <a14:hiddenEffects xmlns:a14="http://schemas.microsoft.com/office/drawing/2010/main" xmlns="">
                   <a:effectLst>
                     <a:outerShdw blurRad="63500" dist="38099" dir="2700000" algn="ctr" rotWithShape="0">
                       <a:schemeClr val="bg2">
@@ -17734,11 +17636,7 @@
               </a:r>
               <a:r>
                 <a:rPr lang="en-US" sz="2667" dirty="0"/>
-                <a:t> S(k,</a:t>
-              </a:r>
-              <a:r>
-                <a:rPr lang="en-US" sz="2667" dirty="0"/>
-                <a:t>m</a:t>
+                <a:t> S(k,m</a:t>
               </a:r>
               <a:r>
                 <a:rPr lang="en-US" sz="2667" baseline="-25000" dirty="0"/>
@@ -17748,7 +17646,6 @@
                 <a:rPr lang="en-US" sz="2667" dirty="0"/>
                 <a:t>)</a:t>
               </a:r>
-              <a:endParaRPr lang="en-US" sz="2667" dirty="0"/>
             </a:p>
           </p:txBody>
         </p:sp>
@@ -17769,8 +17666,8 @@
             <a:chExt cx="3628" cy="705"/>
           </a:xfrm>
         </p:grpSpPr>
-        <mc:AlternateContent xmlns:mc="http://schemas.openxmlformats.org/markup-compatibility/2006">
-          <mc:Choice xmlns:a14="http://schemas.microsoft.com/office/drawing/2010/main" Requires="a14">
+        <mc:AlternateContent xmlns:mc="http://schemas.openxmlformats.org/markup-compatibility/2006" xmlns:a14="http://schemas.microsoft.com/office/drawing/2010/main">
+          <mc:Choice Requires="a14">
             <p:sp>
               <p:nvSpPr>
                 <p:cNvPr id="25641" name="Text Box 41"/>
@@ -18027,7 +17924,7 @@
               </p:txBody>
             </p:sp>
           </mc:Choice>
-          <mc:Fallback>
+          <mc:Fallback xmlns="">
             <p:sp>
               <p:nvSpPr>
                 <p:cNvPr id="25641" name="Text Box 41"/>
@@ -18131,14 +18028,14 @@
             <a:effectLst/>
             <a:extLst>
               <a:ext uri="{909E8E84-426E-40dd-AFC4-6F175D3DCCD1}">
-                <a14:hiddenFill xmlns="" xmlns:a14="http://schemas.microsoft.com/office/drawing/2010/main">
+                <a14:hiddenFill xmlns:a14="http://schemas.microsoft.com/office/drawing/2010/main" xmlns="">
                   <a:solidFill>
                     <a:schemeClr val="accent1"/>
                   </a:solidFill>
                 </a14:hiddenFill>
               </a:ext>
               <a:ext uri="{AF507438-7753-43e0-B8FC-AC1667EBCBE1}">
-                <a14:hiddenEffects xmlns="" xmlns:a14="http://schemas.microsoft.com/office/drawing/2010/main">
+                <a14:hiddenEffects xmlns:a14="http://schemas.microsoft.com/office/drawing/2010/main" xmlns="">
                   <a:effectLst>
                     <a:outerShdw blurRad="63500" dist="38099" dir="2700000" algn="ctr" rotWithShape="0">
                       <a:schemeClr val="bg2">
@@ -18201,12 +18098,12 @@
             <a:effectLst/>
             <a:extLst>
               <a:ext uri="{909E8E84-426E-40dd-AFC4-6F175D3DCCD1}">
-                <a14:hiddenFill xmlns="" xmlns:a14="http://schemas.microsoft.com/office/drawing/2010/main">
+                <a14:hiddenFill xmlns:a14="http://schemas.microsoft.com/office/drawing/2010/main" xmlns="">
                   <a:noFill/>
                 </a14:hiddenFill>
               </a:ext>
               <a:ext uri="{AF507438-7753-43e0-B8FC-AC1667EBCBE1}">
-                <a14:hiddenEffects xmlns="" xmlns:a14="http://schemas.microsoft.com/office/drawing/2010/main">
+                <a14:hiddenEffects xmlns:a14="http://schemas.microsoft.com/office/drawing/2010/main" xmlns="">
                   <a:effectLst>
                     <a:outerShdw blurRad="63500" dist="38099" dir="2700000" algn="ctr" rotWithShape="0">
                       <a:schemeClr val="bg2">
@@ -18249,14 +18146,14 @@
             <a:effectLst/>
             <a:extLst>
               <a:ext uri="{909E8E84-426E-40dd-AFC4-6F175D3DCCD1}">
-                <a14:hiddenFill xmlns="" xmlns:a14="http://schemas.microsoft.com/office/drawing/2010/main">
+                <a14:hiddenFill xmlns:a14="http://schemas.microsoft.com/office/drawing/2010/main" xmlns="">
                   <a:solidFill>
                     <a:schemeClr val="accent1"/>
                   </a:solidFill>
                 </a14:hiddenFill>
               </a:ext>
               <a:ext uri="{91240B29-F687-4f45-9708-019B960494DF}">
-                <a14:hiddenLine xmlns="" xmlns:a14="http://schemas.microsoft.com/office/drawing/2010/main" w="9525">
+                <a14:hiddenLine xmlns:a14="http://schemas.microsoft.com/office/drawing/2010/main" xmlns="" w="9525">
                   <a:solidFill>
                     <a:schemeClr val="tx1"/>
                   </a:solidFill>
@@ -18266,7 +18163,7 @@
                 </a14:hiddenLine>
               </a:ext>
               <a:ext uri="{AF507438-7753-43e0-B8FC-AC1667EBCBE1}">
-                <a14:hiddenEffects xmlns="" xmlns:a14="http://schemas.microsoft.com/office/drawing/2010/main">
+                <a14:hiddenEffects xmlns:a14="http://schemas.microsoft.com/office/drawing/2010/main" xmlns="">
                   <a:effectLst>
                     <a:outerShdw blurRad="63500" dist="38099" dir="2700000" algn="ctr" rotWithShape="0">
                       <a:schemeClr val="bg2">
@@ -18449,13 +18346,7 @@
                       <a:rPr lang="en-US" b="0" i="1" dirty="0" smtClean="0">
                         <a:latin typeface="Cambria Math" panose="02040503050406030204" pitchFamily="18" charset="0"/>
                       </a:rPr>
-                      <m:t> = 2128+</m:t>
-                    </m:r>
-                    <m:r>
-                      <a:rPr lang="en-US" b="0" i="1" dirty="0" smtClean="0">
-                        <a:latin typeface="Cambria Math" panose="02040503050406030204" pitchFamily="18" charset="0"/>
-                      </a:rPr>
-                      <m:t>51 </m:t>
+                      <m:t> = 2128+51 </m:t>
                     </m:r>
                   </m:oMath>
                 </a14:m>
@@ -18463,7 +18354,6 @@
                   <a:rPr lang="en-US" dirty="0" smtClean="0"/>
                   <a:t>)</a:t>
                 </a:r>
-                <a:endParaRPr lang="en-US" dirty="0" smtClean="0"/>
               </a:p>
               <a:p>
                 <a:pPr marL="0" indent="0">
@@ -18488,44 +18378,87 @@
                       <a:rPr lang="en-US" i="1" dirty="0" smtClean="0">
                         <a:latin typeface="Cambria Math" panose="02040503050406030204" pitchFamily="18" charset="0"/>
                       </a:rPr>
-                      <m:t> = (</m:t>
-                    </m:r>
+                      <m:t> = </m:t>
+                    </m:r>
+                    <m:d>
+                      <m:dPr>
+                        <m:ctrlPr>
+                          <a:rPr lang="en-US" i="1" dirty="0" smtClean="0">
+                            <a:latin typeface="Cambria Math" panose="02040503050406030204" pitchFamily="18" charset="0"/>
+                          </a:rPr>
+                        </m:ctrlPr>
+                      </m:dPr>
+                      <m:e>
+                        <m:r>
+                          <a:rPr lang="en-US" i="1" dirty="0" smtClean="0">
+                            <a:latin typeface="Cambria Math" panose="02040503050406030204" pitchFamily="18" charset="0"/>
+                          </a:rPr>
+                          <m:t>𝑎</m:t>
+                        </m:r>
+                        <m:r>
+                          <a:rPr lang="en-US" i="1" dirty="0" smtClean="0">
+                            <a:latin typeface="Cambria Math" panose="02040503050406030204" pitchFamily="18" charset="0"/>
+                          </a:rPr>
+                          <m:t>, </m:t>
+                        </m:r>
+                        <m:r>
+                          <a:rPr lang="en-US" i="1" dirty="0">
+                            <a:latin typeface="Cambria Math" panose="02040503050406030204" pitchFamily="18" charset="0"/>
+                          </a:rPr>
+                          <m:t>𝑏</m:t>
+                        </m:r>
+                      </m:e>
+                    </m:d>
                     <m:r>
                       <a:rPr lang="en-US" i="1" dirty="0" smtClean="0">
                         <a:latin typeface="Cambria Math" panose="02040503050406030204" pitchFamily="18" charset="0"/>
                       </a:rPr>
-                      <m:t>𝑎</m:t>
-                    </m:r>
-                    <m:r>
-                      <a:rPr lang="en-US" i="1" dirty="0" smtClean="0">
-                        <a:latin typeface="Cambria Math" panose="02040503050406030204" pitchFamily="18" charset="0"/>
-                      </a:rPr>
-                      <m:t>, </m:t>
-                    </m:r>
-                    <m:r>
-                      <a:rPr lang="en-US" i="1" dirty="0">
-                        <a:latin typeface="Cambria Math" panose="02040503050406030204" pitchFamily="18" charset="0"/>
-                      </a:rPr>
-                      <m:t>𝑏</m:t>
-                    </m:r>
-                    <m:r>
-                      <a:rPr lang="en-US" i="1" dirty="0" smtClean="0">
-                        <a:latin typeface="Cambria Math" panose="02040503050406030204" pitchFamily="18" charset="0"/>
-                      </a:rPr>
-                      <m:t>) ∈ {1,…,</m:t>
-                    </m:r>
-                    <m:r>
-                      <a:rPr lang="en-US" i="1" dirty="0" smtClean="0">
-                        <a:latin typeface="Cambria Math" panose="02040503050406030204" pitchFamily="18" charset="0"/>
-                      </a:rPr>
-                      <m:t>𝑞</m:t>
-                    </m:r>
-                    <m:r>
-                      <a:rPr lang="en-US" i="1" dirty="0" smtClean="0">
-                        <a:latin typeface="Cambria Math" panose="02040503050406030204" pitchFamily="18" charset="0"/>
-                      </a:rPr>
-                      <m:t>}2</m:t>
-                    </m:r>
+                      <m:t>∈ </m:t>
+                    </m:r>
+                    <m:sSup>
+                      <m:sSupPr>
+                        <m:ctrlPr>
+                          <a:rPr lang="en-US" b="0" i="1" dirty="0" smtClean="0">
+                            <a:latin typeface="Cambria Math" panose="02040503050406030204" pitchFamily="18" charset="0"/>
+                          </a:rPr>
+                        </m:ctrlPr>
+                      </m:sSupPr>
+                      <m:e>
+                        <m:d>
+                          <m:dPr>
+                            <m:begChr m:val="{"/>
+                            <m:endChr m:val="}"/>
+                            <m:ctrlPr>
+                              <a:rPr lang="en-US" i="1" dirty="0" smtClean="0">
+                                <a:latin typeface="Cambria Math" panose="02040503050406030204" pitchFamily="18" charset="0"/>
+                              </a:rPr>
+                            </m:ctrlPr>
+                          </m:dPr>
+                          <m:e>
+                            <m:r>
+                              <a:rPr lang="en-US" i="1" dirty="0" smtClean="0">
+                                <a:latin typeface="Cambria Math" panose="02040503050406030204" pitchFamily="18" charset="0"/>
+                              </a:rPr>
+                              <m:t>1,…,</m:t>
+                            </m:r>
+                            <m:r>
+                              <a:rPr lang="en-US" i="1" dirty="0" smtClean="0">
+                                <a:latin typeface="Cambria Math" panose="02040503050406030204" pitchFamily="18" charset="0"/>
+                              </a:rPr>
+                              <m:t>𝑞</m:t>
+                            </m:r>
+                          </m:e>
+                        </m:d>
+                      </m:e>
+                      <m:sup>
+                        <m:r>
+                          <a:rPr lang="en-US" i="1" dirty="0" smtClean="0">
+                            <a:latin typeface="Cambria Math" panose="02040503050406030204" pitchFamily="18" charset="0"/>
+                          </a:rPr>
+                          <m:t>2</m:t>
+                        </m:r>
+                      </m:sup>
+                    </m:sSup>
                   </m:oMath>
                 </a14:m>
                 <a:endParaRPr lang="ru-RU" baseline="30000" dirty="0" smtClean="0"/>
@@ -18599,13 +18532,7 @@
                           <a:rPr lang="en-US" i="1" dirty="0" smtClean="0">
                             <a:latin typeface="Cambria Math" panose="02040503050406030204" pitchFamily="18" charset="0"/>
                           </a:rPr>
-                          <m:t>, …,</m:t>
-                        </m:r>
-                        <m:r>
-                          <a:rPr lang="en-US" i="1" dirty="0" smtClean="0">
-                            <a:latin typeface="Cambria Math" panose="02040503050406030204" pitchFamily="18" charset="0"/>
-                          </a:rPr>
-                          <m:t> </m:t>
+                          <m:t>, …, </m:t>
                         </m:r>
                         <m:r>
                           <a:rPr lang="en-US" i="1" dirty="0" smtClean="0">
@@ -19080,7 +19007,7 @@
                 <a:off x="838200" y="1397000"/>
                 <a:ext cx="11887200" cy="5461000"/>
               </a:xfrm>
-              <a:blipFill rotWithShape="0">
+              <a:blipFill>
                 <a:blip r:embed="rId2"/>
                 <a:stretch>
                   <a:fillRect l="-923" t="-1674"/>
@@ -19162,11 +19089,7 @@
             </a:r>
             <a:r>
               <a:rPr lang="en-US" dirty="0" smtClean="0"/>
-              <a:t> </a:t>
-            </a:r>
-            <a:r>
-              <a:rPr lang="en-US" dirty="0" smtClean="0"/>
-              <a:t>MAC ⇒ </a:t>
+              <a:t> MAC ⇒ </a:t>
             </a:r>
             <a:r>
               <a:rPr lang="ru-RU" dirty="0" smtClean="0"/>
@@ -19174,18 +19097,14 @@
             </a:r>
             <a:r>
               <a:rPr lang="en-US" dirty="0" smtClean="0"/>
-              <a:t> </a:t>
-            </a:r>
-            <a:r>
-              <a:rPr lang="en-US" dirty="0" smtClean="0"/>
-              <a:t>MAC</a:t>
+              <a:t> MAC</a:t>
             </a:r>
             <a:endParaRPr lang="en-US" dirty="0"/>
           </a:p>
         </p:txBody>
       </p:sp>
-      <mc:AlternateContent xmlns:mc="http://schemas.openxmlformats.org/markup-compatibility/2006">
-        <mc:Choice xmlns:a14="http://schemas.microsoft.com/office/drawing/2010/main" Requires="a14">
+      <mc:AlternateContent xmlns:mc="http://schemas.openxmlformats.org/markup-compatibility/2006" xmlns:a14="http://schemas.microsoft.com/office/drawing/2010/main">
+        <mc:Choice Requires="a14">
           <p:sp>
             <p:nvSpPr>
               <p:cNvPr id="3" name="Content Placeholder 2"/>
@@ -19317,7 +19236,6 @@
                   <a:rPr lang="en-US" dirty="0" smtClean="0"/>
                   <a:t> .</a:t>
                 </a:r>
-                <a:endParaRPr lang="en-US" dirty="0" smtClean="0"/>
               </a:p>
               <a:p>
                 <a:pPr marL="0" indent="0">
@@ -19484,11 +19402,7 @@
                 </a:r>
                 <a:r>
                   <a:rPr lang="en-US" dirty="0" smtClean="0"/>
-                  <a:t> </a:t>
-                </a:r>
-                <a:r>
-                  <a:rPr lang="en-US" dirty="0" smtClean="0"/>
-                  <a:t>MAC:    </a:t>
+                  <a:t> MAC:    </a:t>
                 </a:r>
                 <a:endParaRPr lang="en-US" b="0" i="1" dirty="0" smtClean="0">
                   <a:latin typeface="Cambria Math" panose="02040503050406030204" pitchFamily="18" charset="0"/>
@@ -20072,7 +19986,7 @@
             </p:txBody>
           </p:sp>
         </mc:Choice>
-        <mc:Fallback>
+        <mc:Fallback xmlns="">
           <p:sp>
             <p:nvSpPr>
               <p:cNvPr id="3" name="Content Placeholder 2"/>
@@ -21469,12 +21383,12 @@
                   <a:t>Простыми словами – дополнить каждые 16 байт до 17, </a:t>
                 </a:r>
                 <a:r>
-                  <a:rPr lang="ru-RU" dirty="0" err="1" smtClean="0"/>
-                  <a:t>добавля</a:t>
-                </a:r>
-                <a:r>
                   <a:rPr lang="ru-RU" dirty="0" smtClean="0"/>
-                  <a:t> 1. Если не хватает до 16 байт – добавить 100…000 чтоб хватало.</a:t>
+                  <a:t>добавляя </a:t>
+                </a:r>
+                <a:r>
+                  <a:rPr lang="ru-RU" dirty="0" smtClean="0"/>
+                  <a:t>1. Если не хватает до 16 байт – добавить 100…000 чтоб хватало.</a:t>
                 </a:r>
                 <a:endParaRPr lang="en-US" dirty="0"/>
               </a:p>
@@ -21497,10 +21411,10 @@
                 <a:off x="838200" y="1825625"/>
                 <a:ext cx="10515600" cy="4622676"/>
               </a:xfrm>
-              <a:blipFill rotWithShape="0">
+              <a:blipFill>
                 <a:blip r:embed="rId2"/>
                 <a:stretch>
-                  <a:fillRect l="-1043" t="-2635" b="-2503"/>
+                  <a:fillRect l="-1043" t="-2635" r="-406" b="-2503"/>
                 </a:stretch>
               </a:blipFill>
             </p:spPr>
@@ -21626,8 +21540,8 @@
           </a:p>
         </p:txBody>
       </p:sp>
-      <mc:AlternateContent xmlns:mc="http://schemas.openxmlformats.org/markup-compatibility/2006">
-        <mc:Choice xmlns:a14="http://schemas.microsoft.com/office/drawing/2010/main" Requires="a14">
+      <mc:AlternateContent xmlns:mc="http://schemas.openxmlformats.org/markup-compatibility/2006" xmlns:a14="http://schemas.microsoft.com/office/drawing/2010/main">
+        <mc:Choice Requires="a14">
           <p:sp>
             <p:nvSpPr>
               <p:cNvPr id="3" name="Объект 2"/>
@@ -22110,7 +22024,7 @@
             </p:txBody>
           </p:sp>
         </mc:Choice>
-        <mc:Fallback>
+        <mc:Fallback xmlns="">
           <p:sp>
             <p:nvSpPr>
               <p:cNvPr id="3" name="Объект 2"/>
@@ -25736,11 +25650,7 @@
             </a:r>
             <a:r>
               <a:rPr lang="en-US" dirty="0" smtClean="0"/>
-              <a:t>PRF</a:t>
-            </a:r>
-            <a:r>
-              <a:rPr lang="en-US" dirty="0" smtClean="0"/>
-              <a:t>:</a:t>
+              <a:t>PRF:</a:t>
             </a:r>
           </a:p>
           <a:p>
@@ -25955,8 +25865,8 @@
           </a:p>
         </p:txBody>
       </p:sp>
-      <mc:AlternateContent xmlns:mc="http://schemas.openxmlformats.org/markup-compatibility/2006">
-        <mc:Choice xmlns:a14="http://schemas.microsoft.com/office/drawing/2010/main" Requires="a14">
+      <mc:AlternateContent xmlns:mc="http://schemas.openxmlformats.org/markup-compatibility/2006" xmlns:a14="http://schemas.microsoft.com/office/drawing/2010/main">
+        <mc:Choice Requires="a14">
           <p:sp>
             <p:nvSpPr>
               <p:cNvPr id="3" name="Объект 2"/>
@@ -26547,7 +26457,7 @@
             </p:txBody>
           </p:sp>
         </mc:Choice>
-        <mc:Fallback>
+        <mc:Fallback xmlns="">
           <p:sp>
             <p:nvSpPr>
               <p:cNvPr id="3" name="Объект 2"/>

--- a/Lectures/Lecture10.pptx
+++ b/Lectures/Lecture10.pptx
@@ -313,7 +313,7 @@
           <a:p>
             <a:fld id="{CBA08D16-15DC-4E25-BDC3-F25146157B16}" type="datetimeFigureOut">
               <a:rPr lang="ru-RU" smtClean="0"/>
-              <a:t>16.11.2018</a:t>
+              <a:t>19.11.2019</a:t>
             </a:fld>
             <a:endParaRPr lang="ru-RU"/>
           </a:p>
@@ -805,7 +805,7 @@
           <a:p>
             <a:fld id="{FCEC8293-DB51-454A-BE81-EC8FCB31EBA2}" type="datetime1">
               <a:rPr lang="ru-RU" smtClean="0"/>
-              <a:t>16.11.2018</a:t>
+              <a:t>19.11.2019</a:t>
             </a:fld>
             <a:endParaRPr lang="ru-RU"/>
           </a:p>
@@ -979,7 +979,7 @@
           <a:p>
             <a:fld id="{241C87B1-1C35-4DBD-BC18-2BC72E776603}" type="datetime1">
               <a:rPr lang="ru-RU" smtClean="0"/>
-              <a:t>16.11.2018</a:t>
+              <a:t>19.11.2019</a:t>
             </a:fld>
             <a:endParaRPr lang="ru-RU"/>
           </a:p>
@@ -1163,7 +1163,7 @@
           <a:p>
             <a:fld id="{3134C275-26C0-42CD-9111-9ADE65922AF9}" type="datetime1">
               <a:rPr lang="ru-RU" smtClean="0"/>
-              <a:t>16.11.2018</a:t>
+              <a:t>19.11.2019</a:t>
             </a:fld>
             <a:endParaRPr lang="ru-RU"/>
           </a:p>
@@ -1337,7 +1337,7 @@
           <a:p>
             <a:fld id="{C1A9A50B-C350-45F5-8AAB-ADB9E670AF2E}" type="datetime1">
               <a:rPr lang="ru-RU" smtClean="0"/>
-              <a:t>16.11.2018</a:t>
+              <a:t>19.11.2019</a:t>
             </a:fld>
             <a:endParaRPr lang="ru-RU"/>
           </a:p>
@@ -1587,7 +1587,7 @@
           <a:p>
             <a:fld id="{089688C9-348F-42F9-B6C0-5990DDE0C5B2}" type="datetime1">
               <a:rPr lang="ru-RU" smtClean="0"/>
-              <a:t>16.11.2018</a:t>
+              <a:t>19.11.2019</a:t>
             </a:fld>
             <a:endParaRPr lang="ru-RU"/>
           </a:p>
@@ -1823,7 +1823,7 @@
           <a:p>
             <a:fld id="{684AFD8F-6DD9-4AD3-A505-FDC3F5C5F3F6}" type="datetime1">
               <a:rPr lang="ru-RU" smtClean="0"/>
-              <a:t>16.11.2018</a:t>
+              <a:t>19.11.2019</a:t>
             </a:fld>
             <a:endParaRPr lang="ru-RU"/>
           </a:p>
@@ -2194,7 +2194,7 @@
           <a:p>
             <a:fld id="{63551EFE-4D02-45EB-A747-8B6F047B5AA0}" type="datetime1">
               <a:rPr lang="ru-RU" smtClean="0"/>
-              <a:t>16.11.2018</a:t>
+              <a:t>19.11.2019</a:t>
             </a:fld>
             <a:endParaRPr lang="ru-RU"/>
           </a:p>
@@ -2316,7 +2316,7 @@
           <a:p>
             <a:fld id="{813A9F34-E5CD-4B8F-AA9E-889C84372B20}" type="datetime1">
               <a:rPr lang="ru-RU" smtClean="0"/>
-              <a:t>16.11.2018</a:t>
+              <a:t>19.11.2019</a:t>
             </a:fld>
             <a:endParaRPr lang="ru-RU"/>
           </a:p>
@@ -2415,7 +2415,7 @@
           <a:p>
             <a:fld id="{51224D22-9B29-44A6-8E82-95FC492DEDC1}" type="datetime1">
               <a:rPr lang="ru-RU" smtClean="0"/>
-              <a:t>16.11.2018</a:t>
+              <a:t>19.11.2019</a:t>
             </a:fld>
             <a:endParaRPr lang="ru-RU"/>
           </a:p>
@@ -2696,7 +2696,7 @@
           <a:p>
             <a:fld id="{91D1034F-4441-48A1-BDC0-25EA1022324A}" type="datetime1">
               <a:rPr lang="ru-RU" smtClean="0"/>
-              <a:t>16.11.2018</a:t>
+              <a:t>19.11.2019</a:t>
             </a:fld>
             <a:endParaRPr lang="ru-RU"/>
           </a:p>
@@ -2953,7 +2953,7 @@
           <a:p>
             <a:fld id="{B0FFDE79-B627-473B-AE17-4C65BD2495F7}" type="datetime1">
               <a:rPr lang="ru-RU" smtClean="0"/>
-              <a:t>16.11.2018</a:t>
+              <a:t>19.11.2019</a:t>
             </a:fld>
             <a:endParaRPr lang="ru-RU"/>
           </a:p>
@@ -3170,7 +3170,7 @@
           <a:p>
             <a:fld id="{11CA537A-1B8C-47BA-9BA6-7CE3FAFDA8BE}" type="datetime1">
               <a:rPr lang="ru-RU" smtClean="0"/>
-              <a:t>16.11.2018</a:t>
+              <a:t>19.11.2019</a:t>
             </a:fld>
             <a:endParaRPr lang="ru-RU"/>
           </a:p>
@@ -3672,7 +3672,15 @@
           <a:p>
             <a:r>
               <a:rPr lang="ru-RU" dirty="0" smtClean="0"/>
-              <a:t>МИФИ 2018</a:t>
+              <a:t>МИФИ </a:t>
+            </a:r>
+            <a:r>
+              <a:rPr lang="ru-RU" dirty="0" smtClean="0"/>
+              <a:t>201</a:t>
+            </a:r>
+            <a:r>
+              <a:rPr lang="en-US" dirty="0" smtClean="0"/>
+              <a:t>9</a:t>
             </a:r>
             <a:endParaRPr lang="ru-RU" dirty="0"/>
           </a:p>
@@ -5402,8 +5410,8 @@
           </a:p>
         </p:txBody>
       </p:sp>
-      <mc:AlternateContent xmlns:mc="http://schemas.openxmlformats.org/markup-compatibility/2006">
-        <mc:Choice xmlns:a14="http://schemas.microsoft.com/office/drawing/2010/main" Requires="a14">
+      <mc:AlternateContent xmlns:mc="http://schemas.openxmlformats.org/markup-compatibility/2006" xmlns:a14="http://schemas.microsoft.com/office/drawing/2010/main">
+        <mc:Choice Requires="a14">
           <p:sp>
             <p:nvSpPr>
               <p:cNvPr id="3" name="Объект 2"/>
@@ -6321,7 +6329,7 @@
             </p:txBody>
           </p:sp>
         </mc:Choice>
-        <mc:Fallback>
+        <mc:Fallback xmlns="">
           <p:sp>
             <p:nvSpPr>
               <p:cNvPr id="3" name="Объект 2"/>
@@ -7407,8 +7415,8 @@
         </p:nvSpPr>
         <p:spPr>
           <a:xfrm>
-            <a:off x="821377" y="2802577"/>
-            <a:ext cx="10515600" cy="1281845"/>
+            <a:off x="842682" y="3360371"/>
+            <a:ext cx="10511118" cy="1359547"/>
           </a:xfrm>
           <a:prstGeom prst="roundRect">
             <a:avLst/>
@@ -7460,8 +7468,8 @@
           </a:p>
         </p:txBody>
       </p:sp>
-      <mc:AlternateContent xmlns:mc="http://schemas.openxmlformats.org/markup-compatibility/2006" xmlns:a14="http://schemas.microsoft.com/office/drawing/2010/main">
-        <mc:Choice Requires="a14">
+      <mc:AlternateContent xmlns:mc="http://schemas.openxmlformats.org/markup-compatibility/2006">
+        <mc:Choice xmlns:a14="http://schemas.microsoft.com/office/drawing/2010/main" Requires="a14">
           <p:sp>
             <p:nvSpPr>
               <p:cNvPr id="3" name="Объект 2"/>
@@ -7472,9 +7480,16 @@
                 <p:ph idx="1"/>
               </p:nvPr>
             </p:nvSpPr>
-            <p:spPr/>
+            <p:spPr>
+              <a:xfrm>
+                <a:off x="838200" y="1825625"/>
+                <a:ext cx="10515600" cy="4351338"/>
+              </a:xfrm>
+            </p:spPr>
             <p:txBody>
-              <a:bodyPr/>
+              <a:bodyPr>
+                <a:normAutofit lnSpcReduction="10000"/>
+              </a:bodyPr>
               <a:lstStyle/>
               <a:p>
                 <a:r>
@@ -7780,6 +7795,20 @@
                   <a:rPr lang="ru-RU" dirty="0" smtClean="0"/>
                   <a:t>бит</a:t>
                 </a:r>
+                <a:r>
+                  <a:rPr lang="en-US" dirty="0" smtClean="0"/>
+                  <a:t> (</a:t>
+                </a:r>
+                <a:r>
+                  <a:rPr lang="ru-RU" dirty="0" smtClean="0"/>
+                  <a:t>например все 0).</a:t>
+                </a:r>
+              </a:p>
+              <a:p>
+                <a:pPr marL="0" indent="0">
+                  <a:buNone/>
+                </a:pPr>
+                <a:endParaRPr lang="ru-RU" dirty="0" smtClean="0"/>
               </a:p>
               <a:p>
                 <a:pPr marL="0" indent="0">
@@ -8350,7 +8379,7 @@
             </p:txBody>
           </p:sp>
         </mc:Choice>
-        <mc:Fallback xmlns="">
+        <mc:Fallback>
           <p:sp>
             <p:nvSpPr>
               <p:cNvPr id="3" name="Объект 2"/>
@@ -8362,10 +8391,14 @@
               </p:nvPr>
             </p:nvSpPr>
             <p:spPr>
+              <a:xfrm>
+                <a:off x="838200" y="1825625"/>
+                <a:ext cx="10515600" cy="4351338"/>
+              </a:xfrm>
               <a:blipFill rotWithShape="0">
                 <a:blip r:embed="rId2"/>
                 <a:stretch>
-                  <a:fillRect l="-1043" t="-1821"/>
+                  <a:fillRect l="-1043" t="-2661"/>
                 </a:stretch>
               </a:blipFill>
             </p:spPr>
@@ -9416,8 +9449,8 @@
           </a:p>
         </p:txBody>
       </p:sp>
-      <mc:AlternateContent xmlns:mc="http://schemas.openxmlformats.org/markup-compatibility/2006" xmlns:a14="http://schemas.microsoft.com/office/drawing/2010/main">
-        <mc:Choice Requires="a14">
+      <mc:AlternateContent xmlns:mc="http://schemas.openxmlformats.org/markup-compatibility/2006">
+        <mc:Choice xmlns:a14="http://schemas.microsoft.com/office/drawing/2010/main" Requires="a14">
           <p:sp>
             <p:nvSpPr>
               <p:cNvPr id="3" name="Объект 2"/>
@@ -9435,8 +9468,13 @@
               <a:p>
                 <a:r>
                   <a:rPr lang="ru-RU" dirty="0" smtClean="0"/>
-                  <a:t>Метод 1. Добавление длины.</a:t>
-                </a:r>
+                  <a:t>Метод 1. Добавление </a:t>
+                </a:r>
+                <a:r>
+                  <a:rPr lang="ru-RU" dirty="0" smtClean="0"/>
+                  <a:t>длины</a:t>
+                </a:r>
+                <a:endParaRPr lang="ru-RU" dirty="0" smtClean="0"/>
               </a:p>
               <a:p>
                 <a:pPr marL="0" indent="0">
@@ -10374,7 +10412,7 @@
             </p:txBody>
           </p:sp>
         </mc:Choice>
-        <mc:Fallback xmlns="">
+        <mc:Fallback>
           <p:sp>
             <p:nvSpPr>
               <p:cNvPr id="3" name="Объект 2"/>
@@ -13442,8 +13480,8 @@
           </a:p>
         </p:txBody>
       </p:sp>
-      <mc:AlternateContent xmlns:mc="http://schemas.openxmlformats.org/markup-compatibility/2006">
-        <mc:Choice xmlns:a14="http://schemas.microsoft.com/office/drawing/2010/main" Requires="a14">
+      <mc:AlternateContent xmlns:mc="http://schemas.openxmlformats.org/markup-compatibility/2006" xmlns:a14="http://schemas.microsoft.com/office/drawing/2010/main">
+        <mc:Choice Requires="a14">
           <p:sp>
             <p:nvSpPr>
               <p:cNvPr id="3" name="Объект 2"/>
@@ -13848,11 +13886,7 @@
                 </a:r>
                 <a:r>
                   <a:rPr lang="ru-RU" dirty="0" smtClean="0"/>
-                  <a:t>введённая </a:t>
-                </a:r>
-                <a:r>
-                  <a:rPr lang="ru-RU" dirty="0" smtClean="0"/>
-                  <a:t>выше – стойкая </a:t>
+                  <a:t>введённая выше – стойкая </a:t>
                 </a:r>
                 <a:r>
                   <a:rPr lang="en-US" dirty="0" smtClean="0"/>
@@ -13990,7 +14024,7 @@
             </p:txBody>
           </p:sp>
         </mc:Choice>
-        <mc:Fallback>
+        <mc:Fallback xmlns="">
           <p:sp>
             <p:nvSpPr>
               <p:cNvPr id="3" name="Объект 2"/>
@@ -14604,7 +14638,11 @@
           <a:p>
             <a:r>
               <a:rPr lang="ru-RU" dirty="0" smtClean="0"/>
-              <a:t>Использует три различных ключа</a:t>
+              <a:t>Использует три различных </a:t>
+            </a:r>
+            <a:r>
+              <a:rPr lang="ru-RU" dirty="0" smtClean="0"/>
+              <a:t>ключа (могут быть выработаны на основе одного ключа)</a:t>
             </a:r>
             <a:endParaRPr lang="en-US" dirty="0" smtClean="0"/>
           </a:p>
@@ -16986,7 +17024,7 @@
           <a:effectLst/>
           <a:extLst>
             <a:ext uri="{AF507438-7753-43e0-B8FC-AC1667EBCBE1}">
-              <a14:hiddenEffects xmlns:a14="http://schemas.microsoft.com/office/drawing/2010/main" xmlns="">
+              <a14:hiddenEffects xmlns="" xmlns:a14="http://schemas.microsoft.com/office/drawing/2010/main">
                 <a:effectLst>
                   <a:outerShdw blurRad="63500" dist="38099" dir="2700000" algn="ctr" rotWithShape="0">
                     <a:schemeClr val="bg2">
@@ -17040,7 +17078,7 @@
           <a:effectLst/>
           <a:extLst>
             <a:ext uri="{AF507438-7753-43e0-B8FC-AC1667EBCBE1}">
-              <a14:hiddenEffects xmlns:a14="http://schemas.microsoft.com/office/drawing/2010/main" xmlns="">
+              <a14:hiddenEffects xmlns="" xmlns:a14="http://schemas.microsoft.com/office/drawing/2010/main">
                 <a:effectLst>
                   <a:outerShdw blurRad="63500" dist="38099" dir="2700000" algn="ctr" rotWithShape="0">
                     <a:schemeClr val="bg2">
@@ -17087,14 +17125,14 @@
           <a:effectLst/>
           <a:extLst>
             <a:ext uri="{909E8E84-426E-40dd-AFC4-6F175D3DCCD1}">
-              <a14:hiddenFill xmlns:a14="http://schemas.microsoft.com/office/drawing/2010/main" xmlns="">
+              <a14:hiddenFill xmlns="" xmlns:a14="http://schemas.microsoft.com/office/drawing/2010/main">
                 <a:solidFill>
                   <a:schemeClr val="accent1"/>
                 </a:solidFill>
               </a14:hiddenFill>
             </a:ext>
             <a:ext uri="{91240B29-F687-4f45-9708-019B960494DF}">
-              <a14:hiddenLine xmlns:a14="http://schemas.microsoft.com/office/drawing/2010/main" xmlns="" w="9525">
+              <a14:hiddenLine xmlns="" xmlns:a14="http://schemas.microsoft.com/office/drawing/2010/main" w="9525">
                 <a:solidFill>
                   <a:schemeClr val="tx1"/>
                 </a:solidFill>
@@ -17104,7 +17142,7 @@
               </a14:hiddenLine>
             </a:ext>
             <a:ext uri="{AF507438-7753-43e0-B8FC-AC1667EBCBE1}">
-              <a14:hiddenEffects xmlns:a14="http://schemas.microsoft.com/office/drawing/2010/main" xmlns="">
+              <a14:hiddenEffects xmlns="" xmlns:a14="http://schemas.microsoft.com/office/drawing/2010/main">
                 <a:effectLst>
                   <a:outerShdw blurRad="63500" dist="38099" dir="2700000" algn="ctr" rotWithShape="0">
                     <a:schemeClr val="bg2">
@@ -17183,12 +17221,12 @@
             <a:effectLst/>
             <a:extLst>
               <a:ext uri="{909E8E84-426E-40dd-AFC4-6F175D3DCCD1}">
-                <a14:hiddenFill xmlns:a14="http://schemas.microsoft.com/office/drawing/2010/main" xmlns="">
+                <a14:hiddenFill xmlns="" xmlns:a14="http://schemas.microsoft.com/office/drawing/2010/main">
                   <a:noFill/>
                 </a14:hiddenFill>
               </a:ext>
               <a:ext uri="{AF507438-7753-43e0-B8FC-AC1667EBCBE1}">
-                <a14:hiddenEffects xmlns:a14="http://schemas.microsoft.com/office/drawing/2010/main" xmlns="">
+                <a14:hiddenEffects xmlns="" xmlns:a14="http://schemas.microsoft.com/office/drawing/2010/main">
                   <a:effectLst>
                     <a:outerShdw blurRad="63500" dist="38099" dir="2700000" algn="ctr" rotWithShape="0">
                       <a:schemeClr val="bg2">
@@ -17231,14 +17269,14 @@
             <a:effectLst/>
             <a:extLst>
               <a:ext uri="{909E8E84-426E-40dd-AFC4-6F175D3DCCD1}">
-                <a14:hiddenFill xmlns:a14="http://schemas.microsoft.com/office/drawing/2010/main" xmlns="">
+                <a14:hiddenFill xmlns="" xmlns:a14="http://schemas.microsoft.com/office/drawing/2010/main">
                   <a:solidFill>
                     <a:schemeClr val="accent1"/>
                   </a:solidFill>
                 </a14:hiddenFill>
               </a:ext>
               <a:ext uri="{91240B29-F687-4f45-9708-019B960494DF}">
-                <a14:hiddenLine xmlns:a14="http://schemas.microsoft.com/office/drawing/2010/main" xmlns="" w="9525">
+                <a14:hiddenLine xmlns="" xmlns:a14="http://schemas.microsoft.com/office/drawing/2010/main" w="9525">
                   <a:solidFill>
                     <a:schemeClr val="tx1"/>
                   </a:solidFill>
@@ -17248,7 +17286,7 @@
                 </a14:hiddenLine>
               </a:ext>
               <a:ext uri="{AF507438-7753-43e0-B8FC-AC1667EBCBE1}">
-                <a14:hiddenEffects xmlns:a14="http://schemas.microsoft.com/office/drawing/2010/main" xmlns="">
+                <a14:hiddenEffects xmlns="" xmlns:a14="http://schemas.microsoft.com/office/drawing/2010/main">
                   <a:effectLst>
                     <a:outerShdw blurRad="63500" dist="38099" dir="2700000" algn="ctr" rotWithShape="0">
                       <a:schemeClr val="bg2">
@@ -17313,14 +17351,14 @@
           <a:effectLst/>
           <a:extLst>
             <a:ext uri="{909E8E84-426E-40dd-AFC4-6F175D3DCCD1}">
-              <a14:hiddenFill xmlns:a14="http://schemas.microsoft.com/office/drawing/2010/main" xmlns="">
+              <a14:hiddenFill xmlns="" xmlns:a14="http://schemas.microsoft.com/office/drawing/2010/main">
                 <a:solidFill>
                   <a:schemeClr val="accent1"/>
                 </a:solidFill>
               </a14:hiddenFill>
             </a:ext>
             <a:ext uri="{AF507438-7753-43e0-B8FC-AC1667EBCBE1}">
-              <a14:hiddenEffects xmlns:a14="http://schemas.microsoft.com/office/drawing/2010/main" xmlns="">
+              <a14:hiddenEffects xmlns="" xmlns:a14="http://schemas.microsoft.com/office/drawing/2010/main">
                 <a:effectLst>
                   <a:outerShdw blurRad="63500" dist="38099" dir="2700000" algn="ctr" rotWithShape="0">
                     <a:schemeClr val="bg2">
@@ -17384,12 +17422,12 @@
             <a:effectLst/>
             <a:extLst>
               <a:ext uri="{909E8E84-426E-40dd-AFC4-6F175D3DCCD1}">
-                <a14:hiddenFill xmlns:a14="http://schemas.microsoft.com/office/drawing/2010/main" xmlns="">
+                <a14:hiddenFill xmlns="" xmlns:a14="http://schemas.microsoft.com/office/drawing/2010/main">
                   <a:noFill/>
                 </a14:hiddenFill>
               </a:ext>
               <a:ext uri="{AF507438-7753-43e0-B8FC-AC1667EBCBE1}">
-                <a14:hiddenEffects xmlns:a14="http://schemas.microsoft.com/office/drawing/2010/main" xmlns="">
+                <a14:hiddenEffects xmlns="" xmlns:a14="http://schemas.microsoft.com/office/drawing/2010/main">
                   <a:effectLst>
                     <a:outerShdw blurRad="63500" dist="38099" dir="2700000" algn="ctr" rotWithShape="0">
                       <a:schemeClr val="bg2">
@@ -17432,14 +17470,14 @@
             <a:effectLst/>
             <a:extLst>
               <a:ext uri="{909E8E84-426E-40dd-AFC4-6F175D3DCCD1}">
-                <a14:hiddenFill xmlns:a14="http://schemas.microsoft.com/office/drawing/2010/main" xmlns="">
+                <a14:hiddenFill xmlns="" xmlns:a14="http://schemas.microsoft.com/office/drawing/2010/main">
                   <a:solidFill>
                     <a:schemeClr val="accent1"/>
                   </a:solidFill>
                 </a14:hiddenFill>
               </a:ext>
               <a:ext uri="{91240B29-F687-4f45-9708-019B960494DF}">
-                <a14:hiddenLine xmlns:a14="http://schemas.microsoft.com/office/drawing/2010/main" xmlns="" w="9525">
+                <a14:hiddenLine xmlns="" xmlns:a14="http://schemas.microsoft.com/office/drawing/2010/main" w="9525">
                   <a:solidFill>
                     <a:schemeClr val="tx1"/>
                   </a:solidFill>
@@ -17449,7 +17487,7 @@
                 </a14:hiddenLine>
               </a:ext>
               <a:ext uri="{AF507438-7753-43e0-B8FC-AC1667EBCBE1}">
-                <a14:hiddenEffects xmlns:a14="http://schemas.microsoft.com/office/drawing/2010/main" xmlns="">
+                <a14:hiddenEffects xmlns="" xmlns:a14="http://schemas.microsoft.com/office/drawing/2010/main">
                   <a:effectLst>
                     <a:outerShdw blurRad="63500" dist="38099" dir="2700000" algn="ctr" rotWithShape="0">
                       <a:schemeClr val="bg2">
@@ -17533,12 +17571,12 @@
             <a:effectLst/>
             <a:extLst>
               <a:ext uri="{909E8E84-426E-40dd-AFC4-6F175D3DCCD1}">
-                <a14:hiddenFill xmlns:a14="http://schemas.microsoft.com/office/drawing/2010/main" xmlns="">
+                <a14:hiddenFill xmlns="" xmlns:a14="http://schemas.microsoft.com/office/drawing/2010/main">
                   <a:noFill/>
                 </a14:hiddenFill>
               </a:ext>
               <a:ext uri="{AF507438-7753-43e0-B8FC-AC1667EBCBE1}">
-                <a14:hiddenEffects xmlns:a14="http://schemas.microsoft.com/office/drawing/2010/main" xmlns="">
+                <a14:hiddenEffects xmlns="" xmlns:a14="http://schemas.microsoft.com/office/drawing/2010/main">
                   <a:effectLst>
                     <a:outerShdw blurRad="63500" dist="38099" dir="2700000" algn="ctr" rotWithShape="0">
                       <a:schemeClr val="bg2">
@@ -17581,14 +17619,14 @@
             <a:effectLst/>
             <a:extLst>
               <a:ext uri="{909E8E84-426E-40dd-AFC4-6F175D3DCCD1}">
-                <a14:hiddenFill xmlns:a14="http://schemas.microsoft.com/office/drawing/2010/main" xmlns="">
+                <a14:hiddenFill xmlns="" xmlns:a14="http://schemas.microsoft.com/office/drawing/2010/main">
                   <a:solidFill>
                     <a:schemeClr val="accent1"/>
                   </a:solidFill>
                 </a14:hiddenFill>
               </a:ext>
               <a:ext uri="{91240B29-F687-4f45-9708-019B960494DF}">
-                <a14:hiddenLine xmlns:a14="http://schemas.microsoft.com/office/drawing/2010/main" xmlns="" w="9525">
+                <a14:hiddenLine xmlns="" xmlns:a14="http://schemas.microsoft.com/office/drawing/2010/main" w="9525">
                   <a:solidFill>
                     <a:schemeClr val="tx1"/>
                   </a:solidFill>
@@ -17598,7 +17636,7 @@
                 </a14:hiddenLine>
               </a:ext>
               <a:ext uri="{AF507438-7753-43e0-B8FC-AC1667EBCBE1}">
-                <a14:hiddenEffects xmlns:a14="http://schemas.microsoft.com/office/drawing/2010/main" xmlns="">
+                <a14:hiddenEffects xmlns="" xmlns:a14="http://schemas.microsoft.com/office/drawing/2010/main">
                   <a:effectLst>
                     <a:outerShdw blurRad="63500" dist="38099" dir="2700000" algn="ctr" rotWithShape="0">
                       <a:schemeClr val="bg2">
@@ -18028,14 +18066,14 @@
             <a:effectLst/>
             <a:extLst>
               <a:ext uri="{909E8E84-426E-40dd-AFC4-6F175D3DCCD1}">
-                <a14:hiddenFill xmlns:a14="http://schemas.microsoft.com/office/drawing/2010/main" xmlns="">
+                <a14:hiddenFill xmlns="" xmlns:a14="http://schemas.microsoft.com/office/drawing/2010/main">
                   <a:solidFill>
                     <a:schemeClr val="accent1"/>
                   </a:solidFill>
                 </a14:hiddenFill>
               </a:ext>
               <a:ext uri="{AF507438-7753-43e0-B8FC-AC1667EBCBE1}">
-                <a14:hiddenEffects xmlns:a14="http://schemas.microsoft.com/office/drawing/2010/main" xmlns="">
+                <a14:hiddenEffects xmlns="" xmlns:a14="http://schemas.microsoft.com/office/drawing/2010/main">
                   <a:effectLst>
                     <a:outerShdw blurRad="63500" dist="38099" dir="2700000" algn="ctr" rotWithShape="0">
                       <a:schemeClr val="bg2">
@@ -18098,12 +18136,12 @@
             <a:effectLst/>
             <a:extLst>
               <a:ext uri="{909E8E84-426E-40dd-AFC4-6F175D3DCCD1}">
-                <a14:hiddenFill xmlns:a14="http://schemas.microsoft.com/office/drawing/2010/main" xmlns="">
+                <a14:hiddenFill xmlns="" xmlns:a14="http://schemas.microsoft.com/office/drawing/2010/main">
                   <a:noFill/>
                 </a14:hiddenFill>
               </a:ext>
               <a:ext uri="{AF507438-7753-43e0-B8FC-AC1667EBCBE1}">
-                <a14:hiddenEffects xmlns:a14="http://schemas.microsoft.com/office/drawing/2010/main" xmlns="">
+                <a14:hiddenEffects xmlns="" xmlns:a14="http://schemas.microsoft.com/office/drawing/2010/main">
                   <a:effectLst>
                     <a:outerShdw blurRad="63500" dist="38099" dir="2700000" algn="ctr" rotWithShape="0">
                       <a:schemeClr val="bg2">
@@ -18146,14 +18184,14 @@
             <a:effectLst/>
             <a:extLst>
               <a:ext uri="{909E8E84-426E-40dd-AFC4-6F175D3DCCD1}">
-                <a14:hiddenFill xmlns:a14="http://schemas.microsoft.com/office/drawing/2010/main" xmlns="">
+                <a14:hiddenFill xmlns="" xmlns:a14="http://schemas.microsoft.com/office/drawing/2010/main">
                   <a:solidFill>
                     <a:schemeClr val="accent1"/>
                   </a:solidFill>
                 </a14:hiddenFill>
               </a:ext>
               <a:ext uri="{91240B29-F687-4f45-9708-019B960494DF}">
-                <a14:hiddenLine xmlns:a14="http://schemas.microsoft.com/office/drawing/2010/main" xmlns="" w="9525">
+                <a14:hiddenLine xmlns="" xmlns:a14="http://schemas.microsoft.com/office/drawing/2010/main" w="9525">
                   <a:solidFill>
                     <a:schemeClr val="tx1"/>
                   </a:solidFill>
@@ -18163,7 +18201,7 @@
                 </a14:hiddenLine>
               </a:ext>
               <a:ext uri="{AF507438-7753-43e0-B8FC-AC1667EBCBE1}">
-                <a14:hiddenEffects xmlns:a14="http://schemas.microsoft.com/office/drawing/2010/main" xmlns="">
+                <a14:hiddenEffects xmlns="" xmlns:a14="http://schemas.microsoft.com/office/drawing/2010/main">
                   <a:effectLst>
                     <a:outerShdw blurRad="63500" dist="38099" dir="2700000" algn="ctr" rotWithShape="0">
                       <a:schemeClr val="bg2">
@@ -18257,8 +18295,8 @@
           </a:p>
         </p:txBody>
       </p:sp>
-      <mc:AlternateContent xmlns:mc="http://schemas.openxmlformats.org/markup-compatibility/2006">
-        <mc:Choice xmlns:a14="http://schemas.microsoft.com/office/drawing/2010/main" Requires="a14">
+      <mc:AlternateContent xmlns:mc="http://schemas.openxmlformats.org/markup-compatibility/2006" xmlns:a14="http://schemas.microsoft.com/office/drawing/2010/main">
+        <mc:Choice Requires="a14">
           <p:sp>
             <p:nvSpPr>
               <p:cNvPr id="3" name="Content Placeholder 2"/>
@@ -18991,7 +19029,7 @@
             </p:txBody>
           </p:sp>
         </mc:Choice>
-        <mc:Fallback>
+        <mc:Fallback xmlns="">
           <p:sp>
             <p:nvSpPr>
               <p:cNvPr id="3" name="Content Placeholder 2"/>
@@ -20461,8 +20499,8 @@
           </a:p>
         </p:txBody>
       </p:sp>
-      <mc:AlternateContent xmlns:mc="http://schemas.openxmlformats.org/markup-compatibility/2006">
-        <mc:Choice xmlns:a14="http://schemas.microsoft.com/office/drawing/2010/main" Requires="a14">
+      <mc:AlternateContent xmlns:mc="http://schemas.openxmlformats.org/markup-compatibility/2006" xmlns:a14="http://schemas.microsoft.com/office/drawing/2010/main">
+        <mc:Choice Requires="a14">
           <p:sp>
             <p:nvSpPr>
               <p:cNvPr id="3" name="Объект 2"/>
@@ -21380,22 +21418,14 @@
                 </a:pPr>
                 <a:r>
                   <a:rPr lang="ru-RU" dirty="0" smtClean="0"/>
-                  <a:t>Простыми словами – дополнить каждые 16 байт до 17, </a:t>
-                </a:r>
-                <a:r>
-                  <a:rPr lang="ru-RU" dirty="0" smtClean="0"/>
-                  <a:t>добавляя </a:t>
-                </a:r>
-                <a:r>
-                  <a:rPr lang="ru-RU" dirty="0" smtClean="0"/>
-                  <a:t>1. Если не хватает до 16 байт – добавить 100…000 чтоб хватало.</a:t>
+                  <a:t>Простыми словами – дополнить каждые 16 байт до 17, добавляя 1. Если не хватает до 16 байт – добавить 100…000 чтоб хватало.</a:t>
                 </a:r>
                 <a:endParaRPr lang="en-US" dirty="0"/>
               </a:p>
             </p:txBody>
           </p:sp>
         </mc:Choice>
-        <mc:Fallback>
+        <mc:Fallback xmlns="">
           <p:sp>
             <p:nvSpPr>
               <p:cNvPr id="3" name="Объект 2"/>

--- a/Lectures/Lecture10.pptx
+++ b/Lectures/Lecture10.pptx
@@ -5,7 +5,7 @@
     <p:sldMasterId id="2147483648" r:id="rId1"/>
   </p:sldMasterIdLst>
   <p:notesMasterIdLst>
-    <p:notesMasterId r:id="rId39"/>
+    <p:notesMasterId r:id="rId40"/>
   </p:notesMasterIdLst>
   <p:sldIdLst>
     <p:sldId id="296" r:id="rId2"/>
@@ -45,6 +45,7 @@
     <p:sldId id="500" r:id="rId36"/>
     <p:sldId id="501" r:id="rId37"/>
     <p:sldId id="502" r:id="rId38"/>
+    <p:sldId id="504" r:id="rId39"/>
   </p:sldIdLst>
   <p:sldSz cx="12192000" cy="6858000"/>
   <p:notesSz cx="6858000" cy="9144000"/>
@@ -217,6 +218,7 @@
             <p14:sldId id="500"/>
             <p14:sldId id="501"/>
             <p14:sldId id="502"/>
+            <p14:sldId id="504"/>
           </p14:sldIdLst>
         </p14:section>
       </p14:sectionLst>
@@ -313,7 +315,7 @@
           <a:p>
             <a:fld id="{CBA08D16-15DC-4E25-BDC3-F25146157B16}" type="datetimeFigureOut">
               <a:rPr lang="ru-RU" smtClean="0"/>
-              <a:t>19.11.2019</a:t>
+              <a:t>18.11.2020</a:t>
             </a:fld>
             <a:endParaRPr lang="ru-RU"/>
           </a:p>
@@ -805,7 +807,7 @@
           <a:p>
             <a:fld id="{FCEC8293-DB51-454A-BE81-EC8FCB31EBA2}" type="datetime1">
               <a:rPr lang="ru-RU" smtClean="0"/>
-              <a:t>19.11.2019</a:t>
+              <a:t>18.11.2020</a:t>
             </a:fld>
             <a:endParaRPr lang="ru-RU"/>
           </a:p>
@@ -979,7 +981,7 @@
           <a:p>
             <a:fld id="{241C87B1-1C35-4DBD-BC18-2BC72E776603}" type="datetime1">
               <a:rPr lang="ru-RU" smtClean="0"/>
-              <a:t>19.11.2019</a:t>
+              <a:t>18.11.2020</a:t>
             </a:fld>
             <a:endParaRPr lang="ru-RU"/>
           </a:p>
@@ -1163,7 +1165,7 @@
           <a:p>
             <a:fld id="{3134C275-26C0-42CD-9111-9ADE65922AF9}" type="datetime1">
               <a:rPr lang="ru-RU" smtClean="0"/>
-              <a:t>19.11.2019</a:t>
+              <a:t>18.11.2020</a:t>
             </a:fld>
             <a:endParaRPr lang="ru-RU"/>
           </a:p>
@@ -1337,7 +1339,7 @@
           <a:p>
             <a:fld id="{C1A9A50B-C350-45F5-8AAB-ADB9E670AF2E}" type="datetime1">
               <a:rPr lang="ru-RU" smtClean="0"/>
-              <a:t>19.11.2019</a:t>
+              <a:t>18.11.2020</a:t>
             </a:fld>
             <a:endParaRPr lang="ru-RU"/>
           </a:p>
@@ -1587,7 +1589,7 @@
           <a:p>
             <a:fld id="{089688C9-348F-42F9-B6C0-5990DDE0C5B2}" type="datetime1">
               <a:rPr lang="ru-RU" smtClean="0"/>
-              <a:t>19.11.2019</a:t>
+              <a:t>18.11.2020</a:t>
             </a:fld>
             <a:endParaRPr lang="ru-RU"/>
           </a:p>
@@ -1823,7 +1825,7 @@
           <a:p>
             <a:fld id="{684AFD8F-6DD9-4AD3-A505-FDC3F5C5F3F6}" type="datetime1">
               <a:rPr lang="ru-RU" smtClean="0"/>
-              <a:t>19.11.2019</a:t>
+              <a:t>18.11.2020</a:t>
             </a:fld>
             <a:endParaRPr lang="ru-RU"/>
           </a:p>
@@ -2194,7 +2196,7 @@
           <a:p>
             <a:fld id="{63551EFE-4D02-45EB-A747-8B6F047B5AA0}" type="datetime1">
               <a:rPr lang="ru-RU" smtClean="0"/>
-              <a:t>19.11.2019</a:t>
+              <a:t>18.11.2020</a:t>
             </a:fld>
             <a:endParaRPr lang="ru-RU"/>
           </a:p>
@@ -2316,7 +2318,7 @@
           <a:p>
             <a:fld id="{813A9F34-E5CD-4B8F-AA9E-889C84372B20}" type="datetime1">
               <a:rPr lang="ru-RU" smtClean="0"/>
-              <a:t>19.11.2019</a:t>
+              <a:t>18.11.2020</a:t>
             </a:fld>
             <a:endParaRPr lang="ru-RU"/>
           </a:p>
@@ -2415,7 +2417,7 @@
           <a:p>
             <a:fld id="{51224D22-9B29-44A6-8E82-95FC492DEDC1}" type="datetime1">
               <a:rPr lang="ru-RU" smtClean="0"/>
-              <a:t>19.11.2019</a:t>
+              <a:t>18.11.2020</a:t>
             </a:fld>
             <a:endParaRPr lang="ru-RU"/>
           </a:p>
@@ -2696,7 +2698,7 @@
           <a:p>
             <a:fld id="{91D1034F-4441-48A1-BDC0-25EA1022324A}" type="datetime1">
               <a:rPr lang="ru-RU" smtClean="0"/>
-              <a:t>19.11.2019</a:t>
+              <a:t>18.11.2020</a:t>
             </a:fld>
             <a:endParaRPr lang="ru-RU"/>
           </a:p>
@@ -2953,7 +2955,7 @@
           <a:p>
             <a:fld id="{B0FFDE79-B627-473B-AE17-4C65BD2495F7}" type="datetime1">
               <a:rPr lang="ru-RU" smtClean="0"/>
-              <a:t>19.11.2019</a:t>
+              <a:t>18.11.2020</a:t>
             </a:fld>
             <a:endParaRPr lang="ru-RU"/>
           </a:p>
@@ -3170,7 +3172,7 @@
           <a:p>
             <a:fld id="{11CA537A-1B8C-47BA-9BA6-7CE3FAFDA8BE}" type="datetime1">
               <a:rPr lang="ru-RU" smtClean="0"/>
-              <a:t>19.11.2019</a:t>
+              <a:t>18.11.2020</a:t>
             </a:fld>
             <a:endParaRPr lang="ru-RU"/>
           </a:p>
@@ -3672,15 +3674,7 @@
           <a:p>
             <a:r>
               <a:rPr lang="ru-RU" dirty="0" smtClean="0"/>
-              <a:t>МИФИ </a:t>
-            </a:r>
-            <a:r>
-              <a:rPr lang="ru-RU" dirty="0" smtClean="0"/>
-              <a:t>201</a:t>
-            </a:r>
-            <a:r>
-              <a:rPr lang="en-US" dirty="0" smtClean="0"/>
-              <a:t>9</a:t>
+              <a:t>МИФИ 2020</a:t>
             </a:r>
             <a:endParaRPr lang="ru-RU" dirty="0"/>
           </a:p>
@@ -4041,13 +4035,9 @@
                 <a:endParaRPr lang="en-US" b="0" dirty="0" smtClean="0"/>
               </a:p>
               <a:p>
-                <a:pPr marL="0" indent="0">
+                <a:pPr marL="0" indent="0" algn="ctr">
                   <a:buNone/>
                 </a:pPr>
-                <a:r>
-                  <a:rPr lang="ru-RU" dirty="0" smtClean="0"/>
-                  <a:t>Если </a:t>
-                </a:r>
                 <a14:m>
                   <m:oMath xmlns:m="http://schemas.openxmlformats.org/officeDocument/2006/math">
                     <m:r>
@@ -4276,7 +4266,7 @@
               </p:nvPr>
             </p:nvSpPr>
             <p:spPr>
-              <a:blipFill rotWithShape="0">
+              <a:blipFill>
                 <a:blip r:embed="rId2"/>
                 <a:stretch>
                   <a:fillRect l="-1043" t="-1821"/>
@@ -4671,12 +4661,8 @@
                   <a:t> - </a:t>
                 </a:r>
                 <a:r>
-                  <a:rPr lang="ru-RU" dirty="0" err="1" smtClean="0"/>
-                  <a:t>суперполиномиальная</a:t>
-                </a:r>
-                <a:r>
                   <a:rPr lang="ru-RU" dirty="0" smtClean="0"/>
-                  <a:t>, </a:t>
+                  <a:t>сверх полиномиальная, </a:t>
                 </a:r>
                 <a14:m>
                   <m:oMath xmlns:m="http://schemas.openxmlformats.org/officeDocument/2006/math">
@@ -5268,7 +5254,7 @@
               </p:nvPr>
             </p:nvSpPr>
             <p:spPr>
-              <a:blipFill rotWithShape="0">
+              <a:blipFill>
                 <a:blip r:embed="rId2"/>
                 <a:stretch>
                   <a:fillRect l="-1043" t="-2101"/>
@@ -6749,8 +6735,8 @@
                   <a:t> - </a:t>
                 </a:r>
                 <a:r>
-                  <a:rPr lang="ru-RU" dirty="0" err="1" smtClean="0"/>
-                  <a:t>суперполиномиальная</a:t>
+                  <a:rPr lang="ru-RU" dirty="0" smtClean="0"/>
+                  <a:t>сверх полиномиальная</a:t>
                 </a:r>
                 <a:r>
                   <a:rPr lang="en-US" dirty="0" smtClean="0"/>
@@ -7332,7 +7318,7 @@
               </p:nvPr>
             </p:nvSpPr>
             <p:spPr>
-              <a:blipFill rotWithShape="0">
+              <a:blipFill>
                 <a:blip r:embed="rId2"/>
                 <a:stretch>
                   <a:fillRect l="-1043" t="-2101"/>
@@ -7468,8 +7454,8 @@
           </a:p>
         </p:txBody>
       </p:sp>
-      <mc:AlternateContent xmlns:mc="http://schemas.openxmlformats.org/markup-compatibility/2006">
-        <mc:Choice xmlns:a14="http://schemas.microsoft.com/office/drawing/2010/main" Requires="a14">
+      <mc:AlternateContent xmlns:mc="http://schemas.openxmlformats.org/markup-compatibility/2006" xmlns:a14="http://schemas.microsoft.com/office/drawing/2010/main">
+        <mc:Choice Requires="a14">
           <p:sp>
             <p:nvSpPr>
               <p:cNvPr id="3" name="Объект 2"/>
@@ -8379,7 +8365,7 @@
             </p:txBody>
           </p:sp>
         </mc:Choice>
-        <mc:Fallback>
+        <mc:Fallback xmlns="">
           <p:sp>
             <p:nvSpPr>
               <p:cNvPr id="3" name="Объект 2"/>
@@ -9449,8 +9435,8 @@
           </a:p>
         </p:txBody>
       </p:sp>
-      <mc:AlternateContent xmlns:mc="http://schemas.openxmlformats.org/markup-compatibility/2006">
-        <mc:Choice xmlns:a14="http://schemas.microsoft.com/office/drawing/2010/main" Requires="a14">
+      <mc:AlternateContent xmlns:mc="http://schemas.openxmlformats.org/markup-compatibility/2006" xmlns:a14="http://schemas.microsoft.com/office/drawing/2010/main">
+        <mc:Choice Requires="a14">
           <p:sp>
             <p:nvSpPr>
               <p:cNvPr id="3" name="Объект 2"/>
@@ -9468,13 +9454,8 @@
               <a:p>
                 <a:r>
                   <a:rPr lang="ru-RU" dirty="0" smtClean="0"/>
-                  <a:t>Метод 1. Добавление </a:t>
-                </a:r>
-                <a:r>
-                  <a:rPr lang="ru-RU" dirty="0" smtClean="0"/>
-                  <a:t>длины</a:t>
-                </a:r>
-                <a:endParaRPr lang="ru-RU" dirty="0" smtClean="0"/>
+                  <a:t>Метод 1. Добавление длины</a:t>
+                </a:r>
               </a:p>
               <a:p>
                 <a:pPr marL="0" indent="0">
@@ -9486,6 +9467,62 @@
                       <m:jc m:val="centerGroup"/>
                     </m:oMathParaPr>
                     <m:oMath xmlns:m="http://schemas.openxmlformats.org/officeDocument/2006/math">
+                      <m:r>
+                        <a:rPr lang="en-US" b="0" i="1" smtClean="0">
+                          <a:latin typeface="Cambria Math" panose="02040503050406030204" pitchFamily="18" charset="0"/>
+                        </a:rPr>
+                        <m:t>𝑋</m:t>
+                      </m:r>
+                      <m:r>
+                        <a:rPr lang="en-US" b="0" i="1" smtClean="0">
+                          <a:latin typeface="Cambria Math" panose="02040503050406030204" pitchFamily="18" charset="0"/>
+                        </a:rPr>
+                        <m:t>=</m:t>
+                      </m:r>
+                      <m:sSup>
+                        <m:sSupPr>
+                          <m:ctrlPr>
+                            <a:rPr lang="en-US" b="0" i="1" smtClean="0">
+                              <a:latin typeface="Cambria Math" panose="02040503050406030204" pitchFamily="18" charset="0"/>
+                            </a:rPr>
+                          </m:ctrlPr>
+                        </m:sSupPr>
+                        <m:e>
+                          <m:d>
+                            <m:dPr>
+                              <m:begChr m:val="{"/>
+                              <m:endChr m:val="}"/>
+                              <m:ctrlPr>
+                                <a:rPr lang="en-US" b="0" i="1" smtClean="0">
+                                  <a:latin typeface="Cambria Math" panose="02040503050406030204" pitchFamily="18" charset="0"/>
+                                </a:rPr>
+                              </m:ctrlPr>
+                            </m:dPr>
+                            <m:e>
+                              <m:r>
+                                <a:rPr lang="en-US" b="0" i="1" smtClean="0">
+                                  <a:latin typeface="Cambria Math" panose="02040503050406030204" pitchFamily="18" charset="0"/>
+                                </a:rPr>
+                                <m:t>0,1</m:t>
+                              </m:r>
+                            </m:e>
+                          </m:d>
+                        </m:e>
+                        <m:sup>
+                          <m:r>
+                            <a:rPr lang="en-US" b="0" i="1" smtClean="0">
+                              <a:latin typeface="Cambria Math" panose="02040503050406030204" pitchFamily="18" charset="0"/>
+                            </a:rPr>
+                            <m:t>𝑛</m:t>
+                          </m:r>
+                        </m:sup>
+                      </m:sSup>
+                      <m:r>
+                        <a:rPr lang="en-US" b="0" i="1" smtClean="0">
+                          <a:latin typeface="Cambria Math" panose="02040503050406030204" pitchFamily="18" charset="0"/>
+                        </a:rPr>
+                        <m:t>,</m:t>
+                      </m:r>
                       <m:r>
                         <a:rPr lang="en-US" b="0" i="1" smtClean="0">
                           <a:latin typeface="Cambria Math" panose="02040503050406030204" pitchFamily="18" charset="0"/>
@@ -9828,11 +9865,79 @@
                     </m:oMathParaPr>
                     <m:oMath xmlns:m="http://schemas.openxmlformats.org/officeDocument/2006/math">
                       <m:r>
-                        <a:rPr lang="en-US" b="0" i="1" smtClean="0">
+                        <a:rPr lang="en-US" i="1">
                           <a:latin typeface="Cambria Math" panose="02040503050406030204" pitchFamily="18" charset="0"/>
                         </a:rPr>
                         <m:t>𝑋</m:t>
                       </m:r>
+                      <m:r>
+                        <a:rPr lang="en-US" i="1">
+                          <a:latin typeface="Cambria Math" panose="02040503050406030204" pitchFamily="18" charset="0"/>
+                        </a:rPr>
+                        <m:t>=</m:t>
+                      </m:r>
+                      <m:sSup>
+                        <m:sSupPr>
+                          <m:ctrlPr>
+                            <a:rPr lang="en-US" i="1">
+                              <a:latin typeface="Cambria Math" panose="02040503050406030204" pitchFamily="18" charset="0"/>
+                            </a:rPr>
+                          </m:ctrlPr>
+                        </m:sSupPr>
+                        <m:e>
+                          <m:d>
+                            <m:dPr>
+                              <m:begChr m:val="{"/>
+                              <m:endChr m:val="}"/>
+                              <m:ctrlPr>
+                                <a:rPr lang="en-US" i="1">
+                                  <a:latin typeface="Cambria Math" panose="02040503050406030204" pitchFamily="18" charset="0"/>
+                                </a:rPr>
+                              </m:ctrlPr>
+                            </m:dPr>
+                            <m:e>
+                              <m:r>
+                                <a:rPr lang="en-US" i="1">
+                                  <a:latin typeface="Cambria Math" panose="02040503050406030204" pitchFamily="18" charset="0"/>
+                                </a:rPr>
+                                <m:t>0,1</m:t>
+                              </m:r>
+                            </m:e>
+                          </m:d>
+                        </m:e>
+                        <m:sup>
+                          <m:r>
+                            <a:rPr lang="en-US" i="1">
+                              <a:latin typeface="Cambria Math" panose="02040503050406030204" pitchFamily="18" charset="0"/>
+                            </a:rPr>
+                            <m:t>𝑛</m:t>
+                          </m:r>
+                        </m:sup>
+                      </m:sSup>
+                      <m:r>
+                        <a:rPr lang="en-US" b="0" i="1" smtClean="0">
+                          <a:latin typeface="Cambria Math" panose="02040503050406030204" pitchFamily="18" charset="0"/>
+                        </a:rPr>
+                        <m:t>,</m:t>
+                      </m:r>
+                      <m:acc>
+                        <m:accPr>
+                          <m:chr m:val="̃"/>
+                          <m:ctrlPr>
+                            <a:rPr lang="en-US" b="0" i="1" smtClean="0">
+                              <a:latin typeface="Cambria Math" panose="02040503050406030204" pitchFamily="18" charset="0"/>
+                            </a:rPr>
+                          </m:ctrlPr>
+                        </m:accPr>
+                        <m:e>
+                          <m:r>
+                            <a:rPr lang="en-US" b="0" i="1" smtClean="0">
+                              <a:latin typeface="Cambria Math" panose="02040503050406030204" pitchFamily="18" charset="0"/>
+                            </a:rPr>
+                            <m:t>𝑋</m:t>
+                          </m:r>
+                        </m:e>
+                      </m:acc>
                       <m:r>
                         <a:rPr lang="en-US" b="0" i="1" smtClean="0">
                           <a:latin typeface="Cambria Math" panose="02040503050406030204" pitchFamily="18" charset="0"/>
@@ -9910,12 +10015,24 @@
                           </m:ctrlPr>
                         </m:sSubSupPr>
                         <m:e>
-                          <m:r>
-                            <a:rPr lang="en-US" i="1">
-                              <a:latin typeface="Cambria Math" panose="02040503050406030204" pitchFamily="18" charset="0"/>
-                            </a:rPr>
-                            <m:t>𝑋</m:t>
-                          </m:r>
+                          <m:acc>
+                            <m:accPr>
+                              <m:chr m:val="̃"/>
+                              <m:ctrlPr>
+                                <a:rPr lang="en-US" i="1">
+                                  <a:latin typeface="Cambria Math" panose="02040503050406030204" pitchFamily="18" charset="0"/>
+                                </a:rPr>
+                              </m:ctrlPr>
+                            </m:accPr>
+                            <m:e>
+                              <m:r>
+                                <a:rPr lang="en-US" i="1">
+                                  <a:latin typeface="Cambria Math" panose="02040503050406030204" pitchFamily="18" charset="0"/>
+                                </a:rPr>
+                                <m:t>𝑋</m:t>
+                              </m:r>
+                            </m:e>
+                          </m:acc>
                         </m:e>
                         <m:sub>
                           <m:r>
@@ -10412,7 +10529,7 @@
             </p:txBody>
           </p:sp>
         </mc:Choice>
-        <mc:Fallback>
+        <mc:Fallback xmlns="">
           <p:sp>
             <p:nvSpPr>
               <p:cNvPr id="3" name="Объект 2"/>
@@ -10424,7 +10541,7 @@
               </p:nvPr>
             </p:nvSpPr>
             <p:spPr>
-              <a:blipFill rotWithShape="0">
+              <a:blipFill>
                 <a:blip r:embed="rId2"/>
                 <a:stretch>
                   <a:fillRect l="-928" t="-2101"/>
@@ -10626,9 +10743,12 @@
             </a:r>
             <a:r>
               <a:rPr lang="ru-RU" dirty="0"/>
-              <a:t> кодирование означает добавление лишнего блока </a:t>
-            </a:r>
-            <a:endParaRPr lang="ru-RU" dirty="0" smtClean="0"/>
+              <a:t> кодирование означает добавление </a:t>
+            </a:r>
+            <a:r>
+              <a:rPr lang="ru-RU" dirty="0" smtClean="0"/>
+              <a:t>лишних блоков</a:t>
+            </a:r>
           </a:p>
           <a:p>
             <a:r>
@@ -11253,7 +11373,68 @@
                 </a14:m>
                 <a:r>
                   <a:rPr lang="ru-RU" dirty="0" smtClean="0"/>
-                  <a:t>.</a:t>
+                  <a:t> (т.е.</a:t>
+                </a:r>
+                <a14:m>
+                  <m:oMath xmlns:m="http://schemas.openxmlformats.org/officeDocument/2006/math">
+                    <m:r>
+                      <a:rPr lang="en-US" i="1">
+                        <a:latin typeface="Cambria Math" panose="02040503050406030204" pitchFamily="18" charset="0"/>
+                      </a:rPr>
+                      <m:t>~</m:t>
+                    </m:r>
+                  </m:oMath>
+                </a14:m>
+                <a:r>
+                  <a:rPr lang="ru-RU" dirty="0" smtClean="0"/>
+                  <a:t> отношение «</a:t>
+                </a:r>
+                <a:r>
+                  <a:rPr lang="ru-RU" dirty="0" err="1" smtClean="0"/>
+                  <a:t>префиксности</a:t>
+                </a:r>
+                <a:r>
+                  <a:rPr lang="ru-RU" dirty="0" smtClean="0"/>
+                  <a:t>» на </a:t>
+                </a:r>
+                <a14:m>
+                  <m:oMath xmlns:m="http://schemas.openxmlformats.org/officeDocument/2006/math">
+                    <m:sSup>
+                      <m:sSupPr>
+                        <m:ctrlPr>
+                          <a:rPr lang="en-US" i="1">
+                            <a:latin typeface="Cambria Math" panose="02040503050406030204" pitchFamily="18" charset="0"/>
+                          </a:rPr>
+                        </m:ctrlPr>
+                      </m:sSupPr>
+                      <m:e>
+                        <m:r>
+                          <a:rPr lang="en-US" i="1">
+                            <a:latin typeface="Cambria Math" panose="02040503050406030204" pitchFamily="18" charset="0"/>
+                          </a:rPr>
+                          <m:t>𝑋</m:t>
+                        </m:r>
+                      </m:e>
+                      <m:sup>
+                        <m:r>
+                          <a:rPr lang="en-US" i="1">
+                            <a:latin typeface="Cambria Math" panose="02040503050406030204" pitchFamily="18" charset="0"/>
+                          </a:rPr>
+                          <m:t>≤</m:t>
+                        </m:r>
+                        <m:r>
+                          <a:rPr lang="en-US" i="1">
+                            <a:latin typeface="Cambria Math" panose="02040503050406030204" pitchFamily="18" charset="0"/>
+                          </a:rPr>
+                          <m:t>𝑙</m:t>
+                        </m:r>
+                      </m:sup>
+                    </m:sSup>
+                  </m:oMath>
+                </a14:m>
+                <a:r>
+                  <a:rPr lang="ru-RU" dirty="0" smtClean="0"/>
+                  <a:t>).</a:t>
                 </a:r>
               </a:p>
               <a:p>
@@ -12060,7 +12241,7 @@
               </p:nvPr>
             </p:nvSpPr>
             <p:spPr>
-              <a:blipFill rotWithShape="0">
+              <a:blipFill>
                 <a:blip r:embed="rId2"/>
                 <a:stretch>
                   <a:fillRect l="-1043" t="-1821" r="-1565"/>
@@ -13474,7 +13655,7 @@
             </a:r>
             <a:r>
               <a:rPr lang="ru-RU" dirty="0" smtClean="0"/>
-              <a:t>для сообщений не кратных длине блока</a:t>
+              <a:t>для сообщений, некратных длине блока</a:t>
             </a:r>
             <a:endParaRPr lang="ru-RU" dirty="0"/>
           </a:p>
@@ -14638,11 +14819,7 @@
           <a:p>
             <a:r>
               <a:rPr lang="ru-RU" dirty="0" smtClean="0"/>
-              <a:t>Использует три различных </a:t>
-            </a:r>
-            <a:r>
-              <a:rPr lang="ru-RU" dirty="0" smtClean="0"/>
-              <a:t>ключа (могут быть выработаны на основе одного ключа)</a:t>
+              <a:t>Использует три различных ключа (могут быть выработаны на основе одного ключа)</a:t>
             </a:r>
             <a:endParaRPr lang="en-US" dirty="0" smtClean="0"/>
           </a:p>
@@ -15340,7 +15517,7 @@
               <a:t>Оптимально использовать половину исходного </a:t>
             </a:r>
             <a:r>
-              <a:rPr lang="en-US" smtClean="0"/>
+              <a:rPr lang="en-US" dirty="0" smtClean="0"/>
               <a:t>MAC</a:t>
             </a:r>
             <a:endParaRPr lang="ru-RU" dirty="0" smtClean="0"/>
@@ -15351,7 +15528,15 @@
             </a:pPr>
             <a:r>
               <a:rPr lang="ru-RU" dirty="0" smtClean="0"/>
-              <a:t>Основной недостаток – фактически понижаем параметр стойкости в 2 раза</a:t>
+              <a:t>Основной недостаток – фактически понижаем</a:t>
+            </a:r>
+            <a:r>
+              <a:rPr lang="en-US" dirty="0" smtClean="0"/>
+              <a:t> </a:t>
+            </a:r>
+            <a:r>
+              <a:rPr lang="ru-RU" dirty="0" smtClean="0"/>
+              <a:t>достижимый параметр стойкости в 2 раза</a:t>
             </a:r>
             <a:endParaRPr lang="ru-RU" dirty="0"/>
           </a:p>
@@ -16306,7 +16491,7 @@
         </p:spPr>
         <p:txBody>
           <a:bodyPr>
-            <a:normAutofit lnSpcReduction="10000"/>
+            <a:normAutofit fontScale="92500"/>
           </a:bodyPr>
           <a:lstStyle/>
           <a:p>
@@ -16396,7 +16581,7 @@
             </a:pPr>
             <a:r>
               <a:rPr lang="ru-RU" dirty="0" smtClean="0"/>
-              <a:t>Патентован (США), разрешено бесплатное использование в образовательных и </a:t>
+              <a:t>Был патентован (США), разрешено бесплатное использование в образовательных и </a:t>
             </a:r>
             <a:r>
               <a:rPr lang="en-US" dirty="0" smtClean="0"/>
@@ -16412,8 +16597,13 @@
             </a:r>
             <a:r>
               <a:rPr lang="ru-RU" dirty="0" smtClean="0"/>
-              <a:t>проектах</a:t>
-            </a:r>
+              <a:t>проектах. В настоящий момент </a:t>
+            </a:r>
+            <a:r>
+              <a:rPr lang="ru-RU" smtClean="0"/>
+              <a:t>патент истёк</a:t>
+            </a:r>
+            <a:endParaRPr lang="ru-RU" dirty="0" smtClean="0"/>
           </a:p>
           <a:p>
             <a:pPr marL="0" indent="0">
@@ -16945,12 +17135,6 @@
                   <a:rPr lang="ru-RU" dirty="0" smtClean="0"/>
                   <a:t> – пренебрежимо малая величина</a:t>
                 </a:r>
-                <a:r>
-                  <a:rPr lang="ja-JP" altLang="en-US" dirty="0" smtClean="0">
-                    <a:latin typeface="Arial"/>
-                  </a:rPr>
-                  <a:t>”</a:t>
-                </a:r>
                 <a:endParaRPr lang="en-US" dirty="0"/>
               </a:p>
             </p:txBody>
@@ -16972,7 +17156,7 @@
                 <a:off x="812800" y="1142999"/>
                 <a:ext cx="10972800" cy="5842000"/>
               </a:xfrm>
-              <a:blipFill rotWithShape="0">
+              <a:blipFill>
                 <a:blip r:embed="rId2"/>
                 <a:stretch>
                   <a:fillRect l="-1000" t="-1564"/>
@@ -17024,7 +17208,7 @@
           <a:effectLst/>
           <a:extLst>
             <a:ext uri="{AF507438-7753-43e0-B8FC-AC1667EBCBE1}">
-              <a14:hiddenEffects xmlns="" xmlns:a14="http://schemas.microsoft.com/office/drawing/2010/main">
+              <a14:hiddenEffects xmlns:a14="http://schemas.microsoft.com/office/drawing/2010/main" xmlns="">
                 <a:effectLst>
                   <a:outerShdw blurRad="63500" dist="38099" dir="2700000" algn="ctr" rotWithShape="0">
                     <a:schemeClr val="bg2">
@@ -17078,7 +17262,7 @@
           <a:effectLst/>
           <a:extLst>
             <a:ext uri="{AF507438-7753-43e0-B8FC-AC1667EBCBE1}">
-              <a14:hiddenEffects xmlns="" xmlns:a14="http://schemas.microsoft.com/office/drawing/2010/main">
+              <a14:hiddenEffects xmlns:a14="http://schemas.microsoft.com/office/drawing/2010/main" xmlns="">
                 <a:effectLst>
                   <a:outerShdw blurRad="63500" dist="38099" dir="2700000" algn="ctr" rotWithShape="0">
                     <a:schemeClr val="bg2">
@@ -17125,14 +17309,14 @@
           <a:effectLst/>
           <a:extLst>
             <a:ext uri="{909E8E84-426E-40dd-AFC4-6F175D3DCCD1}">
-              <a14:hiddenFill xmlns="" xmlns:a14="http://schemas.microsoft.com/office/drawing/2010/main">
+              <a14:hiddenFill xmlns:a14="http://schemas.microsoft.com/office/drawing/2010/main" xmlns="">
                 <a:solidFill>
                   <a:schemeClr val="accent1"/>
                 </a:solidFill>
               </a14:hiddenFill>
             </a:ext>
             <a:ext uri="{91240B29-F687-4f45-9708-019B960494DF}">
-              <a14:hiddenLine xmlns="" xmlns:a14="http://schemas.microsoft.com/office/drawing/2010/main" w="9525">
+              <a14:hiddenLine xmlns:a14="http://schemas.microsoft.com/office/drawing/2010/main" xmlns="" w="9525">
                 <a:solidFill>
                   <a:schemeClr val="tx1"/>
                 </a:solidFill>
@@ -17142,7 +17326,7 @@
               </a14:hiddenLine>
             </a:ext>
             <a:ext uri="{AF507438-7753-43e0-B8FC-AC1667EBCBE1}">
-              <a14:hiddenEffects xmlns="" xmlns:a14="http://schemas.microsoft.com/office/drawing/2010/main">
+              <a14:hiddenEffects xmlns:a14="http://schemas.microsoft.com/office/drawing/2010/main" xmlns="">
                 <a:effectLst>
                   <a:outerShdw blurRad="63500" dist="38099" dir="2700000" algn="ctr" rotWithShape="0">
                     <a:schemeClr val="bg2">
@@ -17161,16 +17345,22 @@
           <a:lstStyle/>
           <a:p>
             <a:r>
-              <a:rPr lang="en-US" sz="2667"/>
+              <a:rPr lang="en-US" sz="2667" i="1" dirty="0" err="1"/>
               <a:t>k</a:t>
             </a:r>
             <a:r>
-              <a:rPr lang="en-US" sz="2667">
+              <a:rPr lang="en-US" sz="2667" dirty="0" err="1">
                 <a:sym typeface="Symbol" charset="0"/>
               </a:rPr>
-              <a:t>K</a:t>
-            </a:r>
-            <a:endParaRPr lang="en-US" sz="2667" b="1">
+              <a:t></a:t>
+            </a:r>
+            <a:r>
+              <a:rPr lang="en-US" sz="2667" i="1" dirty="0" err="1">
+                <a:sym typeface="Symbol" charset="0"/>
+              </a:rPr>
+              <a:t>K</a:t>
+            </a:r>
+            <a:endParaRPr lang="en-US" sz="2667" b="1" i="1" dirty="0">
               <a:cs typeface="Arial" charset="0"/>
               <a:sym typeface="Symbol" charset="0"/>
             </a:endParaRPr>
@@ -17221,12 +17411,12 @@
             <a:effectLst/>
             <a:extLst>
               <a:ext uri="{909E8E84-426E-40dd-AFC4-6F175D3DCCD1}">
-                <a14:hiddenFill xmlns="" xmlns:a14="http://schemas.microsoft.com/office/drawing/2010/main">
+                <a14:hiddenFill xmlns:a14="http://schemas.microsoft.com/office/drawing/2010/main" xmlns="">
                   <a:noFill/>
                 </a14:hiddenFill>
               </a:ext>
               <a:ext uri="{AF507438-7753-43e0-B8FC-AC1667EBCBE1}">
-                <a14:hiddenEffects xmlns="" xmlns:a14="http://schemas.microsoft.com/office/drawing/2010/main">
+                <a14:hiddenEffects xmlns:a14="http://schemas.microsoft.com/office/drawing/2010/main" xmlns="">
                   <a:effectLst>
                     <a:outerShdw blurRad="63500" dist="38099" dir="2700000" algn="ctr" rotWithShape="0">
                       <a:schemeClr val="bg2">
@@ -17269,14 +17459,14 @@
             <a:effectLst/>
             <a:extLst>
               <a:ext uri="{909E8E84-426E-40dd-AFC4-6F175D3DCCD1}">
-                <a14:hiddenFill xmlns="" xmlns:a14="http://schemas.microsoft.com/office/drawing/2010/main">
+                <a14:hiddenFill xmlns:a14="http://schemas.microsoft.com/office/drawing/2010/main" xmlns="">
                   <a:solidFill>
                     <a:schemeClr val="accent1"/>
                   </a:solidFill>
                 </a14:hiddenFill>
               </a:ext>
               <a:ext uri="{91240B29-F687-4f45-9708-019B960494DF}">
-                <a14:hiddenLine xmlns="" xmlns:a14="http://schemas.microsoft.com/office/drawing/2010/main" w="9525">
+                <a14:hiddenLine xmlns:a14="http://schemas.microsoft.com/office/drawing/2010/main" xmlns="" w="9525">
                   <a:solidFill>
                     <a:schemeClr val="tx1"/>
                   </a:solidFill>
@@ -17286,7 +17476,7 @@
                 </a14:hiddenLine>
               </a:ext>
               <a:ext uri="{AF507438-7753-43e0-B8FC-AC1667EBCBE1}">
-                <a14:hiddenEffects xmlns="" xmlns:a14="http://schemas.microsoft.com/office/drawing/2010/main">
+                <a14:hiddenEffects xmlns:a14="http://schemas.microsoft.com/office/drawing/2010/main" xmlns="">
                   <a:effectLst>
                     <a:outerShdw blurRad="63500" dist="38099" dir="2700000" algn="ctr" rotWithShape="0">
                       <a:schemeClr val="bg2">
@@ -17309,8 +17499,16 @@
                 <a:t>(</a:t>
               </a:r>
               <a:r>
+                <a:rPr lang="en-US" sz="2667" i="1" dirty="0" err="1"/>
+                <a:t>m</a:t>
+              </a:r>
+              <a:r>
                 <a:rPr lang="en-US" sz="2667" dirty="0" err="1"/>
-                <a:t>m,t</a:t>
+                <a:t>,</a:t>
+              </a:r>
+              <a:r>
+                <a:rPr lang="en-US" sz="2667" i="1" dirty="0" err="1"/>
+                <a:t>t</a:t>
               </a:r>
               <a:r>
                 <a:rPr lang="en-US" sz="2667" dirty="0"/>
@@ -17351,14 +17549,14 @@
           <a:effectLst/>
           <a:extLst>
             <a:ext uri="{909E8E84-426E-40dd-AFC4-6F175D3DCCD1}">
-              <a14:hiddenFill xmlns="" xmlns:a14="http://schemas.microsoft.com/office/drawing/2010/main">
+              <a14:hiddenFill xmlns:a14="http://schemas.microsoft.com/office/drawing/2010/main" xmlns="">
                 <a:solidFill>
                   <a:schemeClr val="accent1"/>
                 </a:solidFill>
               </a14:hiddenFill>
             </a:ext>
             <a:ext uri="{AF507438-7753-43e0-B8FC-AC1667EBCBE1}">
-              <a14:hiddenEffects xmlns="" xmlns:a14="http://schemas.microsoft.com/office/drawing/2010/main">
+              <a14:hiddenEffects xmlns:a14="http://schemas.microsoft.com/office/drawing/2010/main" xmlns="">
                 <a:effectLst>
                   <a:outerShdw blurRad="63500" dist="38099" dir="2700000" algn="ctr" rotWithShape="0">
                     <a:schemeClr val="bg2">
@@ -17422,12 +17620,12 @@
             <a:effectLst/>
             <a:extLst>
               <a:ext uri="{909E8E84-426E-40dd-AFC4-6F175D3DCCD1}">
-                <a14:hiddenFill xmlns="" xmlns:a14="http://schemas.microsoft.com/office/drawing/2010/main">
+                <a14:hiddenFill xmlns:a14="http://schemas.microsoft.com/office/drawing/2010/main" xmlns="">
                   <a:noFill/>
                 </a14:hiddenFill>
               </a:ext>
               <a:ext uri="{AF507438-7753-43e0-B8FC-AC1667EBCBE1}">
-                <a14:hiddenEffects xmlns="" xmlns:a14="http://schemas.microsoft.com/office/drawing/2010/main">
+                <a14:hiddenEffects xmlns:a14="http://schemas.microsoft.com/office/drawing/2010/main" xmlns="">
                   <a:effectLst>
                     <a:outerShdw blurRad="63500" dist="38099" dir="2700000" algn="ctr" rotWithShape="0">
                       <a:schemeClr val="bg2">
@@ -17470,14 +17668,14 @@
             <a:effectLst/>
             <a:extLst>
               <a:ext uri="{909E8E84-426E-40dd-AFC4-6F175D3DCCD1}">
-                <a14:hiddenFill xmlns="" xmlns:a14="http://schemas.microsoft.com/office/drawing/2010/main">
+                <a14:hiddenFill xmlns:a14="http://schemas.microsoft.com/office/drawing/2010/main" xmlns="">
                   <a:solidFill>
                     <a:schemeClr val="accent1"/>
                   </a:solidFill>
                 </a14:hiddenFill>
               </a:ext>
               <a:ext uri="{91240B29-F687-4f45-9708-019B960494DF}">
-                <a14:hiddenLine xmlns="" xmlns:a14="http://schemas.microsoft.com/office/drawing/2010/main" w="9525">
+                <a14:hiddenLine xmlns:a14="http://schemas.microsoft.com/office/drawing/2010/main" xmlns="" w="9525">
                   <a:solidFill>
                     <a:schemeClr val="tx1"/>
                   </a:solidFill>
@@ -17487,7 +17685,7 @@
                 </a14:hiddenLine>
               </a:ext>
               <a:ext uri="{AF507438-7753-43e0-B8FC-AC1667EBCBE1}">
-                <a14:hiddenEffects xmlns="" xmlns:a14="http://schemas.microsoft.com/office/drawing/2010/main">
+                <a14:hiddenEffects xmlns:a14="http://schemas.microsoft.com/office/drawing/2010/main" xmlns="">
                   <a:effectLst>
                     <a:outerShdw blurRad="63500" dist="38099" dir="2700000" algn="ctr" rotWithShape="0">
                       <a:schemeClr val="bg2">
@@ -17506,7 +17704,7 @@
             <a:lstStyle/>
             <a:p>
               <a:r>
-                <a:rPr lang="en-US" sz="2667" dirty="0"/>
+                <a:rPr lang="en-US" sz="2667" i="1" dirty="0"/>
                 <a:t>m</a:t>
               </a:r>
               <a:r>
@@ -17521,7 +17719,13 @@
                 <a:rPr lang="en-US" sz="2667" dirty="0">
                   <a:sym typeface="Symbol" charset="0"/>
                 </a:rPr>
-                <a:t> M</a:t>
+                <a:t> </a:t>
+              </a:r>
+              <a:r>
+                <a:rPr lang="en-US" sz="2667" i="1" dirty="0">
+                  <a:sym typeface="Symbol" charset="0"/>
+                </a:rPr>
+                <a:t>M</a:t>
               </a:r>
             </a:p>
           </p:txBody>
@@ -17571,12 +17775,12 @@
             <a:effectLst/>
             <a:extLst>
               <a:ext uri="{909E8E84-426E-40dd-AFC4-6F175D3DCCD1}">
-                <a14:hiddenFill xmlns="" xmlns:a14="http://schemas.microsoft.com/office/drawing/2010/main">
+                <a14:hiddenFill xmlns:a14="http://schemas.microsoft.com/office/drawing/2010/main" xmlns="">
                   <a:noFill/>
                 </a14:hiddenFill>
               </a:ext>
               <a:ext uri="{AF507438-7753-43e0-B8FC-AC1667EBCBE1}">
-                <a14:hiddenEffects xmlns="" xmlns:a14="http://schemas.microsoft.com/office/drawing/2010/main">
+                <a14:hiddenEffects xmlns:a14="http://schemas.microsoft.com/office/drawing/2010/main" xmlns="">
                   <a:effectLst>
                     <a:outerShdw blurRad="63500" dist="38099" dir="2700000" algn="ctr" rotWithShape="0">
                       <a:schemeClr val="bg2">
@@ -17619,14 +17823,14 @@
             <a:effectLst/>
             <a:extLst>
               <a:ext uri="{909E8E84-426E-40dd-AFC4-6F175D3DCCD1}">
-                <a14:hiddenFill xmlns="" xmlns:a14="http://schemas.microsoft.com/office/drawing/2010/main">
+                <a14:hiddenFill xmlns:a14="http://schemas.microsoft.com/office/drawing/2010/main" xmlns="">
                   <a:solidFill>
                     <a:schemeClr val="accent1"/>
                   </a:solidFill>
                 </a14:hiddenFill>
               </a:ext>
               <a:ext uri="{91240B29-F687-4f45-9708-019B960494DF}">
-                <a14:hiddenLine xmlns="" xmlns:a14="http://schemas.microsoft.com/office/drawing/2010/main" w="9525">
+                <a14:hiddenLine xmlns:a14="http://schemas.microsoft.com/office/drawing/2010/main" xmlns="" w="9525">
                   <a:solidFill>
                     <a:schemeClr val="tx1"/>
                   </a:solidFill>
@@ -17636,7 +17840,7 @@
                 </a14:hiddenLine>
               </a:ext>
               <a:ext uri="{AF507438-7753-43e0-B8FC-AC1667EBCBE1}">
-                <a14:hiddenEffects xmlns="" xmlns:a14="http://schemas.microsoft.com/office/drawing/2010/main">
+                <a14:hiddenEffects xmlns:a14="http://schemas.microsoft.com/office/drawing/2010/main" xmlns="">
                   <a:effectLst>
                     <a:outerShdw blurRad="63500" dist="38099" dir="2700000" algn="ctr" rotWithShape="0">
                       <a:schemeClr val="bg2">
@@ -17655,7 +17859,7 @@
             <a:lstStyle/>
             <a:p>
               <a:r>
-                <a:rPr lang="en-US" sz="2667" dirty="0"/>
+                <a:rPr lang="en-US" sz="2667" i="1" dirty="0"/>
                 <a:t>t</a:t>
               </a:r>
               <a:r>
@@ -17674,7 +17878,27 @@
               </a:r>
               <a:r>
                 <a:rPr lang="en-US" sz="2667" dirty="0"/>
-                <a:t> S(k,m</a:t>
+                <a:t> </a:t>
+              </a:r>
+              <a:r>
+                <a:rPr lang="en-US" sz="2667" i="1" dirty="0"/>
+                <a:t>S</a:t>
+              </a:r>
+              <a:r>
+                <a:rPr lang="en-US" sz="2667" dirty="0"/>
+                <a:t>(</a:t>
+              </a:r>
+              <a:r>
+                <a:rPr lang="en-US" sz="2667" i="1" dirty="0"/>
+                <a:t>k</a:t>
+              </a:r>
+              <a:r>
+                <a:rPr lang="en-US" sz="2667" dirty="0"/>
+                <a:t>,</a:t>
+              </a:r>
+              <a:r>
+                <a:rPr lang="en-US" sz="2667" i="1" dirty="0"/>
+                <a:t>m</a:t>
               </a:r>
               <a:r>
                 <a:rPr lang="en-US" sz="2667" baseline="-25000" dirty="0"/>
@@ -17765,7 +17989,7 @@
                 <a:lstStyle/>
                 <a:p>
                   <a:r>
-                    <a:rPr lang="en-US" sz="2667" b="1" dirty="0"/>
+                    <a:rPr lang="en-US" sz="2667" b="1" i="1" dirty="0"/>
                     <a:t>b</a:t>
                   </a:r>
                   <a:r>
@@ -17940,7 +18164,7 @@
                     </a:lnSpc>
                   </a:pPr>
                   <a:r>
-                    <a:rPr lang="en-US" sz="2667" b="1" dirty="0">
+                    <a:rPr lang="en-US" sz="2667" b="1" i="1" dirty="0">
                       <a:sym typeface="Symbol" charset="0"/>
                     </a:rPr>
                     <a:t>b</a:t>
@@ -17979,7 +18203,7 @@
                 <a:prstGeom prst="rect">
                   <a:avLst/>
                 </a:prstGeom>
-                <a:blipFill rotWithShape="0">
+                <a:blipFill>
                   <a:blip r:embed="rId3"/>
                   <a:stretch>
                     <a:fillRect l="-1521" t="-5464" b="-8197"/>
@@ -18066,14 +18290,14 @@
             <a:effectLst/>
             <a:extLst>
               <a:ext uri="{909E8E84-426E-40dd-AFC4-6F175D3DCCD1}">
-                <a14:hiddenFill xmlns="" xmlns:a14="http://schemas.microsoft.com/office/drawing/2010/main">
+                <a14:hiddenFill xmlns:a14="http://schemas.microsoft.com/office/drawing/2010/main" xmlns="">
                   <a:solidFill>
                     <a:schemeClr val="accent1"/>
                   </a:solidFill>
                 </a14:hiddenFill>
               </a:ext>
               <a:ext uri="{AF507438-7753-43e0-B8FC-AC1667EBCBE1}">
-                <a14:hiddenEffects xmlns="" xmlns:a14="http://schemas.microsoft.com/office/drawing/2010/main">
+                <a14:hiddenEffects xmlns:a14="http://schemas.microsoft.com/office/drawing/2010/main" xmlns="">
                   <a:effectLst>
                     <a:outerShdw blurRad="63500" dist="38099" dir="2700000" algn="ctr" rotWithShape="0">
                       <a:schemeClr val="bg2">
@@ -18136,12 +18360,12 @@
             <a:effectLst/>
             <a:extLst>
               <a:ext uri="{909E8E84-426E-40dd-AFC4-6F175D3DCCD1}">
-                <a14:hiddenFill xmlns="" xmlns:a14="http://schemas.microsoft.com/office/drawing/2010/main">
+                <a14:hiddenFill xmlns:a14="http://schemas.microsoft.com/office/drawing/2010/main" xmlns="">
                   <a:noFill/>
                 </a14:hiddenFill>
               </a:ext>
               <a:ext uri="{AF507438-7753-43e0-B8FC-AC1667EBCBE1}">
-                <a14:hiddenEffects xmlns="" xmlns:a14="http://schemas.microsoft.com/office/drawing/2010/main">
+                <a14:hiddenEffects xmlns:a14="http://schemas.microsoft.com/office/drawing/2010/main" xmlns="">
                   <a:effectLst>
                     <a:outerShdw blurRad="63500" dist="38099" dir="2700000" algn="ctr" rotWithShape="0">
                       <a:schemeClr val="bg2">
@@ -18184,14 +18408,14 @@
             <a:effectLst/>
             <a:extLst>
               <a:ext uri="{909E8E84-426E-40dd-AFC4-6F175D3DCCD1}">
-                <a14:hiddenFill xmlns="" xmlns:a14="http://schemas.microsoft.com/office/drawing/2010/main">
+                <a14:hiddenFill xmlns:a14="http://schemas.microsoft.com/office/drawing/2010/main" xmlns="">
                   <a:solidFill>
                     <a:schemeClr val="accent1"/>
                   </a:solidFill>
                 </a14:hiddenFill>
               </a:ext>
               <a:ext uri="{91240B29-F687-4f45-9708-019B960494DF}">
-                <a14:hiddenLine xmlns="" xmlns:a14="http://schemas.microsoft.com/office/drawing/2010/main" w="9525">
+                <a14:hiddenLine xmlns:a14="http://schemas.microsoft.com/office/drawing/2010/main" xmlns="" w="9525">
                   <a:solidFill>
                     <a:schemeClr val="tx1"/>
                   </a:solidFill>
@@ -18201,7 +18425,7 @@
                 </a14:hiddenLine>
               </a:ext>
               <a:ext uri="{AF507438-7753-43e0-B8FC-AC1667EBCBE1}">
-                <a14:hiddenEffects xmlns="" xmlns:a14="http://schemas.microsoft.com/office/drawing/2010/main">
+                <a14:hiddenEffects xmlns:a14="http://schemas.microsoft.com/office/drawing/2010/main" xmlns="">
                   <a:effectLst>
                     <a:outerShdw blurRad="63500" dist="38099" dir="2700000" algn="ctr" rotWithShape="0">
                       <a:schemeClr val="bg2">
@@ -18220,7 +18444,7 @@
             <a:lstStyle/>
             <a:p>
               <a:r>
-                <a:rPr lang="en-US" sz="3200" b="1" dirty="0"/>
+                <a:rPr lang="en-US" sz="3200" b="1" i="1" dirty="0"/>
                 <a:t>b</a:t>
               </a:r>
             </a:p>
@@ -20715,7 +20939,10 @@
                       <m:sSub>
                         <m:sSubPr>
                           <m:ctrlPr>
-                            <a:rPr lang="en-US" i="1">
+                            <a:rPr lang="en-US" i="1" smtClean="0">
+                              <a:solidFill>
+                                <a:srgbClr val="7030A0"/>
+                              </a:solidFill>
                               <a:latin typeface="Cambria Math" panose="02040503050406030204" pitchFamily="18" charset="0"/>
                             </a:rPr>
                           </m:ctrlPr>
@@ -20723,6 +20950,9 @@
                         <m:e>
                           <m:r>
                             <a:rPr lang="en-US" i="1">
+                              <a:solidFill>
+                                <a:srgbClr val="7030A0"/>
+                              </a:solidFill>
                               <a:latin typeface="Cambria Math" panose="02040503050406030204" pitchFamily="18" charset="0"/>
                             </a:rPr>
                             <m:t>𝑐</m:t>
@@ -20731,6 +20961,9 @@
                         <m:sub>
                           <m:r>
                             <a:rPr lang="en-US" i="1">
+                              <a:solidFill>
+                                <a:srgbClr val="7030A0"/>
+                              </a:solidFill>
                               <a:latin typeface="Cambria Math" panose="02040503050406030204" pitchFamily="18" charset="0"/>
                             </a:rPr>
                             <m:t>𝑖</m:t>
@@ -21100,6 +21333,9 @@
                         <m:sSubPr>
                           <m:ctrlPr>
                             <a:rPr lang="en-US" b="0" i="1" smtClean="0">
+                              <a:solidFill>
+                                <a:srgbClr val="7030A0"/>
+                              </a:solidFill>
                               <a:latin typeface="Cambria Math" panose="02040503050406030204" pitchFamily="18" charset="0"/>
                             </a:rPr>
                           </m:ctrlPr>
@@ -21107,6 +21343,9 @@
                         <m:e>
                           <m:r>
                             <a:rPr lang="en-US" b="0" i="1" smtClean="0">
+                              <a:solidFill>
+                                <a:srgbClr val="7030A0"/>
+                              </a:solidFill>
                               <a:latin typeface="Cambria Math" panose="02040503050406030204" pitchFamily="18" charset="0"/>
                             </a:rPr>
                             <m:t>𝑐</m:t>
@@ -21115,6 +21354,9 @@
                         <m:sub>
                           <m:r>
                             <a:rPr lang="en-US" b="0" i="1" smtClean="0">
+                              <a:solidFill>
+                                <a:srgbClr val="7030A0"/>
+                              </a:solidFill>
                               <a:latin typeface="Cambria Math" panose="02040503050406030204" pitchFamily="18" charset="0"/>
                             </a:rPr>
                             <m:t>𝑞</m:t>
@@ -21570,8 +21812,8 @@
           </a:p>
         </p:txBody>
       </p:sp>
-      <mc:AlternateContent xmlns:mc="http://schemas.openxmlformats.org/markup-compatibility/2006" xmlns:a14="http://schemas.microsoft.com/office/drawing/2010/main">
-        <mc:Choice Requires="a14">
+      <mc:AlternateContent xmlns:mc="http://schemas.openxmlformats.org/markup-compatibility/2006">
+        <mc:Choice xmlns:a14="http://schemas.microsoft.com/office/drawing/2010/main" Requires="a14">
           <p:sp>
             <p:nvSpPr>
               <p:cNvPr id="3" name="Объект 2"/>
@@ -21584,12 +21826,14 @@
             </p:nvSpPr>
             <p:spPr>
               <a:xfrm>
-                <a:off x="838200" y="1825625"/>
-                <a:ext cx="6797634" cy="4351338"/>
+                <a:off x="838200" y="1549959"/>
+                <a:ext cx="6797634" cy="5061856"/>
               </a:xfrm>
             </p:spPr>
             <p:txBody>
-              <a:bodyPr/>
+              <a:bodyPr>
+                <a:normAutofit fontScale="92500" lnSpcReduction="10000"/>
+              </a:bodyPr>
               <a:lstStyle/>
               <a:p>
                 <a:pPr marL="0" indent="0">
@@ -21602,22 +21846,25 @@
                     </m:oMathParaPr>
                     <m:oMath xmlns:m="http://schemas.openxmlformats.org/officeDocument/2006/math">
                       <m:r>
-                        <a:rPr lang="en-US" b="0" i="1" smtClean="0">
+                        <m:rPr>
+                          <m:sty m:val="p"/>
+                        </m:rPr>
+                        <a:rPr lang="en-US" i="0" smtClean="0">
                           <a:latin typeface="Cambria Math" panose="02040503050406030204" pitchFamily="18" charset="0"/>
                         </a:rPr>
-                        <m:t>𝑃𝑜𝑙𝑦</m:t>
+                        <m:t>Poly</m:t>
                       </m:r>
                       <m:sSub>
                         <m:sSubPr>
                           <m:ctrlPr>
-                            <a:rPr lang="en-US" b="0" i="1" smtClean="0">
+                            <a:rPr lang="en-US" i="1">
                               <a:latin typeface="Cambria Math" panose="02040503050406030204" pitchFamily="18" charset="0"/>
                             </a:rPr>
                           </m:ctrlPr>
                         </m:sSubPr>
                         <m:e>
                           <m:r>
-                            <a:rPr lang="en-US" b="0" i="1" smtClean="0">
+                            <a:rPr lang="en-US" i="1">
                               <a:latin typeface="Cambria Math" panose="02040503050406030204" pitchFamily="18" charset="0"/>
                             </a:rPr>
                             <m:t>1305</m:t>
@@ -21625,7 +21872,10 @@
                         </m:e>
                         <m:sub>
                           <m:r>
-                            <a:rPr lang="en-US" b="0" i="1" smtClean="0">
+                            <a:rPr lang="en-US" i="1">
+                              <a:solidFill>
+                                <a:srgbClr val="FF0000"/>
+                              </a:solidFill>
                               <a:latin typeface="Cambria Math" panose="02040503050406030204" pitchFamily="18" charset="0"/>
                             </a:rPr>
                             <m:t>𝑟</m:t>
@@ -21635,26 +21885,26 @@
                       <m:d>
                         <m:dPr>
                           <m:ctrlPr>
-                            <a:rPr lang="en-US" b="0" i="1" smtClean="0">
+                            <a:rPr lang="en-US" i="1">
                               <a:latin typeface="Cambria Math" panose="02040503050406030204" pitchFamily="18" charset="0"/>
                             </a:rPr>
                           </m:ctrlPr>
                         </m:dPr>
                         <m:e>
                           <m:r>
-                            <a:rPr lang="en-US" b="0" i="1" smtClean="0">
+                            <a:rPr lang="en-US" i="1">
                               <a:latin typeface="Cambria Math" panose="02040503050406030204" pitchFamily="18" charset="0"/>
                             </a:rPr>
                             <m:t>𝑚</m:t>
                           </m:r>
                           <m:r>
-                            <a:rPr lang="en-US" b="0" i="1" smtClean="0">
+                            <a:rPr lang="en-US" i="1">
                               <a:latin typeface="Cambria Math" panose="02040503050406030204" pitchFamily="18" charset="0"/>
                             </a:rPr>
                             <m:t>,</m:t>
                           </m:r>
                           <m:r>
-                            <a:rPr lang="en-US" b="0" i="1" smtClean="0">
+                            <a:rPr lang="en-US" i="1">
                               <a:latin typeface="Cambria Math" panose="02040503050406030204" pitchFamily="18" charset="0"/>
                             </a:rPr>
                             <m:t>𝐴𝐸</m:t>
@@ -21662,14 +21912,14 @@
                           <m:sSub>
                             <m:sSubPr>
                               <m:ctrlPr>
-                                <a:rPr lang="en-US" b="0" i="1" smtClean="0">
+                                <a:rPr lang="en-US" i="1">
                                   <a:latin typeface="Cambria Math" panose="02040503050406030204" pitchFamily="18" charset="0"/>
                                 </a:rPr>
                               </m:ctrlPr>
                             </m:sSubPr>
                             <m:e>
                               <m:r>
-                                <a:rPr lang="en-US" b="0" i="1" smtClean="0">
+                                <a:rPr lang="en-US" i="1">
                                   <a:latin typeface="Cambria Math" panose="02040503050406030204" pitchFamily="18" charset="0"/>
                                 </a:rPr>
                                 <m:t>𝑆</m:t>
@@ -21677,7 +21927,10 @@
                             </m:e>
                             <m:sub>
                               <m:r>
-                                <a:rPr lang="en-US" b="0" i="1" smtClean="0">
+                                <a:rPr lang="en-US" i="1">
+                                  <a:solidFill>
+                                    <a:srgbClr val="FF0000"/>
+                                  </a:solidFill>
                                   <a:latin typeface="Cambria Math" panose="02040503050406030204" pitchFamily="18" charset="0"/>
                                 </a:rPr>
                                 <m:t>𝑘</m:t>
@@ -21687,14 +21940,17 @@
                           <m:d>
                             <m:dPr>
                               <m:ctrlPr>
-                                <a:rPr lang="en-US" b="0" i="1" smtClean="0">
+                                <a:rPr lang="en-US" i="1">
                                   <a:latin typeface="Cambria Math" panose="02040503050406030204" pitchFamily="18" charset="0"/>
                                 </a:rPr>
                               </m:ctrlPr>
                             </m:dPr>
                             <m:e>
                               <m:r>
-                                <a:rPr lang="en-US" b="0" i="1" smtClean="0">
+                                <a:rPr lang="en-US" i="1">
+                                  <a:solidFill>
+                                    <a:srgbClr val="00B050"/>
+                                  </a:solidFill>
                                   <a:latin typeface="Cambria Math" panose="02040503050406030204" pitchFamily="18" charset="0"/>
                                 </a:rPr>
                                 <m:t>𝑛</m:t>
@@ -21704,7 +21960,7 @@
                         </m:e>
                       </m:d>
                       <m:r>
-                        <a:rPr lang="en-US" b="0" i="1" smtClean="0">
+                        <a:rPr lang="en-US" i="1">
                           <a:latin typeface="Cambria Math" panose="02040503050406030204" pitchFamily="18" charset="0"/>
                         </a:rPr>
                         <m:t>=</m:t>
@@ -21714,7 +21970,7 @@
                           <m:begChr m:val="["/>
                           <m:endChr m:val="]"/>
                           <m:ctrlPr>
-                            <a:rPr lang="en-US" b="0" i="1" smtClean="0">
+                            <a:rPr lang="en-US" i="1">
                               <a:latin typeface="Cambria Math" panose="02040503050406030204" pitchFamily="18" charset="0"/>
                             </a:rPr>
                           </m:ctrlPr>
@@ -21723,7 +21979,7 @@
                           <m:d>
                             <m:dPr>
                               <m:ctrlPr>
-                                <a:rPr lang="en-US" b="0" i="1" smtClean="0">
+                                <a:rPr lang="en-US" i="1">
                                   <a:latin typeface="Cambria Math" panose="02040503050406030204" pitchFamily="18" charset="0"/>
                                 </a:rPr>
                               </m:ctrlPr>
@@ -21732,7 +21988,7 @@
                               <m:d>
                                 <m:dPr>
                                   <m:ctrlPr>
-                                    <a:rPr lang="en-US" b="0" i="1" smtClean="0">
+                                    <a:rPr lang="en-US" i="1">
                                       <a:latin typeface="Cambria Math" panose="02040503050406030204" pitchFamily="18" charset="0"/>
                                     </a:rPr>
                                   </m:ctrlPr>
@@ -21741,14 +21997,20 @@
                                   <m:sSub>
                                     <m:sSubPr>
                                       <m:ctrlPr>
-                                        <a:rPr lang="en-US" b="0" i="1" smtClean="0">
+                                        <a:rPr lang="en-US" i="1">
+                                          <a:solidFill>
+                                            <a:srgbClr val="7030A0"/>
+                                          </a:solidFill>
                                           <a:latin typeface="Cambria Math" panose="02040503050406030204" pitchFamily="18" charset="0"/>
                                         </a:rPr>
                                       </m:ctrlPr>
                                     </m:sSubPr>
                                     <m:e>
                                       <m:r>
-                                        <a:rPr lang="en-US" b="0" i="1" smtClean="0">
+                                        <a:rPr lang="en-US" i="1">
+                                          <a:solidFill>
+                                            <a:srgbClr val="7030A0"/>
+                                          </a:solidFill>
                                           <a:latin typeface="Cambria Math" panose="02040503050406030204" pitchFamily="18" charset="0"/>
                                         </a:rPr>
                                         <m:t>𝑐</m:t>
@@ -21756,7 +22018,10 @@
                                     </m:e>
                                     <m:sub>
                                       <m:r>
-                                        <a:rPr lang="en-US" b="0" i="1" smtClean="0">
+                                        <a:rPr lang="en-US" i="1">
+                                          <a:solidFill>
+                                            <a:srgbClr val="7030A0"/>
+                                          </a:solidFill>
                                           <a:latin typeface="Cambria Math" panose="02040503050406030204" pitchFamily="18" charset="0"/>
                                         </a:rPr>
                                         <m:t>1</m:t>
@@ -21766,14 +22031,17 @@
                                   <m:sSup>
                                     <m:sSupPr>
                                       <m:ctrlPr>
-                                        <a:rPr lang="en-US" b="0" i="1" smtClean="0">
+                                        <a:rPr lang="en-US" i="1">
                                           <a:latin typeface="Cambria Math" panose="02040503050406030204" pitchFamily="18" charset="0"/>
                                         </a:rPr>
                                       </m:ctrlPr>
                                     </m:sSupPr>
                                     <m:e>
                                       <m:r>
-                                        <a:rPr lang="en-US" b="0" i="1" smtClean="0">
+                                        <a:rPr lang="en-US" i="1">
+                                          <a:solidFill>
+                                            <a:srgbClr val="FF0000"/>
+                                          </a:solidFill>
                                           <a:latin typeface="Cambria Math" panose="02040503050406030204" pitchFamily="18" charset="0"/>
                                         </a:rPr>
                                         <m:t>𝑟</m:t>
@@ -21781,7 +22049,7 @@
                                     </m:e>
                                     <m:sup>
                                       <m:r>
-                                        <a:rPr lang="en-US" b="0" i="1" smtClean="0">
+                                        <a:rPr lang="en-US" i="1">
                                           <a:latin typeface="Cambria Math" panose="02040503050406030204" pitchFamily="18" charset="0"/>
                                         </a:rPr>
                                         <m:t>𝑞</m:t>
@@ -21789,7 +22057,7 @@
                                     </m:sup>
                                   </m:sSup>
                                   <m:r>
-                                    <a:rPr lang="en-US" b="0" i="1" smtClean="0">
+                                    <a:rPr lang="en-US" i="1">
                                       <a:latin typeface="Cambria Math" panose="02040503050406030204" pitchFamily="18" charset="0"/>
                                     </a:rPr>
                                     <m:t>+</m:t>
@@ -21797,14 +22065,14 @@
                                   <m:sSub>
                                     <m:sSubPr>
                                       <m:ctrlPr>
-                                        <a:rPr lang="en-US" b="0" i="1" smtClean="0">
+                                        <a:rPr lang="en-US" i="1">
                                           <a:latin typeface="Cambria Math" panose="02040503050406030204" pitchFamily="18" charset="0"/>
                                         </a:rPr>
                                       </m:ctrlPr>
                                     </m:sSubPr>
                                     <m:e>
                                       <m:r>
-                                        <a:rPr lang="en-US" b="0" i="1" smtClean="0">
+                                        <a:rPr lang="en-US" i="1">
                                           <a:latin typeface="Cambria Math" panose="02040503050406030204" pitchFamily="18" charset="0"/>
                                         </a:rPr>
                                         <m:t>𝑐</m:t>
@@ -21812,7 +22080,7 @@
                                     </m:e>
                                     <m:sub>
                                       <m:r>
-                                        <a:rPr lang="en-US" b="0" i="1" smtClean="0">
+                                        <a:rPr lang="en-US" i="1">
                                           <a:latin typeface="Cambria Math" panose="02040503050406030204" pitchFamily="18" charset="0"/>
                                         </a:rPr>
                                         <m:t>2</m:t>
@@ -21822,14 +22090,17 @@
                                   <m:sSup>
                                     <m:sSupPr>
                                       <m:ctrlPr>
-                                        <a:rPr lang="en-US" b="0" i="1" smtClean="0">
+                                        <a:rPr lang="en-US" i="1">
                                           <a:latin typeface="Cambria Math" panose="02040503050406030204" pitchFamily="18" charset="0"/>
                                         </a:rPr>
                                       </m:ctrlPr>
                                     </m:sSupPr>
                                     <m:e>
                                       <m:r>
-                                        <a:rPr lang="en-US" b="0" i="1" smtClean="0">
+                                        <a:rPr lang="en-US" i="1">
+                                          <a:solidFill>
+                                            <a:srgbClr val="FF0000"/>
+                                          </a:solidFill>
                                           <a:latin typeface="Cambria Math" panose="02040503050406030204" pitchFamily="18" charset="0"/>
                                         </a:rPr>
                                         <m:t>𝑟</m:t>
@@ -21837,13 +22108,13 @@
                                     </m:e>
                                     <m:sup>
                                       <m:r>
-                                        <a:rPr lang="en-US" b="0" i="1" smtClean="0">
+                                        <a:rPr lang="en-US" i="1">
                                           <a:latin typeface="Cambria Math" panose="02040503050406030204" pitchFamily="18" charset="0"/>
                                         </a:rPr>
                                         <m:t>𝑞</m:t>
                                       </m:r>
                                       <m:r>
-                                        <a:rPr lang="en-US" b="0" i="1" smtClean="0">
+                                        <a:rPr lang="en-US" i="1">
                                           <a:latin typeface="Cambria Math" panose="02040503050406030204" pitchFamily="18" charset="0"/>
                                         </a:rPr>
                                         <m:t>−1</m:t>
@@ -21851,7 +22122,7 @@
                                     </m:sup>
                                   </m:sSup>
                                   <m:r>
-                                    <a:rPr lang="en-US" b="0" i="1" smtClean="0">
+                                    <a:rPr lang="en-US" i="1">
                                       <a:latin typeface="Cambria Math" panose="02040503050406030204" pitchFamily="18" charset="0"/>
                                     </a:rPr>
                                     <m:t>+…+</m:t>
@@ -21859,14 +22130,20 @@
                                   <m:sSub>
                                     <m:sSubPr>
                                       <m:ctrlPr>
-                                        <a:rPr lang="en-US" b="0" i="1" smtClean="0">
+                                        <a:rPr lang="en-US" i="1">
+                                          <a:solidFill>
+                                            <a:srgbClr val="7030A0"/>
+                                          </a:solidFill>
                                           <a:latin typeface="Cambria Math" panose="02040503050406030204" pitchFamily="18" charset="0"/>
                                         </a:rPr>
                                       </m:ctrlPr>
                                     </m:sSubPr>
                                     <m:e>
                                       <m:r>
-                                        <a:rPr lang="en-US" b="0" i="1" smtClean="0">
+                                        <a:rPr lang="en-US" i="1">
+                                          <a:solidFill>
+                                            <a:srgbClr val="7030A0"/>
+                                          </a:solidFill>
                                           <a:latin typeface="Cambria Math" panose="02040503050406030204" pitchFamily="18" charset="0"/>
                                         </a:rPr>
                                         <m:t>𝑐</m:t>
@@ -21874,7 +22151,10 @@
                                     </m:e>
                                     <m:sub>
                                       <m:r>
-                                        <a:rPr lang="en-US" b="0" i="1" smtClean="0">
+                                        <a:rPr lang="en-US" i="1">
+                                          <a:solidFill>
+                                            <a:srgbClr val="7030A0"/>
+                                          </a:solidFill>
                                           <a:latin typeface="Cambria Math" panose="02040503050406030204" pitchFamily="18" charset="0"/>
                                         </a:rPr>
                                         <m:t>𝑞</m:t>
@@ -21884,14 +22164,17 @@
                                   <m:sSup>
                                     <m:sSupPr>
                                       <m:ctrlPr>
-                                        <a:rPr lang="en-US" b="0" i="1" smtClean="0">
+                                        <a:rPr lang="en-US" i="1">
                                           <a:latin typeface="Cambria Math" panose="02040503050406030204" pitchFamily="18" charset="0"/>
                                         </a:rPr>
                                       </m:ctrlPr>
                                     </m:sSupPr>
                                     <m:e>
                                       <m:r>
-                                        <a:rPr lang="en-US" b="0" i="1" smtClean="0">
+                                        <a:rPr lang="en-US" i="1">
+                                          <a:solidFill>
+                                            <a:srgbClr val="FF0000"/>
+                                          </a:solidFill>
                                           <a:latin typeface="Cambria Math" panose="02040503050406030204" pitchFamily="18" charset="0"/>
                                         </a:rPr>
                                         <m:t>𝑟</m:t>
@@ -21899,7 +22182,7 @@
                                     </m:e>
                                     <m:sup>
                                       <m:r>
-                                        <a:rPr lang="en-US" b="0" i="1" smtClean="0">
+                                        <a:rPr lang="en-US" i="1">
                                           <a:latin typeface="Cambria Math" panose="02040503050406030204" pitchFamily="18" charset="0"/>
                                         </a:rPr>
                                         <m:t>1</m:t>
@@ -21912,7 +22195,7 @@
                                 <m:rPr>
                                   <m:sty m:val="p"/>
                                 </m:rPr>
-                                <a:rPr lang="en-US" b="0" i="0" smtClean="0">
+                                <a:rPr lang="en-US">
                                   <a:latin typeface="Cambria Math" panose="02040503050406030204" pitchFamily="18" charset="0"/>
                                 </a:rPr>
                                 <m:t>mod</m:t>
@@ -21920,14 +22203,20 @@
                               <m:sSup>
                                 <m:sSupPr>
                                   <m:ctrlPr>
-                                    <a:rPr lang="en-US" b="0" i="1" smtClean="0">
+                                    <a:rPr lang="en-US" i="1">
+                                      <a:solidFill>
+                                        <a:srgbClr val="FFC000"/>
+                                      </a:solidFill>
                                       <a:latin typeface="Cambria Math" panose="02040503050406030204" pitchFamily="18" charset="0"/>
                                     </a:rPr>
                                   </m:ctrlPr>
                                 </m:sSupPr>
                                 <m:e>
                                   <m:r>
-                                    <a:rPr lang="en-US" b="0" i="1" smtClean="0">
+                                    <a:rPr lang="en-US" i="1">
+                                      <a:solidFill>
+                                        <a:srgbClr val="FFC000"/>
+                                      </a:solidFill>
                                       <a:latin typeface="Cambria Math" panose="02040503050406030204" pitchFamily="18" charset="0"/>
                                     </a:rPr>
                                     <m:t>2</m:t>
@@ -21935,7 +22224,10 @@
                                 </m:e>
                                 <m:sup>
                                   <m:r>
-                                    <a:rPr lang="en-US" b="0" i="1" smtClean="0">
+                                    <a:rPr lang="en-US" i="1">
+                                      <a:solidFill>
+                                        <a:srgbClr val="FFC000"/>
+                                      </a:solidFill>
                                       <a:latin typeface="Cambria Math" panose="02040503050406030204" pitchFamily="18" charset="0"/>
                                     </a:rPr>
                                     <m:t>130</m:t>
@@ -21943,7 +22235,10 @@
                                 </m:sup>
                               </m:sSup>
                               <m:r>
-                                <a:rPr lang="en-US" b="0" i="1" smtClean="0">
+                                <a:rPr lang="en-US" i="1">
+                                  <a:solidFill>
+                                    <a:srgbClr val="FFC000"/>
+                                  </a:solidFill>
                                   <a:latin typeface="Cambria Math" panose="02040503050406030204" pitchFamily="18" charset="0"/>
                                 </a:rPr>
                                 <m:t>−5</m:t>
@@ -21951,13 +22246,13 @@
                             </m:e>
                           </m:d>
                           <m:r>
-                            <a:rPr lang="en-US" b="0" i="1" smtClean="0">
+                            <a:rPr lang="en-US" i="1">
                               <a:latin typeface="Cambria Math" panose="02040503050406030204" pitchFamily="18" charset="0"/>
                             </a:rPr>
                             <m:t>+ </m:t>
                           </m:r>
                           <m:r>
-                            <a:rPr lang="en-US" b="0" i="1" smtClean="0">
+                            <a:rPr lang="en-US" i="1">
                               <a:latin typeface="Cambria Math" panose="02040503050406030204" pitchFamily="18" charset="0"/>
                             </a:rPr>
                             <m:t>𝐴𝐸</m:t>
@@ -21965,14 +22260,14 @@
                           <m:sSub>
                             <m:sSubPr>
                               <m:ctrlPr>
-                                <a:rPr lang="en-US" b="0" i="1" smtClean="0">
+                                <a:rPr lang="en-US" i="1">
                                   <a:latin typeface="Cambria Math" panose="02040503050406030204" pitchFamily="18" charset="0"/>
                                 </a:rPr>
                               </m:ctrlPr>
                             </m:sSubPr>
                             <m:e>
                               <m:r>
-                                <a:rPr lang="en-US" b="0" i="1" smtClean="0">
+                                <a:rPr lang="en-US" i="1">
                                   <a:latin typeface="Cambria Math" panose="02040503050406030204" pitchFamily="18" charset="0"/>
                                 </a:rPr>
                                 <m:t>𝑆</m:t>
@@ -21980,7 +22275,10 @@
                             </m:e>
                             <m:sub>
                               <m:r>
-                                <a:rPr lang="en-US" b="0" i="1" smtClean="0">
+                                <a:rPr lang="en-US" i="1">
+                                  <a:solidFill>
+                                    <a:srgbClr val="FF0000"/>
+                                  </a:solidFill>
                                   <a:latin typeface="Cambria Math" panose="02040503050406030204" pitchFamily="18" charset="0"/>
                                 </a:rPr>
                                 <m:t>𝑘</m:t>
@@ -21990,14 +22288,17 @@
                           <m:d>
                             <m:dPr>
                               <m:ctrlPr>
-                                <a:rPr lang="en-US" b="0" i="1" smtClean="0">
+                                <a:rPr lang="en-US" i="1">
                                   <a:latin typeface="Cambria Math" panose="02040503050406030204" pitchFamily="18" charset="0"/>
                                 </a:rPr>
                               </m:ctrlPr>
                             </m:dPr>
                             <m:e>
                               <m:r>
-                                <a:rPr lang="en-US" b="0" i="1" smtClean="0">
+                                <a:rPr lang="en-US" i="1">
+                                  <a:solidFill>
+                                    <a:srgbClr val="00B050"/>
+                                  </a:solidFill>
                                   <a:latin typeface="Cambria Math" panose="02040503050406030204" pitchFamily="18" charset="0"/>
                                 </a:rPr>
                                 <m:t>𝑛</m:t>
@@ -22010,7 +22311,7 @@
                         <m:rPr>
                           <m:sty m:val="p"/>
                         </m:rPr>
-                        <a:rPr lang="en-US" b="0" i="0" smtClean="0">
+                        <a:rPr lang="en-US">
                           <a:latin typeface="Cambria Math" panose="02040503050406030204" pitchFamily="18" charset="0"/>
                         </a:rPr>
                         <m:t>mod</m:t>
@@ -22018,14 +22319,14 @@
                       <m:sSup>
                         <m:sSupPr>
                           <m:ctrlPr>
-                            <a:rPr lang="en-US" b="0" i="1" smtClean="0">
+                            <a:rPr lang="en-US" i="1">
                               <a:latin typeface="Cambria Math" panose="02040503050406030204" pitchFamily="18" charset="0"/>
                             </a:rPr>
                           </m:ctrlPr>
                         </m:sSupPr>
                         <m:e>
                           <m:r>
-                            <a:rPr lang="en-US" b="0" i="1" smtClean="0">
+                            <a:rPr lang="en-US" i="1">
                               <a:latin typeface="Cambria Math" panose="02040503050406030204" pitchFamily="18" charset="0"/>
                             </a:rPr>
                             <m:t>2</m:t>
@@ -22033,28 +22334,457 @@
                         </m:e>
                         <m:sup>
                           <m:r>
-                            <a:rPr lang="en-US" b="0" i="1" smtClean="0">
+                            <a:rPr lang="en-US" i="1">
                               <a:latin typeface="Cambria Math" panose="02040503050406030204" pitchFamily="18" charset="0"/>
                             </a:rPr>
                             <m:t>128</m:t>
                           </m:r>
                         </m:sup>
                       </m:sSup>
-                      <m:r>
-                        <a:rPr lang="en-US" b="0" i="1" smtClean="0">
-                          <a:latin typeface="Cambria Math" panose="02040503050406030204" pitchFamily="18" charset="0"/>
-                        </a:rPr>
-                        <m:t> </m:t>
-                      </m:r>
                     </m:oMath>
                   </m:oMathPara>
                 </a14:m>
+                <a:endParaRPr lang="ru-RU" b="0" i="1" dirty="0" smtClean="0"/>
+              </a:p>
+              <a:p>
+                <a14:m>
+                  <m:oMath xmlns:m="http://schemas.openxmlformats.org/officeDocument/2006/math">
+                    <m:r>
+                      <a:rPr lang="en-US" b="0" i="1" smtClean="0">
+                        <a:solidFill>
+                          <a:srgbClr val="00B050"/>
+                        </a:solidFill>
+                        <a:latin typeface="Cambria Math" panose="02040503050406030204" pitchFamily="18" charset="0"/>
+                      </a:rPr>
+                      <m:t>𝑛</m:t>
+                    </m:r>
+                  </m:oMath>
+                </a14:m>
+                <a:r>
+                  <a:rPr lang="ru-RU" b="0" i="1" dirty="0" smtClean="0"/>
+                  <a:t> – </a:t>
+                </a:r>
+                <a:r>
+                  <a:rPr lang="en-US" b="0" dirty="0" smtClean="0"/>
+                  <a:t>nonce</a:t>
+                </a:r>
+                <a:r>
+                  <a:rPr lang="ru-RU" b="0" dirty="0" smtClean="0"/>
+                  <a:t>, </a:t>
+                </a:r>
+                <a14:m>
+                  <m:oMath xmlns:m="http://schemas.openxmlformats.org/officeDocument/2006/math">
+                    <m:sSup>
+                      <m:sSupPr>
+                        <m:ctrlPr>
+                          <a:rPr lang="en-US" b="0" i="1" smtClean="0">
+                            <a:latin typeface="Cambria Math" panose="02040503050406030204" pitchFamily="18" charset="0"/>
+                          </a:rPr>
+                        </m:ctrlPr>
+                      </m:sSupPr>
+                      <m:e>
+                        <m:r>
+                          <a:rPr lang="en-US" b="0" i="1" smtClean="0">
+                            <a:latin typeface="Cambria Math" panose="02040503050406030204" pitchFamily="18" charset="0"/>
+                          </a:rPr>
+                          <m:t>𝑘</m:t>
+                        </m:r>
+                      </m:e>
+                      <m:sup>
+                        <m:r>
+                          <a:rPr lang="en-US" b="0" i="1" smtClean="0">
+                            <a:latin typeface="Cambria Math" panose="02040503050406030204" pitchFamily="18" charset="0"/>
+                          </a:rPr>
+                          <m:t>′</m:t>
+                        </m:r>
+                      </m:sup>
+                    </m:sSup>
+                    <m:r>
+                      <a:rPr lang="en-US" b="0" i="1" smtClean="0">
+                        <a:latin typeface="Cambria Math" panose="02040503050406030204" pitchFamily="18" charset="0"/>
+                      </a:rPr>
+                      <m:t>∈</m:t>
+                    </m:r>
+                    <m:sSup>
+                      <m:sSupPr>
+                        <m:ctrlPr>
+                          <a:rPr lang="en-US" b="0" i="1" smtClean="0">
+                            <a:latin typeface="Cambria Math" panose="02040503050406030204" pitchFamily="18" charset="0"/>
+                          </a:rPr>
+                        </m:ctrlPr>
+                      </m:sSupPr>
+                      <m:e>
+                        <m:d>
+                          <m:dPr>
+                            <m:begChr m:val="{"/>
+                            <m:endChr m:val="}"/>
+                            <m:ctrlPr>
+                              <a:rPr lang="en-US" b="0" i="1" smtClean="0">
+                                <a:latin typeface="Cambria Math" panose="02040503050406030204" pitchFamily="18" charset="0"/>
+                              </a:rPr>
+                            </m:ctrlPr>
+                          </m:dPr>
+                          <m:e>
+                            <m:r>
+                              <a:rPr lang="en-US" b="0" i="1" smtClean="0">
+                                <a:latin typeface="Cambria Math" panose="02040503050406030204" pitchFamily="18" charset="0"/>
+                              </a:rPr>
+                              <m:t>0,1</m:t>
+                            </m:r>
+                          </m:e>
+                        </m:d>
+                      </m:e>
+                      <m:sup>
+                        <m:r>
+                          <a:rPr lang="en-US" b="0" i="1" smtClean="0">
+                            <a:latin typeface="Cambria Math" panose="02040503050406030204" pitchFamily="18" charset="0"/>
+                          </a:rPr>
+                          <m:t>234</m:t>
+                        </m:r>
+                      </m:sup>
+                    </m:sSup>
+                  </m:oMath>
+                </a14:m>
+                <a:r>
+                  <a:rPr lang="ru-RU" b="0" dirty="0" smtClean="0"/>
+                  <a:t> - ключ</a:t>
+                </a:r>
+                <a:r>
+                  <a:rPr lang="ru-RU" dirty="0" smtClean="0"/>
+                  <a:t>, </a:t>
+                </a:r>
+                <a14:m>
+                  <m:oMath xmlns:m="http://schemas.openxmlformats.org/officeDocument/2006/math">
+                    <m:r>
+                      <a:rPr lang="en-US" b="0" i="1" smtClean="0">
+                        <a:latin typeface="Cambria Math" panose="02040503050406030204" pitchFamily="18" charset="0"/>
+                      </a:rPr>
+                      <m:t>𝑚</m:t>
+                    </m:r>
+                  </m:oMath>
+                </a14:m>
+                <a:r>
+                  <a:rPr lang="ru-RU" b="0" dirty="0" smtClean="0"/>
+                  <a:t> – подписываемое сообщение. </a:t>
+                </a:r>
+              </a:p>
+              <a:p>
+                <a14:m>
+                  <m:oMath xmlns:m="http://schemas.openxmlformats.org/officeDocument/2006/math">
+                    <m:d>
+                      <m:dPr>
+                        <m:ctrlPr>
+                          <a:rPr lang="en-US" b="0" i="1" smtClean="0">
+                            <a:latin typeface="Cambria Math" panose="02040503050406030204" pitchFamily="18" charset="0"/>
+                          </a:rPr>
+                        </m:ctrlPr>
+                      </m:dPr>
+                      <m:e>
+                        <m:r>
+                          <a:rPr lang="en-US" b="0" i="1" smtClean="0">
+                            <a:solidFill>
+                              <a:srgbClr val="FF0000"/>
+                            </a:solidFill>
+                            <a:latin typeface="Cambria Math" panose="02040503050406030204" pitchFamily="18" charset="0"/>
+                          </a:rPr>
+                          <m:t>𝑟</m:t>
+                        </m:r>
+                        <m:r>
+                          <a:rPr lang="en-US" b="0" i="1" smtClean="0">
+                            <a:latin typeface="Cambria Math" panose="02040503050406030204" pitchFamily="18" charset="0"/>
+                          </a:rPr>
+                          <m:t>,</m:t>
+                        </m:r>
+                        <m:r>
+                          <a:rPr lang="en-US" b="0" i="1" smtClean="0">
+                            <a:solidFill>
+                              <a:srgbClr val="FF0000"/>
+                            </a:solidFill>
+                            <a:latin typeface="Cambria Math" panose="02040503050406030204" pitchFamily="18" charset="0"/>
+                          </a:rPr>
+                          <m:t>𝑘</m:t>
+                        </m:r>
+                      </m:e>
+                    </m:d>
+                    <m:r>
+                      <a:rPr lang="en-US" b="0" i="1" smtClean="0">
+                        <a:latin typeface="Cambria Math" panose="02040503050406030204" pitchFamily="18" charset="0"/>
+                      </a:rPr>
+                      <m:t>←</m:t>
+                    </m:r>
+                    <m:sSup>
+                      <m:sSupPr>
+                        <m:ctrlPr>
+                          <a:rPr lang="en-US" b="0" i="1" smtClean="0">
+                            <a:latin typeface="Cambria Math" panose="02040503050406030204" pitchFamily="18" charset="0"/>
+                          </a:rPr>
+                        </m:ctrlPr>
+                      </m:sSupPr>
+                      <m:e>
+                        <m:r>
+                          <a:rPr lang="en-US" b="0" i="1" smtClean="0">
+                            <a:latin typeface="Cambria Math" panose="02040503050406030204" pitchFamily="18" charset="0"/>
+                          </a:rPr>
+                          <m:t>𝑘</m:t>
+                        </m:r>
+                      </m:e>
+                      <m:sup>
+                        <m:r>
+                          <a:rPr lang="en-US" b="0" i="1" smtClean="0">
+                            <a:latin typeface="Cambria Math" panose="02040503050406030204" pitchFamily="18" charset="0"/>
+                          </a:rPr>
+                          <m:t>′</m:t>
+                        </m:r>
+                      </m:sup>
+                    </m:sSup>
+                    <m:r>
+                      <a:rPr lang="en-US" b="0" i="1" smtClean="0">
+                        <a:latin typeface="Cambria Math" panose="02040503050406030204" pitchFamily="18" charset="0"/>
+                      </a:rPr>
+                      <m:t>, </m:t>
+                    </m:r>
+                    <m:r>
+                      <a:rPr lang="en-US" b="0" i="1" smtClean="0">
+                        <a:solidFill>
+                          <a:srgbClr val="FF0000"/>
+                        </a:solidFill>
+                        <a:latin typeface="Cambria Math" panose="02040503050406030204" pitchFamily="18" charset="0"/>
+                      </a:rPr>
+                      <m:t>𝑟</m:t>
+                    </m:r>
+                    <m:r>
+                      <a:rPr lang="en-US" b="0" i="1" smtClean="0">
+                        <a:latin typeface="Cambria Math" panose="02040503050406030204" pitchFamily="18" charset="0"/>
+                      </a:rPr>
+                      <m:t>∈ </m:t>
+                    </m:r>
+                    <m:sSup>
+                      <m:sSupPr>
+                        <m:ctrlPr>
+                          <a:rPr lang="en-US" b="0" i="1" smtClean="0">
+                            <a:latin typeface="Cambria Math" panose="02040503050406030204" pitchFamily="18" charset="0"/>
+                          </a:rPr>
+                        </m:ctrlPr>
+                      </m:sSupPr>
+                      <m:e>
+                        <m:d>
+                          <m:dPr>
+                            <m:begChr m:val="{"/>
+                            <m:endChr m:val="}"/>
+                            <m:ctrlPr>
+                              <a:rPr lang="en-US" b="0" i="1" smtClean="0">
+                                <a:latin typeface="Cambria Math" panose="02040503050406030204" pitchFamily="18" charset="0"/>
+                              </a:rPr>
+                            </m:ctrlPr>
+                          </m:dPr>
+                          <m:e>
+                            <m:r>
+                              <a:rPr lang="en-US" b="0" i="1" smtClean="0">
+                                <a:latin typeface="Cambria Math" panose="02040503050406030204" pitchFamily="18" charset="0"/>
+                              </a:rPr>
+                              <m:t>0,1</m:t>
+                            </m:r>
+                          </m:e>
+                        </m:d>
+                      </m:e>
+                      <m:sup>
+                        <m:r>
+                          <a:rPr lang="en-US" b="0" i="1" smtClean="0">
+                            <a:latin typeface="Cambria Math" panose="02040503050406030204" pitchFamily="18" charset="0"/>
+                          </a:rPr>
+                          <m:t>128</m:t>
+                        </m:r>
+                      </m:sup>
+                    </m:sSup>
+                    <m:r>
+                      <a:rPr lang="en-US" b="0" i="1" smtClean="0">
+                        <a:latin typeface="Cambria Math" panose="02040503050406030204" pitchFamily="18" charset="0"/>
+                      </a:rPr>
+                      <m:t>,</m:t>
+                    </m:r>
+                    <m:r>
+                      <a:rPr lang="en-US" b="0" i="1" smtClean="0">
+                        <a:solidFill>
+                          <a:srgbClr val="FF0000"/>
+                        </a:solidFill>
+                        <a:latin typeface="Cambria Math" panose="02040503050406030204" pitchFamily="18" charset="0"/>
+                      </a:rPr>
+                      <m:t>𝑘</m:t>
+                    </m:r>
+                    <m:r>
+                      <a:rPr lang="en-US" b="0" i="1" smtClean="0">
+                        <a:latin typeface="Cambria Math" panose="02040503050406030204" pitchFamily="18" charset="0"/>
+                      </a:rPr>
+                      <m:t>∈</m:t>
+                    </m:r>
+                    <m:sSup>
+                      <m:sSupPr>
+                        <m:ctrlPr>
+                          <a:rPr lang="en-US" b="0" i="1" smtClean="0">
+                            <a:latin typeface="Cambria Math" panose="02040503050406030204" pitchFamily="18" charset="0"/>
+                          </a:rPr>
+                        </m:ctrlPr>
+                      </m:sSupPr>
+                      <m:e>
+                        <m:d>
+                          <m:dPr>
+                            <m:begChr m:val="{"/>
+                            <m:endChr m:val="}"/>
+                            <m:ctrlPr>
+                              <a:rPr lang="en-US" b="0" i="1" smtClean="0">
+                                <a:latin typeface="Cambria Math" panose="02040503050406030204" pitchFamily="18" charset="0"/>
+                              </a:rPr>
+                            </m:ctrlPr>
+                          </m:dPr>
+                          <m:e>
+                            <m:r>
+                              <a:rPr lang="en-US" b="0" i="1" smtClean="0">
+                                <a:latin typeface="Cambria Math" panose="02040503050406030204" pitchFamily="18" charset="0"/>
+                              </a:rPr>
+                              <m:t>0,1</m:t>
+                            </m:r>
+                          </m:e>
+                        </m:d>
+                      </m:e>
+                      <m:sup>
+                        <m:r>
+                          <a:rPr lang="en-US" b="0" i="1" smtClean="0">
+                            <a:latin typeface="Cambria Math" panose="02040503050406030204" pitchFamily="18" charset="0"/>
+                          </a:rPr>
+                          <m:t>128</m:t>
+                        </m:r>
+                      </m:sup>
+                    </m:sSup>
+                  </m:oMath>
+                </a14:m>
+                <a:r>
+                  <a:rPr lang="ru-RU" dirty="0" smtClean="0"/>
+                  <a:t> (некоторые биты </a:t>
+                </a:r>
+                <a14:m>
+                  <m:oMath xmlns:m="http://schemas.openxmlformats.org/officeDocument/2006/math">
+                    <m:r>
+                      <a:rPr lang="en-US" b="0" i="1" smtClean="0">
+                        <a:solidFill>
+                          <a:srgbClr val="FF0000"/>
+                        </a:solidFill>
+                        <a:latin typeface="Cambria Math" panose="02040503050406030204" pitchFamily="18" charset="0"/>
+                      </a:rPr>
+                      <m:t>𝑟</m:t>
+                    </m:r>
+                  </m:oMath>
+                </a14:m>
+                <a:r>
+                  <a:rPr lang="ru-RU" dirty="0" smtClean="0"/>
+                  <a:t> просто выставляются константами в 0 или 1. Возможно использование полностью случайного </a:t>
+                </a:r>
+                <a14:m>
+                  <m:oMath xmlns:m="http://schemas.openxmlformats.org/officeDocument/2006/math">
+                    <m:r>
+                      <a:rPr lang="en-US" b="0" i="1" smtClean="0">
+                        <a:solidFill>
+                          <a:srgbClr val="FF0000"/>
+                        </a:solidFill>
+                        <a:latin typeface="Cambria Math" panose="02040503050406030204" pitchFamily="18" charset="0"/>
+                      </a:rPr>
+                      <m:t>𝑟</m:t>
+                    </m:r>
+                  </m:oMath>
+                </a14:m>
+                <a:r>
+                  <a:rPr lang="ru-RU" dirty="0" smtClean="0"/>
+                  <a:t> для увеличения параметра стойкости до 128 бит, но снижения производительности)</a:t>
+                </a:r>
+              </a:p>
+              <a:p>
+                <a14:m>
+                  <m:oMath xmlns:m="http://schemas.openxmlformats.org/officeDocument/2006/math">
+                    <m:sSup>
+                      <m:sSupPr>
+                        <m:ctrlPr>
+                          <a:rPr lang="en-US" i="1" smtClean="0">
+                            <a:solidFill>
+                              <a:srgbClr val="FFC000"/>
+                            </a:solidFill>
+                            <a:latin typeface="Cambria Math" panose="02040503050406030204" pitchFamily="18" charset="0"/>
+                          </a:rPr>
+                        </m:ctrlPr>
+                      </m:sSupPr>
+                      <m:e>
+                        <m:r>
+                          <a:rPr lang="en-US" i="1">
+                            <a:solidFill>
+                              <a:srgbClr val="FFC000"/>
+                            </a:solidFill>
+                            <a:latin typeface="Cambria Math" panose="02040503050406030204" pitchFamily="18" charset="0"/>
+                          </a:rPr>
+                          <m:t>2</m:t>
+                        </m:r>
+                      </m:e>
+                      <m:sup>
+                        <m:r>
+                          <a:rPr lang="en-US" i="1">
+                            <a:solidFill>
+                              <a:srgbClr val="FFC000"/>
+                            </a:solidFill>
+                            <a:latin typeface="Cambria Math" panose="02040503050406030204" pitchFamily="18" charset="0"/>
+                          </a:rPr>
+                          <m:t>130</m:t>
+                        </m:r>
+                      </m:sup>
+                    </m:sSup>
+                    <m:r>
+                      <a:rPr lang="en-US" i="1">
+                        <a:solidFill>
+                          <a:srgbClr val="FFC000"/>
+                        </a:solidFill>
+                        <a:latin typeface="Cambria Math" panose="02040503050406030204" pitchFamily="18" charset="0"/>
+                      </a:rPr>
+                      <m:t>−5</m:t>
+                    </m:r>
+                  </m:oMath>
+                </a14:m>
+                <a:r>
+                  <a:rPr lang="ru-RU" dirty="0" smtClean="0"/>
+                  <a:t> – выбранное простое число </a:t>
+                </a:r>
+              </a:p>
+              <a:p>
+                <a:r>
+                  <a:rPr lang="ru-RU" dirty="0" smtClean="0"/>
+                  <a:t>106 бит стойкости</a:t>
+                </a:r>
+                <a:r>
+                  <a:rPr lang="en-US" dirty="0" smtClean="0"/>
+                  <a:t> (</a:t>
+                </a:r>
+                <a:r>
+                  <a:rPr lang="ru-RU" dirty="0" smtClean="0"/>
+                  <a:t>число случайный бит в </a:t>
+                </a:r>
+                <a14:m>
+                  <m:oMath xmlns:m="http://schemas.openxmlformats.org/officeDocument/2006/math">
+                    <m:r>
+                      <a:rPr lang="en-US" b="0" i="1" smtClean="0">
+                        <a:solidFill>
+                          <a:srgbClr val="FF0000"/>
+                        </a:solidFill>
+                        <a:latin typeface="Cambria Math" panose="02040503050406030204" pitchFamily="18" charset="0"/>
+                      </a:rPr>
+                      <m:t>𝑟</m:t>
+                    </m:r>
+                  </m:oMath>
+                </a14:m>
+                <a:r>
+                  <a:rPr lang="en-US" dirty="0" smtClean="0"/>
+                  <a:t>)</a:t>
+                </a:r>
                 <a:endParaRPr lang="ru-RU" dirty="0"/>
               </a:p>
             </p:txBody>
           </p:sp>
         </mc:Choice>
-        <mc:Fallback xmlns="">
+        <mc:Fallback>
           <p:sp>
             <p:nvSpPr>
               <p:cNvPr id="3" name="Объект 2"/>
@@ -22067,13 +22797,13 @@
             </p:nvSpPr>
             <p:spPr>
               <a:xfrm>
-                <a:off x="838200" y="1825625"/>
-                <a:ext cx="6797634" cy="4351338"/>
+                <a:off x="838200" y="1549959"/>
+                <a:ext cx="6797634" cy="5061856"/>
               </a:xfrm>
-              <a:blipFill rotWithShape="0">
+              <a:blipFill>
                 <a:blip r:embed="rId3"/>
                 <a:stretch>
-                  <a:fillRect l="-359"/>
+                  <a:fillRect l="-1256" r="-1794"/>
                 </a:stretch>
               </a:blipFill>
             </p:spPr>
@@ -22132,6 +22862,258 @@
       </p:par>
     </p:tnLst>
   </p:timing>
+</p:sld>
+</file>
+
+<file path=ppt/slides/slide38.xml><?xml version="1.0" encoding="utf-8"?>
+<p:sld xmlns:a="http://schemas.openxmlformats.org/drawingml/2006/main" xmlns:r="http://schemas.openxmlformats.org/officeDocument/2006/relationships" xmlns:p="http://schemas.openxmlformats.org/presentationml/2006/main">
+  <p:cSld>
+    <p:spTree>
+      <p:nvGrpSpPr>
+        <p:cNvPr id="1" name=""/>
+        <p:cNvGrpSpPr/>
+        <p:nvPr/>
+      </p:nvGrpSpPr>
+      <p:grpSpPr>
+        <a:xfrm>
+          <a:off x="0" y="0"/>
+          <a:ext cx="0" cy="0"/>
+          <a:chOff x="0" y="0"/>
+          <a:chExt cx="0" cy="0"/>
+        </a:xfrm>
+      </p:grpSpPr>
+      <p:sp>
+        <p:nvSpPr>
+          <p:cNvPr id="4" name="Номер слайда 3"/>
+          <p:cNvSpPr>
+            <a:spLocks noGrp="1"/>
+          </p:cNvSpPr>
+          <p:nvPr>
+            <p:ph type="sldNum" sz="quarter" idx="12"/>
+          </p:nvPr>
+        </p:nvSpPr>
+        <p:spPr/>
+        <p:txBody>
+          <a:bodyPr/>
+          <a:lstStyle/>
+          <a:p>
+            <a:fld id="{8253DDDB-F8F7-4D64-A7FD-3F3D61C1949F}" type="slidenum">
+              <a:rPr lang="ru-RU" smtClean="0"/>
+              <a:t>38</a:t>
+            </a:fld>
+            <a:endParaRPr lang="ru-RU"/>
+          </a:p>
+        </p:txBody>
+      </p:sp>
+      <mc:AlternateContent xmlns:mc="http://schemas.openxmlformats.org/markup-compatibility/2006" xmlns:a14="http://schemas.microsoft.com/office/drawing/2010/main">
+        <mc:Choice Requires="a14">
+          <p:sp>
+            <p:nvSpPr>
+              <p:cNvPr id="7" name="Объект 2"/>
+              <p:cNvSpPr>
+                <a:spLocks noGrp="1"/>
+              </p:cNvSpPr>
+              <p:nvPr>
+                <p:ph idx="1"/>
+              </p:nvPr>
+            </p:nvSpPr>
+            <p:spPr>
+              <a:xfrm>
+                <a:off x="7636702" y="668215"/>
+                <a:ext cx="4305300" cy="5061856"/>
+              </a:xfrm>
+            </p:spPr>
+            <p:txBody>
+              <a:bodyPr>
+                <a:normAutofit fontScale="92500"/>
+              </a:bodyPr>
+              <a:lstStyle/>
+              <a:p>
+                <a:pPr marL="0" indent="0">
+                  <a:buNone/>
+                </a:pPr>
+                <a:r>
+                  <a:rPr lang="en-US" dirty="0" smtClean="0"/>
+                  <a:t>NB: </a:t>
+                </a:r>
+                <a:r>
+                  <a:rPr lang="ru-RU" dirty="0" smtClean="0"/>
+                  <a:t>картинка слева предполагает, что правая часть ключа </a:t>
+                </a:r>
+                <a:r>
+                  <a:rPr lang="en-US" dirty="0" smtClean="0"/>
+                  <a:t>Poly1305</a:t>
+                </a:r>
+                <a:r>
+                  <a:rPr lang="ru-RU" dirty="0" smtClean="0"/>
+                  <a:t> уже получена ранее как выход некоторой </a:t>
+                </a:r>
+                <a:r>
+                  <a:rPr lang="en-US" dirty="0" smtClean="0"/>
+                  <a:t>PRF</a:t>
+                </a:r>
+                <a:r>
+                  <a:rPr lang="ru-RU" dirty="0" smtClean="0"/>
+                  <a:t>, вычисленной от некоторого </a:t>
+                </a:r>
+                <a14:m>
+                  <m:oMath xmlns:m="http://schemas.openxmlformats.org/officeDocument/2006/math">
+                    <m:r>
+                      <a:rPr lang="en-US" b="0" i="1" smtClean="0">
+                        <a:solidFill>
+                          <a:srgbClr val="00B050"/>
+                        </a:solidFill>
+                        <a:latin typeface="Cambria Math" panose="02040503050406030204" pitchFamily="18" charset="0"/>
+                      </a:rPr>
+                      <m:t>𝑛</m:t>
+                    </m:r>
+                  </m:oMath>
+                </a14:m>
+                <a:r>
+                  <a:rPr lang="ru-RU" dirty="0" smtClean="0"/>
+                  <a:t> поэтому явного вычисления</a:t>
+                </a:r>
+                <a:r>
+                  <a:rPr lang="en-US" dirty="0" smtClean="0"/>
+                  <a:t> PRF </a:t>
+                </a:r>
+                <a:r>
+                  <a:rPr lang="ru-RU" dirty="0" smtClean="0"/>
+                  <a:t>нет.</a:t>
+                </a:r>
+                <a:endParaRPr lang="en-US" dirty="0" smtClean="0"/>
+              </a:p>
+              <a:p>
+                <a:pPr marL="0" indent="0">
+                  <a:buNone/>
+                </a:pPr>
+                <a:endParaRPr lang="ru-RU" dirty="0" smtClean="0"/>
+              </a:p>
+              <a:p>
+                <a:pPr marL="0" indent="0">
+                  <a:buNone/>
+                </a:pPr>
+                <a:r>
+                  <a:rPr lang="ru-RU" dirty="0" smtClean="0"/>
+                  <a:t>В качестве </a:t>
+                </a:r>
+                <a:r>
+                  <a:rPr lang="en-US" dirty="0" smtClean="0"/>
+                  <a:t>PRF </a:t>
+                </a:r>
+                <a:r>
+                  <a:rPr lang="ru-RU" dirty="0" smtClean="0"/>
+                  <a:t>используется не только </a:t>
+                </a:r>
+                <a:r>
+                  <a:rPr lang="en-US" dirty="0" smtClean="0"/>
+                  <a:t>AES</a:t>
+                </a:r>
+                <a:r>
+                  <a:rPr lang="ru-RU" dirty="0" smtClean="0"/>
+                  <a:t>, но и </a:t>
+                </a:r>
+                <a:r>
+                  <a:rPr lang="en-US" dirty="0" smtClean="0"/>
+                  <a:t>ChaCha20 (</a:t>
+                </a:r>
+                <a:r>
+                  <a:rPr lang="ru-RU" dirty="0" smtClean="0"/>
+                  <a:t>обычно в рамках построения аутентифицированного шифрования </a:t>
+                </a:r>
+                <a:r>
+                  <a:rPr lang="en-US" dirty="0" err="1"/>
+                  <a:t>ChaCha</a:t>
+                </a:r>
+                <a:r>
+                  <a:rPr lang="en-US" dirty="0"/>
+                  <a:t> 20 – Poly </a:t>
+                </a:r>
+                <a:r>
+                  <a:rPr lang="en-US" dirty="0" smtClean="0"/>
+                  <a:t>1305</a:t>
+                </a:r>
+                <a:r>
+                  <a:rPr lang="ru-RU" dirty="0" smtClean="0"/>
+                  <a:t>) </a:t>
+                </a:r>
+                <a:endParaRPr lang="ru-RU" dirty="0"/>
+              </a:p>
+            </p:txBody>
+          </p:sp>
+        </mc:Choice>
+        <mc:Fallback xmlns="">
+          <p:sp>
+            <p:nvSpPr>
+              <p:cNvPr id="7" name="Объект 2"/>
+              <p:cNvSpPr>
+                <a:spLocks noGrp="1" noRot="1" noChangeAspect="1" noMove="1" noResize="1" noEditPoints="1" noAdjustHandles="1" noChangeArrowheads="1" noChangeShapeType="1" noTextEdit="1"/>
+              </p:cNvSpPr>
+              <p:nvPr>
+                <p:ph idx="1"/>
+              </p:nvPr>
+            </p:nvSpPr>
+            <p:spPr>
+              <a:xfrm>
+                <a:off x="7636702" y="668215"/>
+                <a:ext cx="4305300" cy="5061856"/>
+              </a:xfrm>
+              <a:blipFill>
+                <a:blip r:embed="rId2"/>
+                <a:stretch>
+                  <a:fillRect l="-2266" t="-1687" r="-1983" b="-602"/>
+                </a:stretch>
+              </a:blipFill>
+            </p:spPr>
+            <p:txBody>
+              <a:bodyPr/>
+              <a:lstStyle/>
+              <a:p>
+                <a:r>
+                  <a:rPr lang="ru-RU">
+                    <a:noFill/>
+                  </a:rPr>
+                  <a:t> </a:t>
+                </a:r>
+              </a:p>
+            </p:txBody>
+          </p:sp>
+        </mc:Fallback>
+      </mc:AlternateContent>
+      <p:pic>
+        <p:nvPicPr>
+          <p:cNvPr id="8" name="Рисунок 7"/>
+          <p:cNvPicPr>
+            <a:picLocks noChangeAspect="1"/>
+          </p:cNvPicPr>
+          <p:nvPr/>
+        </p:nvPicPr>
+        <p:blipFill>
+          <a:blip r:embed="rId3"/>
+          <a:stretch>
+            <a:fillRect/>
+          </a:stretch>
+        </p:blipFill>
+        <p:spPr>
+          <a:xfrm>
+            <a:off x="0" y="668215"/>
+            <a:ext cx="7636702" cy="5304153"/>
+          </a:xfrm>
+          <a:prstGeom prst="rect">
+            <a:avLst/>
+          </a:prstGeom>
+        </p:spPr>
+      </p:pic>
+    </p:spTree>
+    <p:extLst>
+      <p:ext uri="{BB962C8B-B14F-4D97-AF65-F5344CB8AC3E}">
+        <p14:creationId xmlns:p14="http://schemas.microsoft.com/office/powerpoint/2010/main" val="1079901671"/>
+      </p:ext>
+    </p:extLst>
+  </p:cSld>
+  <p:clrMapOvr>
+    <a:masterClrMapping/>
+  </p:clrMapOvr>
 </p:sld>
 </file>
 

--- a/Lectures/Lecture10.pptx
+++ b/Lectures/Lecture10.pptx
@@ -315,7 +315,7 @@
           <a:p>
             <a:fld id="{CBA08D16-15DC-4E25-BDC3-F25146157B16}" type="datetimeFigureOut">
               <a:rPr lang="ru-RU" smtClean="0"/>
-              <a:t>18.11.2020</a:t>
+              <a:t>08.11.2021</a:t>
             </a:fld>
             <a:endParaRPr lang="ru-RU"/>
           </a:p>
@@ -807,7 +807,7 @@
           <a:p>
             <a:fld id="{FCEC8293-DB51-454A-BE81-EC8FCB31EBA2}" type="datetime1">
               <a:rPr lang="ru-RU" smtClean="0"/>
-              <a:t>18.11.2020</a:t>
+              <a:t>08.11.2021</a:t>
             </a:fld>
             <a:endParaRPr lang="ru-RU"/>
           </a:p>
@@ -981,7 +981,7 @@
           <a:p>
             <a:fld id="{241C87B1-1C35-4DBD-BC18-2BC72E776603}" type="datetime1">
               <a:rPr lang="ru-RU" smtClean="0"/>
-              <a:t>18.11.2020</a:t>
+              <a:t>08.11.2021</a:t>
             </a:fld>
             <a:endParaRPr lang="ru-RU"/>
           </a:p>
@@ -1165,7 +1165,7 @@
           <a:p>
             <a:fld id="{3134C275-26C0-42CD-9111-9ADE65922AF9}" type="datetime1">
               <a:rPr lang="ru-RU" smtClean="0"/>
-              <a:t>18.11.2020</a:t>
+              <a:t>08.11.2021</a:t>
             </a:fld>
             <a:endParaRPr lang="ru-RU"/>
           </a:p>
@@ -1339,7 +1339,7 @@
           <a:p>
             <a:fld id="{C1A9A50B-C350-45F5-8AAB-ADB9E670AF2E}" type="datetime1">
               <a:rPr lang="ru-RU" smtClean="0"/>
-              <a:t>18.11.2020</a:t>
+              <a:t>08.11.2021</a:t>
             </a:fld>
             <a:endParaRPr lang="ru-RU"/>
           </a:p>
@@ -1589,7 +1589,7 @@
           <a:p>
             <a:fld id="{089688C9-348F-42F9-B6C0-5990DDE0C5B2}" type="datetime1">
               <a:rPr lang="ru-RU" smtClean="0"/>
-              <a:t>18.11.2020</a:t>
+              <a:t>08.11.2021</a:t>
             </a:fld>
             <a:endParaRPr lang="ru-RU"/>
           </a:p>
@@ -1825,7 +1825,7 @@
           <a:p>
             <a:fld id="{684AFD8F-6DD9-4AD3-A505-FDC3F5C5F3F6}" type="datetime1">
               <a:rPr lang="ru-RU" smtClean="0"/>
-              <a:t>18.11.2020</a:t>
+              <a:t>08.11.2021</a:t>
             </a:fld>
             <a:endParaRPr lang="ru-RU"/>
           </a:p>
@@ -2196,7 +2196,7 @@
           <a:p>
             <a:fld id="{63551EFE-4D02-45EB-A747-8B6F047B5AA0}" type="datetime1">
               <a:rPr lang="ru-RU" smtClean="0"/>
-              <a:t>18.11.2020</a:t>
+              <a:t>08.11.2021</a:t>
             </a:fld>
             <a:endParaRPr lang="ru-RU"/>
           </a:p>
@@ -2318,7 +2318,7 @@
           <a:p>
             <a:fld id="{813A9F34-E5CD-4B8F-AA9E-889C84372B20}" type="datetime1">
               <a:rPr lang="ru-RU" smtClean="0"/>
-              <a:t>18.11.2020</a:t>
+              <a:t>08.11.2021</a:t>
             </a:fld>
             <a:endParaRPr lang="ru-RU"/>
           </a:p>
@@ -2417,7 +2417,7 @@
           <a:p>
             <a:fld id="{51224D22-9B29-44A6-8E82-95FC492DEDC1}" type="datetime1">
               <a:rPr lang="ru-RU" smtClean="0"/>
-              <a:t>18.11.2020</a:t>
+              <a:t>08.11.2021</a:t>
             </a:fld>
             <a:endParaRPr lang="ru-RU"/>
           </a:p>
@@ -2698,7 +2698,7 @@
           <a:p>
             <a:fld id="{91D1034F-4441-48A1-BDC0-25EA1022324A}" type="datetime1">
               <a:rPr lang="ru-RU" smtClean="0"/>
-              <a:t>18.11.2020</a:t>
+              <a:t>08.11.2021</a:t>
             </a:fld>
             <a:endParaRPr lang="ru-RU"/>
           </a:p>
@@ -2955,7 +2955,7 @@
           <a:p>
             <a:fld id="{B0FFDE79-B627-473B-AE17-4C65BD2495F7}" type="datetime1">
               <a:rPr lang="ru-RU" smtClean="0"/>
-              <a:t>18.11.2020</a:t>
+              <a:t>08.11.2021</a:t>
             </a:fld>
             <a:endParaRPr lang="ru-RU"/>
           </a:p>
@@ -3172,7 +3172,7 @@
           <a:p>
             <a:fld id="{11CA537A-1B8C-47BA-9BA6-7CE3FAFDA8BE}" type="datetime1">
               <a:rPr lang="ru-RU" smtClean="0"/>
-              <a:t>18.11.2020</a:t>
+              <a:t>08.11.2021</a:t>
             </a:fld>
             <a:endParaRPr lang="ru-RU"/>
           </a:p>
@@ -17208,7 +17208,7 @@
           <a:effectLst/>
           <a:extLst>
             <a:ext uri="{AF507438-7753-43e0-B8FC-AC1667EBCBE1}">
-              <a14:hiddenEffects xmlns:a14="http://schemas.microsoft.com/office/drawing/2010/main" xmlns="">
+              <a14:hiddenEffects xmlns="" xmlns:a14="http://schemas.microsoft.com/office/drawing/2010/main">
                 <a:effectLst>
                   <a:outerShdw blurRad="63500" dist="38099" dir="2700000" algn="ctr" rotWithShape="0">
                     <a:schemeClr val="bg2">
@@ -17262,7 +17262,7 @@
           <a:effectLst/>
           <a:extLst>
             <a:ext uri="{AF507438-7753-43e0-B8FC-AC1667EBCBE1}">
-              <a14:hiddenEffects xmlns:a14="http://schemas.microsoft.com/office/drawing/2010/main" xmlns="">
+              <a14:hiddenEffects xmlns="" xmlns:a14="http://schemas.microsoft.com/office/drawing/2010/main">
                 <a:effectLst>
                   <a:outerShdw blurRad="63500" dist="38099" dir="2700000" algn="ctr" rotWithShape="0">
                     <a:schemeClr val="bg2">
@@ -17309,14 +17309,14 @@
           <a:effectLst/>
           <a:extLst>
             <a:ext uri="{909E8E84-426E-40dd-AFC4-6F175D3DCCD1}">
-              <a14:hiddenFill xmlns:a14="http://schemas.microsoft.com/office/drawing/2010/main" xmlns="">
+              <a14:hiddenFill xmlns="" xmlns:a14="http://schemas.microsoft.com/office/drawing/2010/main">
                 <a:solidFill>
                   <a:schemeClr val="accent1"/>
                 </a:solidFill>
               </a14:hiddenFill>
             </a:ext>
             <a:ext uri="{91240B29-F687-4f45-9708-019B960494DF}">
-              <a14:hiddenLine xmlns:a14="http://schemas.microsoft.com/office/drawing/2010/main" xmlns="" w="9525">
+              <a14:hiddenLine xmlns="" xmlns:a14="http://schemas.microsoft.com/office/drawing/2010/main" w="9525">
                 <a:solidFill>
                   <a:schemeClr val="tx1"/>
                 </a:solidFill>
@@ -17326,7 +17326,7 @@
               </a14:hiddenLine>
             </a:ext>
             <a:ext uri="{AF507438-7753-43e0-B8FC-AC1667EBCBE1}">
-              <a14:hiddenEffects xmlns:a14="http://schemas.microsoft.com/office/drawing/2010/main" xmlns="">
+              <a14:hiddenEffects xmlns="" xmlns:a14="http://schemas.microsoft.com/office/drawing/2010/main">
                 <a:effectLst>
                   <a:outerShdw blurRad="63500" dist="38099" dir="2700000" algn="ctr" rotWithShape="0">
                     <a:schemeClr val="bg2">
@@ -17411,12 +17411,12 @@
             <a:effectLst/>
             <a:extLst>
               <a:ext uri="{909E8E84-426E-40dd-AFC4-6F175D3DCCD1}">
-                <a14:hiddenFill xmlns:a14="http://schemas.microsoft.com/office/drawing/2010/main" xmlns="">
+                <a14:hiddenFill xmlns="" xmlns:a14="http://schemas.microsoft.com/office/drawing/2010/main">
                   <a:noFill/>
                 </a14:hiddenFill>
               </a:ext>
               <a:ext uri="{AF507438-7753-43e0-B8FC-AC1667EBCBE1}">
-                <a14:hiddenEffects xmlns:a14="http://schemas.microsoft.com/office/drawing/2010/main" xmlns="">
+                <a14:hiddenEffects xmlns="" xmlns:a14="http://schemas.microsoft.com/office/drawing/2010/main">
                   <a:effectLst>
                     <a:outerShdw blurRad="63500" dist="38099" dir="2700000" algn="ctr" rotWithShape="0">
                       <a:schemeClr val="bg2">
@@ -17459,14 +17459,14 @@
             <a:effectLst/>
             <a:extLst>
               <a:ext uri="{909E8E84-426E-40dd-AFC4-6F175D3DCCD1}">
-                <a14:hiddenFill xmlns:a14="http://schemas.microsoft.com/office/drawing/2010/main" xmlns="">
+                <a14:hiddenFill xmlns="" xmlns:a14="http://schemas.microsoft.com/office/drawing/2010/main">
                   <a:solidFill>
                     <a:schemeClr val="accent1"/>
                   </a:solidFill>
                 </a14:hiddenFill>
               </a:ext>
               <a:ext uri="{91240B29-F687-4f45-9708-019B960494DF}">
-                <a14:hiddenLine xmlns:a14="http://schemas.microsoft.com/office/drawing/2010/main" xmlns="" w="9525">
+                <a14:hiddenLine xmlns="" xmlns:a14="http://schemas.microsoft.com/office/drawing/2010/main" w="9525">
                   <a:solidFill>
                     <a:schemeClr val="tx1"/>
                   </a:solidFill>
@@ -17476,7 +17476,7 @@
                 </a14:hiddenLine>
               </a:ext>
               <a:ext uri="{AF507438-7753-43e0-B8FC-AC1667EBCBE1}">
-                <a14:hiddenEffects xmlns:a14="http://schemas.microsoft.com/office/drawing/2010/main" xmlns="">
+                <a14:hiddenEffects xmlns="" xmlns:a14="http://schemas.microsoft.com/office/drawing/2010/main">
                   <a:effectLst>
                     <a:outerShdw blurRad="63500" dist="38099" dir="2700000" algn="ctr" rotWithShape="0">
                       <a:schemeClr val="bg2">
@@ -17549,14 +17549,14 @@
           <a:effectLst/>
           <a:extLst>
             <a:ext uri="{909E8E84-426E-40dd-AFC4-6F175D3DCCD1}">
-              <a14:hiddenFill xmlns:a14="http://schemas.microsoft.com/office/drawing/2010/main" xmlns="">
+              <a14:hiddenFill xmlns="" xmlns:a14="http://schemas.microsoft.com/office/drawing/2010/main">
                 <a:solidFill>
                   <a:schemeClr val="accent1"/>
                 </a:solidFill>
               </a14:hiddenFill>
             </a:ext>
             <a:ext uri="{AF507438-7753-43e0-B8FC-AC1667EBCBE1}">
-              <a14:hiddenEffects xmlns:a14="http://schemas.microsoft.com/office/drawing/2010/main" xmlns="">
+              <a14:hiddenEffects xmlns="" xmlns:a14="http://schemas.microsoft.com/office/drawing/2010/main">
                 <a:effectLst>
                   <a:outerShdw blurRad="63500" dist="38099" dir="2700000" algn="ctr" rotWithShape="0">
                     <a:schemeClr val="bg2">
@@ -17620,12 +17620,12 @@
             <a:effectLst/>
             <a:extLst>
               <a:ext uri="{909E8E84-426E-40dd-AFC4-6F175D3DCCD1}">
-                <a14:hiddenFill xmlns:a14="http://schemas.microsoft.com/office/drawing/2010/main" xmlns="">
+                <a14:hiddenFill xmlns="" xmlns:a14="http://schemas.microsoft.com/office/drawing/2010/main">
                   <a:noFill/>
                 </a14:hiddenFill>
               </a:ext>
               <a:ext uri="{AF507438-7753-43e0-B8FC-AC1667EBCBE1}">
-                <a14:hiddenEffects xmlns:a14="http://schemas.microsoft.com/office/drawing/2010/main" xmlns="">
+                <a14:hiddenEffects xmlns="" xmlns:a14="http://schemas.microsoft.com/office/drawing/2010/main">
                   <a:effectLst>
                     <a:outerShdw blurRad="63500" dist="38099" dir="2700000" algn="ctr" rotWithShape="0">
                       <a:schemeClr val="bg2">
@@ -17668,14 +17668,14 @@
             <a:effectLst/>
             <a:extLst>
               <a:ext uri="{909E8E84-426E-40dd-AFC4-6F175D3DCCD1}">
-                <a14:hiddenFill xmlns:a14="http://schemas.microsoft.com/office/drawing/2010/main" xmlns="">
+                <a14:hiddenFill xmlns="" xmlns:a14="http://schemas.microsoft.com/office/drawing/2010/main">
                   <a:solidFill>
                     <a:schemeClr val="accent1"/>
                   </a:solidFill>
                 </a14:hiddenFill>
               </a:ext>
               <a:ext uri="{91240B29-F687-4f45-9708-019B960494DF}">
-                <a14:hiddenLine xmlns:a14="http://schemas.microsoft.com/office/drawing/2010/main" xmlns="" w="9525">
+                <a14:hiddenLine xmlns="" xmlns:a14="http://schemas.microsoft.com/office/drawing/2010/main" w="9525">
                   <a:solidFill>
                     <a:schemeClr val="tx1"/>
                   </a:solidFill>
@@ -17685,7 +17685,7 @@
                 </a14:hiddenLine>
               </a:ext>
               <a:ext uri="{AF507438-7753-43e0-B8FC-AC1667EBCBE1}">
-                <a14:hiddenEffects xmlns:a14="http://schemas.microsoft.com/office/drawing/2010/main" xmlns="">
+                <a14:hiddenEffects xmlns="" xmlns:a14="http://schemas.microsoft.com/office/drawing/2010/main">
                   <a:effectLst>
                     <a:outerShdw blurRad="63500" dist="38099" dir="2700000" algn="ctr" rotWithShape="0">
                       <a:schemeClr val="bg2">
@@ -17775,12 +17775,12 @@
             <a:effectLst/>
             <a:extLst>
               <a:ext uri="{909E8E84-426E-40dd-AFC4-6F175D3DCCD1}">
-                <a14:hiddenFill xmlns:a14="http://schemas.microsoft.com/office/drawing/2010/main" xmlns="">
+                <a14:hiddenFill xmlns="" xmlns:a14="http://schemas.microsoft.com/office/drawing/2010/main">
                   <a:noFill/>
                 </a14:hiddenFill>
               </a:ext>
               <a:ext uri="{AF507438-7753-43e0-B8FC-AC1667EBCBE1}">
-                <a14:hiddenEffects xmlns:a14="http://schemas.microsoft.com/office/drawing/2010/main" xmlns="">
+                <a14:hiddenEffects xmlns="" xmlns:a14="http://schemas.microsoft.com/office/drawing/2010/main">
                   <a:effectLst>
                     <a:outerShdw blurRad="63500" dist="38099" dir="2700000" algn="ctr" rotWithShape="0">
                       <a:schemeClr val="bg2">
@@ -17823,14 +17823,14 @@
             <a:effectLst/>
             <a:extLst>
               <a:ext uri="{909E8E84-426E-40dd-AFC4-6F175D3DCCD1}">
-                <a14:hiddenFill xmlns:a14="http://schemas.microsoft.com/office/drawing/2010/main" xmlns="">
+                <a14:hiddenFill xmlns="" xmlns:a14="http://schemas.microsoft.com/office/drawing/2010/main">
                   <a:solidFill>
                     <a:schemeClr val="accent1"/>
                   </a:solidFill>
                 </a14:hiddenFill>
               </a:ext>
               <a:ext uri="{91240B29-F687-4f45-9708-019B960494DF}">
-                <a14:hiddenLine xmlns:a14="http://schemas.microsoft.com/office/drawing/2010/main" xmlns="" w="9525">
+                <a14:hiddenLine xmlns="" xmlns:a14="http://schemas.microsoft.com/office/drawing/2010/main" w="9525">
                   <a:solidFill>
                     <a:schemeClr val="tx1"/>
                   </a:solidFill>
@@ -17840,7 +17840,7 @@
                 </a14:hiddenLine>
               </a:ext>
               <a:ext uri="{AF507438-7753-43e0-B8FC-AC1667EBCBE1}">
-                <a14:hiddenEffects xmlns:a14="http://schemas.microsoft.com/office/drawing/2010/main" xmlns="">
+                <a14:hiddenEffects xmlns="" xmlns:a14="http://schemas.microsoft.com/office/drawing/2010/main">
                   <a:effectLst>
                     <a:outerShdw blurRad="63500" dist="38099" dir="2700000" algn="ctr" rotWithShape="0">
                       <a:schemeClr val="bg2">
@@ -18290,14 +18290,14 @@
             <a:effectLst/>
             <a:extLst>
               <a:ext uri="{909E8E84-426E-40dd-AFC4-6F175D3DCCD1}">
-                <a14:hiddenFill xmlns:a14="http://schemas.microsoft.com/office/drawing/2010/main" xmlns="">
+                <a14:hiddenFill xmlns="" xmlns:a14="http://schemas.microsoft.com/office/drawing/2010/main">
                   <a:solidFill>
                     <a:schemeClr val="accent1"/>
                   </a:solidFill>
                 </a14:hiddenFill>
               </a:ext>
               <a:ext uri="{AF507438-7753-43e0-B8FC-AC1667EBCBE1}">
-                <a14:hiddenEffects xmlns:a14="http://schemas.microsoft.com/office/drawing/2010/main" xmlns="">
+                <a14:hiddenEffects xmlns="" xmlns:a14="http://schemas.microsoft.com/office/drawing/2010/main">
                   <a:effectLst>
                     <a:outerShdw blurRad="63500" dist="38099" dir="2700000" algn="ctr" rotWithShape="0">
                       <a:schemeClr val="bg2">
@@ -18360,12 +18360,12 @@
             <a:effectLst/>
             <a:extLst>
               <a:ext uri="{909E8E84-426E-40dd-AFC4-6F175D3DCCD1}">
-                <a14:hiddenFill xmlns:a14="http://schemas.microsoft.com/office/drawing/2010/main" xmlns="">
+                <a14:hiddenFill xmlns="" xmlns:a14="http://schemas.microsoft.com/office/drawing/2010/main">
                   <a:noFill/>
                 </a14:hiddenFill>
               </a:ext>
               <a:ext uri="{AF507438-7753-43e0-B8FC-AC1667EBCBE1}">
-                <a14:hiddenEffects xmlns:a14="http://schemas.microsoft.com/office/drawing/2010/main" xmlns="">
+                <a14:hiddenEffects xmlns="" xmlns:a14="http://schemas.microsoft.com/office/drawing/2010/main">
                   <a:effectLst>
                     <a:outerShdw blurRad="63500" dist="38099" dir="2700000" algn="ctr" rotWithShape="0">
                       <a:schemeClr val="bg2">
@@ -18408,14 +18408,14 @@
             <a:effectLst/>
             <a:extLst>
               <a:ext uri="{909E8E84-426E-40dd-AFC4-6F175D3DCCD1}">
-                <a14:hiddenFill xmlns:a14="http://schemas.microsoft.com/office/drawing/2010/main" xmlns="">
+                <a14:hiddenFill xmlns="" xmlns:a14="http://schemas.microsoft.com/office/drawing/2010/main">
                   <a:solidFill>
                     <a:schemeClr val="accent1"/>
                   </a:solidFill>
                 </a14:hiddenFill>
               </a:ext>
               <a:ext uri="{91240B29-F687-4f45-9708-019B960494DF}">
-                <a14:hiddenLine xmlns:a14="http://schemas.microsoft.com/office/drawing/2010/main" xmlns="" w="9525">
+                <a14:hiddenLine xmlns="" xmlns:a14="http://schemas.microsoft.com/office/drawing/2010/main" w="9525">
                   <a:solidFill>
                     <a:schemeClr val="tx1"/>
                   </a:solidFill>
@@ -18425,7 +18425,7 @@
                 </a14:hiddenLine>
               </a:ext>
               <a:ext uri="{AF507438-7753-43e0-B8FC-AC1667EBCBE1}">
-                <a14:hiddenEffects xmlns:a14="http://schemas.microsoft.com/office/drawing/2010/main" xmlns="">
+                <a14:hiddenEffects xmlns="" xmlns:a14="http://schemas.microsoft.com/office/drawing/2010/main">
                   <a:effectLst>
                     <a:outerShdw blurRad="63500" dist="38099" dir="2700000" algn="ctr" rotWithShape="0">
                       <a:schemeClr val="bg2">
@@ -22065,7 +22065,10 @@
                                   <m:sSub>
                                     <m:sSubPr>
                                       <m:ctrlPr>
-                                        <a:rPr lang="en-US" i="1">
+                                        <a:rPr lang="en-US" i="1" smtClean="0">
+                                          <a:solidFill>
+                                            <a:srgbClr val="7030A0"/>
+                                          </a:solidFill>
                                           <a:latin typeface="Cambria Math" panose="02040503050406030204" pitchFamily="18" charset="0"/>
                                         </a:rPr>
                                       </m:ctrlPr>
@@ -22073,6 +22076,9 @@
                                     <m:e>
                                       <m:r>
                                         <a:rPr lang="en-US" i="1">
+                                          <a:solidFill>
+                                            <a:srgbClr val="7030A0"/>
+                                          </a:solidFill>
                                           <a:latin typeface="Cambria Math" panose="02040503050406030204" pitchFamily="18" charset="0"/>
                                         </a:rPr>
                                         <m:t>𝑐</m:t>
@@ -22081,6 +22087,9 @@
                                     <m:sub>
                                       <m:r>
                                         <a:rPr lang="en-US" i="1">
+                                          <a:solidFill>
+                                            <a:srgbClr val="7030A0"/>
+                                          </a:solidFill>
                                           <a:latin typeface="Cambria Math" panose="02040503050406030204" pitchFamily="18" charset="0"/>
                                         </a:rPr>
                                         <m:t>2</m:t>

--- a/Lectures/Lecture10.pptx
+++ b/Lectures/Lecture10.pptx
@@ -315,7 +315,7 @@
           <a:p>
             <a:fld id="{CBA08D16-15DC-4E25-BDC3-F25146157B16}" type="datetimeFigureOut">
               <a:rPr lang="ru-RU" smtClean="0"/>
-              <a:t>08.11.2021</a:t>
+              <a:t>25.11.2021</a:t>
             </a:fld>
             <a:endParaRPr lang="ru-RU"/>
           </a:p>
@@ -807,7 +807,7 @@
           <a:p>
             <a:fld id="{FCEC8293-DB51-454A-BE81-EC8FCB31EBA2}" type="datetime1">
               <a:rPr lang="ru-RU" smtClean="0"/>
-              <a:t>08.11.2021</a:t>
+              <a:t>25.11.2021</a:t>
             </a:fld>
             <a:endParaRPr lang="ru-RU"/>
           </a:p>
@@ -981,7 +981,7 @@
           <a:p>
             <a:fld id="{241C87B1-1C35-4DBD-BC18-2BC72E776603}" type="datetime1">
               <a:rPr lang="ru-RU" smtClean="0"/>
-              <a:t>08.11.2021</a:t>
+              <a:t>25.11.2021</a:t>
             </a:fld>
             <a:endParaRPr lang="ru-RU"/>
           </a:p>
@@ -1165,7 +1165,7 @@
           <a:p>
             <a:fld id="{3134C275-26C0-42CD-9111-9ADE65922AF9}" type="datetime1">
               <a:rPr lang="ru-RU" smtClean="0"/>
-              <a:t>08.11.2021</a:t>
+              <a:t>25.11.2021</a:t>
             </a:fld>
             <a:endParaRPr lang="ru-RU"/>
           </a:p>
@@ -1339,7 +1339,7 @@
           <a:p>
             <a:fld id="{C1A9A50B-C350-45F5-8AAB-ADB9E670AF2E}" type="datetime1">
               <a:rPr lang="ru-RU" smtClean="0"/>
-              <a:t>08.11.2021</a:t>
+              <a:t>25.11.2021</a:t>
             </a:fld>
             <a:endParaRPr lang="ru-RU"/>
           </a:p>
@@ -1589,7 +1589,7 @@
           <a:p>
             <a:fld id="{089688C9-348F-42F9-B6C0-5990DDE0C5B2}" type="datetime1">
               <a:rPr lang="ru-RU" smtClean="0"/>
-              <a:t>08.11.2021</a:t>
+              <a:t>25.11.2021</a:t>
             </a:fld>
             <a:endParaRPr lang="ru-RU"/>
           </a:p>
@@ -1825,7 +1825,7 @@
           <a:p>
             <a:fld id="{684AFD8F-6DD9-4AD3-A505-FDC3F5C5F3F6}" type="datetime1">
               <a:rPr lang="ru-RU" smtClean="0"/>
-              <a:t>08.11.2021</a:t>
+              <a:t>25.11.2021</a:t>
             </a:fld>
             <a:endParaRPr lang="ru-RU"/>
           </a:p>
@@ -2196,7 +2196,7 @@
           <a:p>
             <a:fld id="{63551EFE-4D02-45EB-A747-8B6F047B5AA0}" type="datetime1">
               <a:rPr lang="ru-RU" smtClean="0"/>
-              <a:t>08.11.2021</a:t>
+              <a:t>25.11.2021</a:t>
             </a:fld>
             <a:endParaRPr lang="ru-RU"/>
           </a:p>
@@ -2318,7 +2318,7 @@
           <a:p>
             <a:fld id="{813A9F34-E5CD-4B8F-AA9E-889C84372B20}" type="datetime1">
               <a:rPr lang="ru-RU" smtClean="0"/>
-              <a:t>08.11.2021</a:t>
+              <a:t>25.11.2021</a:t>
             </a:fld>
             <a:endParaRPr lang="ru-RU"/>
           </a:p>
@@ -2417,7 +2417,7 @@
           <a:p>
             <a:fld id="{51224D22-9B29-44A6-8E82-95FC492DEDC1}" type="datetime1">
               <a:rPr lang="ru-RU" smtClean="0"/>
-              <a:t>08.11.2021</a:t>
+              <a:t>25.11.2021</a:t>
             </a:fld>
             <a:endParaRPr lang="ru-RU"/>
           </a:p>
@@ -2698,7 +2698,7 @@
           <a:p>
             <a:fld id="{91D1034F-4441-48A1-BDC0-25EA1022324A}" type="datetime1">
               <a:rPr lang="ru-RU" smtClean="0"/>
-              <a:t>08.11.2021</a:t>
+              <a:t>25.11.2021</a:t>
             </a:fld>
             <a:endParaRPr lang="ru-RU"/>
           </a:p>
@@ -2955,7 +2955,7 @@
           <a:p>
             <a:fld id="{B0FFDE79-B627-473B-AE17-4C65BD2495F7}" type="datetime1">
               <a:rPr lang="ru-RU" smtClean="0"/>
-              <a:t>08.11.2021</a:t>
+              <a:t>25.11.2021</a:t>
             </a:fld>
             <a:endParaRPr lang="ru-RU"/>
           </a:p>
@@ -3172,7 +3172,7 @@
           <a:p>
             <a:fld id="{11CA537A-1B8C-47BA-9BA6-7CE3FAFDA8BE}" type="datetime1">
               <a:rPr lang="ru-RU" smtClean="0"/>
-              <a:t>08.11.2021</a:t>
+              <a:t>25.11.2021</a:t>
             </a:fld>
             <a:endParaRPr lang="ru-RU"/>
           </a:p>
@@ -17208,7 +17208,7 @@
           <a:effectLst/>
           <a:extLst>
             <a:ext uri="{AF507438-7753-43e0-B8FC-AC1667EBCBE1}">
-              <a14:hiddenEffects xmlns="" xmlns:a14="http://schemas.microsoft.com/office/drawing/2010/main">
+              <a14:hiddenEffects xmlns:a14="http://schemas.microsoft.com/office/drawing/2010/main" xmlns="">
                 <a:effectLst>
                   <a:outerShdw blurRad="63500" dist="38099" dir="2700000" algn="ctr" rotWithShape="0">
                     <a:schemeClr val="bg2">
@@ -17262,7 +17262,7 @@
           <a:effectLst/>
           <a:extLst>
             <a:ext uri="{AF507438-7753-43e0-B8FC-AC1667EBCBE1}">
-              <a14:hiddenEffects xmlns="" xmlns:a14="http://schemas.microsoft.com/office/drawing/2010/main">
+              <a14:hiddenEffects xmlns:a14="http://schemas.microsoft.com/office/drawing/2010/main" xmlns="">
                 <a:effectLst>
                   <a:outerShdw blurRad="63500" dist="38099" dir="2700000" algn="ctr" rotWithShape="0">
                     <a:schemeClr val="bg2">
@@ -17309,14 +17309,14 @@
           <a:effectLst/>
           <a:extLst>
             <a:ext uri="{909E8E84-426E-40dd-AFC4-6F175D3DCCD1}">
-              <a14:hiddenFill xmlns="" xmlns:a14="http://schemas.microsoft.com/office/drawing/2010/main">
+              <a14:hiddenFill xmlns:a14="http://schemas.microsoft.com/office/drawing/2010/main" xmlns="">
                 <a:solidFill>
                   <a:schemeClr val="accent1"/>
                 </a:solidFill>
               </a14:hiddenFill>
             </a:ext>
             <a:ext uri="{91240B29-F687-4f45-9708-019B960494DF}">
-              <a14:hiddenLine xmlns="" xmlns:a14="http://schemas.microsoft.com/office/drawing/2010/main" w="9525">
+              <a14:hiddenLine xmlns:a14="http://schemas.microsoft.com/office/drawing/2010/main" xmlns="" w="9525">
                 <a:solidFill>
                   <a:schemeClr val="tx1"/>
                 </a:solidFill>
@@ -17326,7 +17326,7 @@
               </a14:hiddenLine>
             </a:ext>
             <a:ext uri="{AF507438-7753-43e0-B8FC-AC1667EBCBE1}">
-              <a14:hiddenEffects xmlns="" xmlns:a14="http://schemas.microsoft.com/office/drawing/2010/main">
+              <a14:hiddenEffects xmlns:a14="http://schemas.microsoft.com/office/drawing/2010/main" xmlns="">
                 <a:effectLst>
                   <a:outerShdw blurRad="63500" dist="38099" dir="2700000" algn="ctr" rotWithShape="0">
                     <a:schemeClr val="bg2">
@@ -17411,12 +17411,12 @@
             <a:effectLst/>
             <a:extLst>
               <a:ext uri="{909E8E84-426E-40dd-AFC4-6F175D3DCCD1}">
-                <a14:hiddenFill xmlns="" xmlns:a14="http://schemas.microsoft.com/office/drawing/2010/main">
+                <a14:hiddenFill xmlns:a14="http://schemas.microsoft.com/office/drawing/2010/main" xmlns="">
                   <a:noFill/>
                 </a14:hiddenFill>
               </a:ext>
               <a:ext uri="{AF507438-7753-43e0-B8FC-AC1667EBCBE1}">
-                <a14:hiddenEffects xmlns="" xmlns:a14="http://schemas.microsoft.com/office/drawing/2010/main">
+                <a14:hiddenEffects xmlns:a14="http://schemas.microsoft.com/office/drawing/2010/main" xmlns="">
                   <a:effectLst>
                     <a:outerShdw blurRad="63500" dist="38099" dir="2700000" algn="ctr" rotWithShape="0">
                       <a:schemeClr val="bg2">
@@ -17459,14 +17459,14 @@
             <a:effectLst/>
             <a:extLst>
               <a:ext uri="{909E8E84-426E-40dd-AFC4-6F175D3DCCD1}">
-                <a14:hiddenFill xmlns="" xmlns:a14="http://schemas.microsoft.com/office/drawing/2010/main">
+                <a14:hiddenFill xmlns:a14="http://schemas.microsoft.com/office/drawing/2010/main" xmlns="">
                   <a:solidFill>
                     <a:schemeClr val="accent1"/>
                   </a:solidFill>
                 </a14:hiddenFill>
               </a:ext>
               <a:ext uri="{91240B29-F687-4f45-9708-019B960494DF}">
-                <a14:hiddenLine xmlns="" xmlns:a14="http://schemas.microsoft.com/office/drawing/2010/main" w="9525">
+                <a14:hiddenLine xmlns:a14="http://schemas.microsoft.com/office/drawing/2010/main" xmlns="" w="9525">
                   <a:solidFill>
                     <a:schemeClr val="tx1"/>
                   </a:solidFill>
@@ -17476,7 +17476,7 @@
                 </a14:hiddenLine>
               </a:ext>
               <a:ext uri="{AF507438-7753-43e0-B8FC-AC1667EBCBE1}">
-                <a14:hiddenEffects xmlns="" xmlns:a14="http://schemas.microsoft.com/office/drawing/2010/main">
+                <a14:hiddenEffects xmlns:a14="http://schemas.microsoft.com/office/drawing/2010/main" xmlns="">
                   <a:effectLst>
                     <a:outerShdw blurRad="63500" dist="38099" dir="2700000" algn="ctr" rotWithShape="0">
                       <a:schemeClr val="bg2">
@@ -17549,14 +17549,14 @@
           <a:effectLst/>
           <a:extLst>
             <a:ext uri="{909E8E84-426E-40dd-AFC4-6F175D3DCCD1}">
-              <a14:hiddenFill xmlns="" xmlns:a14="http://schemas.microsoft.com/office/drawing/2010/main">
+              <a14:hiddenFill xmlns:a14="http://schemas.microsoft.com/office/drawing/2010/main" xmlns="">
                 <a:solidFill>
                   <a:schemeClr val="accent1"/>
                 </a:solidFill>
               </a14:hiddenFill>
             </a:ext>
             <a:ext uri="{AF507438-7753-43e0-B8FC-AC1667EBCBE1}">
-              <a14:hiddenEffects xmlns="" xmlns:a14="http://schemas.microsoft.com/office/drawing/2010/main">
+              <a14:hiddenEffects xmlns:a14="http://schemas.microsoft.com/office/drawing/2010/main" xmlns="">
                 <a:effectLst>
                   <a:outerShdw blurRad="63500" dist="38099" dir="2700000" algn="ctr" rotWithShape="0">
                     <a:schemeClr val="bg2">
@@ -17620,12 +17620,12 @@
             <a:effectLst/>
             <a:extLst>
               <a:ext uri="{909E8E84-426E-40dd-AFC4-6F175D3DCCD1}">
-                <a14:hiddenFill xmlns="" xmlns:a14="http://schemas.microsoft.com/office/drawing/2010/main">
+                <a14:hiddenFill xmlns:a14="http://schemas.microsoft.com/office/drawing/2010/main" xmlns="">
                   <a:noFill/>
                 </a14:hiddenFill>
               </a:ext>
               <a:ext uri="{AF507438-7753-43e0-B8FC-AC1667EBCBE1}">
-                <a14:hiddenEffects xmlns="" xmlns:a14="http://schemas.microsoft.com/office/drawing/2010/main">
+                <a14:hiddenEffects xmlns:a14="http://schemas.microsoft.com/office/drawing/2010/main" xmlns="">
                   <a:effectLst>
                     <a:outerShdw blurRad="63500" dist="38099" dir="2700000" algn="ctr" rotWithShape="0">
                       <a:schemeClr val="bg2">
@@ -17668,14 +17668,14 @@
             <a:effectLst/>
             <a:extLst>
               <a:ext uri="{909E8E84-426E-40dd-AFC4-6F175D3DCCD1}">
-                <a14:hiddenFill xmlns="" xmlns:a14="http://schemas.microsoft.com/office/drawing/2010/main">
+                <a14:hiddenFill xmlns:a14="http://schemas.microsoft.com/office/drawing/2010/main" xmlns="">
                   <a:solidFill>
                     <a:schemeClr val="accent1"/>
                   </a:solidFill>
                 </a14:hiddenFill>
               </a:ext>
               <a:ext uri="{91240B29-F687-4f45-9708-019B960494DF}">
-                <a14:hiddenLine xmlns="" xmlns:a14="http://schemas.microsoft.com/office/drawing/2010/main" w="9525">
+                <a14:hiddenLine xmlns:a14="http://schemas.microsoft.com/office/drawing/2010/main" xmlns="" w="9525">
                   <a:solidFill>
                     <a:schemeClr val="tx1"/>
                   </a:solidFill>
@@ -17685,7 +17685,7 @@
                 </a14:hiddenLine>
               </a:ext>
               <a:ext uri="{AF507438-7753-43e0-B8FC-AC1667EBCBE1}">
-                <a14:hiddenEffects xmlns="" xmlns:a14="http://schemas.microsoft.com/office/drawing/2010/main">
+                <a14:hiddenEffects xmlns:a14="http://schemas.microsoft.com/office/drawing/2010/main" xmlns="">
                   <a:effectLst>
                     <a:outerShdw blurRad="63500" dist="38099" dir="2700000" algn="ctr" rotWithShape="0">
                       <a:schemeClr val="bg2">
@@ -17775,12 +17775,12 @@
             <a:effectLst/>
             <a:extLst>
               <a:ext uri="{909E8E84-426E-40dd-AFC4-6F175D3DCCD1}">
-                <a14:hiddenFill xmlns="" xmlns:a14="http://schemas.microsoft.com/office/drawing/2010/main">
+                <a14:hiddenFill xmlns:a14="http://schemas.microsoft.com/office/drawing/2010/main" xmlns="">
                   <a:noFill/>
                 </a14:hiddenFill>
               </a:ext>
               <a:ext uri="{AF507438-7753-43e0-B8FC-AC1667EBCBE1}">
-                <a14:hiddenEffects xmlns="" xmlns:a14="http://schemas.microsoft.com/office/drawing/2010/main">
+                <a14:hiddenEffects xmlns:a14="http://schemas.microsoft.com/office/drawing/2010/main" xmlns="">
                   <a:effectLst>
                     <a:outerShdw blurRad="63500" dist="38099" dir="2700000" algn="ctr" rotWithShape="0">
                       <a:schemeClr val="bg2">
@@ -17823,14 +17823,14 @@
             <a:effectLst/>
             <a:extLst>
               <a:ext uri="{909E8E84-426E-40dd-AFC4-6F175D3DCCD1}">
-                <a14:hiddenFill xmlns="" xmlns:a14="http://schemas.microsoft.com/office/drawing/2010/main">
+                <a14:hiddenFill xmlns:a14="http://schemas.microsoft.com/office/drawing/2010/main" xmlns="">
                   <a:solidFill>
                     <a:schemeClr val="accent1"/>
                   </a:solidFill>
                 </a14:hiddenFill>
               </a:ext>
               <a:ext uri="{91240B29-F687-4f45-9708-019B960494DF}">
-                <a14:hiddenLine xmlns="" xmlns:a14="http://schemas.microsoft.com/office/drawing/2010/main" w="9525">
+                <a14:hiddenLine xmlns:a14="http://schemas.microsoft.com/office/drawing/2010/main" xmlns="" w="9525">
                   <a:solidFill>
                     <a:schemeClr val="tx1"/>
                   </a:solidFill>
@@ -17840,7 +17840,7 @@
                 </a14:hiddenLine>
               </a:ext>
               <a:ext uri="{AF507438-7753-43e0-B8FC-AC1667EBCBE1}">
-                <a14:hiddenEffects xmlns="" xmlns:a14="http://schemas.microsoft.com/office/drawing/2010/main">
+                <a14:hiddenEffects xmlns:a14="http://schemas.microsoft.com/office/drawing/2010/main" xmlns="">
                   <a:effectLst>
                     <a:outerShdw blurRad="63500" dist="38099" dir="2700000" algn="ctr" rotWithShape="0">
                       <a:schemeClr val="bg2">
@@ -18290,14 +18290,14 @@
             <a:effectLst/>
             <a:extLst>
               <a:ext uri="{909E8E84-426E-40dd-AFC4-6F175D3DCCD1}">
-                <a14:hiddenFill xmlns="" xmlns:a14="http://schemas.microsoft.com/office/drawing/2010/main">
+                <a14:hiddenFill xmlns:a14="http://schemas.microsoft.com/office/drawing/2010/main" xmlns="">
                   <a:solidFill>
                     <a:schemeClr val="accent1"/>
                   </a:solidFill>
                 </a14:hiddenFill>
               </a:ext>
               <a:ext uri="{AF507438-7753-43e0-B8FC-AC1667EBCBE1}">
-                <a14:hiddenEffects xmlns="" xmlns:a14="http://schemas.microsoft.com/office/drawing/2010/main">
+                <a14:hiddenEffects xmlns:a14="http://schemas.microsoft.com/office/drawing/2010/main" xmlns="">
                   <a:effectLst>
                     <a:outerShdw blurRad="63500" dist="38099" dir="2700000" algn="ctr" rotWithShape="0">
                       <a:schemeClr val="bg2">
@@ -18360,12 +18360,12 @@
             <a:effectLst/>
             <a:extLst>
               <a:ext uri="{909E8E84-426E-40dd-AFC4-6F175D3DCCD1}">
-                <a14:hiddenFill xmlns="" xmlns:a14="http://schemas.microsoft.com/office/drawing/2010/main">
+                <a14:hiddenFill xmlns:a14="http://schemas.microsoft.com/office/drawing/2010/main" xmlns="">
                   <a:noFill/>
                 </a14:hiddenFill>
               </a:ext>
               <a:ext uri="{AF507438-7753-43e0-B8FC-AC1667EBCBE1}">
-                <a14:hiddenEffects xmlns="" xmlns:a14="http://schemas.microsoft.com/office/drawing/2010/main">
+                <a14:hiddenEffects xmlns:a14="http://schemas.microsoft.com/office/drawing/2010/main" xmlns="">
                   <a:effectLst>
                     <a:outerShdw blurRad="63500" dist="38099" dir="2700000" algn="ctr" rotWithShape="0">
                       <a:schemeClr val="bg2">
@@ -18408,14 +18408,14 @@
             <a:effectLst/>
             <a:extLst>
               <a:ext uri="{909E8E84-426E-40dd-AFC4-6F175D3DCCD1}">
-                <a14:hiddenFill xmlns="" xmlns:a14="http://schemas.microsoft.com/office/drawing/2010/main">
+                <a14:hiddenFill xmlns:a14="http://schemas.microsoft.com/office/drawing/2010/main" xmlns="">
                   <a:solidFill>
                     <a:schemeClr val="accent1"/>
                   </a:solidFill>
                 </a14:hiddenFill>
               </a:ext>
               <a:ext uri="{91240B29-F687-4f45-9708-019B960494DF}">
-                <a14:hiddenLine xmlns="" xmlns:a14="http://schemas.microsoft.com/office/drawing/2010/main" w="9525">
+                <a14:hiddenLine xmlns:a14="http://schemas.microsoft.com/office/drawing/2010/main" xmlns="" w="9525">
                   <a:solidFill>
                     <a:schemeClr val="tx1"/>
                   </a:solidFill>
@@ -18425,7 +18425,7 @@
                 </a14:hiddenLine>
               </a:ext>
               <a:ext uri="{AF507438-7753-43e0-B8FC-AC1667EBCBE1}">
-                <a14:hiddenEffects xmlns="" xmlns:a14="http://schemas.microsoft.com/office/drawing/2010/main">
+                <a14:hiddenEffects xmlns:a14="http://schemas.microsoft.com/office/drawing/2010/main" xmlns="">
                   <a:effectLst>
                     <a:outerShdw blurRad="63500" dist="38099" dir="2700000" algn="ctr" rotWithShape="0">
                       <a:schemeClr val="bg2">
@@ -18519,8 +18519,8 @@
           </a:p>
         </p:txBody>
       </p:sp>
-      <mc:AlternateContent xmlns:mc="http://schemas.openxmlformats.org/markup-compatibility/2006" xmlns:a14="http://schemas.microsoft.com/office/drawing/2010/main">
-        <mc:Choice Requires="a14">
+      <mc:AlternateContent xmlns:mc="http://schemas.openxmlformats.org/markup-compatibility/2006">
+        <mc:Choice xmlns:a14="http://schemas.microsoft.com/office/drawing/2010/main" Requires="a14">
           <p:sp>
             <p:nvSpPr>
               <p:cNvPr id="3" name="Content Placeholder 2"/>
@@ -18590,11 +18590,11 @@
                 </a:r>
                 <a:r>
                   <a:rPr lang="ru-RU" dirty="0" smtClean="0"/>
-                  <a:t>пример - </a:t>
+                  <a:t>пример (хоть и не больше) -</a:t>
                 </a:r>
                 <a:r>
                   <a:rPr lang="en-US" dirty="0" smtClean="0"/>
-                  <a:t>  </a:t>
+                  <a:t> </a:t>
                 </a:r>
                 <a14:m>
                   <m:oMath xmlns:m="http://schemas.openxmlformats.org/officeDocument/2006/math">
@@ -19253,7 +19253,7 @@
             </p:txBody>
           </p:sp>
         </mc:Choice>
-        <mc:Fallback xmlns="">
+        <mc:Fallback>
           <p:sp>
             <p:nvSpPr>
               <p:cNvPr id="3" name="Content Placeholder 2"/>
@@ -21812,8 +21812,8 @@
           </a:p>
         </p:txBody>
       </p:sp>
-      <mc:AlternateContent xmlns:mc="http://schemas.openxmlformats.org/markup-compatibility/2006">
-        <mc:Choice xmlns:a14="http://schemas.microsoft.com/office/drawing/2010/main" Requires="a14">
+      <mc:AlternateContent xmlns:mc="http://schemas.openxmlformats.org/markup-compatibility/2006" xmlns:a14="http://schemas.microsoft.com/office/drawing/2010/main">
+        <mc:Choice Requires="a14">
           <p:sp>
             <p:nvSpPr>
               <p:cNvPr id="3" name="Объект 2"/>
@@ -22793,7 +22793,7 @@
             </p:txBody>
           </p:sp>
         </mc:Choice>
-        <mc:Fallback>
+        <mc:Fallback xmlns="">
           <p:sp>
             <p:nvSpPr>
               <p:cNvPr id="3" name="Объект 2"/>

--- a/Lectures/Lecture10.pptx
+++ b/Lectures/Lecture10.pptx
@@ -315,7 +315,7 @@
           <a:p>
             <a:fld id="{CBA08D16-15DC-4E25-BDC3-F25146157B16}" type="datetimeFigureOut">
               <a:rPr lang="ru-RU" smtClean="0"/>
-              <a:t>25.11.2021</a:t>
+              <a:t>27.11.2022</a:t>
             </a:fld>
             <a:endParaRPr lang="ru-RU"/>
           </a:p>
@@ -807,7 +807,7 @@
           <a:p>
             <a:fld id="{FCEC8293-DB51-454A-BE81-EC8FCB31EBA2}" type="datetime1">
               <a:rPr lang="ru-RU" smtClean="0"/>
-              <a:t>25.11.2021</a:t>
+              <a:t>27.11.2022</a:t>
             </a:fld>
             <a:endParaRPr lang="ru-RU"/>
           </a:p>
@@ -981,7 +981,7 @@
           <a:p>
             <a:fld id="{241C87B1-1C35-4DBD-BC18-2BC72E776603}" type="datetime1">
               <a:rPr lang="ru-RU" smtClean="0"/>
-              <a:t>25.11.2021</a:t>
+              <a:t>27.11.2022</a:t>
             </a:fld>
             <a:endParaRPr lang="ru-RU"/>
           </a:p>
@@ -1165,7 +1165,7 @@
           <a:p>
             <a:fld id="{3134C275-26C0-42CD-9111-9ADE65922AF9}" type="datetime1">
               <a:rPr lang="ru-RU" smtClean="0"/>
-              <a:t>25.11.2021</a:t>
+              <a:t>27.11.2022</a:t>
             </a:fld>
             <a:endParaRPr lang="ru-RU"/>
           </a:p>
@@ -1339,7 +1339,7 @@
           <a:p>
             <a:fld id="{C1A9A50B-C350-45F5-8AAB-ADB9E670AF2E}" type="datetime1">
               <a:rPr lang="ru-RU" smtClean="0"/>
-              <a:t>25.11.2021</a:t>
+              <a:t>27.11.2022</a:t>
             </a:fld>
             <a:endParaRPr lang="ru-RU"/>
           </a:p>
@@ -1589,7 +1589,7 @@
           <a:p>
             <a:fld id="{089688C9-348F-42F9-B6C0-5990DDE0C5B2}" type="datetime1">
               <a:rPr lang="ru-RU" smtClean="0"/>
-              <a:t>25.11.2021</a:t>
+              <a:t>27.11.2022</a:t>
             </a:fld>
             <a:endParaRPr lang="ru-RU"/>
           </a:p>
@@ -1825,7 +1825,7 @@
           <a:p>
             <a:fld id="{684AFD8F-6DD9-4AD3-A505-FDC3F5C5F3F6}" type="datetime1">
               <a:rPr lang="ru-RU" smtClean="0"/>
-              <a:t>25.11.2021</a:t>
+              <a:t>27.11.2022</a:t>
             </a:fld>
             <a:endParaRPr lang="ru-RU"/>
           </a:p>
@@ -2196,7 +2196,7 @@
           <a:p>
             <a:fld id="{63551EFE-4D02-45EB-A747-8B6F047B5AA0}" type="datetime1">
               <a:rPr lang="ru-RU" smtClean="0"/>
-              <a:t>25.11.2021</a:t>
+              <a:t>27.11.2022</a:t>
             </a:fld>
             <a:endParaRPr lang="ru-RU"/>
           </a:p>
@@ -2318,7 +2318,7 @@
           <a:p>
             <a:fld id="{813A9F34-E5CD-4B8F-AA9E-889C84372B20}" type="datetime1">
               <a:rPr lang="ru-RU" smtClean="0"/>
-              <a:t>25.11.2021</a:t>
+              <a:t>27.11.2022</a:t>
             </a:fld>
             <a:endParaRPr lang="ru-RU"/>
           </a:p>
@@ -2417,7 +2417,7 @@
           <a:p>
             <a:fld id="{51224D22-9B29-44A6-8E82-95FC492DEDC1}" type="datetime1">
               <a:rPr lang="ru-RU" smtClean="0"/>
-              <a:t>25.11.2021</a:t>
+              <a:t>27.11.2022</a:t>
             </a:fld>
             <a:endParaRPr lang="ru-RU"/>
           </a:p>
@@ -2698,7 +2698,7 @@
           <a:p>
             <a:fld id="{91D1034F-4441-48A1-BDC0-25EA1022324A}" type="datetime1">
               <a:rPr lang="ru-RU" smtClean="0"/>
-              <a:t>25.11.2021</a:t>
+              <a:t>27.11.2022</a:t>
             </a:fld>
             <a:endParaRPr lang="ru-RU"/>
           </a:p>
@@ -2955,7 +2955,7 @@
           <a:p>
             <a:fld id="{B0FFDE79-B627-473B-AE17-4C65BD2495F7}" type="datetime1">
               <a:rPr lang="ru-RU" smtClean="0"/>
-              <a:t>25.11.2021</a:t>
+              <a:t>27.11.2022</a:t>
             </a:fld>
             <a:endParaRPr lang="ru-RU"/>
           </a:p>
@@ -3172,7 +3172,7 @@
           <a:p>
             <a:fld id="{11CA537A-1B8C-47BA-9BA6-7CE3FAFDA8BE}" type="datetime1">
               <a:rPr lang="ru-RU" smtClean="0"/>
-              <a:t>25.11.2021</a:t>
+              <a:t>27.11.2022</a:t>
             </a:fld>
             <a:endParaRPr lang="ru-RU"/>
           </a:p>
@@ -3673,8 +3673,12 @@
           </a:p>
           <a:p>
             <a:r>
-              <a:rPr lang="ru-RU" dirty="0" smtClean="0"/>
-              <a:t>МИФИ 2020</a:t>
+              <a:rPr lang="ru-RU" smtClean="0"/>
+              <a:t>МИФИ </a:t>
+            </a:r>
+            <a:r>
+              <a:rPr lang="ru-RU" smtClean="0"/>
+              <a:t>2022</a:t>
             </a:r>
             <a:endParaRPr lang="ru-RU" dirty="0"/>
           </a:p>
@@ -14820,6 +14824,24 @@
             <a:r>
               <a:rPr lang="ru-RU" dirty="0" smtClean="0"/>
               <a:t>Использует три различных ключа (могут быть выработаны на основе одного ключа)</a:t>
+            </a:r>
+          </a:p>
+          <a:p>
+            <a:r>
+              <a:rPr lang="ru-RU" dirty="0" smtClean="0"/>
+              <a:t>Текущее название алгоритма, описываемое стандартом – </a:t>
+            </a:r>
+            <a:r>
+              <a:rPr lang="en-US" dirty="0" smtClean="0"/>
+              <a:t>OMAC</a:t>
+            </a:r>
+            <a:r>
+              <a:rPr lang="ru-RU" dirty="0" smtClean="0"/>
+              <a:t> (до этого – </a:t>
+            </a:r>
+            <a:r>
+              <a:rPr lang="en-US" smtClean="0"/>
+              <a:t>TMAC).</a:t>
             </a:r>
             <a:endParaRPr lang="en-US" dirty="0" smtClean="0"/>
           </a:p>
@@ -18519,8 +18541,8 @@
           </a:p>
         </p:txBody>
       </p:sp>
-      <mc:AlternateContent xmlns:mc="http://schemas.openxmlformats.org/markup-compatibility/2006">
-        <mc:Choice xmlns:a14="http://schemas.microsoft.com/office/drawing/2010/main" Requires="a14">
+      <mc:AlternateContent xmlns:mc="http://schemas.openxmlformats.org/markup-compatibility/2006" xmlns:a14="http://schemas.microsoft.com/office/drawing/2010/main">
+        <mc:Choice Requires="a14">
           <p:sp>
             <p:nvSpPr>
               <p:cNvPr id="3" name="Content Placeholder 2"/>
@@ -19253,7 +19275,7 @@
             </p:txBody>
           </p:sp>
         </mc:Choice>
-        <mc:Fallback>
+        <mc:Fallback xmlns="">
           <p:sp>
             <p:nvSpPr>
               <p:cNvPr id="3" name="Content Placeholder 2"/>

--- a/Lectures/Lecture10.pptx
+++ b/Lectures/Lecture10.pptx
@@ -321,7 +321,7 @@
           <a:p>
             <a:fld id="{CBA08D16-15DC-4E25-BDC3-F25146157B16}" type="datetimeFigureOut">
               <a:rPr lang="ru-RU" smtClean="0"/>
-              <a:t>23.11.2023</a:t>
+              <a:t>29.11.2023</a:t>
             </a:fld>
             <a:endParaRPr lang="ru-RU"/>
           </a:p>
@@ -813,7 +813,7 @@
           <a:p>
             <a:fld id="{FCEC8293-DB51-454A-BE81-EC8FCB31EBA2}" type="datetime1">
               <a:rPr lang="ru-RU" smtClean="0"/>
-              <a:t>23.11.2023</a:t>
+              <a:t>29.11.2023</a:t>
             </a:fld>
             <a:endParaRPr lang="ru-RU"/>
           </a:p>
@@ -987,7 +987,7 @@
           <a:p>
             <a:fld id="{241C87B1-1C35-4DBD-BC18-2BC72E776603}" type="datetime1">
               <a:rPr lang="ru-RU" smtClean="0"/>
-              <a:t>23.11.2023</a:t>
+              <a:t>29.11.2023</a:t>
             </a:fld>
             <a:endParaRPr lang="ru-RU"/>
           </a:p>
@@ -1171,7 +1171,7 @@
           <a:p>
             <a:fld id="{3134C275-26C0-42CD-9111-9ADE65922AF9}" type="datetime1">
               <a:rPr lang="ru-RU" smtClean="0"/>
-              <a:t>23.11.2023</a:t>
+              <a:t>29.11.2023</a:t>
             </a:fld>
             <a:endParaRPr lang="ru-RU"/>
           </a:p>
@@ -1345,7 +1345,7 @@
           <a:p>
             <a:fld id="{C1A9A50B-C350-45F5-8AAB-ADB9E670AF2E}" type="datetime1">
               <a:rPr lang="ru-RU" smtClean="0"/>
-              <a:t>23.11.2023</a:t>
+              <a:t>29.11.2023</a:t>
             </a:fld>
             <a:endParaRPr lang="ru-RU"/>
           </a:p>
@@ -1595,7 +1595,7 @@
           <a:p>
             <a:fld id="{089688C9-348F-42F9-B6C0-5990DDE0C5B2}" type="datetime1">
               <a:rPr lang="ru-RU" smtClean="0"/>
-              <a:t>23.11.2023</a:t>
+              <a:t>29.11.2023</a:t>
             </a:fld>
             <a:endParaRPr lang="ru-RU"/>
           </a:p>
@@ -1831,7 +1831,7 @@
           <a:p>
             <a:fld id="{684AFD8F-6DD9-4AD3-A505-FDC3F5C5F3F6}" type="datetime1">
               <a:rPr lang="ru-RU" smtClean="0"/>
-              <a:t>23.11.2023</a:t>
+              <a:t>29.11.2023</a:t>
             </a:fld>
             <a:endParaRPr lang="ru-RU"/>
           </a:p>
@@ -2202,7 +2202,7 @@
           <a:p>
             <a:fld id="{63551EFE-4D02-45EB-A747-8B6F047B5AA0}" type="datetime1">
               <a:rPr lang="ru-RU" smtClean="0"/>
-              <a:t>23.11.2023</a:t>
+              <a:t>29.11.2023</a:t>
             </a:fld>
             <a:endParaRPr lang="ru-RU"/>
           </a:p>
@@ -2324,7 +2324,7 @@
           <a:p>
             <a:fld id="{813A9F34-E5CD-4B8F-AA9E-889C84372B20}" type="datetime1">
               <a:rPr lang="ru-RU" smtClean="0"/>
-              <a:t>23.11.2023</a:t>
+              <a:t>29.11.2023</a:t>
             </a:fld>
             <a:endParaRPr lang="ru-RU"/>
           </a:p>
@@ -2423,7 +2423,7 @@
           <a:p>
             <a:fld id="{51224D22-9B29-44A6-8E82-95FC492DEDC1}" type="datetime1">
               <a:rPr lang="ru-RU" smtClean="0"/>
-              <a:t>23.11.2023</a:t>
+              <a:t>29.11.2023</a:t>
             </a:fld>
             <a:endParaRPr lang="ru-RU"/>
           </a:p>
@@ -2704,7 +2704,7 @@
           <a:p>
             <a:fld id="{91D1034F-4441-48A1-BDC0-25EA1022324A}" type="datetime1">
               <a:rPr lang="ru-RU" smtClean="0"/>
-              <a:t>23.11.2023</a:t>
+              <a:t>29.11.2023</a:t>
             </a:fld>
             <a:endParaRPr lang="ru-RU"/>
           </a:p>
@@ -2961,7 +2961,7 @@
           <a:p>
             <a:fld id="{B0FFDE79-B627-473B-AE17-4C65BD2495F7}" type="datetime1">
               <a:rPr lang="ru-RU" smtClean="0"/>
-              <a:t>23.11.2023</a:t>
+              <a:t>29.11.2023</a:t>
             </a:fld>
             <a:endParaRPr lang="ru-RU"/>
           </a:p>
@@ -3178,7 +3178,7 @@
           <a:p>
             <a:fld id="{11CA537A-1B8C-47BA-9BA6-7CE3FAFDA8BE}" type="datetime1">
               <a:rPr lang="ru-RU" smtClean="0"/>
-              <a:t>23.11.2023</a:t>
+              <a:t>29.11.2023</a:t>
             </a:fld>
             <a:endParaRPr lang="ru-RU"/>
           </a:p>
@@ -3679,8 +3679,12 @@
           </a:p>
           <a:p>
             <a:r>
-              <a:rPr lang="ru-RU" smtClean="0"/>
-              <a:t>МИФИ 2022</a:t>
+              <a:rPr lang="ru-RU" dirty="0" smtClean="0"/>
+              <a:t>МИФИ </a:t>
+            </a:r>
+            <a:r>
+              <a:rPr lang="ru-RU" dirty="0" smtClean="0"/>
+              <a:t>2023</a:t>
             </a:r>
             <a:endParaRPr lang="ru-RU" dirty="0"/>
           </a:p>
@@ -17456,8 +17460,8 @@
           </a:p>
         </p:txBody>
       </p:sp>
-      <mc:AlternateContent xmlns:mc="http://schemas.openxmlformats.org/markup-compatibility/2006">
-        <mc:Choice xmlns:a14="http://schemas.microsoft.com/office/drawing/2010/main" Requires="a14">
+      <mc:AlternateContent xmlns:mc="http://schemas.openxmlformats.org/markup-compatibility/2006" xmlns:a14="http://schemas.microsoft.com/office/drawing/2010/main">
+        <mc:Choice Requires="a14">
           <p:sp>
             <p:nvSpPr>
               <p:cNvPr id="3" name="TextBox 2"/>
@@ -17528,70 +17532,64 @@
                   <a:rPr lang="en-US" sz="2800" dirty="0" smtClean="0"/>
                   <a:t>.</a:t>
                 </a:r>
+              </a:p>
+              <a:p>
+                <a:r>
+                  <a:rPr lang="en-US" sz="2800" dirty="0" smtClean="0"/>
+                  <a:t>2 – </a:t>
+                </a:r>
+                <a:r>
+                  <a:rPr lang="ru-RU" sz="2800" dirty="0"/>
+                  <a:t>Стойкий блочный шифр со </a:t>
+                </a:r>
+                <a:r>
+                  <a:rPr lang="ru-RU" sz="2800" dirty="0" err="1"/>
+                  <a:t>сверх-полиномиальной</a:t>
+                </a:r>
+                <a:r>
+                  <a:rPr lang="ru-RU" sz="2800" dirty="0"/>
+                  <a:t> областью значений. </a:t>
+                </a:r>
+                <a:r>
+                  <a:rPr lang="ru-RU" sz="2800" b="1" dirty="0"/>
+                  <a:t>Является ли он стойким </a:t>
+                </a:r>
+                <a:r>
+                  <a:rPr lang="en-US" sz="2800" b="1" dirty="0"/>
+                  <a:t>MAC</a:t>
+                </a:r>
+                <a:r>
+                  <a:rPr lang="en-US" sz="2800" dirty="0" smtClean="0"/>
+                  <a:t>?</a:t>
+                </a:r>
+              </a:p>
+              <a:p>
+                <a:r>
+                  <a:rPr lang="ru-RU" sz="2800" dirty="0" smtClean="0"/>
+                  <a:t>3 – Связь преимущества противника в игре против </a:t>
+                </a:r>
+                <a:r>
+                  <a:rPr lang="en-US" sz="2800" dirty="0" smtClean="0"/>
+                  <a:t>MAC </a:t>
+                </a:r>
+                <a:r>
+                  <a:rPr lang="ru-RU" sz="2800" b="1" dirty="0" smtClean="0"/>
+                  <a:t>с и без запросов на проверку </a:t>
+                </a:r>
+                <a:r>
+                  <a:rPr lang="en-US" sz="2800" b="1" dirty="0" smtClean="0"/>
+                  <a:t>MAC</a:t>
+                </a:r>
+                <a:r>
+                  <a:rPr lang="ru-RU" sz="2800" dirty="0" smtClean="0"/>
+                  <a:t>.</a:t>
+                </a:r>
                 <a:endParaRPr lang="en-US" sz="2800" dirty="0" smtClean="0"/>
               </a:p>
               <a:p>
                 <a:r>
-                  <a:rPr lang="en-US" sz="2800" dirty="0" smtClean="0"/>
-                  <a:t>2 – </a:t>
-                </a:r>
-                <a:r>
-                  <a:rPr lang="ru-RU" sz="2800" dirty="0"/>
-                  <a:t>Стойкий блочный шифр со </a:t>
-                </a:r>
-                <a:r>
-                  <a:rPr lang="ru-RU" sz="2800" dirty="0" err="1"/>
-                  <a:t>сверх-полиномиальной</a:t>
-                </a:r>
-                <a:r>
-                  <a:rPr lang="ru-RU" sz="2800" dirty="0"/>
-                  <a:t> областью значений. </a:t>
-                </a:r>
-                <a:r>
-                  <a:rPr lang="ru-RU" sz="2800" b="1" dirty="0"/>
-                  <a:t>Является ли он стойким </a:t>
-                </a:r>
-                <a:r>
-                  <a:rPr lang="en-US" sz="2800" b="1" dirty="0"/>
-                  <a:t>MAC</a:t>
-                </a:r>
-                <a:r>
-                  <a:rPr lang="en-US" sz="2800" dirty="0" smtClean="0"/>
-                  <a:t>?</a:t>
-                </a:r>
-                <a:endParaRPr lang="en-US" sz="2800" dirty="0" smtClean="0"/>
-              </a:p>
-              <a:p>
-                <a:r>
                   <a:rPr lang="ru-RU" sz="2800" dirty="0" smtClean="0"/>
-                  <a:t>3 – Связь преимущества противника в игре против </a:t>
-                </a:r>
-                <a:r>
-                  <a:rPr lang="en-US" sz="2800" dirty="0" smtClean="0"/>
-                  <a:t>MAC </a:t>
-                </a:r>
-                <a:r>
-                  <a:rPr lang="ru-RU" sz="2800" b="1" dirty="0" smtClean="0"/>
-                  <a:t>с и без запросов на проверку </a:t>
-                </a:r>
-                <a:r>
-                  <a:rPr lang="en-US" sz="2800" b="1" dirty="0" smtClean="0"/>
-                  <a:t>MAC</a:t>
-                </a:r>
-                <a:r>
-                  <a:rPr lang="ru-RU" sz="2800" dirty="0" smtClean="0"/>
-                  <a:t>.</a:t>
-                </a:r>
-                <a:endParaRPr lang="en-US" sz="2800" dirty="0" smtClean="0"/>
-              </a:p>
-              <a:p>
-                <a:r>
-                  <a:rPr lang="ru-RU" sz="2800" dirty="0" smtClean="0"/>
-                  <a:t>4 </a:t>
-                </a:r>
-                <a:r>
-                  <a:rPr lang="ru-RU" sz="2800" dirty="0" smtClean="0"/>
-                  <a:t>– </a:t>
+                  <a:t>4 – </a:t>
                 </a:r>
                 <a14:m>
                   <m:oMath xmlns:m="http://schemas.openxmlformats.org/officeDocument/2006/math">
@@ -17811,12 +17809,11 @@
                   <a:rPr lang="ru-RU" sz="2800" b="1" dirty="0"/>
                   <a:t>Почему?</a:t>
                 </a:r>
-                <a:endParaRPr lang="ru-RU" sz="2800" b="1" dirty="0"/>
               </a:p>
             </p:txBody>
           </p:sp>
         </mc:Choice>
-        <mc:Fallback>
+        <mc:Fallback xmlns="">
           <p:sp>
             <p:nvSpPr>
               <p:cNvPr id="3" name="TextBox 2"/>
@@ -19444,7 +19441,7 @@
           <a:effectLst/>
           <a:extLst>
             <a:ext uri="{AF507438-7753-43e0-B8FC-AC1667EBCBE1}">
-              <a14:hiddenEffects xmlns="" xmlns:a14="http://schemas.microsoft.com/office/drawing/2010/main">
+              <a14:hiddenEffects xmlns:a14="http://schemas.microsoft.com/office/drawing/2010/main" xmlns="">
                 <a:effectLst>
                   <a:outerShdw blurRad="63500" dist="38099" dir="2700000" algn="ctr" rotWithShape="0">
                     <a:schemeClr val="bg2">
@@ -19498,7 +19495,7 @@
           <a:effectLst/>
           <a:extLst>
             <a:ext uri="{AF507438-7753-43e0-B8FC-AC1667EBCBE1}">
-              <a14:hiddenEffects xmlns="" xmlns:a14="http://schemas.microsoft.com/office/drawing/2010/main">
+              <a14:hiddenEffects xmlns:a14="http://schemas.microsoft.com/office/drawing/2010/main" xmlns="">
                 <a:effectLst>
                   <a:outerShdw blurRad="63500" dist="38099" dir="2700000" algn="ctr" rotWithShape="0">
                     <a:schemeClr val="bg2">
@@ -19545,14 +19542,14 @@
           <a:effectLst/>
           <a:extLst>
             <a:ext uri="{909E8E84-426E-40dd-AFC4-6F175D3DCCD1}">
-              <a14:hiddenFill xmlns="" xmlns:a14="http://schemas.microsoft.com/office/drawing/2010/main">
+              <a14:hiddenFill xmlns:a14="http://schemas.microsoft.com/office/drawing/2010/main" xmlns="">
                 <a:solidFill>
                   <a:schemeClr val="accent1"/>
                 </a:solidFill>
               </a14:hiddenFill>
             </a:ext>
             <a:ext uri="{91240B29-F687-4f45-9708-019B960494DF}">
-              <a14:hiddenLine xmlns="" xmlns:a14="http://schemas.microsoft.com/office/drawing/2010/main" w="9525">
+              <a14:hiddenLine xmlns:a14="http://schemas.microsoft.com/office/drawing/2010/main" xmlns="" w="9525">
                 <a:solidFill>
                   <a:schemeClr val="tx1"/>
                 </a:solidFill>
@@ -19562,7 +19559,7 @@
               </a14:hiddenLine>
             </a:ext>
             <a:ext uri="{AF507438-7753-43e0-B8FC-AC1667EBCBE1}">
-              <a14:hiddenEffects xmlns="" xmlns:a14="http://schemas.microsoft.com/office/drawing/2010/main">
+              <a14:hiddenEffects xmlns:a14="http://schemas.microsoft.com/office/drawing/2010/main" xmlns="">
                 <a:effectLst>
                   <a:outerShdw blurRad="63500" dist="38099" dir="2700000" algn="ctr" rotWithShape="0">
                     <a:schemeClr val="bg2">
@@ -19647,12 +19644,12 @@
             <a:effectLst/>
             <a:extLst>
               <a:ext uri="{909E8E84-426E-40dd-AFC4-6F175D3DCCD1}">
-                <a14:hiddenFill xmlns="" xmlns:a14="http://schemas.microsoft.com/office/drawing/2010/main">
+                <a14:hiddenFill xmlns:a14="http://schemas.microsoft.com/office/drawing/2010/main" xmlns="">
                   <a:noFill/>
                 </a14:hiddenFill>
               </a:ext>
               <a:ext uri="{AF507438-7753-43e0-B8FC-AC1667EBCBE1}">
-                <a14:hiddenEffects xmlns="" xmlns:a14="http://schemas.microsoft.com/office/drawing/2010/main">
+                <a14:hiddenEffects xmlns:a14="http://schemas.microsoft.com/office/drawing/2010/main" xmlns="">
                   <a:effectLst>
                     <a:outerShdw blurRad="63500" dist="38099" dir="2700000" algn="ctr" rotWithShape="0">
                       <a:schemeClr val="bg2">
@@ -19695,14 +19692,14 @@
             <a:effectLst/>
             <a:extLst>
               <a:ext uri="{909E8E84-426E-40dd-AFC4-6F175D3DCCD1}">
-                <a14:hiddenFill xmlns="" xmlns:a14="http://schemas.microsoft.com/office/drawing/2010/main">
+                <a14:hiddenFill xmlns:a14="http://schemas.microsoft.com/office/drawing/2010/main" xmlns="">
                   <a:solidFill>
                     <a:schemeClr val="accent1"/>
                   </a:solidFill>
                 </a14:hiddenFill>
               </a:ext>
               <a:ext uri="{91240B29-F687-4f45-9708-019B960494DF}">
-                <a14:hiddenLine xmlns="" xmlns:a14="http://schemas.microsoft.com/office/drawing/2010/main" w="9525">
+                <a14:hiddenLine xmlns:a14="http://schemas.microsoft.com/office/drawing/2010/main" xmlns="" w="9525">
                   <a:solidFill>
                     <a:schemeClr val="tx1"/>
                   </a:solidFill>
@@ -19712,7 +19709,7 @@
                 </a14:hiddenLine>
               </a:ext>
               <a:ext uri="{AF507438-7753-43e0-B8FC-AC1667EBCBE1}">
-                <a14:hiddenEffects xmlns="" xmlns:a14="http://schemas.microsoft.com/office/drawing/2010/main">
+                <a14:hiddenEffects xmlns:a14="http://schemas.microsoft.com/office/drawing/2010/main" xmlns="">
                   <a:effectLst>
                     <a:outerShdw blurRad="63500" dist="38099" dir="2700000" algn="ctr" rotWithShape="0">
                       <a:schemeClr val="bg2">
@@ -19785,14 +19782,14 @@
           <a:effectLst/>
           <a:extLst>
             <a:ext uri="{909E8E84-426E-40dd-AFC4-6F175D3DCCD1}">
-              <a14:hiddenFill xmlns="" xmlns:a14="http://schemas.microsoft.com/office/drawing/2010/main">
+              <a14:hiddenFill xmlns:a14="http://schemas.microsoft.com/office/drawing/2010/main" xmlns="">
                 <a:solidFill>
                   <a:schemeClr val="accent1"/>
                 </a:solidFill>
               </a14:hiddenFill>
             </a:ext>
             <a:ext uri="{AF507438-7753-43e0-B8FC-AC1667EBCBE1}">
-              <a14:hiddenEffects xmlns="" xmlns:a14="http://schemas.microsoft.com/office/drawing/2010/main">
+              <a14:hiddenEffects xmlns:a14="http://schemas.microsoft.com/office/drawing/2010/main" xmlns="">
                 <a:effectLst>
                   <a:outerShdw blurRad="63500" dist="38099" dir="2700000" algn="ctr" rotWithShape="0">
                     <a:schemeClr val="bg2">
@@ -19856,12 +19853,12 @@
             <a:effectLst/>
             <a:extLst>
               <a:ext uri="{909E8E84-426E-40dd-AFC4-6F175D3DCCD1}">
-                <a14:hiddenFill xmlns="" xmlns:a14="http://schemas.microsoft.com/office/drawing/2010/main">
+                <a14:hiddenFill xmlns:a14="http://schemas.microsoft.com/office/drawing/2010/main" xmlns="">
                   <a:noFill/>
                 </a14:hiddenFill>
               </a:ext>
               <a:ext uri="{AF507438-7753-43e0-B8FC-AC1667EBCBE1}">
-                <a14:hiddenEffects xmlns="" xmlns:a14="http://schemas.microsoft.com/office/drawing/2010/main">
+                <a14:hiddenEffects xmlns:a14="http://schemas.microsoft.com/office/drawing/2010/main" xmlns="">
                   <a:effectLst>
                     <a:outerShdw blurRad="63500" dist="38099" dir="2700000" algn="ctr" rotWithShape="0">
                       <a:schemeClr val="bg2">
@@ -19904,14 +19901,14 @@
             <a:effectLst/>
             <a:extLst>
               <a:ext uri="{909E8E84-426E-40dd-AFC4-6F175D3DCCD1}">
-                <a14:hiddenFill xmlns="" xmlns:a14="http://schemas.microsoft.com/office/drawing/2010/main">
+                <a14:hiddenFill xmlns:a14="http://schemas.microsoft.com/office/drawing/2010/main" xmlns="">
                   <a:solidFill>
                     <a:schemeClr val="accent1"/>
                   </a:solidFill>
                 </a14:hiddenFill>
               </a:ext>
               <a:ext uri="{91240B29-F687-4f45-9708-019B960494DF}">
-                <a14:hiddenLine xmlns="" xmlns:a14="http://schemas.microsoft.com/office/drawing/2010/main" w="9525">
+                <a14:hiddenLine xmlns:a14="http://schemas.microsoft.com/office/drawing/2010/main" xmlns="" w="9525">
                   <a:solidFill>
                     <a:schemeClr val="tx1"/>
                   </a:solidFill>
@@ -19921,7 +19918,7 @@
                 </a14:hiddenLine>
               </a:ext>
               <a:ext uri="{AF507438-7753-43e0-B8FC-AC1667EBCBE1}">
-                <a14:hiddenEffects xmlns="" xmlns:a14="http://schemas.microsoft.com/office/drawing/2010/main">
+                <a14:hiddenEffects xmlns:a14="http://schemas.microsoft.com/office/drawing/2010/main" xmlns="">
                   <a:effectLst>
                     <a:outerShdw blurRad="63500" dist="38099" dir="2700000" algn="ctr" rotWithShape="0">
                       <a:schemeClr val="bg2">
@@ -20011,12 +20008,12 @@
             <a:effectLst/>
             <a:extLst>
               <a:ext uri="{909E8E84-426E-40dd-AFC4-6F175D3DCCD1}">
-                <a14:hiddenFill xmlns="" xmlns:a14="http://schemas.microsoft.com/office/drawing/2010/main">
+                <a14:hiddenFill xmlns:a14="http://schemas.microsoft.com/office/drawing/2010/main" xmlns="">
                   <a:noFill/>
                 </a14:hiddenFill>
               </a:ext>
               <a:ext uri="{AF507438-7753-43e0-B8FC-AC1667EBCBE1}">
-                <a14:hiddenEffects xmlns="" xmlns:a14="http://schemas.microsoft.com/office/drawing/2010/main">
+                <a14:hiddenEffects xmlns:a14="http://schemas.microsoft.com/office/drawing/2010/main" xmlns="">
                   <a:effectLst>
                     <a:outerShdw blurRad="63500" dist="38099" dir="2700000" algn="ctr" rotWithShape="0">
                       <a:schemeClr val="bg2">
@@ -20059,14 +20056,14 @@
             <a:effectLst/>
             <a:extLst>
               <a:ext uri="{909E8E84-426E-40dd-AFC4-6F175D3DCCD1}">
-                <a14:hiddenFill xmlns="" xmlns:a14="http://schemas.microsoft.com/office/drawing/2010/main">
+                <a14:hiddenFill xmlns:a14="http://schemas.microsoft.com/office/drawing/2010/main" xmlns="">
                   <a:solidFill>
                     <a:schemeClr val="accent1"/>
                   </a:solidFill>
                 </a14:hiddenFill>
               </a:ext>
               <a:ext uri="{91240B29-F687-4f45-9708-019B960494DF}">
-                <a14:hiddenLine xmlns="" xmlns:a14="http://schemas.microsoft.com/office/drawing/2010/main" w="9525">
+                <a14:hiddenLine xmlns:a14="http://schemas.microsoft.com/office/drawing/2010/main" xmlns="" w="9525">
                   <a:solidFill>
                     <a:schemeClr val="tx1"/>
                   </a:solidFill>
@@ -20076,7 +20073,7 @@
                 </a14:hiddenLine>
               </a:ext>
               <a:ext uri="{AF507438-7753-43e0-B8FC-AC1667EBCBE1}">
-                <a14:hiddenEffects xmlns="" xmlns:a14="http://schemas.microsoft.com/office/drawing/2010/main">
+                <a14:hiddenEffects xmlns:a14="http://schemas.microsoft.com/office/drawing/2010/main" xmlns="">
                   <a:effectLst>
                     <a:outerShdw blurRad="63500" dist="38099" dir="2700000" algn="ctr" rotWithShape="0">
                       <a:schemeClr val="bg2">
@@ -20526,14 +20523,14 @@
             <a:effectLst/>
             <a:extLst>
               <a:ext uri="{909E8E84-426E-40dd-AFC4-6F175D3DCCD1}">
-                <a14:hiddenFill xmlns="" xmlns:a14="http://schemas.microsoft.com/office/drawing/2010/main">
+                <a14:hiddenFill xmlns:a14="http://schemas.microsoft.com/office/drawing/2010/main" xmlns="">
                   <a:solidFill>
                     <a:schemeClr val="accent1"/>
                   </a:solidFill>
                 </a14:hiddenFill>
               </a:ext>
               <a:ext uri="{AF507438-7753-43e0-B8FC-AC1667EBCBE1}">
-                <a14:hiddenEffects xmlns="" xmlns:a14="http://schemas.microsoft.com/office/drawing/2010/main">
+                <a14:hiddenEffects xmlns:a14="http://schemas.microsoft.com/office/drawing/2010/main" xmlns="">
                   <a:effectLst>
                     <a:outerShdw blurRad="63500" dist="38099" dir="2700000" algn="ctr" rotWithShape="0">
                       <a:schemeClr val="bg2">
@@ -20596,12 +20593,12 @@
             <a:effectLst/>
             <a:extLst>
               <a:ext uri="{909E8E84-426E-40dd-AFC4-6F175D3DCCD1}">
-                <a14:hiddenFill xmlns="" xmlns:a14="http://schemas.microsoft.com/office/drawing/2010/main">
+                <a14:hiddenFill xmlns:a14="http://schemas.microsoft.com/office/drawing/2010/main" xmlns="">
                   <a:noFill/>
                 </a14:hiddenFill>
               </a:ext>
               <a:ext uri="{AF507438-7753-43e0-B8FC-AC1667EBCBE1}">
-                <a14:hiddenEffects xmlns="" xmlns:a14="http://schemas.microsoft.com/office/drawing/2010/main">
+                <a14:hiddenEffects xmlns:a14="http://schemas.microsoft.com/office/drawing/2010/main" xmlns="">
                   <a:effectLst>
                     <a:outerShdw blurRad="63500" dist="38099" dir="2700000" algn="ctr" rotWithShape="0">
                       <a:schemeClr val="bg2">
@@ -20644,14 +20641,14 @@
             <a:effectLst/>
             <a:extLst>
               <a:ext uri="{909E8E84-426E-40dd-AFC4-6F175D3DCCD1}">
-                <a14:hiddenFill xmlns="" xmlns:a14="http://schemas.microsoft.com/office/drawing/2010/main">
+                <a14:hiddenFill xmlns:a14="http://schemas.microsoft.com/office/drawing/2010/main" xmlns="">
                   <a:solidFill>
                     <a:schemeClr val="accent1"/>
                   </a:solidFill>
                 </a14:hiddenFill>
               </a:ext>
               <a:ext uri="{91240B29-F687-4f45-9708-019B960494DF}">
-                <a14:hiddenLine xmlns="" xmlns:a14="http://schemas.microsoft.com/office/drawing/2010/main" w="9525">
+                <a14:hiddenLine xmlns:a14="http://schemas.microsoft.com/office/drawing/2010/main" xmlns="" w="9525">
                   <a:solidFill>
                     <a:schemeClr val="tx1"/>
                   </a:solidFill>
@@ -20661,7 +20658,7 @@
                 </a14:hiddenLine>
               </a:ext>
               <a:ext uri="{AF507438-7753-43e0-B8FC-AC1667EBCBE1}">
-                <a14:hiddenEffects xmlns="" xmlns:a14="http://schemas.microsoft.com/office/drawing/2010/main">
+                <a14:hiddenEffects xmlns:a14="http://schemas.microsoft.com/office/drawing/2010/main" xmlns="">
                   <a:effectLst>
                     <a:outerShdw blurRad="63500" dist="38099" dir="2700000" algn="ctr" rotWithShape="0">
                       <a:schemeClr val="bg2">

--- a/Lectures/Lecture10.pptx
+++ b/Lectures/Lecture10.pptx
@@ -321,7 +321,7 @@
           <a:p>
             <a:fld id="{CBA08D16-15DC-4E25-BDC3-F25146157B16}" type="datetimeFigureOut">
               <a:rPr lang="ru-RU" smtClean="0"/>
-              <a:t>29.11.2023</a:t>
+              <a:t>30.11.2023</a:t>
             </a:fld>
             <a:endParaRPr lang="ru-RU"/>
           </a:p>
@@ -813,7 +813,7 @@
           <a:p>
             <a:fld id="{FCEC8293-DB51-454A-BE81-EC8FCB31EBA2}" type="datetime1">
               <a:rPr lang="ru-RU" smtClean="0"/>
-              <a:t>29.11.2023</a:t>
+              <a:t>30.11.2023</a:t>
             </a:fld>
             <a:endParaRPr lang="ru-RU"/>
           </a:p>
@@ -987,7 +987,7 @@
           <a:p>
             <a:fld id="{241C87B1-1C35-4DBD-BC18-2BC72E776603}" type="datetime1">
               <a:rPr lang="ru-RU" smtClean="0"/>
-              <a:t>29.11.2023</a:t>
+              <a:t>30.11.2023</a:t>
             </a:fld>
             <a:endParaRPr lang="ru-RU"/>
           </a:p>
@@ -1171,7 +1171,7 @@
           <a:p>
             <a:fld id="{3134C275-26C0-42CD-9111-9ADE65922AF9}" type="datetime1">
               <a:rPr lang="ru-RU" smtClean="0"/>
-              <a:t>29.11.2023</a:t>
+              <a:t>30.11.2023</a:t>
             </a:fld>
             <a:endParaRPr lang="ru-RU"/>
           </a:p>
@@ -1345,7 +1345,7 @@
           <a:p>
             <a:fld id="{C1A9A50B-C350-45F5-8AAB-ADB9E670AF2E}" type="datetime1">
               <a:rPr lang="ru-RU" smtClean="0"/>
-              <a:t>29.11.2023</a:t>
+              <a:t>30.11.2023</a:t>
             </a:fld>
             <a:endParaRPr lang="ru-RU"/>
           </a:p>
@@ -1595,7 +1595,7 @@
           <a:p>
             <a:fld id="{089688C9-348F-42F9-B6C0-5990DDE0C5B2}" type="datetime1">
               <a:rPr lang="ru-RU" smtClean="0"/>
-              <a:t>29.11.2023</a:t>
+              <a:t>30.11.2023</a:t>
             </a:fld>
             <a:endParaRPr lang="ru-RU"/>
           </a:p>
@@ -1831,7 +1831,7 @@
           <a:p>
             <a:fld id="{684AFD8F-6DD9-4AD3-A505-FDC3F5C5F3F6}" type="datetime1">
               <a:rPr lang="ru-RU" smtClean="0"/>
-              <a:t>29.11.2023</a:t>
+              <a:t>30.11.2023</a:t>
             </a:fld>
             <a:endParaRPr lang="ru-RU"/>
           </a:p>
@@ -2202,7 +2202,7 @@
           <a:p>
             <a:fld id="{63551EFE-4D02-45EB-A747-8B6F047B5AA0}" type="datetime1">
               <a:rPr lang="ru-RU" smtClean="0"/>
-              <a:t>29.11.2023</a:t>
+              <a:t>30.11.2023</a:t>
             </a:fld>
             <a:endParaRPr lang="ru-RU"/>
           </a:p>
@@ -2324,7 +2324,7 @@
           <a:p>
             <a:fld id="{813A9F34-E5CD-4B8F-AA9E-889C84372B20}" type="datetime1">
               <a:rPr lang="ru-RU" smtClean="0"/>
-              <a:t>29.11.2023</a:t>
+              <a:t>30.11.2023</a:t>
             </a:fld>
             <a:endParaRPr lang="ru-RU"/>
           </a:p>
@@ -2423,7 +2423,7 @@
           <a:p>
             <a:fld id="{51224D22-9B29-44A6-8E82-95FC492DEDC1}" type="datetime1">
               <a:rPr lang="ru-RU" smtClean="0"/>
-              <a:t>29.11.2023</a:t>
+              <a:t>30.11.2023</a:t>
             </a:fld>
             <a:endParaRPr lang="ru-RU"/>
           </a:p>
@@ -2704,7 +2704,7 @@
           <a:p>
             <a:fld id="{91D1034F-4441-48A1-BDC0-25EA1022324A}" type="datetime1">
               <a:rPr lang="ru-RU" smtClean="0"/>
-              <a:t>29.11.2023</a:t>
+              <a:t>30.11.2023</a:t>
             </a:fld>
             <a:endParaRPr lang="ru-RU"/>
           </a:p>
@@ -2961,7 +2961,7 @@
           <a:p>
             <a:fld id="{B0FFDE79-B627-473B-AE17-4C65BD2495F7}" type="datetime1">
               <a:rPr lang="ru-RU" smtClean="0"/>
-              <a:t>29.11.2023</a:t>
+              <a:t>30.11.2023</a:t>
             </a:fld>
             <a:endParaRPr lang="ru-RU"/>
           </a:p>
@@ -3178,7 +3178,7 @@
           <a:p>
             <a:fld id="{11CA537A-1B8C-47BA-9BA6-7CE3FAFDA8BE}" type="datetime1">
               <a:rPr lang="ru-RU" smtClean="0"/>
-              <a:t>29.11.2023</a:t>
+              <a:t>30.11.2023</a:t>
             </a:fld>
             <a:endParaRPr lang="ru-RU"/>
           </a:p>
@@ -3680,11 +3680,7 @@
           <a:p>
             <a:r>
               <a:rPr lang="ru-RU" dirty="0" smtClean="0"/>
-              <a:t>МИФИ </a:t>
-            </a:r>
-            <a:r>
-              <a:rPr lang="ru-RU" dirty="0" smtClean="0"/>
-              <a:t>2023</a:t>
+              <a:t>МИФИ 2023</a:t>
             </a:r>
             <a:endParaRPr lang="ru-RU" dirty="0"/>
           </a:p>
@@ -19441,7 +19437,7 @@
           <a:effectLst/>
           <a:extLst>
             <a:ext uri="{AF507438-7753-43e0-B8FC-AC1667EBCBE1}">
-              <a14:hiddenEffects xmlns:a14="http://schemas.microsoft.com/office/drawing/2010/main" xmlns="">
+              <a14:hiddenEffects xmlns="" xmlns:a14="http://schemas.microsoft.com/office/drawing/2010/main">
                 <a:effectLst>
                   <a:outerShdw blurRad="63500" dist="38099" dir="2700000" algn="ctr" rotWithShape="0">
                     <a:schemeClr val="bg2">
@@ -19495,7 +19491,7 @@
           <a:effectLst/>
           <a:extLst>
             <a:ext uri="{AF507438-7753-43e0-B8FC-AC1667EBCBE1}">
-              <a14:hiddenEffects xmlns:a14="http://schemas.microsoft.com/office/drawing/2010/main" xmlns="">
+              <a14:hiddenEffects xmlns="" xmlns:a14="http://schemas.microsoft.com/office/drawing/2010/main">
                 <a:effectLst>
                   <a:outerShdw blurRad="63500" dist="38099" dir="2700000" algn="ctr" rotWithShape="0">
                     <a:schemeClr val="bg2">
@@ -19542,14 +19538,14 @@
           <a:effectLst/>
           <a:extLst>
             <a:ext uri="{909E8E84-426E-40dd-AFC4-6F175D3DCCD1}">
-              <a14:hiddenFill xmlns:a14="http://schemas.microsoft.com/office/drawing/2010/main" xmlns="">
+              <a14:hiddenFill xmlns="" xmlns:a14="http://schemas.microsoft.com/office/drawing/2010/main">
                 <a:solidFill>
                   <a:schemeClr val="accent1"/>
                 </a:solidFill>
               </a14:hiddenFill>
             </a:ext>
             <a:ext uri="{91240B29-F687-4f45-9708-019B960494DF}">
-              <a14:hiddenLine xmlns:a14="http://schemas.microsoft.com/office/drawing/2010/main" xmlns="" w="9525">
+              <a14:hiddenLine xmlns="" xmlns:a14="http://schemas.microsoft.com/office/drawing/2010/main" w="9525">
                 <a:solidFill>
                   <a:schemeClr val="tx1"/>
                 </a:solidFill>
@@ -19559,7 +19555,7 @@
               </a14:hiddenLine>
             </a:ext>
             <a:ext uri="{AF507438-7753-43e0-B8FC-AC1667EBCBE1}">
-              <a14:hiddenEffects xmlns:a14="http://schemas.microsoft.com/office/drawing/2010/main" xmlns="">
+              <a14:hiddenEffects xmlns="" xmlns:a14="http://schemas.microsoft.com/office/drawing/2010/main">
                 <a:effectLst>
                   <a:outerShdw blurRad="63500" dist="38099" dir="2700000" algn="ctr" rotWithShape="0">
                     <a:schemeClr val="bg2">
@@ -19644,12 +19640,12 @@
             <a:effectLst/>
             <a:extLst>
               <a:ext uri="{909E8E84-426E-40dd-AFC4-6F175D3DCCD1}">
-                <a14:hiddenFill xmlns:a14="http://schemas.microsoft.com/office/drawing/2010/main" xmlns="">
+                <a14:hiddenFill xmlns="" xmlns:a14="http://schemas.microsoft.com/office/drawing/2010/main">
                   <a:noFill/>
                 </a14:hiddenFill>
               </a:ext>
               <a:ext uri="{AF507438-7753-43e0-B8FC-AC1667EBCBE1}">
-                <a14:hiddenEffects xmlns:a14="http://schemas.microsoft.com/office/drawing/2010/main" xmlns="">
+                <a14:hiddenEffects xmlns="" xmlns:a14="http://schemas.microsoft.com/office/drawing/2010/main">
                   <a:effectLst>
                     <a:outerShdw blurRad="63500" dist="38099" dir="2700000" algn="ctr" rotWithShape="0">
                       <a:schemeClr val="bg2">
@@ -19692,14 +19688,14 @@
             <a:effectLst/>
             <a:extLst>
               <a:ext uri="{909E8E84-426E-40dd-AFC4-6F175D3DCCD1}">
-                <a14:hiddenFill xmlns:a14="http://schemas.microsoft.com/office/drawing/2010/main" xmlns="">
+                <a14:hiddenFill xmlns="" xmlns:a14="http://schemas.microsoft.com/office/drawing/2010/main">
                   <a:solidFill>
                     <a:schemeClr val="accent1"/>
                   </a:solidFill>
                 </a14:hiddenFill>
               </a:ext>
               <a:ext uri="{91240B29-F687-4f45-9708-019B960494DF}">
-                <a14:hiddenLine xmlns:a14="http://schemas.microsoft.com/office/drawing/2010/main" xmlns="" w="9525">
+                <a14:hiddenLine xmlns="" xmlns:a14="http://schemas.microsoft.com/office/drawing/2010/main" w="9525">
                   <a:solidFill>
                     <a:schemeClr val="tx1"/>
                   </a:solidFill>
@@ -19709,7 +19705,7 @@
                 </a14:hiddenLine>
               </a:ext>
               <a:ext uri="{AF507438-7753-43e0-B8FC-AC1667EBCBE1}">
-                <a14:hiddenEffects xmlns:a14="http://schemas.microsoft.com/office/drawing/2010/main" xmlns="">
+                <a14:hiddenEffects xmlns="" xmlns:a14="http://schemas.microsoft.com/office/drawing/2010/main">
                   <a:effectLst>
                     <a:outerShdw blurRad="63500" dist="38099" dir="2700000" algn="ctr" rotWithShape="0">
                       <a:schemeClr val="bg2">
@@ -19782,14 +19778,14 @@
           <a:effectLst/>
           <a:extLst>
             <a:ext uri="{909E8E84-426E-40dd-AFC4-6F175D3DCCD1}">
-              <a14:hiddenFill xmlns:a14="http://schemas.microsoft.com/office/drawing/2010/main" xmlns="">
+              <a14:hiddenFill xmlns="" xmlns:a14="http://schemas.microsoft.com/office/drawing/2010/main">
                 <a:solidFill>
                   <a:schemeClr val="accent1"/>
                 </a:solidFill>
               </a14:hiddenFill>
             </a:ext>
             <a:ext uri="{AF507438-7753-43e0-B8FC-AC1667EBCBE1}">
-              <a14:hiddenEffects xmlns:a14="http://schemas.microsoft.com/office/drawing/2010/main" xmlns="">
+              <a14:hiddenEffects xmlns="" xmlns:a14="http://schemas.microsoft.com/office/drawing/2010/main">
                 <a:effectLst>
                   <a:outerShdw blurRad="63500" dist="38099" dir="2700000" algn="ctr" rotWithShape="0">
                     <a:schemeClr val="bg2">
@@ -19853,12 +19849,12 @@
             <a:effectLst/>
             <a:extLst>
               <a:ext uri="{909E8E84-426E-40dd-AFC4-6F175D3DCCD1}">
-                <a14:hiddenFill xmlns:a14="http://schemas.microsoft.com/office/drawing/2010/main" xmlns="">
+                <a14:hiddenFill xmlns="" xmlns:a14="http://schemas.microsoft.com/office/drawing/2010/main">
                   <a:noFill/>
                 </a14:hiddenFill>
               </a:ext>
               <a:ext uri="{AF507438-7753-43e0-B8FC-AC1667EBCBE1}">
-                <a14:hiddenEffects xmlns:a14="http://schemas.microsoft.com/office/drawing/2010/main" xmlns="">
+                <a14:hiddenEffects xmlns="" xmlns:a14="http://schemas.microsoft.com/office/drawing/2010/main">
                   <a:effectLst>
                     <a:outerShdw blurRad="63500" dist="38099" dir="2700000" algn="ctr" rotWithShape="0">
                       <a:schemeClr val="bg2">
@@ -19901,14 +19897,14 @@
             <a:effectLst/>
             <a:extLst>
               <a:ext uri="{909E8E84-426E-40dd-AFC4-6F175D3DCCD1}">
-                <a14:hiddenFill xmlns:a14="http://schemas.microsoft.com/office/drawing/2010/main" xmlns="">
+                <a14:hiddenFill xmlns="" xmlns:a14="http://schemas.microsoft.com/office/drawing/2010/main">
                   <a:solidFill>
                     <a:schemeClr val="accent1"/>
                   </a:solidFill>
                 </a14:hiddenFill>
               </a:ext>
               <a:ext uri="{91240B29-F687-4f45-9708-019B960494DF}">
-                <a14:hiddenLine xmlns:a14="http://schemas.microsoft.com/office/drawing/2010/main" xmlns="" w="9525">
+                <a14:hiddenLine xmlns="" xmlns:a14="http://schemas.microsoft.com/office/drawing/2010/main" w="9525">
                   <a:solidFill>
                     <a:schemeClr val="tx1"/>
                   </a:solidFill>
@@ -19918,7 +19914,7 @@
                 </a14:hiddenLine>
               </a:ext>
               <a:ext uri="{AF507438-7753-43e0-B8FC-AC1667EBCBE1}">
-                <a14:hiddenEffects xmlns:a14="http://schemas.microsoft.com/office/drawing/2010/main" xmlns="">
+                <a14:hiddenEffects xmlns="" xmlns:a14="http://schemas.microsoft.com/office/drawing/2010/main">
                   <a:effectLst>
                     <a:outerShdw blurRad="63500" dist="38099" dir="2700000" algn="ctr" rotWithShape="0">
                       <a:schemeClr val="bg2">
@@ -20008,12 +20004,12 @@
             <a:effectLst/>
             <a:extLst>
               <a:ext uri="{909E8E84-426E-40dd-AFC4-6F175D3DCCD1}">
-                <a14:hiddenFill xmlns:a14="http://schemas.microsoft.com/office/drawing/2010/main" xmlns="">
+                <a14:hiddenFill xmlns="" xmlns:a14="http://schemas.microsoft.com/office/drawing/2010/main">
                   <a:noFill/>
                 </a14:hiddenFill>
               </a:ext>
               <a:ext uri="{AF507438-7753-43e0-B8FC-AC1667EBCBE1}">
-                <a14:hiddenEffects xmlns:a14="http://schemas.microsoft.com/office/drawing/2010/main" xmlns="">
+                <a14:hiddenEffects xmlns="" xmlns:a14="http://schemas.microsoft.com/office/drawing/2010/main">
                   <a:effectLst>
                     <a:outerShdw blurRad="63500" dist="38099" dir="2700000" algn="ctr" rotWithShape="0">
                       <a:schemeClr val="bg2">
@@ -20056,14 +20052,14 @@
             <a:effectLst/>
             <a:extLst>
               <a:ext uri="{909E8E84-426E-40dd-AFC4-6F175D3DCCD1}">
-                <a14:hiddenFill xmlns:a14="http://schemas.microsoft.com/office/drawing/2010/main" xmlns="">
+                <a14:hiddenFill xmlns="" xmlns:a14="http://schemas.microsoft.com/office/drawing/2010/main">
                   <a:solidFill>
                     <a:schemeClr val="accent1"/>
                   </a:solidFill>
                 </a14:hiddenFill>
               </a:ext>
               <a:ext uri="{91240B29-F687-4f45-9708-019B960494DF}">
-                <a14:hiddenLine xmlns:a14="http://schemas.microsoft.com/office/drawing/2010/main" xmlns="" w="9525">
+                <a14:hiddenLine xmlns="" xmlns:a14="http://schemas.microsoft.com/office/drawing/2010/main" w="9525">
                   <a:solidFill>
                     <a:schemeClr val="tx1"/>
                   </a:solidFill>
@@ -20073,7 +20069,7 @@
                 </a14:hiddenLine>
               </a:ext>
               <a:ext uri="{AF507438-7753-43e0-B8FC-AC1667EBCBE1}">
-                <a14:hiddenEffects xmlns:a14="http://schemas.microsoft.com/office/drawing/2010/main" xmlns="">
+                <a14:hiddenEffects xmlns="" xmlns:a14="http://schemas.microsoft.com/office/drawing/2010/main">
                   <a:effectLst>
                     <a:outerShdw blurRad="63500" dist="38099" dir="2700000" algn="ctr" rotWithShape="0">
                       <a:schemeClr val="bg2">
@@ -20523,14 +20519,14 @@
             <a:effectLst/>
             <a:extLst>
               <a:ext uri="{909E8E84-426E-40dd-AFC4-6F175D3DCCD1}">
-                <a14:hiddenFill xmlns:a14="http://schemas.microsoft.com/office/drawing/2010/main" xmlns="">
+                <a14:hiddenFill xmlns="" xmlns:a14="http://schemas.microsoft.com/office/drawing/2010/main">
                   <a:solidFill>
                     <a:schemeClr val="accent1"/>
                   </a:solidFill>
                 </a14:hiddenFill>
               </a:ext>
               <a:ext uri="{AF507438-7753-43e0-B8FC-AC1667EBCBE1}">
-                <a14:hiddenEffects xmlns:a14="http://schemas.microsoft.com/office/drawing/2010/main" xmlns="">
+                <a14:hiddenEffects xmlns="" xmlns:a14="http://schemas.microsoft.com/office/drawing/2010/main">
                   <a:effectLst>
                     <a:outerShdw blurRad="63500" dist="38099" dir="2700000" algn="ctr" rotWithShape="0">
                       <a:schemeClr val="bg2">
@@ -20593,12 +20589,12 @@
             <a:effectLst/>
             <a:extLst>
               <a:ext uri="{909E8E84-426E-40dd-AFC4-6F175D3DCCD1}">
-                <a14:hiddenFill xmlns:a14="http://schemas.microsoft.com/office/drawing/2010/main" xmlns="">
+                <a14:hiddenFill xmlns="" xmlns:a14="http://schemas.microsoft.com/office/drawing/2010/main">
                   <a:noFill/>
                 </a14:hiddenFill>
               </a:ext>
               <a:ext uri="{AF507438-7753-43e0-B8FC-AC1667EBCBE1}">
-                <a14:hiddenEffects xmlns:a14="http://schemas.microsoft.com/office/drawing/2010/main" xmlns="">
+                <a14:hiddenEffects xmlns="" xmlns:a14="http://schemas.microsoft.com/office/drawing/2010/main">
                   <a:effectLst>
                     <a:outerShdw blurRad="63500" dist="38099" dir="2700000" algn="ctr" rotWithShape="0">
                       <a:schemeClr val="bg2">
@@ -20641,14 +20637,14 @@
             <a:effectLst/>
             <a:extLst>
               <a:ext uri="{909E8E84-426E-40dd-AFC4-6F175D3DCCD1}">
-                <a14:hiddenFill xmlns:a14="http://schemas.microsoft.com/office/drawing/2010/main" xmlns="">
+                <a14:hiddenFill xmlns="" xmlns:a14="http://schemas.microsoft.com/office/drawing/2010/main">
                   <a:solidFill>
                     <a:schemeClr val="accent1"/>
                   </a:solidFill>
                 </a14:hiddenFill>
               </a:ext>
               <a:ext uri="{91240B29-F687-4f45-9708-019B960494DF}">
-                <a14:hiddenLine xmlns:a14="http://schemas.microsoft.com/office/drawing/2010/main" xmlns="" w="9525">
+                <a14:hiddenLine xmlns="" xmlns:a14="http://schemas.microsoft.com/office/drawing/2010/main" w="9525">
                   <a:solidFill>
                     <a:schemeClr val="tx1"/>
                   </a:solidFill>
@@ -20658,7 +20654,7 @@
                 </a14:hiddenLine>
               </a:ext>
               <a:ext uri="{AF507438-7753-43e0-B8FC-AC1667EBCBE1}">
-                <a14:hiddenEffects xmlns:a14="http://schemas.microsoft.com/office/drawing/2010/main" xmlns="">
+                <a14:hiddenEffects xmlns="" xmlns:a14="http://schemas.microsoft.com/office/drawing/2010/main">
                   <a:effectLst>
                     <a:outerShdw blurRad="63500" dist="38099" dir="2700000" algn="ctr" rotWithShape="0">
                       <a:schemeClr val="bg2">

--- a/Lectures/Lecture10.pptx
+++ b/Lectures/Lecture10.pptx
@@ -5,7 +5,7 @@
     <p:sldMasterId id="2147483648" r:id="rId1"/>
   </p:sldMasterIdLst>
   <p:notesMasterIdLst>
-    <p:notesMasterId r:id="rId43"/>
+    <p:notesMasterId r:id="rId45"/>
   </p:notesMasterIdLst>
   <p:sldIdLst>
     <p:sldId id="296" r:id="rId2"/>
@@ -49,6 +49,8 @@
     <p:sldId id="501" r:id="rId40"/>
     <p:sldId id="502" r:id="rId41"/>
     <p:sldId id="504" r:id="rId42"/>
+    <p:sldId id="509" r:id="rId43"/>
+    <p:sldId id="508" r:id="rId44"/>
   </p:sldIdLst>
   <p:sldSz cx="12192000" cy="6858000"/>
   <p:notesSz cx="6858000" cy="9144000"/>
@@ -225,6 +227,12 @@
             <p14:sldId id="501"/>
             <p14:sldId id="502"/>
             <p14:sldId id="504"/>
+            <p14:sldId id="509"/>
+          </p14:sldIdLst>
+        </p14:section>
+        <p14:section name="Старые тесты" id="{5C5CDB86-5828-4477-A52D-AF42AB0EFF0C}">
+          <p14:sldIdLst>
+            <p14:sldId id="508"/>
           </p14:sldIdLst>
         </p14:section>
       </p14:sectionLst>
@@ -321,7 +329,7 @@
           <a:p>
             <a:fld id="{CBA08D16-15DC-4E25-BDC3-F25146157B16}" type="datetimeFigureOut">
               <a:rPr lang="ru-RU" smtClean="0"/>
-              <a:t>30.11.2023</a:t>
+              <a:t>28.11.2024</a:t>
             </a:fld>
             <a:endParaRPr lang="ru-RU"/>
           </a:p>
@@ -813,7 +821,7 @@
           <a:p>
             <a:fld id="{FCEC8293-DB51-454A-BE81-EC8FCB31EBA2}" type="datetime1">
               <a:rPr lang="ru-RU" smtClean="0"/>
-              <a:t>30.11.2023</a:t>
+              <a:t>28.11.2024</a:t>
             </a:fld>
             <a:endParaRPr lang="ru-RU"/>
           </a:p>
@@ -987,7 +995,7 @@
           <a:p>
             <a:fld id="{241C87B1-1C35-4DBD-BC18-2BC72E776603}" type="datetime1">
               <a:rPr lang="ru-RU" smtClean="0"/>
-              <a:t>30.11.2023</a:t>
+              <a:t>28.11.2024</a:t>
             </a:fld>
             <a:endParaRPr lang="ru-RU"/>
           </a:p>
@@ -1171,7 +1179,7 @@
           <a:p>
             <a:fld id="{3134C275-26C0-42CD-9111-9ADE65922AF9}" type="datetime1">
               <a:rPr lang="ru-RU" smtClean="0"/>
-              <a:t>30.11.2023</a:t>
+              <a:t>28.11.2024</a:t>
             </a:fld>
             <a:endParaRPr lang="ru-RU"/>
           </a:p>
@@ -1345,7 +1353,7 @@
           <a:p>
             <a:fld id="{C1A9A50B-C350-45F5-8AAB-ADB9E670AF2E}" type="datetime1">
               <a:rPr lang="ru-RU" smtClean="0"/>
-              <a:t>30.11.2023</a:t>
+              <a:t>28.11.2024</a:t>
             </a:fld>
             <a:endParaRPr lang="ru-RU"/>
           </a:p>
@@ -1595,7 +1603,7 @@
           <a:p>
             <a:fld id="{089688C9-348F-42F9-B6C0-5990DDE0C5B2}" type="datetime1">
               <a:rPr lang="ru-RU" smtClean="0"/>
-              <a:t>30.11.2023</a:t>
+              <a:t>28.11.2024</a:t>
             </a:fld>
             <a:endParaRPr lang="ru-RU"/>
           </a:p>
@@ -1831,7 +1839,7 @@
           <a:p>
             <a:fld id="{684AFD8F-6DD9-4AD3-A505-FDC3F5C5F3F6}" type="datetime1">
               <a:rPr lang="ru-RU" smtClean="0"/>
-              <a:t>30.11.2023</a:t>
+              <a:t>28.11.2024</a:t>
             </a:fld>
             <a:endParaRPr lang="ru-RU"/>
           </a:p>
@@ -2202,7 +2210,7 @@
           <a:p>
             <a:fld id="{63551EFE-4D02-45EB-A747-8B6F047B5AA0}" type="datetime1">
               <a:rPr lang="ru-RU" smtClean="0"/>
-              <a:t>30.11.2023</a:t>
+              <a:t>28.11.2024</a:t>
             </a:fld>
             <a:endParaRPr lang="ru-RU"/>
           </a:p>
@@ -2324,7 +2332,7 @@
           <a:p>
             <a:fld id="{813A9F34-E5CD-4B8F-AA9E-889C84372B20}" type="datetime1">
               <a:rPr lang="ru-RU" smtClean="0"/>
-              <a:t>30.11.2023</a:t>
+              <a:t>28.11.2024</a:t>
             </a:fld>
             <a:endParaRPr lang="ru-RU"/>
           </a:p>
@@ -2423,7 +2431,7 @@
           <a:p>
             <a:fld id="{51224D22-9B29-44A6-8E82-95FC492DEDC1}" type="datetime1">
               <a:rPr lang="ru-RU" smtClean="0"/>
-              <a:t>30.11.2023</a:t>
+              <a:t>28.11.2024</a:t>
             </a:fld>
             <a:endParaRPr lang="ru-RU"/>
           </a:p>
@@ -2704,7 +2712,7 @@
           <a:p>
             <a:fld id="{91D1034F-4441-48A1-BDC0-25EA1022324A}" type="datetime1">
               <a:rPr lang="ru-RU" smtClean="0"/>
-              <a:t>30.11.2023</a:t>
+              <a:t>28.11.2024</a:t>
             </a:fld>
             <a:endParaRPr lang="ru-RU"/>
           </a:p>
@@ -2961,7 +2969,7 @@
           <a:p>
             <a:fld id="{B0FFDE79-B627-473B-AE17-4C65BD2495F7}" type="datetime1">
               <a:rPr lang="ru-RU" smtClean="0"/>
-              <a:t>30.11.2023</a:t>
+              <a:t>28.11.2024</a:t>
             </a:fld>
             <a:endParaRPr lang="ru-RU"/>
           </a:p>
@@ -3178,7 +3186,7 @@
           <a:p>
             <a:fld id="{11CA537A-1B8C-47BA-9BA6-7CE3FAFDA8BE}" type="datetime1">
               <a:rPr lang="ru-RU" smtClean="0"/>
-              <a:t>30.11.2023</a:t>
+              <a:t>28.11.2024</a:t>
             </a:fld>
             <a:endParaRPr lang="ru-RU"/>
           </a:p>
@@ -3680,7 +3688,15 @@
           <a:p>
             <a:r>
               <a:rPr lang="ru-RU" dirty="0" smtClean="0"/>
-              <a:t>МИФИ 2023</a:t>
+              <a:t>МИФИ </a:t>
+            </a:r>
+            <a:r>
+              <a:rPr lang="ru-RU" dirty="0" smtClean="0"/>
+              <a:t>202</a:t>
+            </a:r>
+            <a:r>
+              <a:rPr lang="en-US" smtClean="0"/>
+              <a:t>4</a:t>
             </a:r>
             <a:endParaRPr lang="ru-RU" dirty="0"/>
           </a:p>
@@ -6629,7 +6645,7 @@
         <p:spPr>
           <a:xfrm>
             <a:off x="838200" y="2609534"/>
-            <a:ext cx="10515600" cy="2145042"/>
+            <a:ext cx="10515600" cy="2519376"/>
           </a:xfrm>
           <a:prstGeom prst="roundRect">
             <a:avLst/>
@@ -6713,7 +6729,12 @@
                 <p:ph idx="1"/>
               </p:nvPr>
             </p:nvSpPr>
-            <p:spPr/>
+            <p:spPr>
+              <a:xfrm>
+                <a:off x="930030" y="1825625"/>
+                <a:ext cx="10423769" cy="4351338"/>
+              </a:xfrm>
+            </p:spPr>
             <p:txBody>
               <a:bodyPr/>
               <a:lstStyle/>
@@ -6963,7 +6984,39 @@
                 </a:r>
                 <a:r>
                   <a:rPr lang="ru-RU" dirty="0" smtClean="0"/>
-                  <a:t> ограниченная. Пусть </a:t>
+                  <a:t> ограниченная, </a:t>
+                </a:r>
+                <a14:m>
+                  <m:oMath xmlns:m="http://schemas.openxmlformats.org/officeDocument/2006/math">
+                    <m:r>
+                      <a:rPr lang="en-US" b="0" i="1" smtClean="0">
+                        <a:latin typeface="Cambria Math" panose="02040503050406030204" pitchFamily="18" charset="0"/>
+                      </a:rPr>
+                      <m:t>𝑄</m:t>
+                    </m:r>
+                  </m:oMath>
+                </a14:m>
+                <a:r>
+                  <a:rPr lang="ru-RU" dirty="0" smtClean="0"/>
+                  <a:t> – число запросов к </a:t>
+                </a:r>
+                <a14:m>
+                  <m:oMath xmlns:m="http://schemas.openxmlformats.org/officeDocument/2006/math">
+                    <m:r>
+                      <a:rPr lang="en-US" b="0" i="1" smtClean="0">
+                        <a:latin typeface="Cambria Math" panose="02040503050406030204" pitchFamily="18" charset="0"/>
+                      </a:rPr>
+                      <m:t>𝑃𝐹</m:t>
+                    </m:r>
+                  </m:oMath>
+                </a14:m>
+                <a:r>
+                  <a:rPr lang="en-US" dirty="0" smtClean="0"/>
+                  <a:t>.</a:t>
+                </a:r>
+                <a:r>
+                  <a:rPr lang="ru-RU" dirty="0" smtClean="0"/>
+                  <a:t> Пусть </a:t>
                 </a:r>
                 <a14:m>
                   <m:oMath xmlns:m="http://schemas.openxmlformats.org/officeDocument/2006/math">
@@ -7533,10 +7586,14 @@
               </p:nvPr>
             </p:nvSpPr>
             <p:spPr>
-              <a:blipFill>
+              <a:xfrm>
+                <a:off x="930030" y="1825625"/>
+                <a:ext cx="10423769" cy="4351338"/>
+              </a:xfrm>
+              <a:blipFill rotWithShape="0">
                 <a:blip r:embed="rId2"/>
                 <a:stretch>
-                  <a:fillRect l="-1043" t="-2101"/>
+                  <a:fillRect l="-1053" t="-2101"/>
                 </a:stretch>
               </a:blipFill>
             </p:spPr>
@@ -7594,7 +7651,7 @@
         </p:blipFill>
         <p:spPr>
           <a:xfrm>
-            <a:off x="3319152" y="4889513"/>
+            <a:off x="3311417" y="5128910"/>
             <a:ext cx="5569165" cy="1831962"/>
           </a:xfrm>
           <a:prstGeom prst="rect">
@@ -8812,7 +8869,7 @@
         <p:spPr>
           <a:xfrm>
             <a:off x="755073" y="1856252"/>
-            <a:ext cx="10515600" cy="2145042"/>
+            <a:ext cx="10515600" cy="2543810"/>
           </a:xfrm>
           <a:prstGeom prst="roundRect">
             <a:avLst/>
@@ -9041,7 +9098,39 @@
                 </a:r>
                 <a:r>
                   <a:rPr lang="ru-RU" dirty="0" smtClean="0"/>
-                  <a:t> ограниченная)</a:t>
+                  <a:t> ограниченная, число блоков</a:t>
+                </a:r>
+                <a:r>
+                  <a:rPr lang="en-US" dirty="0" smtClean="0"/>
+                  <a:t>, </a:t>
+                </a:r>
+                <a14:m>
+                  <m:oMath xmlns:m="http://schemas.openxmlformats.org/officeDocument/2006/math">
+                    <m:r>
+                      <a:rPr lang="en-US" b="0" i="1" smtClean="0">
+                        <a:latin typeface="Cambria Math" panose="02040503050406030204" pitchFamily="18" charset="0"/>
+                      </a:rPr>
+                      <m:t>𝑄</m:t>
+                    </m:r>
+                  </m:oMath>
+                </a14:m>
+                <a:r>
+                  <a:rPr lang="ru-RU" dirty="0" smtClean="0"/>
+                  <a:t> – число запросов противника к </a:t>
+                </a:r>
+                <a14:m>
+                  <m:oMath xmlns:m="http://schemas.openxmlformats.org/officeDocument/2006/math">
+                    <m:r>
+                      <a:rPr lang="en-US" b="0" i="1" smtClean="0">
+                        <a:latin typeface="Cambria Math" panose="02040503050406030204" pitchFamily="18" charset="0"/>
+                      </a:rPr>
+                      <m:t>𝐸𝐶𝐵𝐶</m:t>
+                    </m:r>
+                  </m:oMath>
+                </a14:m>
+                <a:r>
+                  <a:rPr lang="ru-RU" dirty="0" smtClean="0"/>
+                  <a:t>)</a:t>
                 </a:r>
                 <a:r>
                   <a:rPr lang="en-US" dirty="0" smtClean="0"/>
@@ -9597,7 +9686,7 @@
               </p:nvPr>
             </p:nvSpPr>
             <p:spPr>
-              <a:blipFill>
+              <a:blipFill rotWithShape="0">
                 <a:blip r:embed="rId2"/>
                 <a:stretch>
                   <a:fillRect l="-1043" t="-2101"/>
@@ -17467,7 +17556,7 @@
             <p:spPr>
               <a:xfrm>
                 <a:off x="838200" y="1031953"/>
-                <a:ext cx="10134599" cy="3978012"/>
+                <a:ext cx="10134599" cy="523220"/>
               </a:xfrm>
               <a:prstGeom prst="rect">
                 <a:avLst/>
@@ -17482,329 +17571,110 @@
               <a:p>
                 <a:r>
                   <a:rPr lang="ru-RU" sz="2800" dirty="0" smtClean="0"/>
-                  <a:t>1 –</a:t>
+                  <a:t>Игра на стойкость </a:t>
                 </a:r>
                 <a:r>
                   <a:rPr lang="en-US" sz="2800" dirty="0" smtClean="0"/>
+                  <a:t>MAC </a:t>
+                </a:r>
+                <a14:m>
+                  <m:oMath xmlns:m="http://schemas.openxmlformats.org/officeDocument/2006/math">
+                    <m:r>
+                      <a:rPr lang="en-US" sz="2800" b="0" i="1" smtClean="0">
+                        <a:latin typeface="Cambria Math" panose="02040503050406030204" pitchFamily="18" charset="0"/>
+                      </a:rPr>
+                      <m:t>𝐼</m:t>
+                    </m:r>
+                    <m:r>
+                      <a:rPr lang="en-US" sz="2800" b="0" i="1" smtClean="0">
+                        <a:latin typeface="Cambria Math" panose="02040503050406030204" pitchFamily="18" charset="0"/>
+                      </a:rPr>
+                      <m:t>=(</m:t>
+                    </m:r>
+                    <m:r>
+                      <a:rPr lang="en-US" sz="2800" b="0" i="1" smtClean="0">
+                        <a:latin typeface="Cambria Math" panose="02040503050406030204" pitchFamily="18" charset="0"/>
+                      </a:rPr>
+                      <m:t>𝑆</m:t>
+                    </m:r>
+                    <m:r>
+                      <a:rPr lang="en-US" sz="2800" b="0" i="1" smtClean="0">
+                        <a:latin typeface="Cambria Math" panose="02040503050406030204" pitchFamily="18" charset="0"/>
+                      </a:rPr>
+                      <m:t>,</m:t>
+                    </m:r>
+                    <m:r>
+                      <a:rPr lang="en-US" sz="2800" b="0" i="1" smtClean="0">
+                        <a:latin typeface="Cambria Math" panose="02040503050406030204" pitchFamily="18" charset="0"/>
+                      </a:rPr>
+                      <m:t>𝑉</m:t>
+                    </m:r>
+                    <m:r>
+                      <a:rPr lang="en-US" sz="2800" b="0" i="1" smtClean="0">
+                        <a:latin typeface="Cambria Math" panose="02040503050406030204" pitchFamily="18" charset="0"/>
+                      </a:rPr>
+                      <m:t>)</m:t>
+                    </m:r>
+                  </m:oMath>
+                </a14:m>
+                <a:r>
+                  <a:rPr lang="ru-RU" sz="2800" b="1" dirty="0" smtClean="0"/>
                   <a:t> </a:t>
                 </a:r>
                 <a:r>
                   <a:rPr lang="ru-RU" sz="2800" dirty="0" smtClean="0"/>
-                  <a:t>Стойкая </a:t>
-                </a:r>
-                <a:r>
-                  <a:rPr lang="en-US" sz="2800" dirty="0" smtClean="0"/>
-                  <a:t>PRF</a:t>
-                </a:r>
-                <a:r>
-                  <a:rPr lang="ru-RU" sz="2800" dirty="0" smtClean="0"/>
-                  <a:t> </a:t>
-                </a:r>
-                <a:r>
-                  <a:rPr lang="ru-RU" sz="2800" dirty="0"/>
-                  <a:t>со </a:t>
-                </a:r>
-                <a:r>
-                  <a:rPr lang="ru-RU" sz="2800" dirty="0" err="1"/>
-                  <a:t>сверх-полиномиальной</a:t>
-                </a:r>
-                <a:r>
-                  <a:rPr lang="ru-RU" sz="2800" dirty="0"/>
-                  <a:t> областью </a:t>
-                </a:r>
-                <a:r>
-                  <a:rPr lang="ru-RU" sz="2800" dirty="0" smtClean="0"/>
-                  <a:t>значений. </a:t>
-                </a:r>
-                <a:r>
-                  <a:rPr lang="ru-RU" sz="2800" b="1" dirty="0" smtClean="0"/>
-                  <a:t>Является ли она стойкой </a:t>
-                </a:r>
-                <a:r>
-                  <a:rPr lang="en-US" sz="2800" b="1" dirty="0" smtClean="0"/>
-                  <a:t>MAC</a:t>
-                </a:r>
+                  <a:t>на </a:t>
+                </a:r>
+                <a14:m>
+                  <m:oMath xmlns:m="http://schemas.openxmlformats.org/officeDocument/2006/math">
+                    <m:d>
+                      <m:dPr>
+                        <m:ctrlPr>
+                          <a:rPr lang="en-US" sz="2800" b="0" i="1" smtClean="0">
+                            <a:latin typeface="Cambria Math" panose="02040503050406030204" pitchFamily="18" charset="0"/>
+                          </a:rPr>
+                        </m:ctrlPr>
+                      </m:dPr>
+                      <m:e>
+                        <m:r>
+                          <a:rPr lang="en-US" sz="2800" b="0" i="1" smtClean="0">
+                            <a:latin typeface="Cambria Math" panose="02040503050406030204" pitchFamily="18" charset="0"/>
+                          </a:rPr>
+                          <m:t>𝐾</m:t>
+                        </m:r>
+                        <m:r>
+                          <a:rPr lang="en-US" sz="2800" b="0" i="1" smtClean="0">
+                            <a:latin typeface="Cambria Math" panose="02040503050406030204" pitchFamily="18" charset="0"/>
+                          </a:rPr>
+                          <m:t>,</m:t>
+                        </m:r>
+                        <m:r>
+                          <a:rPr lang="en-US" sz="2800" b="0" i="1" smtClean="0">
+                            <a:latin typeface="Cambria Math" panose="02040503050406030204" pitchFamily="18" charset="0"/>
+                          </a:rPr>
+                          <m:t>𝑀</m:t>
+                        </m:r>
+                        <m:r>
+                          <a:rPr lang="en-US" sz="2800" b="0" i="1" smtClean="0">
+                            <a:latin typeface="Cambria Math" panose="02040503050406030204" pitchFamily="18" charset="0"/>
+                          </a:rPr>
+                          <m:t>,</m:t>
+                        </m:r>
+                        <m:r>
+                          <a:rPr lang="en-US" sz="2800" b="0" i="1" smtClean="0">
+                            <a:latin typeface="Cambria Math" panose="02040503050406030204" pitchFamily="18" charset="0"/>
+                          </a:rPr>
+                          <m:t>𝑇</m:t>
+                        </m:r>
+                      </m:e>
+                    </m:d>
+                  </m:oMath>
+                </a14:m>
                 <a:r>
                   <a:rPr lang="en-US" sz="2800" dirty="0" smtClean="0"/>
                   <a:t>.</a:t>
                 </a:r>
-              </a:p>
-              <a:p>
-                <a:r>
-                  <a:rPr lang="en-US" sz="2800" dirty="0" smtClean="0"/>
-                  <a:t>2 – </a:t>
-                </a:r>
-                <a:r>
-                  <a:rPr lang="ru-RU" sz="2800" dirty="0"/>
-                  <a:t>Стойкий блочный шифр со </a:t>
-                </a:r>
-                <a:r>
-                  <a:rPr lang="ru-RU" sz="2800" dirty="0" err="1"/>
-                  <a:t>сверх-полиномиальной</a:t>
-                </a:r>
-                <a:r>
-                  <a:rPr lang="ru-RU" sz="2800" dirty="0"/>
-                  <a:t> областью значений. </a:t>
-                </a:r>
-                <a:r>
-                  <a:rPr lang="ru-RU" sz="2800" b="1" dirty="0"/>
-                  <a:t>Является ли он стойким </a:t>
-                </a:r>
-                <a:r>
-                  <a:rPr lang="en-US" sz="2800" b="1" dirty="0"/>
-                  <a:t>MAC</a:t>
-                </a:r>
-                <a:r>
-                  <a:rPr lang="en-US" sz="2800" dirty="0" smtClean="0"/>
-                  <a:t>?</a:t>
-                </a:r>
-              </a:p>
-              <a:p>
-                <a:r>
-                  <a:rPr lang="ru-RU" sz="2800" dirty="0" smtClean="0"/>
-                  <a:t>3 – Связь преимущества противника в игре против </a:t>
-                </a:r>
-                <a:r>
-                  <a:rPr lang="en-US" sz="2800" dirty="0" smtClean="0"/>
-                  <a:t>MAC </a:t>
-                </a:r>
-                <a:r>
-                  <a:rPr lang="ru-RU" sz="2800" b="1" dirty="0" smtClean="0"/>
-                  <a:t>с и без запросов на проверку </a:t>
-                </a:r>
-                <a:r>
-                  <a:rPr lang="en-US" sz="2800" b="1" dirty="0" smtClean="0"/>
-                  <a:t>MAC</a:t>
-                </a:r>
-                <a:r>
-                  <a:rPr lang="ru-RU" sz="2800" dirty="0" smtClean="0"/>
-                  <a:t>.</a:t>
-                </a:r>
-                <a:endParaRPr lang="en-US" sz="2800" dirty="0" smtClean="0"/>
-              </a:p>
-              <a:p>
-                <a:r>
-                  <a:rPr lang="ru-RU" sz="2800" dirty="0" smtClean="0"/>
-                  <a:t>4 – </a:t>
-                </a:r>
-                <a14:m>
-                  <m:oMath xmlns:m="http://schemas.openxmlformats.org/officeDocument/2006/math">
-                    <m:r>
-                      <a:rPr lang="en-US" sz="2800" i="1">
-                        <a:latin typeface="Cambria Math" panose="02040503050406030204" pitchFamily="18" charset="0"/>
-                      </a:rPr>
-                      <m:t>𝐸</m:t>
-                    </m:r>
-                    <m:r>
-                      <a:rPr lang="en-US" sz="2800" i="1">
-                        <a:latin typeface="Cambria Math" panose="02040503050406030204" pitchFamily="18" charset="0"/>
-                      </a:rPr>
-                      <m:t>:</m:t>
-                    </m:r>
-                    <m:r>
-                      <a:rPr lang="en-US" sz="2800" i="1">
-                        <a:latin typeface="Cambria Math" panose="02040503050406030204" pitchFamily="18" charset="0"/>
-                      </a:rPr>
-                      <m:t>𝐾</m:t>
-                    </m:r>
-                    <m:r>
-                      <a:rPr lang="en-US" sz="2800" i="1">
-                        <a:latin typeface="Cambria Math" panose="02040503050406030204" pitchFamily="18" charset="0"/>
-                      </a:rPr>
-                      <m:t>×</m:t>
-                    </m:r>
-                    <m:r>
-                      <a:rPr lang="en-US" sz="2800" i="1">
-                        <a:latin typeface="Cambria Math" panose="02040503050406030204" pitchFamily="18" charset="0"/>
-                      </a:rPr>
-                      <m:t>𝑋</m:t>
-                    </m:r>
-                    <m:r>
-                      <a:rPr lang="en-US" sz="2800" i="1">
-                        <a:latin typeface="Cambria Math" panose="02040503050406030204" pitchFamily="18" charset="0"/>
-                      </a:rPr>
-                      <m:t>→</m:t>
-                    </m:r>
-                    <m:r>
-                      <a:rPr lang="en-US" sz="2800" i="1">
-                        <a:latin typeface="Cambria Math" panose="02040503050406030204" pitchFamily="18" charset="0"/>
-                      </a:rPr>
-                      <m:t>𝑋</m:t>
-                    </m:r>
-                  </m:oMath>
-                </a14:m>
-                <a:r>
-                  <a:rPr lang="ru-RU" sz="2800" dirty="0"/>
-                  <a:t> – стойкая </a:t>
-                </a:r>
-                <a:r>
-                  <a:rPr lang="en-US" sz="2800" dirty="0"/>
-                  <a:t>PRP</a:t>
-                </a:r>
-                <a:r>
-                  <a:rPr lang="ru-RU" sz="2800" dirty="0"/>
-                  <a:t>. Пусть </a:t>
-                </a:r>
-                <a14:m>
-                  <m:oMath xmlns:m="http://schemas.openxmlformats.org/officeDocument/2006/math">
-                    <m:sSup>
-                      <m:sSupPr>
-                        <m:ctrlPr>
-                          <a:rPr lang="en-US" sz="2800" i="1">
-                            <a:latin typeface="Cambria Math" panose="02040503050406030204" pitchFamily="18" charset="0"/>
-                          </a:rPr>
-                        </m:ctrlPr>
-                      </m:sSupPr>
-                      <m:e>
-                        <m:r>
-                          <a:rPr lang="en-US" sz="2800" i="1">
-                            <a:latin typeface="Cambria Math" panose="02040503050406030204" pitchFamily="18" charset="0"/>
-                          </a:rPr>
-                          <m:t>𝐸</m:t>
-                        </m:r>
-                      </m:e>
-                      <m:sup>
-                        <m:r>
-                          <a:rPr lang="en-US" sz="2800" i="1">
-                            <a:latin typeface="Cambria Math" panose="02040503050406030204" pitchFamily="18" charset="0"/>
-                          </a:rPr>
-                          <m:t>′</m:t>
-                        </m:r>
-                      </m:sup>
-                    </m:sSup>
-                    <m:r>
-                      <a:rPr lang="en-US" sz="2800" i="1">
-                        <a:latin typeface="Cambria Math" panose="02040503050406030204" pitchFamily="18" charset="0"/>
-                      </a:rPr>
-                      <m:t>:</m:t>
-                    </m:r>
-                    <m:r>
-                      <a:rPr lang="en-US" sz="2800" i="1">
-                        <a:latin typeface="Cambria Math" panose="02040503050406030204" pitchFamily="18" charset="0"/>
-                      </a:rPr>
-                      <m:t>𝐾</m:t>
-                    </m:r>
-                    <m:r>
-                      <a:rPr lang="en-US" sz="2800" i="1">
-                        <a:latin typeface="Cambria Math" panose="02040503050406030204" pitchFamily="18" charset="0"/>
-                      </a:rPr>
-                      <m:t>×</m:t>
-                    </m:r>
-                    <m:sSup>
-                      <m:sSupPr>
-                        <m:ctrlPr>
-                          <a:rPr lang="en-US" sz="2800" i="1">
-                            <a:latin typeface="Cambria Math" panose="02040503050406030204" pitchFamily="18" charset="0"/>
-                          </a:rPr>
-                        </m:ctrlPr>
-                      </m:sSupPr>
-                      <m:e>
-                        <m:r>
-                          <a:rPr lang="en-US" sz="2800" i="1">
-                            <a:latin typeface="Cambria Math" panose="02040503050406030204" pitchFamily="18" charset="0"/>
-                          </a:rPr>
-                          <m:t>𝑋</m:t>
-                        </m:r>
-                      </m:e>
-                      <m:sup>
-                        <m:r>
-                          <a:rPr lang="en-US" sz="2800" i="1">
-                            <a:latin typeface="Cambria Math" panose="02040503050406030204" pitchFamily="18" charset="0"/>
-                          </a:rPr>
-                          <m:t>≤</m:t>
-                        </m:r>
-                        <m:r>
-                          <a:rPr lang="en-US" sz="2800" i="1">
-                            <a:latin typeface="Cambria Math" panose="02040503050406030204" pitchFamily="18" charset="0"/>
-                          </a:rPr>
-                          <m:t>𝑙</m:t>
-                        </m:r>
-                      </m:sup>
-                    </m:sSup>
-                    <m:r>
-                      <a:rPr lang="en-US" sz="2800" i="1">
-                        <a:latin typeface="Cambria Math" panose="02040503050406030204" pitchFamily="18" charset="0"/>
-                      </a:rPr>
-                      <m:t>→</m:t>
-                    </m:r>
-                    <m:r>
-                      <a:rPr lang="en-US" sz="2800" i="1">
-                        <a:latin typeface="Cambria Math" panose="02040503050406030204" pitchFamily="18" charset="0"/>
-                      </a:rPr>
-                      <m:t>𝑋</m:t>
-                    </m:r>
-                  </m:oMath>
-                </a14:m>
-                <a:r>
-                  <a:rPr lang="ru-RU" sz="2800" dirty="0"/>
-                  <a:t> – цепочка </a:t>
-                </a:r>
-                <a:r>
-                  <a:rPr lang="en-US" sz="2800" dirty="0"/>
-                  <a:t>CBC</a:t>
-                </a:r>
-                <a:r>
-                  <a:rPr lang="ru-RU" sz="2800" dirty="0"/>
-                  <a:t> с использованием </a:t>
-                </a:r>
-                <a14:m>
-                  <m:oMath xmlns:m="http://schemas.openxmlformats.org/officeDocument/2006/math">
-                    <m:r>
-                      <a:rPr lang="en-US" sz="2800" i="1">
-                        <a:latin typeface="Cambria Math" panose="02040503050406030204" pitchFamily="18" charset="0"/>
-                      </a:rPr>
-                      <m:t>𝐸</m:t>
-                    </m:r>
-                  </m:oMath>
-                </a14:m>
-                <a:r>
-                  <a:rPr lang="ru-RU" sz="2800" dirty="0" smtClean="0"/>
-                  <a:t> (результат – последний блок). </a:t>
-                </a:r>
-                <a:r>
-                  <a:rPr lang="ru-RU" sz="2800" dirty="0"/>
-                  <a:t>Является ли </a:t>
-                </a:r>
-                <a14:m>
-                  <m:oMath xmlns:m="http://schemas.openxmlformats.org/officeDocument/2006/math">
-                    <m:r>
-                      <a:rPr lang="en-US" sz="2800" i="1">
-                        <a:latin typeface="Cambria Math" panose="02040503050406030204" pitchFamily="18" charset="0"/>
-                      </a:rPr>
-                      <m:t>𝐸</m:t>
-                    </m:r>
-                    <m:r>
-                      <a:rPr lang="en-US" sz="2800" i="1">
-                        <a:latin typeface="Cambria Math" panose="02040503050406030204" pitchFamily="18" charset="0"/>
-                      </a:rPr>
-                      <m:t>′</m:t>
-                    </m:r>
-                  </m:oMath>
-                </a14:m>
-                <a:r>
-                  <a:rPr lang="ru-RU" sz="2800" dirty="0"/>
-                  <a:t> стойким </a:t>
-                </a:r>
-                <a:r>
-                  <a:rPr lang="en-US" sz="2800" dirty="0"/>
-                  <a:t>MAC</a:t>
-                </a:r>
-                <a:r>
-                  <a:rPr lang="ru-RU" sz="2800" dirty="0"/>
-                  <a:t> для произвольных сообщений</a:t>
-                </a:r>
-                <a:r>
-                  <a:rPr lang="en-US" sz="2800" dirty="0"/>
-                  <a:t>?</a:t>
-                </a:r>
-                <a:r>
-                  <a:rPr lang="ru-RU" sz="2800" dirty="0"/>
-                  <a:t> </a:t>
-                </a:r>
-                <a:r>
-                  <a:rPr lang="ru-RU" sz="2800" b="1" dirty="0"/>
-                  <a:t>Почему?</a:t>
-                </a:r>
+                <a:endParaRPr lang="ru-RU" sz="2800" dirty="0"/>
               </a:p>
             </p:txBody>
           </p:sp>
@@ -17821,7 +17691,7 @@
             <p:spPr>
               <a:xfrm>
                 <a:off x="838200" y="1031953"/>
-                <a:ext cx="10134599" cy="3978012"/>
+                <a:ext cx="10134599" cy="523220"/>
               </a:xfrm>
               <a:prstGeom prst="rect">
                 <a:avLst/>
@@ -17829,7 +17699,984 @@
               <a:blipFill rotWithShape="0">
                 <a:blip r:embed="rId2"/>
                 <a:stretch>
-                  <a:fillRect l="-1264" t="-1378" r="-241" b="-3369"/>
+                  <a:fillRect l="-1264" t="-10465" b="-32558"/>
+                </a:stretch>
+              </a:blipFill>
+            </p:spPr>
+            <p:txBody>
+              <a:bodyPr/>
+              <a:lstStyle/>
+              <a:p>
+                <a:r>
+                  <a:rPr lang="ru-RU">
+                    <a:noFill/>
+                  </a:rPr>
+                  <a:t> </a:t>
+                </a:r>
+              </a:p>
+            </p:txBody>
+          </p:sp>
+        </mc:Fallback>
+      </mc:AlternateContent>
+      <p:sp>
+        <p:nvSpPr>
+          <p:cNvPr id="22" name="Rectangle 4"/>
+          <p:cNvSpPr>
+            <a:spLocks noChangeArrowheads="1"/>
+          </p:cNvSpPr>
+          <p:nvPr/>
+        </p:nvSpPr>
+        <p:spPr bwMode="auto">
+          <a:xfrm>
+            <a:off x="2149293" y="2827955"/>
+            <a:ext cx="1295400" cy="1454847"/>
+          </a:xfrm>
+          <a:prstGeom prst="rect">
+            <a:avLst/>
+          </a:prstGeom>
+          <a:solidFill>
+            <a:schemeClr val="accent1"/>
+          </a:solidFill>
+          <a:ln w="9525">
+            <a:solidFill>
+              <a:schemeClr val="tx1"/>
+            </a:solidFill>
+            <a:miter lim="800000"/>
+            <a:headEnd/>
+            <a:tailEnd/>
+          </a:ln>
+          <a:effectLst/>
+        </p:spPr>
+        <p:txBody>
+          <a:bodyPr wrap="none"/>
+          <a:lstStyle/>
+          <a:p>
+            <a:pPr algn="ctr"/>
+            <a:r>
+              <a:rPr lang="en-US"/>
+              <a:t>Chal.</a:t>
+            </a:r>
+          </a:p>
+        </p:txBody>
+      </p:sp>
+      <mc:AlternateContent xmlns:mc="http://schemas.openxmlformats.org/markup-compatibility/2006" xmlns:a14="http://schemas.microsoft.com/office/drawing/2010/main">
+        <mc:Choice Requires="a14">
+          <p:sp>
+            <p:nvSpPr>
+              <p:cNvPr id="23" name="Rectangle 7"/>
+              <p:cNvSpPr>
+                <a:spLocks noChangeArrowheads="1"/>
+              </p:cNvSpPr>
+              <p:nvPr/>
+            </p:nvSpPr>
+            <p:spPr bwMode="auto">
+              <a:xfrm>
+                <a:off x="7330893" y="2827955"/>
+                <a:ext cx="1295400" cy="1454847"/>
+              </a:xfrm>
+              <a:prstGeom prst="rect">
+                <a:avLst/>
+              </a:prstGeom>
+              <a:solidFill>
+                <a:schemeClr val="accent1"/>
+              </a:solidFill>
+              <a:ln w="9525">
+                <a:solidFill>
+                  <a:schemeClr val="tx1"/>
+                </a:solidFill>
+                <a:miter lim="800000"/>
+                <a:headEnd/>
+                <a:tailEnd/>
+              </a:ln>
+              <a:effectLst/>
+            </p:spPr>
+            <p:txBody>
+              <a:bodyPr wrap="none"/>
+              <a:lstStyle/>
+              <a:p>
+                <a:pPr algn="ctr"/>
+                <a:r>
+                  <a:rPr lang="en-US" dirty="0"/>
+                  <a:t>Adv. </a:t>
+                </a:r>
+                <a14:m>
+                  <m:oMath xmlns:m="http://schemas.openxmlformats.org/officeDocument/2006/math">
+                    <m:r>
+                      <a:rPr lang="en-US" i="1" dirty="0" smtClean="0">
+                        <a:latin typeface="Cambria Math" panose="02040503050406030204" pitchFamily="18" charset="0"/>
+                      </a:rPr>
+                      <m:t>𝐴</m:t>
+                    </m:r>
+                  </m:oMath>
+                </a14:m>
+                <a:endParaRPr lang="en-US" dirty="0"/>
+              </a:p>
+            </p:txBody>
+          </p:sp>
+        </mc:Choice>
+        <mc:Fallback xmlns="">
+          <p:sp>
+            <p:nvSpPr>
+              <p:cNvPr id="23" name="Rectangle 7"/>
+              <p:cNvSpPr>
+                <a:spLocks noRot="1" noChangeAspect="1" noMove="1" noResize="1" noEditPoints="1" noAdjustHandles="1" noChangeArrowheads="1" noChangeShapeType="1" noTextEdit="1"/>
+              </p:cNvSpPr>
+              <p:nvPr/>
+            </p:nvSpPr>
+            <p:spPr bwMode="auto">
+              <a:xfrm>
+                <a:off x="7330893" y="2827955"/>
+                <a:ext cx="1295400" cy="1454847"/>
+              </a:xfrm>
+              <a:prstGeom prst="rect">
+                <a:avLst/>
+              </a:prstGeom>
+              <a:blipFill rotWithShape="0">
+                <a:blip r:embed="rId3"/>
+                <a:stretch>
+                  <a:fillRect t="-2075"/>
+                </a:stretch>
+              </a:blipFill>
+              <a:ln w="9525">
+                <a:solidFill>
+                  <a:schemeClr val="tx1"/>
+                </a:solidFill>
+                <a:miter lim="800000"/>
+                <a:headEnd/>
+                <a:tailEnd/>
+              </a:ln>
+              <a:effectLst/>
+            </p:spPr>
+            <p:txBody>
+              <a:bodyPr/>
+              <a:lstStyle/>
+              <a:p>
+                <a:r>
+                  <a:rPr lang="ru-RU">
+                    <a:noFill/>
+                  </a:rPr>
+                  <a:t> </a:t>
+                </a:r>
+              </a:p>
+            </p:txBody>
+          </p:sp>
+        </mc:Fallback>
+      </mc:AlternateContent>
+      <p:grpSp>
+        <p:nvGrpSpPr>
+          <p:cNvPr id="24" name="Group 21"/>
+          <p:cNvGrpSpPr>
+            <a:grpSpLocks/>
+          </p:cNvGrpSpPr>
+          <p:nvPr/>
+        </p:nvGrpSpPr>
+        <p:grpSpPr bwMode="auto">
+          <a:xfrm>
+            <a:off x="3501843" y="3048880"/>
+            <a:ext cx="3771900" cy="400050"/>
+            <a:chOff x="1776" y="1798"/>
+            <a:chExt cx="2400" cy="336"/>
+          </a:xfrm>
+        </p:grpSpPr>
+        <p:sp>
+          <p:nvSpPr>
+            <p:cNvPr id="25" name="Line 10"/>
+            <p:cNvSpPr>
+              <a:spLocks noChangeShapeType="1"/>
+            </p:cNvSpPr>
+            <p:nvPr/>
+          </p:nvSpPr>
+          <p:spPr bwMode="auto">
+            <a:xfrm flipH="1">
+              <a:off x="1776" y="2122"/>
+              <a:ext cx="2400" cy="0"/>
+            </a:xfrm>
+            <a:prstGeom prst="line">
+              <a:avLst/>
+            </a:prstGeom>
+            <a:noFill/>
+            <a:ln w="38100" cmpd="sng">
+              <a:solidFill>
+                <a:schemeClr val="tx1"/>
+              </a:solidFill>
+              <a:round/>
+              <a:headEnd/>
+              <a:tailEnd type="triangle" w="med" len="med"/>
+            </a:ln>
+            <a:effectLst/>
+          </p:spPr>
+          <p:txBody>
+            <a:bodyPr/>
+            <a:lstStyle/>
+            <a:p>
+              <a:endParaRPr lang="en-US"/>
+            </a:p>
+          </p:txBody>
+        </p:sp>
+        <mc:AlternateContent xmlns:mc="http://schemas.openxmlformats.org/markup-compatibility/2006" xmlns:a14="http://schemas.microsoft.com/office/drawing/2010/main">
+          <mc:Choice Requires="a14">
+            <p:sp>
+              <p:nvSpPr>
+                <p:cNvPr id="26" name="Text Box 11"/>
+                <p:cNvSpPr txBox="1">
+                  <a:spLocks noChangeArrowheads="1"/>
+                </p:cNvSpPr>
+                <p:nvPr/>
+              </p:nvSpPr>
+              <p:spPr bwMode="auto">
+                <a:xfrm>
+                  <a:off x="2615" y="1798"/>
+                  <a:ext cx="630" cy="336"/>
+                </a:xfrm>
+                <a:prstGeom prst="rect">
+                  <a:avLst/>
+                </a:prstGeom>
+                <a:noFill/>
+                <a:ln w="9525">
+                  <a:noFill/>
+                  <a:miter lim="800000"/>
+                  <a:headEnd/>
+                  <a:tailEnd/>
+                </a:ln>
+                <a:effectLst/>
+              </p:spPr>
+              <p:txBody>
+                <a:bodyPr wrap="none">
+                  <a:spAutoFit/>
+                </a:bodyPr>
+                <a:lstStyle/>
+                <a:p>
+                  <a:pPr/>
+                  <a14:m>
+                    <m:oMathPara xmlns:m="http://schemas.openxmlformats.org/officeDocument/2006/math">
+                      <m:oMathParaPr>
+                        <m:jc m:val="centerGroup"/>
+                      </m:oMathParaPr>
+                      <m:oMath xmlns:m="http://schemas.openxmlformats.org/officeDocument/2006/math">
+                        <m:r>
+                          <a:rPr lang="en-US" sz="2000" b="0" i="1" smtClean="0">
+                            <a:latin typeface="Cambria Math" panose="02040503050406030204" pitchFamily="18" charset="0"/>
+                            <a:sym typeface="Symbol" pitchFamily="18" charset="2"/>
+                          </a:rPr>
+                          <m:t>1−???</m:t>
+                        </m:r>
+                      </m:oMath>
+                    </m:oMathPara>
+                  </a14:m>
+                  <a:endParaRPr lang="en-US" sz="2000" dirty="0">
+                    <a:sym typeface="Symbol" pitchFamily="18" charset="2"/>
+                  </a:endParaRPr>
+                </a:p>
+              </p:txBody>
+            </p:sp>
+          </mc:Choice>
+          <mc:Fallback xmlns="">
+            <p:sp>
+              <p:nvSpPr>
+                <p:cNvPr id="26" name="Text Box 11"/>
+                <p:cNvSpPr txBox="1">
+                  <a:spLocks noRot="1" noChangeAspect="1" noMove="1" noResize="1" noEditPoints="1" noAdjustHandles="1" noChangeArrowheads="1" noChangeShapeType="1" noTextEdit="1"/>
+                </p:cNvSpPr>
+                <p:nvPr/>
+              </p:nvSpPr>
+              <p:spPr bwMode="auto">
+                <a:xfrm>
+                  <a:off x="2615" y="1798"/>
+                  <a:ext cx="630" cy="336"/>
+                </a:xfrm>
+                <a:prstGeom prst="rect">
+                  <a:avLst/>
+                </a:prstGeom>
+                <a:blipFill rotWithShape="0">
+                  <a:blip r:embed="rId4"/>
+                  <a:stretch>
+                    <a:fillRect/>
+                  </a:stretch>
+                </a:blipFill>
+                <a:ln w="9525">
+                  <a:noFill/>
+                  <a:miter lim="800000"/>
+                  <a:headEnd/>
+                  <a:tailEnd/>
+                </a:ln>
+                <a:effectLst/>
+              </p:spPr>
+              <p:txBody>
+                <a:bodyPr/>
+                <a:lstStyle/>
+                <a:p>
+                  <a:r>
+                    <a:rPr lang="ru-RU">
+                      <a:noFill/>
+                    </a:rPr>
+                    <a:t> </a:t>
+                  </a:r>
+                </a:p>
+              </p:txBody>
+            </p:sp>
+          </mc:Fallback>
+        </mc:AlternateContent>
+      </p:grpSp>
+      <p:grpSp>
+        <p:nvGrpSpPr>
+          <p:cNvPr id="27" name="Group 20"/>
+          <p:cNvGrpSpPr>
+            <a:grpSpLocks/>
+          </p:cNvGrpSpPr>
+          <p:nvPr/>
+        </p:nvGrpSpPr>
+        <p:grpSpPr bwMode="auto">
+          <a:xfrm>
+            <a:off x="3539943" y="3567851"/>
+            <a:ext cx="3733800" cy="400051"/>
+            <a:chOff x="1776" y="2109"/>
+            <a:chExt cx="2352" cy="336"/>
+          </a:xfrm>
+        </p:grpSpPr>
+        <p:sp>
+          <p:nvSpPr>
+            <p:cNvPr id="28" name="Line 13"/>
+            <p:cNvSpPr>
+              <a:spLocks noChangeShapeType="1"/>
+            </p:cNvSpPr>
+            <p:nvPr/>
+          </p:nvSpPr>
+          <p:spPr bwMode="auto">
+            <a:xfrm>
+              <a:off x="1776" y="2410"/>
+              <a:ext cx="2352" cy="0"/>
+            </a:xfrm>
+            <a:prstGeom prst="line">
+              <a:avLst/>
+            </a:prstGeom>
+            <a:noFill/>
+            <a:ln w="38100" cmpd="sng">
+              <a:solidFill>
+                <a:schemeClr val="tx1"/>
+              </a:solidFill>
+              <a:round/>
+              <a:headEnd/>
+              <a:tailEnd type="triangle" w="med" len="med"/>
+            </a:ln>
+            <a:effectLst/>
+          </p:spPr>
+          <p:txBody>
+            <a:bodyPr/>
+            <a:lstStyle/>
+            <a:p>
+              <a:endParaRPr lang="en-US"/>
+            </a:p>
+          </p:txBody>
+        </p:sp>
+        <mc:AlternateContent xmlns:mc="http://schemas.openxmlformats.org/markup-compatibility/2006" xmlns:a14="http://schemas.microsoft.com/office/drawing/2010/main">
+          <mc:Choice Requires="a14">
+            <p:sp>
+              <p:nvSpPr>
+                <p:cNvPr id="29" name="Text Box 14"/>
+                <p:cNvSpPr txBox="1">
+                  <a:spLocks noChangeArrowheads="1"/>
+                </p:cNvSpPr>
+                <p:nvPr/>
+              </p:nvSpPr>
+              <p:spPr bwMode="auto">
+                <a:xfrm>
+                  <a:off x="2583" y="2109"/>
+                  <a:ext cx="624" cy="336"/>
+                </a:xfrm>
+                <a:prstGeom prst="rect">
+                  <a:avLst/>
+                </a:prstGeom>
+                <a:noFill/>
+                <a:ln w="9525">
+                  <a:noFill/>
+                  <a:miter lim="800000"/>
+                  <a:headEnd/>
+                  <a:tailEnd/>
+                </a:ln>
+                <a:effectLst/>
+              </p:spPr>
+              <p:txBody>
+                <a:bodyPr wrap="none">
+                  <a:spAutoFit/>
+                </a:bodyPr>
+                <a:lstStyle/>
+                <a:p>
+                  <a:pPr/>
+                  <a14:m>
+                    <m:oMathPara xmlns:m="http://schemas.openxmlformats.org/officeDocument/2006/math">
+                      <m:oMathParaPr>
+                        <m:jc m:val="centerGroup"/>
+                      </m:oMathParaPr>
+                      <m:oMath xmlns:m="http://schemas.openxmlformats.org/officeDocument/2006/math">
+                        <m:r>
+                          <a:rPr lang="en-US" sz="2000" b="0" i="1" dirty="0" smtClean="0">
+                            <a:latin typeface="Cambria Math" panose="02040503050406030204" pitchFamily="18" charset="0"/>
+                          </a:rPr>
+                          <m:t>2−???</m:t>
+                        </m:r>
+                      </m:oMath>
+                    </m:oMathPara>
+                  </a14:m>
+                  <a:endParaRPr lang="en-US" sz="2000" dirty="0"/>
+                </a:p>
+              </p:txBody>
+            </p:sp>
+          </mc:Choice>
+          <mc:Fallback xmlns="">
+            <p:sp>
+              <p:nvSpPr>
+                <p:cNvPr id="29" name="Text Box 14"/>
+                <p:cNvSpPr txBox="1">
+                  <a:spLocks noRot="1" noChangeAspect="1" noMove="1" noResize="1" noEditPoints="1" noAdjustHandles="1" noChangeArrowheads="1" noChangeShapeType="1" noTextEdit="1"/>
+                </p:cNvSpPr>
+                <p:nvPr/>
+              </p:nvSpPr>
+              <p:spPr bwMode="auto">
+                <a:xfrm>
+                  <a:off x="2583" y="2109"/>
+                  <a:ext cx="624" cy="336"/>
+                </a:xfrm>
+                <a:prstGeom prst="rect">
+                  <a:avLst/>
+                </a:prstGeom>
+                <a:blipFill rotWithShape="0">
+                  <a:blip r:embed="rId5"/>
+                  <a:stretch>
+                    <a:fillRect/>
+                  </a:stretch>
+                </a:blipFill>
+                <a:ln w="9525">
+                  <a:noFill/>
+                  <a:miter lim="800000"/>
+                  <a:headEnd/>
+                  <a:tailEnd/>
+                </a:ln>
+                <a:effectLst/>
+              </p:spPr>
+              <p:txBody>
+                <a:bodyPr/>
+                <a:lstStyle/>
+                <a:p>
+                  <a:r>
+                    <a:rPr lang="ru-RU">
+                      <a:noFill/>
+                    </a:rPr>
+                    <a:t> </a:t>
+                  </a:r>
+                </a:p>
+              </p:txBody>
+            </p:sp>
+          </mc:Fallback>
+        </mc:AlternateContent>
+      </p:grpSp>
+      <p:sp>
+        <p:nvSpPr>
+          <p:cNvPr id="30" name="Rectangle 18"/>
+          <p:cNvSpPr>
+            <a:spLocks noChangeArrowheads="1"/>
+          </p:cNvSpPr>
+          <p:nvPr/>
+        </p:nvSpPr>
+        <p:spPr bwMode="auto">
+          <a:xfrm>
+            <a:off x="1509533" y="2534079"/>
+            <a:ext cx="7924800" cy="1920172"/>
+          </a:xfrm>
+          <a:prstGeom prst="rect">
+            <a:avLst/>
+          </a:prstGeom>
+          <a:noFill/>
+          <a:ln w="38100">
+            <a:solidFill>
+              <a:schemeClr val="folHlink"/>
+            </a:solidFill>
+            <a:miter lim="800000"/>
+            <a:headEnd/>
+            <a:tailEnd/>
+          </a:ln>
+          <a:effectLst/>
+        </p:spPr>
+        <p:txBody>
+          <a:bodyPr wrap="none" anchor="ctr"/>
+          <a:lstStyle/>
+          <a:p>
+            <a:endParaRPr lang="en-US"/>
+          </a:p>
+        </p:txBody>
+      </p:sp>
+      <p:sp>
+        <p:nvSpPr>
+          <p:cNvPr id="31" name="TextBox 30"/>
+          <p:cNvSpPr txBox="1"/>
+          <p:nvPr/>
+        </p:nvSpPr>
+        <p:spPr>
+          <a:xfrm>
+            <a:off x="5108234" y="3756241"/>
+            <a:ext cx="415498" cy="492443"/>
+          </a:xfrm>
+          <a:prstGeom prst="rect">
+            <a:avLst/>
+          </a:prstGeom>
+          <a:noFill/>
+        </p:spPr>
+        <p:txBody>
+          <a:bodyPr wrap="none" rtlCol="0">
+            <a:spAutoFit/>
+          </a:bodyPr>
+          <a:lstStyle/>
+          <a:p>
+            <a:r>
+              <a:rPr lang="en-US" sz="2600" dirty="0" smtClean="0"/>
+              <a:t>…</a:t>
+            </a:r>
+            <a:endParaRPr lang="ru-RU" sz="2600" dirty="0"/>
+          </a:p>
+        </p:txBody>
+      </p:sp>
+      <p:sp>
+        <p:nvSpPr>
+          <p:cNvPr id="32" name="Line 5"/>
+          <p:cNvSpPr>
+            <a:spLocks noChangeShapeType="1"/>
+          </p:cNvSpPr>
+          <p:nvPr/>
+        </p:nvSpPr>
+        <p:spPr bwMode="auto">
+          <a:xfrm>
+            <a:off x="9434333" y="3566003"/>
+            <a:ext cx="386096" cy="0"/>
+          </a:xfrm>
+          <a:prstGeom prst="line">
+            <a:avLst/>
+          </a:prstGeom>
+          <a:noFill/>
+          <a:ln w="9525">
+            <a:solidFill>
+              <a:schemeClr val="tx1"/>
+            </a:solidFill>
+            <a:round/>
+            <a:headEnd/>
+            <a:tailEnd type="triangle" w="med" len="med"/>
+          </a:ln>
+          <a:effectLst/>
+        </p:spPr>
+        <p:txBody>
+          <a:bodyPr/>
+          <a:lstStyle/>
+          <a:p>
+            <a:endParaRPr lang="en-US"/>
+          </a:p>
+        </p:txBody>
+      </p:sp>
+      <mc:AlternateContent xmlns:mc="http://schemas.openxmlformats.org/markup-compatibility/2006" xmlns:a14="http://schemas.microsoft.com/office/drawing/2010/main">
+        <mc:Choice Requires="a14">
+          <p:sp>
+            <p:nvSpPr>
+              <p:cNvPr id="33" name="Text Box 6"/>
+              <p:cNvSpPr txBox="1">
+                <a:spLocks noChangeArrowheads="1"/>
+              </p:cNvSpPr>
+              <p:nvPr/>
+            </p:nvSpPr>
+            <p:spPr bwMode="auto">
+              <a:xfrm>
+                <a:off x="9649690" y="3135671"/>
+                <a:ext cx="471365" cy="400110"/>
+              </a:xfrm>
+              <a:prstGeom prst="rect">
+                <a:avLst/>
+              </a:prstGeom>
+              <a:noFill/>
+              <a:ln w="9525">
+                <a:noFill/>
+                <a:miter lim="800000"/>
+                <a:headEnd/>
+                <a:tailEnd/>
+              </a:ln>
+              <a:effectLst/>
+            </p:spPr>
+            <p:txBody>
+              <a:bodyPr wrap="square">
+                <a:spAutoFit/>
+              </a:bodyPr>
+              <a:lstStyle/>
+              <a:p>
+                <a:pPr/>
+                <a14:m>
+                  <m:oMathPara xmlns:m="http://schemas.openxmlformats.org/officeDocument/2006/math">
+                    <m:oMathParaPr>
+                      <m:jc m:val="centerGroup"/>
+                    </m:oMathParaPr>
+                    <m:oMath xmlns:m="http://schemas.openxmlformats.org/officeDocument/2006/math">
+                      <m:r>
+                        <a:rPr lang="en-US" sz="2000" i="1">
+                          <a:latin typeface="Cambria Math" panose="02040503050406030204" pitchFamily="18" charset="0"/>
+                        </a:rPr>
+                        <m:t>3</m:t>
+                      </m:r>
+                      <m:r>
+                        <a:rPr lang="en-US" sz="2000" b="0" i="1" smtClean="0">
+                          <a:latin typeface="Cambria Math" panose="02040503050406030204" pitchFamily="18" charset="0"/>
+                        </a:rPr>
+                        <m:t>−???</m:t>
+                      </m:r>
+                    </m:oMath>
+                  </m:oMathPara>
+                </a14:m>
+                <a:endParaRPr lang="en-US" sz="2000" i="1" dirty="0"/>
+              </a:p>
+            </p:txBody>
+          </p:sp>
+        </mc:Choice>
+        <mc:Fallback xmlns="">
+          <p:sp>
+            <p:nvSpPr>
+              <p:cNvPr id="33" name="Text Box 6"/>
+              <p:cNvSpPr txBox="1">
+                <a:spLocks noRot="1" noChangeAspect="1" noMove="1" noResize="1" noEditPoints="1" noAdjustHandles="1" noChangeArrowheads="1" noChangeShapeType="1" noTextEdit="1"/>
+              </p:cNvSpPr>
+              <p:nvPr/>
+            </p:nvSpPr>
+            <p:spPr bwMode="auto">
+              <a:xfrm>
+                <a:off x="9649690" y="3135671"/>
+                <a:ext cx="471365" cy="400110"/>
+              </a:xfrm>
+              <a:prstGeom prst="rect">
+                <a:avLst/>
+              </a:prstGeom>
+              <a:blipFill rotWithShape="0">
+                <a:blip r:embed="rId6"/>
+                <a:stretch>
+                  <a:fillRect r="-96104"/>
+                </a:stretch>
+              </a:blipFill>
+              <a:ln w="9525">
+                <a:noFill/>
+                <a:miter lim="800000"/>
+                <a:headEnd/>
+                <a:tailEnd/>
+              </a:ln>
+              <a:effectLst/>
+            </p:spPr>
+            <p:txBody>
+              <a:bodyPr/>
+              <a:lstStyle/>
+              <a:p>
+                <a:r>
+                  <a:rPr lang="ru-RU">
+                    <a:noFill/>
+                  </a:rPr>
+                  <a:t> </a:t>
+                </a:r>
+              </a:p>
+            </p:txBody>
+          </p:sp>
+        </mc:Fallback>
+      </mc:AlternateContent>
+      <p:sp>
+        <p:nvSpPr>
+          <p:cNvPr id="34" name="TextBox 33"/>
+          <p:cNvSpPr txBox="1"/>
+          <p:nvPr/>
+        </p:nvSpPr>
+        <p:spPr>
+          <a:xfrm>
+            <a:off x="5108234" y="2651663"/>
+            <a:ext cx="415498" cy="492443"/>
+          </a:xfrm>
+          <a:prstGeom prst="rect">
+            <a:avLst/>
+          </a:prstGeom>
+          <a:noFill/>
+        </p:spPr>
+        <p:txBody>
+          <a:bodyPr wrap="none" rtlCol="0">
+            <a:spAutoFit/>
+          </a:bodyPr>
+          <a:lstStyle/>
+          <a:p>
+            <a:r>
+              <a:rPr lang="en-US" sz="2600" dirty="0" smtClean="0"/>
+              <a:t>…</a:t>
+            </a:r>
+            <a:endParaRPr lang="ru-RU" sz="2600" dirty="0"/>
+          </a:p>
+        </p:txBody>
+      </p:sp>
+      <mc:AlternateContent xmlns:mc="http://schemas.openxmlformats.org/markup-compatibility/2006" xmlns:a14="http://schemas.microsoft.com/office/drawing/2010/main">
+        <mc:Choice Requires="a14">
+          <p:sp>
+            <p:nvSpPr>
+              <p:cNvPr id="35" name="Text Box 13"/>
+              <p:cNvSpPr txBox="1">
+                <a:spLocks noChangeArrowheads="1"/>
+              </p:cNvSpPr>
+              <p:nvPr/>
+            </p:nvSpPr>
+            <p:spPr bwMode="auto">
+              <a:xfrm>
+                <a:off x="2466341" y="3448539"/>
+                <a:ext cx="632609" cy="423129"/>
+              </a:xfrm>
+              <a:prstGeom prst="rect">
+                <a:avLst/>
+              </a:prstGeom>
+              <a:noFill/>
+              <a:ln w="9525">
+                <a:noFill/>
+                <a:miter lim="800000"/>
+                <a:headEnd/>
+                <a:tailEnd/>
+              </a:ln>
+              <a:effectLst/>
+            </p:spPr>
+            <p:txBody>
+              <a:bodyPr wrap="none">
+                <a:spAutoFit/>
+              </a:bodyPr>
+              <a:lstStyle/>
+              <a:p>
+                <a:r>
+                  <a:rPr lang="en-US" sz="1600" i="1" dirty="0" smtClean="0"/>
+                  <a:t>k</a:t>
+                </a:r>
+                <a14:m>
+                  <m:oMath xmlns:m="http://schemas.openxmlformats.org/officeDocument/2006/math">
+                    <m:groupChr>
+                      <m:groupChrPr>
+                        <m:chr m:val="←"/>
+                        <m:vertJc m:val="bot"/>
+                        <m:ctrlPr>
+                          <a:rPr lang="en-US" sz="1600" i="1" smtClean="0">
+                            <a:latin typeface="Cambria Math" panose="02040503050406030204" pitchFamily="18" charset="0"/>
+                          </a:rPr>
+                        </m:ctrlPr>
+                      </m:groupChrPr>
+                      <m:e>
+                        <m:r>
+                          <m:rPr>
+                            <m:brk m:alnAt="2"/>
+                          </m:rPr>
+                          <a:rPr lang="en-US" sz="1600" i="1">
+                            <a:latin typeface="Cambria Math" panose="02040503050406030204" pitchFamily="18" charset="0"/>
+                          </a:rPr>
+                          <m:t>𝑅</m:t>
+                        </m:r>
+                      </m:e>
+                    </m:groupChr>
+                    <m:r>
+                      <a:rPr lang="en-US" sz="1600" b="0" i="1" smtClean="0">
+                        <a:latin typeface="Cambria Math" panose="02040503050406030204" pitchFamily="18" charset="0"/>
+                      </a:rPr>
+                      <m:t>𝐾</m:t>
+                    </m:r>
+                  </m:oMath>
+                </a14:m>
+                <a:endParaRPr lang="en-US" sz="1600" b="1" baseline="-25000" dirty="0">
+                  <a:cs typeface="Arial" charset="0"/>
+                  <a:sym typeface="Symbol" pitchFamily="18" charset="2"/>
+                </a:endParaRPr>
+              </a:p>
+            </p:txBody>
+          </p:sp>
+        </mc:Choice>
+        <mc:Fallback xmlns="">
+          <p:sp>
+            <p:nvSpPr>
+              <p:cNvPr id="35" name="Text Box 13"/>
+              <p:cNvSpPr txBox="1">
+                <a:spLocks noRot="1" noChangeAspect="1" noMove="1" noResize="1" noEditPoints="1" noAdjustHandles="1" noChangeArrowheads="1" noChangeShapeType="1" noTextEdit="1"/>
+              </p:cNvSpPr>
+              <p:nvPr/>
+            </p:nvSpPr>
+            <p:spPr bwMode="auto">
+              <a:xfrm>
+                <a:off x="2466341" y="3448539"/>
+                <a:ext cx="632609" cy="423129"/>
+              </a:xfrm>
+              <a:prstGeom prst="rect">
+                <a:avLst/>
+              </a:prstGeom>
+              <a:blipFill rotWithShape="0">
+                <a:blip r:embed="rId7"/>
+                <a:stretch>
+                  <a:fillRect l="-5825" r="-28155" b="-44928"/>
+                </a:stretch>
+              </a:blipFill>
+              <a:ln w="9525">
+                <a:noFill/>
+                <a:miter lim="800000"/>
+                <a:headEnd/>
+                <a:tailEnd/>
+              </a:ln>
+              <a:effectLst/>
+            </p:spPr>
+            <p:txBody>
+              <a:bodyPr/>
+              <a:lstStyle/>
+              <a:p>
+                <a:r>
+                  <a:rPr lang="ru-RU">
+                    <a:noFill/>
+                  </a:rPr>
+                  <a:t> </a:t>
+                </a:r>
+              </a:p>
+            </p:txBody>
+          </p:sp>
+        </mc:Fallback>
+      </mc:AlternateContent>
+      <mc:AlternateContent xmlns:mc="http://schemas.openxmlformats.org/markup-compatibility/2006" xmlns:a14="http://schemas.microsoft.com/office/drawing/2010/main">
+        <mc:Choice Requires="a14">
+          <p:sp>
+            <p:nvSpPr>
+              <p:cNvPr id="36" name="Прямоугольник 35"/>
+              <p:cNvSpPr/>
+              <p:nvPr/>
+            </p:nvSpPr>
+            <p:spPr>
+              <a:xfrm>
+                <a:off x="1334251" y="4861599"/>
+                <a:ext cx="2722092" cy="400110"/>
+              </a:xfrm>
+              <a:prstGeom prst="rect">
+                <a:avLst/>
+              </a:prstGeom>
+            </p:spPr>
+            <p:txBody>
+              <a:bodyPr wrap="none">
+                <a:spAutoFit/>
+              </a:bodyPr>
+              <a:lstStyle/>
+              <a:p>
+                <a:r>
+                  <a:rPr lang="en-US" sz="2000" dirty="0" smtClean="0"/>
+                  <a:t>4</a:t>
+                </a:r>
+                <a:r>
+                  <a:rPr lang="en-US" sz="2000" dirty="0"/>
+                  <a:t> </a:t>
+                </a:r>
+                <a14:m>
+                  <m:oMath xmlns:m="http://schemas.openxmlformats.org/officeDocument/2006/math">
+                    <m:r>
+                      <a:rPr lang="en-US" sz="2000" i="1">
+                        <a:latin typeface="Cambria Math" panose="02040503050406030204" pitchFamily="18" charset="0"/>
+                      </a:rPr>
+                      <m:t>−</m:t>
+                    </m:r>
+                  </m:oMath>
+                </a14:m>
+                <a:r>
+                  <a:rPr lang="en-US" sz="2000" dirty="0" smtClean="0"/>
+                  <a:t> </a:t>
+                </a:r>
+                <a14:m>
+                  <m:oMath xmlns:m="http://schemas.openxmlformats.org/officeDocument/2006/math">
+                    <m:r>
+                      <a:rPr lang="en-US" sz="2000" i="1" smtClean="0">
+                        <a:latin typeface="Cambria Math" panose="02040503050406030204" pitchFamily="18" charset="0"/>
+                      </a:rPr>
+                      <m:t>𝑀𝐴</m:t>
+                    </m:r>
+                    <m:sSub>
+                      <m:sSubPr>
+                        <m:ctrlPr>
+                          <a:rPr lang="en-US" sz="2000" i="1">
+                            <a:latin typeface="Cambria Math" panose="02040503050406030204" pitchFamily="18" charset="0"/>
+                          </a:rPr>
+                        </m:ctrlPr>
+                      </m:sSubPr>
+                      <m:e>
+                        <m:r>
+                          <a:rPr lang="en-US" sz="2000" i="1">
+                            <a:latin typeface="Cambria Math" panose="02040503050406030204" pitchFamily="18" charset="0"/>
+                          </a:rPr>
+                          <m:t>𝐶</m:t>
+                        </m:r>
+                      </m:e>
+                      <m:sub>
+                        <m:r>
+                          <a:rPr lang="en-US" sz="2000" i="1">
+                            <a:latin typeface="Cambria Math" panose="02040503050406030204" pitchFamily="18" charset="0"/>
+                          </a:rPr>
+                          <m:t>𝑎𝑑𝑣</m:t>
+                        </m:r>
+                      </m:sub>
+                    </m:sSub>
+                    <m:d>
+                      <m:dPr>
+                        <m:begChr m:val="["/>
+                        <m:endChr m:val="]"/>
+                        <m:ctrlPr>
+                          <a:rPr lang="en-US" sz="2000" i="1">
+                            <a:latin typeface="Cambria Math" panose="02040503050406030204" pitchFamily="18" charset="0"/>
+                          </a:rPr>
+                        </m:ctrlPr>
+                      </m:dPr>
+                      <m:e>
+                        <m:r>
+                          <a:rPr lang="en-US" sz="2000" i="1">
+                            <a:latin typeface="Cambria Math" panose="02040503050406030204" pitchFamily="18" charset="0"/>
+                          </a:rPr>
+                          <m:t>𝐴</m:t>
+                        </m:r>
+                        <m:r>
+                          <a:rPr lang="en-US" sz="2000" i="1">
+                            <a:latin typeface="Cambria Math" panose="02040503050406030204" pitchFamily="18" charset="0"/>
+                          </a:rPr>
+                          <m:t>,</m:t>
+                        </m:r>
+                        <m:r>
+                          <a:rPr lang="en-US" sz="2000" i="1">
+                            <a:latin typeface="Cambria Math" panose="02040503050406030204" pitchFamily="18" charset="0"/>
+                          </a:rPr>
+                          <m:t>𝐼</m:t>
+                        </m:r>
+                      </m:e>
+                    </m:d>
+                    <m:r>
+                      <a:rPr lang="ru-RU" sz="2000" b="0" i="0" smtClean="0">
+                        <a:latin typeface="Cambria Math" panose="02040503050406030204" pitchFamily="18" charset="0"/>
+                      </a:rPr>
+                      <m:t>=</m:t>
+                    </m:r>
+                    <m:r>
+                      <a:rPr lang="en-US" sz="2000" b="0" i="0" smtClean="0">
+                        <a:latin typeface="Cambria Math" panose="02040503050406030204" pitchFamily="18" charset="0"/>
+                      </a:rPr>
+                      <m:t>???</m:t>
+                    </m:r>
+                  </m:oMath>
+                </a14:m>
+                <a:endParaRPr lang="ru-RU" sz="2000" dirty="0"/>
+              </a:p>
+            </p:txBody>
+          </p:sp>
+        </mc:Choice>
+        <mc:Fallback xmlns="">
+          <p:sp>
+            <p:nvSpPr>
+              <p:cNvPr id="36" name="Прямоугольник 35"/>
+              <p:cNvSpPr>
+                <a:spLocks noRot="1" noChangeAspect="1" noMove="1" noResize="1" noEditPoints="1" noAdjustHandles="1" noChangeArrowheads="1" noChangeShapeType="1" noTextEdit="1"/>
+              </p:cNvSpPr>
+              <p:nvPr/>
+            </p:nvSpPr>
+            <p:spPr>
+              <a:xfrm>
+                <a:off x="1334251" y="4861599"/>
+                <a:ext cx="2722092" cy="400110"/>
+              </a:xfrm>
+              <a:prstGeom prst="rect">
+                <a:avLst/>
+              </a:prstGeom>
+              <a:blipFill rotWithShape="0">
+                <a:blip r:embed="rId8"/>
+                <a:stretch>
+                  <a:fillRect l="-2466" t="-9231" b="-27692"/>
                 </a:stretch>
               </a:blipFill>
             </p:spPr>
@@ -25763,6 +26610,887 @@
 </p:sld>
 </file>
 
+<file path=ppt/slides/slide42.xml><?xml version="1.0" encoding="utf-8"?>
+<p:sld xmlns:a="http://schemas.openxmlformats.org/drawingml/2006/main" xmlns:r="http://schemas.openxmlformats.org/officeDocument/2006/relationships" xmlns:p="http://schemas.openxmlformats.org/presentationml/2006/main">
+  <p:cSld>
+    <p:spTree>
+      <p:nvGrpSpPr>
+        <p:cNvPr id="1" name=""/>
+        <p:cNvGrpSpPr/>
+        <p:nvPr/>
+      </p:nvGrpSpPr>
+      <p:grpSpPr>
+        <a:xfrm>
+          <a:off x="0" y="0"/>
+          <a:ext cx="0" cy="0"/>
+          <a:chOff x="0" y="0"/>
+          <a:chExt cx="0" cy="0"/>
+        </a:xfrm>
+      </p:grpSpPr>
+      <p:sp>
+        <p:nvSpPr>
+          <p:cNvPr id="2" name="Заголовок 1"/>
+          <p:cNvSpPr>
+            <a:spLocks noGrp="1"/>
+          </p:cNvSpPr>
+          <p:nvPr>
+            <p:ph type="title"/>
+          </p:nvPr>
+        </p:nvSpPr>
+        <p:spPr/>
+        <p:txBody>
+          <a:bodyPr/>
+          <a:lstStyle/>
+          <a:p>
+            <a:endParaRPr lang="ru-RU"/>
+          </a:p>
+        </p:txBody>
+      </p:sp>
+      <p:sp>
+        <p:nvSpPr>
+          <p:cNvPr id="3" name="Объект 2"/>
+          <p:cNvSpPr>
+            <a:spLocks noGrp="1"/>
+          </p:cNvSpPr>
+          <p:nvPr>
+            <p:ph idx="1"/>
+          </p:nvPr>
+        </p:nvSpPr>
+        <p:spPr/>
+        <p:txBody>
+          <a:bodyPr/>
+          <a:lstStyle/>
+          <a:p>
+            <a:endParaRPr lang="ru-RU"/>
+          </a:p>
+        </p:txBody>
+      </p:sp>
+      <p:sp>
+        <p:nvSpPr>
+          <p:cNvPr id="4" name="Номер слайда 3"/>
+          <p:cNvSpPr>
+            <a:spLocks noGrp="1"/>
+          </p:cNvSpPr>
+          <p:nvPr>
+            <p:ph type="sldNum" sz="quarter" idx="12"/>
+          </p:nvPr>
+        </p:nvSpPr>
+        <p:spPr/>
+        <p:txBody>
+          <a:bodyPr/>
+          <a:lstStyle/>
+          <a:p>
+            <a:fld id="{8253DDDB-F8F7-4D64-A7FD-3F3D61C1949F}" type="slidenum">
+              <a:rPr lang="ru-RU" smtClean="0"/>
+              <a:t>42</a:t>
+            </a:fld>
+            <a:endParaRPr lang="ru-RU"/>
+          </a:p>
+        </p:txBody>
+      </p:sp>
+    </p:spTree>
+    <p:extLst>
+      <p:ext uri="{BB962C8B-B14F-4D97-AF65-F5344CB8AC3E}">
+        <p14:creationId xmlns:p14="http://schemas.microsoft.com/office/powerpoint/2010/main" val="1870965742"/>
+      </p:ext>
+    </p:extLst>
+  </p:cSld>
+  <p:clrMapOvr>
+    <a:masterClrMapping/>
+  </p:clrMapOvr>
+</p:sld>
+</file>
+
+<file path=ppt/slides/slide43.xml><?xml version="1.0" encoding="utf-8"?>
+<p:sld xmlns:a="http://schemas.openxmlformats.org/drawingml/2006/main" xmlns:r="http://schemas.openxmlformats.org/officeDocument/2006/relationships" xmlns:p="http://schemas.openxmlformats.org/presentationml/2006/main">
+  <p:cSld>
+    <p:spTree>
+      <p:nvGrpSpPr>
+        <p:cNvPr id="1" name=""/>
+        <p:cNvGrpSpPr/>
+        <p:nvPr/>
+      </p:nvGrpSpPr>
+      <p:grpSpPr>
+        <a:xfrm>
+          <a:off x="0" y="0"/>
+          <a:ext cx="0" cy="0"/>
+          <a:chOff x="0" y="0"/>
+          <a:chExt cx="0" cy="0"/>
+        </a:xfrm>
+      </p:grpSpPr>
+      <p:sp>
+        <p:nvSpPr>
+          <p:cNvPr id="2" name="Заголовок 1"/>
+          <p:cNvSpPr>
+            <a:spLocks noGrp="1"/>
+          </p:cNvSpPr>
+          <p:nvPr>
+            <p:ph type="title"/>
+          </p:nvPr>
+        </p:nvSpPr>
+        <p:spPr>
+          <a:xfrm>
+            <a:off x="838200" y="0"/>
+            <a:ext cx="10515600" cy="1325563"/>
+          </a:xfrm>
+        </p:spPr>
+        <p:txBody>
+          <a:bodyPr/>
+          <a:lstStyle/>
+          <a:p>
+            <a:r>
+              <a:rPr lang="ru-RU" dirty="0" smtClean="0"/>
+              <a:t>Тест.</a:t>
+            </a:r>
+            <a:endParaRPr lang="ru-RU" dirty="0"/>
+          </a:p>
+        </p:txBody>
+      </p:sp>
+      <p:sp>
+        <p:nvSpPr>
+          <p:cNvPr id="4" name="Номер слайда 3"/>
+          <p:cNvSpPr>
+            <a:spLocks noGrp="1"/>
+          </p:cNvSpPr>
+          <p:nvPr>
+            <p:ph type="sldNum" sz="quarter" idx="12"/>
+          </p:nvPr>
+        </p:nvSpPr>
+        <p:spPr/>
+        <p:txBody>
+          <a:bodyPr/>
+          <a:lstStyle/>
+          <a:p>
+            <a:fld id="{8253DDDB-F8F7-4D64-A7FD-3F3D61C1949F}" type="slidenum">
+              <a:rPr lang="ru-RU" smtClean="0"/>
+              <a:t>43</a:t>
+            </a:fld>
+            <a:endParaRPr lang="ru-RU"/>
+          </a:p>
+        </p:txBody>
+      </p:sp>
+      <p:sp>
+        <p:nvSpPr>
+          <p:cNvPr id="5" name="Прямоугольник 4"/>
+          <p:cNvSpPr/>
+          <p:nvPr/>
+        </p:nvSpPr>
+        <p:spPr>
+          <a:xfrm>
+            <a:off x="284285" y="5433158"/>
+            <a:ext cx="10688515" cy="317012"/>
+          </a:xfrm>
+          <a:prstGeom prst="rect">
+            <a:avLst/>
+          </a:prstGeom>
+          <a:solidFill>
+            <a:schemeClr val="accent6">
+              <a:alpha val="50000"/>
+            </a:schemeClr>
+          </a:solidFill>
+          <a:ln>
+            <a:noFill/>
+          </a:ln>
+        </p:spPr>
+        <p:style>
+          <a:lnRef idx="0">
+            <a:scrgbClr r="0" g="0" b="0"/>
+          </a:lnRef>
+          <a:fillRef idx="0">
+            <a:scrgbClr r="0" g="0" b="0"/>
+          </a:fillRef>
+          <a:effectRef idx="0">
+            <a:scrgbClr r="0" g="0" b="0"/>
+          </a:effectRef>
+          <a:fontRef idx="minor">
+            <a:schemeClr val="lt1"/>
+          </a:fontRef>
+        </p:style>
+        <p:txBody>
+          <a:bodyPr rtlCol="0" anchor="ctr"/>
+          <a:lstStyle/>
+          <a:p>
+            <a:pPr algn="ctr"/>
+            <a:endParaRPr lang="ru-RU"/>
+          </a:p>
+        </p:txBody>
+      </p:sp>
+      <p:sp>
+        <p:nvSpPr>
+          <p:cNvPr id="6" name="Прямоугольник 5"/>
+          <p:cNvSpPr/>
+          <p:nvPr/>
+        </p:nvSpPr>
+        <p:spPr>
+          <a:xfrm>
+            <a:off x="284285" y="5819530"/>
+            <a:ext cx="10688515" cy="317012"/>
+          </a:xfrm>
+          <a:prstGeom prst="rect">
+            <a:avLst/>
+          </a:prstGeom>
+          <a:solidFill>
+            <a:schemeClr val="accent6">
+              <a:alpha val="50000"/>
+            </a:schemeClr>
+          </a:solidFill>
+          <a:ln>
+            <a:noFill/>
+          </a:ln>
+        </p:spPr>
+        <p:style>
+          <a:lnRef idx="0">
+            <a:scrgbClr r="0" g="0" b="0"/>
+          </a:lnRef>
+          <a:fillRef idx="0">
+            <a:scrgbClr r="0" g="0" b="0"/>
+          </a:fillRef>
+          <a:effectRef idx="0">
+            <a:scrgbClr r="0" g="0" b="0"/>
+          </a:effectRef>
+          <a:fontRef idx="minor">
+            <a:schemeClr val="lt1"/>
+          </a:fontRef>
+        </p:style>
+        <p:txBody>
+          <a:bodyPr rtlCol="0" anchor="ctr"/>
+          <a:lstStyle/>
+          <a:p>
+            <a:pPr algn="ctr"/>
+            <a:endParaRPr lang="ru-RU"/>
+          </a:p>
+        </p:txBody>
+      </p:sp>
+      <p:sp>
+        <p:nvSpPr>
+          <p:cNvPr id="7" name="Прямоугольник 6"/>
+          <p:cNvSpPr/>
+          <p:nvPr/>
+        </p:nvSpPr>
+        <p:spPr>
+          <a:xfrm>
+            <a:off x="284284" y="6205902"/>
+            <a:ext cx="10688515" cy="317012"/>
+          </a:xfrm>
+          <a:prstGeom prst="rect">
+            <a:avLst/>
+          </a:prstGeom>
+          <a:solidFill>
+            <a:schemeClr val="accent6">
+              <a:alpha val="50000"/>
+            </a:schemeClr>
+          </a:solidFill>
+          <a:ln>
+            <a:noFill/>
+          </a:ln>
+        </p:spPr>
+        <p:style>
+          <a:lnRef idx="0">
+            <a:scrgbClr r="0" g="0" b="0"/>
+          </a:lnRef>
+          <a:fillRef idx="0">
+            <a:scrgbClr r="0" g="0" b="0"/>
+          </a:fillRef>
+          <a:effectRef idx="0">
+            <a:scrgbClr r="0" g="0" b="0"/>
+          </a:effectRef>
+          <a:fontRef idx="minor">
+            <a:schemeClr val="lt1"/>
+          </a:fontRef>
+        </p:style>
+        <p:txBody>
+          <a:bodyPr rtlCol="0" anchor="ctr"/>
+          <a:lstStyle/>
+          <a:p>
+            <a:pPr algn="ctr"/>
+            <a:endParaRPr lang="ru-RU"/>
+          </a:p>
+        </p:txBody>
+      </p:sp>
+      <mc:AlternateContent xmlns:mc="http://schemas.openxmlformats.org/markup-compatibility/2006" xmlns:a14="http://schemas.microsoft.com/office/drawing/2010/main">
+        <mc:Choice Requires="a14">
+          <p:sp>
+            <p:nvSpPr>
+              <p:cNvPr id="3" name="TextBox 2"/>
+              <p:cNvSpPr txBox="1"/>
+              <p:nvPr/>
+            </p:nvSpPr>
+            <p:spPr>
+              <a:xfrm>
+                <a:off x="838200" y="1031953"/>
+                <a:ext cx="10134599" cy="3978012"/>
+              </a:xfrm>
+              <a:prstGeom prst="rect">
+                <a:avLst/>
+              </a:prstGeom>
+              <a:noFill/>
+            </p:spPr>
+            <p:txBody>
+              <a:bodyPr wrap="square" rtlCol="0">
+                <a:spAutoFit/>
+              </a:bodyPr>
+              <a:lstStyle/>
+              <a:p>
+                <a:r>
+                  <a:rPr lang="ru-RU" sz="2800" dirty="0" smtClean="0"/>
+                  <a:t>1 –</a:t>
+                </a:r>
+                <a:r>
+                  <a:rPr lang="en-US" sz="2800" dirty="0" smtClean="0"/>
+                  <a:t> </a:t>
+                </a:r>
+                <a:r>
+                  <a:rPr lang="ru-RU" sz="2800" dirty="0" smtClean="0"/>
+                  <a:t>Стойкая </a:t>
+                </a:r>
+                <a:r>
+                  <a:rPr lang="en-US" sz="2800" dirty="0" smtClean="0"/>
+                  <a:t>PRF</a:t>
+                </a:r>
+                <a:r>
+                  <a:rPr lang="ru-RU" sz="2800" dirty="0" smtClean="0"/>
+                  <a:t> </a:t>
+                </a:r>
+                <a:r>
+                  <a:rPr lang="ru-RU" sz="2800" dirty="0"/>
+                  <a:t>со </a:t>
+                </a:r>
+                <a:r>
+                  <a:rPr lang="ru-RU" sz="2800" dirty="0" err="1"/>
+                  <a:t>сверх-полиномиальной</a:t>
+                </a:r>
+                <a:r>
+                  <a:rPr lang="ru-RU" sz="2800" dirty="0"/>
+                  <a:t> областью </a:t>
+                </a:r>
+                <a:r>
+                  <a:rPr lang="ru-RU" sz="2800" dirty="0" smtClean="0"/>
+                  <a:t>значений. </a:t>
+                </a:r>
+                <a:r>
+                  <a:rPr lang="ru-RU" sz="2800" b="1" dirty="0" smtClean="0"/>
+                  <a:t>Является ли она стойкой </a:t>
+                </a:r>
+                <a:r>
+                  <a:rPr lang="en-US" sz="2800" b="1" dirty="0" smtClean="0"/>
+                  <a:t>MAC</a:t>
+                </a:r>
+                <a:r>
+                  <a:rPr lang="en-US" sz="2800" dirty="0" smtClean="0"/>
+                  <a:t>.</a:t>
+                </a:r>
+              </a:p>
+              <a:p>
+                <a:r>
+                  <a:rPr lang="en-US" sz="2800" dirty="0" smtClean="0"/>
+                  <a:t>2 – </a:t>
+                </a:r>
+                <a:r>
+                  <a:rPr lang="ru-RU" sz="2800" dirty="0"/>
+                  <a:t>Стойкий блочный шифр со </a:t>
+                </a:r>
+                <a:r>
+                  <a:rPr lang="ru-RU" sz="2800" dirty="0" err="1"/>
+                  <a:t>сверх-полиномиальной</a:t>
+                </a:r>
+                <a:r>
+                  <a:rPr lang="ru-RU" sz="2800" dirty="0"/>
+                  <a:t> областью значений. </a:t>
+                </a:r>
+                <a:r>
+                  <a:rPr lang="ru-RU" sz="2800" b="1" dirty="0"/>
+                  <a:t>Является ли он стойким </a:t>
+                </a:r>
+                <a:r>
+                  <a:rPr lang="en-US" sz="2800" b="1" dirty="0"/>
+                  <a:t>MAC</a:t>
+                </a:r>
+                <a:r>
+                  <a:rPr lang="en-US" sz="2800" dirty="0" smtClean="0"/>
+                  <a:t>?</a:t>
+                </a:r>
+              </a:p>
+              <a:p>
+                <a:r>
+                  <a:rPr lang="ru-RU" sz="2800" dirty="0" smtClean="0"/>
+                  <a:t>3 – Связь преимущества противника в игре против </a:t>
+                </a:r>
+                <a:r>
+                  <a:rPr lang="en-US" sz="2800" dirty="0" smtClean="0"/>
+                  <a:t>MAC </a:t>
+                </a:r>
+                <a:r>
+                  <a:rPr lang="ru-RU" sz="2800" b="1" dirty="0" smtClean="0"/>
+                  <a:t>с и без запросов на проверку </a:t>
+                </a:r>
+                <a:r>
+                  <a:rPr lang="en-US" sz="2800" b="1" dirty="0" smtClean="0"/>
+                  <a:t>MAC</a:t>
+                </a:r>
+                <a:r>
+                  <a:rPr lang="ru-RU" sz="2800" dirty="0" smtClean="0"/>
+                  <a:t>.</a:t>
+                </a:r>
+                <a:endParaRPr lang="en-US" sz="2800" dirty="0" smtClean="0"/>
+              </a:p>
+              <a:p>
+                <a:r>
+                  <a:rPr lang="ru-RU" sz="2800" dirty="0" smtClean="0"/>
+                  <a:t>4 – </a:t>
+                </a:r>
+                <a14:m>
+                  <m:oMath xmlns:m="http://schemas.openxmlformats.org/officeDocument/2006/math">
+                    <m:r>
+                      <a:rPr lang="en-US" sz="2800" i="1">
+                        <a:latin typeface="Cambria Math" panose="02040503050406030204" pitchFamily="18" charset="0"/>
+                      </a:rPr>
+                      <m:t>𝐸</m:t>
+                    </m:r>
+                    <m:r>
+                      <a:rPr lang="en-US" sz="2800" i="1">
+                        <a:latin typeface="Cambria Math" panose="02040503050406030204" pitchFamily="18" charset="0"/>
+                      </a:rPr>
+                      <m:t>:</m:t>
+                    </m:r>
+                    <m:r>
+                      <a:rPr lang="en-US" sz="2800" i="1">
+                        <a:latin typeface="Cambria Math" panose="02040503050406030204" pitchFamily="18" charset="0"/>
+                      </a:rPr>
+                      <m:t>𝐾</m:t>
+                    </m:r>
+                    <m:r>
+                      <a:rPr lang="en-US" sz="2800" i="1">
+                        <a:latin typeface="Cambria Math" panose="02040503050406030204" pitchFamily="18" charset="0"/>
+                      </a:rPr>
+                      <m:t>×</m:t>
+                    </m:r>
+                    <m:r>
+                      <a:rPr lang="en-US" sz="2800" i="1">
+                        <a:latin typeface="Cambria Math" panose="02040503050406030204" pitchFamily="18" charset="0"/>
+                      </a:rPr>
+                      <m:t>𝑋</m:t>
+                    </m:r>
+                    <m:r>
+                      <a:rPr lang="en-US" sz="2800" i="1">
+                        <a:latin typeface="Cambria Math" panose="02040503050406030204" pitchFamily="18" charset="0"/>
+                      </a:rPr>
+                      <m:t>→</m:t>
+                    </m:r>
+                    <m:r>
+                      <a:rPr lang="en-US" sz="2800" i="1">
+                        <a:latin typeface="Cambria Math" panose="02040503050406030204" pitchFamily="18" charset="0"/>
+                      </a:rPr>
+                      <m:t>𝑋</m:t>
+                    </m:r>
+                  </m:oMath>
+                </a14:m>
+                <a:r>
+                  <a:rPr lang="ru-RU" sz="2800" dirty="0"/>
+                  <a:t> – стойкая </a:t>
+                </a:r>
+                <a:r>
+                  <a:rPr lang="en-US" sz="2800" dirty="0"/>
+                  <a:t>PRP</a:t>
+                </a:r>
+                <a:r>
+                  <a:rPr lang="ru-RU" sz="2800" dirty="0"/>
+                  <a:t>. Пусть </a:t>
+                </a:r>
+                <a14:m>
+                  <m:oMath xmlns:m="http://schemas.openxmlformats.org/officeDocument/2006/math">
+                    <m:sSup>
+                      <m:sSupPr>
+                        <m:ctrlPr>
+                          <a:rPr lang="en-US" sz="2800" i="1">
+                            <a:latin typeface="Cambria Math" panose="02040503050406030204" pitchFamily="18" charset="0"/>
+                          </a:rPr>
+                        </m:ctrlPr>
+                      </m:sSupPr>
+                      <m:e>
+                        <m:r>
+                          <a:rPr lang="en-US" sz="2800" i="1">
+                            <a:latin typeface="Cambria Math" panose="02040503050406030204" pitchFamily="18" charset="0"/>
+                          </a:rPr>
+                          <m:t>𝐸</m:t>
+                        </m:r>
+                      </m:e>
+                      <m:sup>
+                        <m:r>
+                          <a:rPr lang="en-US" sz="2800" i="1">
+                            <a:latin typeface="Cambria Math" panose="02040503050406030204" pitchFamily="18" charset="0"/>
+                          </a:rPr>
+                          <m:t>′</m:t>
+                        </m:r>
+                      </m:sup>
+                    </m:sSup>
+                    <m:r>
+                      <a:rPr lang="en-US" sz="2800" i="1">
+                        <a:latin typeface="Cambria Math" panose="02040503050406030204" pitchFamily="18" charset="0"/>
+                      </a:rPr>
+                      <m:t>:</m:t>
+                    </m:r>
+                    <m:r>
+                      <a:rPr lang="en-US" sz="2800" i="1">
+                        <a:latin typeface="Cambria Math" panose="02040503050406030204" pitchFamily="18" charset="0"/>
+                      </a:rPr>
+                      <m:t>𝐾</m:t>
+                    </m:r>
+                    <m:r>
+                      <a:rPr lang="en-US" sz="2800" i="1">
+                        <a:latin typeface="Cambria Math" panose="02040503050406030204" pitchFamily="18" charset="0"/>
+                      </a:rPr>
+                      <m:t>×</m:t>
+                    </m:r>
+                    <m:sSup>
+                      <m:sSupPr>
+                        <m:ctrlPr>
+                          <a:rPr lang="en-US" sz="2800" i="1">
+                            <a:latin typeface="Cambria Math" panose="02040503050406030204" pitchFamily="18" charset="0"/>
+                          </a:rPr>
+                        </m:ctrlPr>
+                      </m:sSupPr>
+                      <m:e>
+                        <m:r>
+                          <a:rPr lang="en-US" sz="2800" i="1">
+                            <a:latin typeface="Cambria Math" panose="02040503050406030204" pitchFamily="18" charset="0"/>
+                          </a:rPr>
+                          <m:t>𝑋</m:t>
+                        </m:r>
+                      </m:e>
+                      <m:sup>
+                        <m:r>
+                          <a:rPr lang="en-US" sz="2800" i="1">
+                            <a:latin typeface="Cambria Math" panose="02040503050406030204" pitchFamily="18" charset="0"/>
+                          </a:rPr>
+                          <m:t>≤</m:t>
+                        </m:r>
+                        <m:r>
+                          <a:rPr lang="en-US" sz="2800" i="1">
+                            <a:latin typeface="Cambria Math" panose="02040503050406030204" pitchFamily="18" charset="0"/>
+                          </a:rPr>
+                          <m:t>𝑙</m:t>
+                        </m:r>
+                      </m:sup>
+                    </m:sSup>
+                    <m:r>
+                      <a:rPr lang="en-US" sz="2800" i="1">
+                        <a:latin typeface="Cambria Math" panose="02040503050406030204" pitchFamily="18" charset="0"/>
+                      </a:rPr>
+                      <m:t>→</m:t>
+                    </m:r>
+                    <m:r>
+                      <a:rPr lang="en-US" sz="2800" i="1">
+                        <a:latin typeface="Cambria Math" panose="02040503050406030204" pitchFamily="18" charset="0"/>
+                      </a:rPr>
+                      <m:t>𝑋</m:t>
+                    </m:r>
+                  </m:oMath>
+                </a14:m>
+                <a:r>
+                  <a:rPr lang="ru-RU" sz="2800" dirty="0"/>
+                  <a:t> – цепочка </a:t>
+                </a:r>
+                <a:r>
+                  <a:rPr lang="en-US" sz="2800" dirty="0"/>
+                  <a:t>CBC</a:t>
+                </a:r>
+                <a:r>
+                  <a:rPr lang="ru-RU" sz="2800" dirty="0"/>
+                  <a:t> с использованием </a:t>
+                </a:r>
+                <a14:m>
+                  <m:oMath xmlns:m="http://schemas.openxmlformats.org/officeDocument/2006/math">
+                    <m:r>
+                      <a:rPr lang="en-US" sz="2800" i="1">
+                        <a:latin typeface="Cambria Math" panose="02040503050406030204" pitchFamily="18" charset="0"/>
+                      </a:rPr>
+                      <m:t>𝐸</m:t>
+                    </m:r>
+                  </m:oMath>
+                </a14:m>
+                <a:r>
+                  <a:rPr lang="ru-RU" sz="2800" dirty="0" smtClean="0"/>
+                  <a:t> (результат – последний блок). </a:t>
+                </a:r>
+                <a:r>
+                  <a:rPr lang="ru-RU" sz="2800" dirty="0"/>
+                  <a:t>Является ли </a:t>
+                </a:r>
+                <a14:m>
+                  <m:oMath xmlns:m="http://schemas.openxmlformats.org/officeDocument/2006/math">
+                    <m:r>
+                      <a:rPr lang="en-US" sz="2800" i="1">
+                        <a:latin typeface="Cambria Math" panose="02040503050406030204" pitchFamily="18" charset="0"/>
+                      </a:rPr>
+                      <m:t>𝐸</m:t>
+                    </m:r>
+                    <m:r>
+                      <a:rPr lang="en-US" sz="2800" i="1">
+                        <a:latin typeface="Cambria Math" panose="02040503050406030204" pitchFamily="18" charset="0"/>
+                      </a:rPr>
+                      <m:t>′</m:t>
+                    </m:r>
+                  </m:oMath>
+                </a14:m>
+                <a:r>
+                  <a:rPr lang="ru-RU" sz="2800" dirty="0"/>
+                  <a:t> стойким </a:t>
+                </a:r>
+                <a:r>
+                  <a:rPr lang="en-US" sz="2800" dirty="0"/>
+                  <a:t>MAC</a:t>
+                </a:r>
+                <a:r>
+                  <a:rPr lang="ru-RU" sz="2800" dirty="0"/>
+                  <a:t> для произвольных сообщений</a:t>
+                </a:r>
+                <a:r>
+                  <a:rPr lang="en-US" sz="2800" dirty="0"/>
+                  <a:t>?</a:t>
+                </a:r>
+                <a:r>
+                  <a:rPr lang="ru-RU" sz="2800" dirty="0"/>
+                  <a:t> </a:t>
+                </a:r>
+                <a:r>
+                  <a:rPr lang="ru-RU" sz="2800" b="1" dirty="0"/>
+                  <a:t>Почему?</a:t>
+                </a:r>
+              </a:p>
+            </p:txBody>
+          </p:sp>
+        </mc:Choice>
+        <mc:Fallback xmlns="">
+          <p:sp>
+            <p:nvSpPr>
+              <p:cNvPr id="3" name="TextBox 2"/>
+              <p:cNvSpPr txBox="1">
+                <a:spLocks noRot="1" noChangeAspect="1" noMove="1" noResize="1" noEditPoints="1" noAdjustHandles="1" noChangeArrowheads="1" noChangeShapeType="1" noTextEdit="1"/>
+              </p:cNvSpPr>
+              <p:nvPr/>
+            </p:nvSpPr>
+            <p:spPr>
+              <a:xfrm>
+                <a:off x="838200" y="1031953"/>
+                <a:ext cx="10134599" cy="3978012"/>
+              </a:xfrm>
+              <a:prstGeom prst="rect">
+                <a:avLst/>
+              </a:prstGeom>
+              <a:blipFill rotWithShape="0">
+                <a:blip r:embed="rId2"/>
+                <a:stretch>
+                  <a:fillRect l="-1264" t="-1378" r="-241" b="-3369"/>
+                </a:stretch>
+              </a:blipFill>
+            </p:spPr>
+            <p:txBody>
+              <a:bodyPr/>
+              <a:lstStyle/>
+              <a:p>
+                <a:r>
+                  <a:rPr lang="ru-RU">
+                    <a:noFill/>
+                  </a:rPr>
+                  <a:t> </a:t>
+                </a:r>
+              </a:p>
+            </p:txBody>
+          </p:sp>
+        </mc:Fallback>
+      </mc:AlternateContent>
+    </p:spTree>
+    <p:extLst>
+      <p:ext uri="{BB962C8B-B14F-4D97-AF65-F5344CB8AC3E}">
+        <p14:creationId xmlns:p14="http://schemas.microsoft.com/office/powerpoint/2010/main" val="3907508062"/>
+      </p:ext>
+    </p:extLst>
+  </p:cSld>
+  <p:clrMapOvr>
+    <a:masterClrMapping/>
+  </p:clrMapOvr>
+  <p:timing>
+    <p:tnLst>
+      <p:par>
+        <p:cTn id="1" dur="indefinite" restart="never" nodeType="tmRoot">
+          <p:childTnLst>
+            <p:seq concurrent="1" nextAc="seek">
+              <p:cTn id="2" dur="indefinite" nodeType="mainSeq">
+                <p:childTnLst>
+                  <p:par>
+                    <p:cTn id="3" fill="hold">
+                      <p:stCondLst>
+                        <p:cond delay="indefinite"/>
+                        <p:cond evt="onBegin" delay="0">
+                          <p:tn val="2"/>
+                        </p:cond>
+                      </p:stCondLst>
+                      <p:childTnLst>
+                        <p:par>
+                          <p:cTn id="4" fill="hold">
+                            <p:stCondLst>
+                              <p:cond delay="0"/>
+                            </p:stCondLst>
+                            <p:childTnLst>
+                              <p:par>
+                                <p:cTn id="5" presetID="22" presetClass="exit" presetSubtype="2" fill="hold" grpId="0" nodeType="withEffect">
+                                  <p:stCondLst>
+                                    <p:cond delay="0"/>
+                                  </p:stCondLst>
+                                  <p:childTnLst>
+                                    <p:animEffect transition="out" filter="wipe(right)">
+                                      <p:cBhvr>
+                                        <p:cTn id="6" dur="59000"/>
+                                        <p:tgtEl>
+                                          <p:spTgt spid="5"/>
+                                        </p:tgtEl>
+                                      </p:cBhvr>
+                                    </p:animEffect>
+                                    <p:set>
+                                      <p:cBhvr>
+                                        <p:cTn id="7" dur="1" fill="hold">
+                                          <p:stCondLst>
+                                            <p:cond delay="58999"/>
+                                          </p:stCondLst>
+                                        </p:cTn>
+                                        <p:tgtEl>
+                                          <p:spTgt spid="5"/>
+                                        </p:tgtEl>
+                                        <p:attrNameLst>
+                                          <p:attrName>style.visibility</p:attrName>
+                                        </p:attrNameLst>
+                                      </p:cBhvr>
+                                      <p:to>
+                                        <p:strVal val="hidden"/>
+                                      </p:to>
+                                    </p:set>
+                                  </p:childTnLst>
+                                </p:cTn>
+                              </p:par>
+                            </p:childTnLst>
+                          </p:cTn>
+                        </p:par>
+                        <p:par>
+                          <p:cTn id="8" fill="hold">
+                            <p:stCondLst>
+                              <p:cond delay="59000"/>
+                            </p:stCondLst>
+                            <p:childTnLst>
+                              <p:par>
+                                <p:cTn id="9" presetID="22" presetClass="exit" presetSubtype="2" fill="hold" grpId="0" nodeType="afterEffect">
+                                  <p:stCondLst>
+                                    <p:cond delay="0"/>
+                                  </p:stCondLst>
+                                  <p:childTnLst>
+                                    <p:animEffect transition="out" filter="wipe(right)">
+                                      <p:cBhvr>
+                                        <p:cTn id="10" dur="59000"/>
+                                        <p:tgtEl>
+                                          <p:spTgt spid="6"/>
+                                        </p:tgtEl>
+                                      </p:cBhvr>
+                                    </p:animEffect>
+                                    <p:set>
+                                      <p:cBhvr>
+                                        <p:cTn id="11" dur="1" fill="hold">
+                                          <p:stCondLst>
+                                            <p:cond delay="58999"/>
+                                          </p:stCondLst>
+                                        </p:cTn>
+                                        <p:tgtEl>
+                                          <p:spTgt spid="6"/>
+                                        </p:tgtEl>
+                                        <p:attrNameLst>
+                                          <p:attrName>style.visibility</p:attrName>
+                                        </p:attrNameLst>
+                                      </p:cBhvr>
+                                      <p:to>
+                                        <p:strVal val="hidden"/>
+                                      </p:to>
+                                    </p:set>
+                                  </p:childTnLst>
+                                </p:cTn>
+                              </p:par>
+                            </p:childTnLst>
+                          </p:cTn>
+                        </p:par>
+                        <p:par>
+                          <p:cTn id="12" fill="hold">
+                            <p:stCondLst>
+                              <p:cond delay="118000"/>
+                            </p:stCondLst>
+                            <p:childTnLst>
+                              <p:par>
+                                <p:cTn id="13" presetID="22" presetClass="exit" presetSubtype="2" fill="hold" grpId="0" nodeType="afterEffect">
+                                  <p:stCondLst>
+                                    <p:cond delay="0"/>
+                                  </p:stCondLst>
+                                  <p:childTnLst>
+                                    <p:animEffect transition="out" filter="wipe(right)">
+                                      <p:cBhvr>
+                                        <p:cTn id="14" dur="59000"/>
+                                        <p:tgtEl>
+                                          <p:spTgt spid="7"/>
+                                        </p:tgtEl>
+                                      </p:cBhvr>
+                                    </p:animEffect>
+                                    <p:set>
+                                      <p:cBhvr>
+                                        <p:cTn id="15" dur="1" fill="hold">
+                                          <p:stCondLst>
+                                            <p:cond delay="58999"/>
+                                          </p:stCondLst>
+                                        </p:cTn>
+                                        <p:tgtEl>
+                                          <p:spTgt spid="7"/>
+                                        </p:tgtEl>
+                                        <p:attrNameLst>
+                                          <p:attrName>style.visibility</p:attrName>
+                                        </p:attrNameLst>
+                                      </p:cBhvr>
+                                      <p:to>
+                                        <p:strVal val="hidden"/>
+                                      </p:to>
+                                    </p:set>
+                                  </p:childTnLst>
+                                </p:cTn>
+                              </p:par>
+                            </p:childTnLst>
+                          </p:cTn>
+                        </p:par>
+                      </p:childTnLst>
+                    </p:cTn>
+                  </p:par>
+                </p:childTnLst>
+              </p:cTn>
+              <p:prevCondLst>
+                <p:cond evt="onPrev" delay="0">
+                  <p:tgtEl>
+                    <p:sldTgt/>
+                  </p:tgtEl>
+                </p:cond>
+              </p:prevCondLst>
+              <p:nextCondLst>
+                <p:cond evt="onNext" delay="0">
+                  <p:tgtEl>
+                    <p:sldTgt/>
+                  </p:tgtEl>
+                </p:cond>
+              </p:nextCondLst>
+            </p:seq>
+          </p:childTnLst>
+        </p:cTn>
+      </p:par>
+    </p:tnLst>
+    <p:bldLst>
+      <p:bldP spid="5" grpId="0" animBg="1"/>
+      <p:bldP spid="6" grpId="0" animBg="1"/>
+      <p:bldP spid="7" grpId="0" animBg="1"/>
+    </p:bldLst>
+  </p:timing>
+</p:sld>
+</file>
+
 <file path=ppt/slides/slide5.xml><?xml version="1.0" encoding="utf-8"?>
 <p:sld xmlns:a="http://schemas.openxmlformats.org/drawingml/2006/main" xmlns:r="http://schemas.openxmlformats.org/officeDocument/2006/relationships" xmlns:p="http://schemas.openxmlformats.org/presentationml/2006/main">
   <p:cSld>

--- a/Lectures/Lecture10.pptx
+++ b/Lectures/Lecture10.pptx
@@ -329,7 +329,7 @@
           <a:p>
             <a:fld id="{CBA08D16-15DC-4E25-BDC3-F25146157B16}" type="datetimeFigureOut">
               <a:rPr lang="ru-RU" smtClean="0"/>
-              <a:t>28.11.2024</a:t>
+              <a:t>12.11.2025</a:t>
             </a:fld>
             <a:endParaRPr lang="ru-RU"/>
           </a:p>
@@ -393,38 +393,37 @@
           <a:p>
             <a:pPr lvl="0"/>
             <a:r>
-              <a:rPr lang="ru-RU" smtClean="0"/>
+              <a:rPr lang="ru-RU"/>
               <a:t>Образец текста</a:t>
             </a:r>
           </a:p>
           <a:p>
             <a:pPr lvl="1"/>
             <a:r>
-              <a:rPr lang="ru-RU" smtClean="0"/>
+              <a:rPr lang="ru-RU"/>
               <a:t>Второй уровень</a:t>
             </a:r>
           </a:p>
           <a:p>
             <a:pPr lvl="2"/>
             <a:r>
-              <a:rPr lang="ru-RU" smtClean="0"/>
+              <a:rPr lang="ru-RU"/>
               <a:t>Третий уровень</a:t>
             </a:r>
           </a:p>
           <a:p>
             <a:pPr lvl="3"/>
             <a:r>
-              <a:rPr lang="ru-RU" smtClean="0"/>
+              <a:rPr lang="ru-RU"/>
               <a:t>Четвертый уровень</a:t>
             </a:r>
           </a:p>
           <a:p>
             <a:pPr lvl="4"/>
             <a:r>
-              <a:rPr lang="ru-RU" smtClean="0"/>
+              <a:rPr lang="ru-RU"/>
               <a:t>Пятый уровень</a:t>
             </a:r>
-            <a:endParaRPr lang="ru-RU"/>
           </a:p>
         </p:txBody>
       </p:sp>
@@ -642,11 +641,11 @@
           <a:lstStyle/>
           <a:p>
             <a:r>
-              <a:rPr lang="en-US" dirty="0" smtClean="0"/>
+              <a:rPr lang="en-US" dirty="0"/>
               <a:t>Note:  the PRF</a:t>
             </a:r>
             <a:r>
-              <a:rPr lang="en-US" baseline="0" dirty="0" smtClean="0"/>
+              <a:rPr lang="en-US" baseline="0" dirty="0"/>
               <a:t> is only used for short messages and yet we get a MAC for long messages. </a:t>
             </a:r>
             <a:endParaRPr lang="en-US" dirty="0"/>
@@ -732,10 +731,9 @@
           </a:lstStyle>
           <a:p>
             <a:r>
-              <a:rPr lang="ru-RU" smtClean="0"/>
+              <a:rPr lang="ru-RU"/>
               <a:t>Образец заголовка</a:t>
             </a:r>
-            <a:endParaRPr lang="ru-RU"/>
           </a:p>
         </p:txBody>
       </p:sp>
@@ -797,10 +795,9 @@
           </a:lstStyle>
           <a:p>
             <a:r>
-              <a:rPr lang="ru-RU" smtClean="0"/>
+              <a:rPr lang="ru-RU"/>
               <a:t>Образец подзаголовка</a:t>
             </a:r>
-            <a:endParaRPr lang="ru-RU"/>
           </a:p>
         </p:txBody>
       </p:sp>
@@ -821,7 +818,7 @@
           <a:p>
             <a:fld id="{FCEC8293-DB51-454A-BE81-EC8FCB31EBA2}" type="datetime1">
               <a:rPr lang="ru-RU" smtClean="0"/>
-              <a:t>28.11.2024</a:t>
+              <a:t>12.11.2025</a:t>
             </a:fld>
             <a:endParaRPr lang="ru-RU"/>
           </a:p>
@@ -843,10 +840,9 @@
           <a:lstStyle/>
           <a:p>
             <a:r>
-              <a:rPr lang="ru-RU" smtClean="0"/>
+              <a:rPr lang="ru-RU"/>
               <a:t>Артём Макаров</a:t>
             </a:r>
-            <a:endParaRPr lang="ru-RU"/>
           </a:p>
         </p:txBody>
       </p:sp>
@@ -919,10 +915,9 @@
           <a:lstStyle/>
           <a:p>
             <a:r>
-              <a:rPr lang="ru-RU" smtClean="0"/>
+              <a:rPr lang="ru-RU"/>
               <a:t>Образец заголовка</a:t>
             </a:r>
-            <a:endParaRPr lang="ru-RU"/>
           </a:p>
         </p:txBody>
       </p:sp>
@@ -943,38 +938,37 @@
           <a:p>
             <a:pPr lvl="0"/>
             <a:r>
-              <a:rPr lang="ru-RU" smtClean="0"/>
+              <a:rPr lang="ru-RU"/>
               <a:t>Образец текста</a:t>
             </a:r>
           </a:p>
           <a:p>
             <a:pPr lvl="1"/>
             <a:r>
-              <a:rPr lang="ru-RU" smtClean="0"/>
+              <a:rPr lang="ru-RU"/>
               <a:t>Второй уровень</a:t>
             </a:r>
           </a:p>
           <a:p>
             <a:pPr lvl="2"/>
             <a:r>
-              <a:rPr lang="ru-RU" smtClean="0"/>
+              <a:rPr lang="ru-RU"/>
               <a:t>Третий уровень</a:t>
             </a:r>
           </a:p>
           <a:p>
             <a:pPr lvl="3"/>
             <a:r>
-              <a:rPr lang="ru-RU" smtClean="0"/>
+              <a:rPr lang="ru-RU"/>
               <a:t>Четвертый уровень</a:t>
             </a:r>
           </a:p>
           <a:p>
             <a:pPr lvl="4"/>
             <a:r>
-              <a:rPr lang="ru-RU" smtClean="0"/>
+              <a:rPr lang="ru-RU"/>
               <a:t>Пятый уровень</a:t>
             </a:r>
-            <a:endParaRPr lang="ru-RU"/>
           </a:p>
         </p:txBody>
       </p:sp>
@@ -995,7 +989,7 @@
           <a:p>
             <a:fld id="{241C87B1-1C35-4DBD-BC18-2BC72E776603}" type="datetime1">
               <a:rPr lang="ru-RU" smtClean="0"/>
-              <a:t>28.11.2024</a:t>
+              <a:t>12.11.2025</a:t>
             </a:fld>
             <a:endParaRPr lang="ru-RU"/>
           </a:p>
@@ -1017,10 +1011,9 @@
           <a:lstStyle/>
           <a:p>
             <a:r>
-              <a:rPr lang="ru-RU" smtClean="0"/>
+              <a:rPr lang="ru-RU"/>
               <a:t>Артём Макаров</a:t>
             </a:r>
-            <a:endParaRPr lang="ru-RU"/>
           </a:p>
         </p:txBody>
       </p:sp>
@@ -1098,10 +1091,9 @@
           <a:lstStyle/>
           <a:p>
             <a:r>
-              <a:rPr lang="ru-RU" smtClean="0"/>
+              <a:rPr lang="ru-RU"/>
               <a:t>Образец заголовка</a:t>
             </a:r>
-            <a:endParaRPr lang="ru-RU"/>
           </a:p>
         </p:txBody>
       </p:sp>
@@ -1127,38 +1119,37 @@
           <a:p>
             <a:pPr lvl="0"/>
             <a:r>
-              <a:rPr lang="ru-RU" smtClean="0"/>
+              <a:rPr lang="ru-RU"/>
               <a:t>Образец текста</a:t>
             </a:r>
           </a:p>
           <a:p>
             <a:pPr lvl="1"/>
             <a:r>
-              <a:rPr lang="ru-RU" smtClean="0"/>
+              <a:rPr lang="ru-RU"/>
               <a:t>Второй уровень</a:t>
             </a:r>
           </a:p>
           <a:p>
             <a:pPr lvl="2"/>
             <a:r>
-              <a:rPr lang="ru-RU" smtClean="0"/>
+              <a:rPr lang="ru-RU"/>
               <a:t>Третий уровень</a:t>
             </a:r>
           </a:p>
           <a:p>
             <a:pPr lvl="3"/>
             <a:r>
-              <a:rPr lang="ru-RU" smtClean="0"/>
+              <a:rPr lang="ru-RU"/>
               <a:t>Четвертый уровень</a:t>
             </a:r>
           </a:p>
           <a:p>
             <a:pPr lvl="4"/>
             <a:r>
-              <a:rPr lang="ru-RU" smtClean="0"/>
+              <a:rPr lang="ru-RU"/>
               <a:t>Пятый уровень</a:t>
             </a:r>
-            <a:endParaRPr lang="ru-RU"/>
           </a:p>
         </p:txBody>
       </p:sp>
@@ -1179,7 +1170,7 @@
           <a:p>
             <a:fld id="{3134C275-26C0-42CD-9111-9ADE65922AF9}" type="datetime1">
               <a:rPr lang="ru-RU" smtClean="0"/>
-              <a:t>28.11.2024</a:t>
+              <a:t>12.11.2025</a:t>
             </a:fld>
             <a:endParaRPr lang="ru-RU"/>
           </a:p>
@@ -1201,10 +1192,9 @@
           <a:lstStyle/>
           <a:p>
             <a:r>
-              <a:rPr lang="ru-RU" smtClean="0"/>
+              <a:rPr lang="ru-RU"/>
               <a:t>Артём Макаров</a:t>
             </a:r>
-            <a:endParaRPr lang="ru-RU"/>
           </a:p>
         </p:txBody>
       </p:sp>
@@ -1277,10 +1267,9 @@
           <a:lstStyle/>
           <a:p>
             <a:r>
-              <a:rPr lang="ru-RU" smtClean="0"/>
+              <a:rPr lang="ru-RU"/>
               <a:t>Образец заголовка</a:t>
             </a:r>
-            <a:endParaRPr lang="ru-RU"/>
           </a:p>
         </p:txBody>
       </p:sp>
@@ -1301,38 +1290,37 @@
           <a:p>
             <a:pPr lvl="0"/>
             <a:r>
-              <a:rPr lang="ru-RU" dirty="0" smtClean="0"/>
+              <a:rPr lang="ru-RU" dirty="0"/>
               <a:t>Образец текста</a:t>
             </a:r>
           </a:p>
           <a:p>
             <a:pPr lvl="1"/>
             <a:r>
-              <a:rPr lang="ru-RU" dirty="0" smtClean="0"/>
+              <a:rPr lang="ru-RU" dirty="0"/>
               <a:t>Второй уровень</a:t>
             </a:r>
           </a:p>
           <a:p>
             <a:pPr lvl="2"/>
             <a:r>
-              <a:rPr lang="ru-RU" dirty="0" smtClean="0"/>
+              <a:rPr lang="ru-RU" dirty="0"/>
               <a:t>Третий уровень</a:t>
             </a:r>
           </a:p>
           <a:p>
             <a:pPr lvl="3"/>
             <a:r>
-              <a:rPr lang="ru-RU" dirty="0" smtClean="0"/>
+              <a:rPr lang="ru-RU" dirty="0"/>
               <a:t>Четвертый уровень</a:t>
             </a:r>
           </a:p>
           <a:p>
             <a:pPr lvl="4"/>
             <a:r>
-              <a:rPr lang="ru-RU" dirty="0" smtClean="0"/>
+              <a:rPr lang="ru-RU" dirty="0"/>
               <a:t>Пятый уровень</a:t>
             </a:r>
-            <a:endParaRPr lang="ru-RU" dirty="0"/>
           </a:p>
         </p:txBody>
       </p:sp>
@@ -1353,7 +1341,7 @@
           <a:p>
             <a:fld id="{C1A9A50B-C350-45F5-8AAB-ADB9E670AF2E}" type="datetime1">
               <a:rPr lang="ru-RU" smtClean="0"/>
-              <a:t>28.11.2024</a:t>
+              <a:t>12.11.2025</a:t>
             </a:fld>
             <a:endParaRPr lang="ru-RU"/>
           </a:p>
@@ -1375,10 +1363,9 @@
           <a:lstStyle/>
           <a:p>
             <a:r>
-              <a:rPr lang="ru-RU" smtClean="0"/>
+              <a:rPr lang="ru-RU"/>
               <a:t>Артём Макаров</a:t>
             </a:r>
-            <a:endParaRPr lang="ru-RU"/>
           </a:p>
         </p:txBody>
       </p:sp>
@@ -1460,10 +1447,9 @@
           </a:lstStyle>
           <a:p>
             <a:r>
-              <a:rPr lang="ru-RU" smtClean="0"/>
+              <a:rPr lang="ru-RU"/>
               <a:t>Образец заголовка</a:t>
             </a:r>
-            <a:endParaRPr lang="ru-RU"/>
           </a:p>
         </p:txBody>
       </p:sp>
@@ -1580,7 +1566,7 @@
           <a:p>
             <a:pPr lvl="0"/>
             <a:r>
-              <a:rPr lang="ru-RU" smtClean="0"/>
+              <a:rPr lang="ru-RU"/>
               <a:t>Образец текста</a:t>
             </a:r>
           </a:p>
@@ -1603,7 +1589,7 @@
           <a:p>
             <a:fld id="{089688C9-348F-42F9-B6C0-5990DDE0C5B2}" type="datetime1">
               <a:rPr lang="ru-RU" smtClean="0"/>
-              <a:t>28.11.2024</a:t>
+              <a:t>12.11.2025</a:t>
             </a:fld>
             <a:endParaRPr lang="ru-RU"/>
           </a:p>
@@ -1625,10 +1611,9 @@
           <a:lstStyle/>
           <a:p>
             <a:r>
-              <a:rPr lang="ru-RU" smtClean="0"/>
+              <a:rPr lang="ru-RU"/>
               <a:t>Артём Макаров</a:t>
             </a:r>
-            <a:endParaRPr lang="ru-RU"/>
           </a:p>
         </p:txBody>
       </p:sp>
@@ -1701,10 +1686,9 @@
           <a:lstStyle/>
           <a:p>
             <a:r>
-              <a:rPr lang="ru-RU" smtClean="0"/>
+              <a:rPr lang="ru-RU"/>
               <a:t>Образец заголовка</a:t>
             </a:r>
-            <a:endParaRPr lang="ru-RU"/>
           </a:p>
         </p:txBody>
       </p:sp>
@@ -1730,38 +1714,37 @@
           <a:p>
             <a:pPr lvl="0"/>
             <a:r>
-              <a:rPr lang="ru-RU" smtClean="0"/>
+              <a:rPr lang="ru-RU"/>
               <a:t>Образец текста</a:t>
             </a:r>
           </a:p>
           <a:p>
             <a:pPr lvl="1"/>
             <a:r>
-              <a:rPr lang="ru-RU" smtClean="0"/>
+              <a:rPr lang="ru-RU"/>
               <a:t>Второй уровень</a:t>
             </a:r>
           </a:p>
           <a:p>
             <a:pPr lvl="2"/>
             <a:r>
-              <a:rPr lang="ru-RU" smtClean="0"/>
+              <a:rPr lang="ru-RU"/>
               <a:t>Третий уровень</a:t>
             </a:r>
           </a:p>
           <a:p>
             <a:pPr lvl="3"/>
             <a:r>
-              <a:rPr lang="ru-RU" smtClean="0"/>
+              <a:rPr lang="ru-RU"/>
               <a:t>Четвертый уровень</a:t>
             </a:r>
           </a:p>
           <a:p>
             <a:pPr lvl="4"/>
             <a:r>
-              <a:rPr lang="ru-RU" smtClean="0"/>
+              <a:rPr lang="ru-RU"/>
               <a:t>Пятый уровень</a:t>
             </a:r>
-            <a:endParaRPr lang="ru-RU"/>
           </a:p>
         </p:txBody>
       </p:sp>
@@ -1787,38 +1770,37 @@
           <a:p>
             <a:pPr lvl="0"/>
             <a:r>
-              <a:rPr lang="ru-RU" smtClean="0"/>
+              <a:rPr lang="ru-RU"/>
               <a:t>Образец текста</a:t>
             </a:r>
           </a:p>
           <a:p>
             <a:pPr lvl="1"/>
             <a:r>
-              <a:rPr lang="ru-RU" smtClean="0"/>
+              <a:rPr lang="ru-RU"/>
               <a:t>Второй уровень</a:t>
             </a:r>
           </a:p>
           <a:p>
             <a:pPr lvl="2"/>
             <a:r>
-              <a:rPr lang="ru-RU" smtClean="0"/>
+              <a:rPr lang="ru-RU"/>
               <a:t>Третий уровень</a:t>
             </a:r>
           </a:p>
           <a:p>
             <a:pPr lvl="3"/>
             <a:r>
-              <a:rPr lang="ru-RU" smtClean="0"/>
+              <a:rPr lang="ru-RU"/>
               <a:t>Четвертый уровень</a:t>
             </a:r>
           </a:p>
           <a:p>
             <a:pPr lvl="4"/>
             <a:r>
-              <a:rPr lang="ru-RU" smtClean="0"/>
+              <a:rPr lang="ru-RU"/>
               <a:t>Пятый уровень</a:t>
             </a:r>
-            <a:endParaRPr lang="ru-RU"/>
           </a:p>
         </p:txBody>
       </p:sp>
@@ -1839,7 +1821,7 @@
           <a:p>
             <a:fld id="{684AFD8F-6DD9-4AD3-A505-FDC3F5C5F3F6}" type="datetime1">
               <a:rPr lang="ru-RU" smtClean="0"/>
-              <a:t>28.11.2024</a:t>
+              <a:t>12.11.2025</a:t>
             </a:fld>
             <a:endParaRPr lang="ru-RU"/>
           </a:p>
@@ -1861,10 +1843,9 @@
           <a:lstStyle/>
           <a:p>
             <a:r>
-              <a:rPr lang="ru-RU" smtClean="0"/>
+              <a:rPr lang="ru-RU"/>
               <a:t>Артём Макаров</a:t>
             </a:r>
-            <a:endParaRPr lang="ru-RU"/>
           </a:p>
         </p:txBody>
       </p:sp>
@@ -1942,10 +1923,9 @@
           <a:lstStyle/>
           <a:p>
             <a:r>
-              <a:rPr lang="ru-RU" smtClean="0"/>
+              <a:rPr lang="ru-RU"/>
               <a:t>Образец заголовка</a:t>
             </a:r>
-            <a:endParaRPr lang="ru-RU"/>
           </a:p>
         </p:txBody>
       </p:sp>
@@ -2008,7 +1988,7 @@
           <a:p>
             <a:pPr lvl="0"/>
             <a:r>
-              <a:rPr lang="ru-RU" dirty="0" smtClean="0"/>
+              <a:rPr lang="ru-RU" dirty="0"/>
               <a:t>Образец текста</a:t>
             </a:r>
           </a:p>
@@ -2036,38 +2016,37 @@
           <a:p>
             <a:pPr lvl="0"/>
             <a:r>
-              <a:rPr lang="ru-RU" dirty="0" smtClean="0"/>
+              <a:rPr lang="ru-RU" dirty="0"/>
               <a:t>Образец текста</a:t>
             </a:r>
           </a:p>
           <a:p>
             <a:pPr lvl="1"/>
             <a:r>
-              <a:rPr lang="ru-RU" dirty="0" smtClean="0"/>
+              <a:rPr lang="ru-RU" dirty="0"/>
               <a:t>Второй уровень</a:t>
             </a:r>
           </a:p>
           <a:p>
             <a:pPr lvl="2"/>
             <a:r>
-              <a:rPr lang="ru-RU" dirty="0" smtClean="0"/>
+              <a:rPr lang="ru-RU" dirty="0"/>
               <a:t>Третий уровень</a:t>
             </a:r>
           </a:p>
           <a:p>
             <a:pPr lvl="3"/>
             <a:r>
-              <a:rPr lang="ru-RU" dirty="0" smtClean="0"/>
+              <a:rPr lang="ru-RU" dirty="0"/>
               <a:t>Четвертый уровень</a:t>
             </a:r>
           </a:p>
           <a:p>
             <a:pPr lvl="4"/>
             <a:r>
-              <a:rPr lang="ru-RU" dirty="0" smtClean="0"/>
+              <a:rPr lang="ru-RU" dirty="0"/>
               <a:t>Пятый уровень</a:t>
             </a:r>
-            <a:endParaRPr lang="ru-RU" dirty="0"/>
           </a:p>
         </p:txBody>
       </p:sp>
@@ -2130,7 +2109,7 @@
           <a:p>
             <a:pPr lvl="0"/>
             <a:r>
-              <a:rPr lang="ru-RU" smtClean="0"/>
+              <a:rPr lang="ru-RU"/>
               <a:t>Образец текста</a:t>
             </a:r>
           </a:p>
@@ -2158,38 +2137,37 @@
           <a:p>
             <a:pPr lvl="0"/>
             <a:r>
-              <a:rPr lang="ru-RU" smtClean="0"/>
+              <a:rPr lang="ru-RU"/>
               <a:t>Образец текста</a:t>
             </a:r>
           </a:p>
           <a:p>
             <a:pPr lvl="1"/>
             <a:r>
-              <a:rPr lang="ru-RU" smtClean="0"/>
+              <a:rPr lang="ru-RU"/>
               <a:t>Второй уровень</a:t>
             </a:r>
           </a:p>
           <a:p>
             <a:pPr lvl="2"/>
             <a:r>
-              <a:rPr lang="ru-RU" smtClean="0"/>
+              <a:rPr lang="ru-RU"/>
               <a:t>Третий уровень</a:t>
             </a:r>
           </a:p>
           <a:p>
             <a:pPr lvl="3"/>
             <a:r>
-              <a:rPr lang="ru-RU" smtClean="0"/>
+              <a:rPr lang="ru-RU"/>
               <a:t>Четвертый уровень</a:t>
             </a:r>
           </a:p>
           <a:p>
             <a:pPr lvl="4"/>
             <a:r>
-              <a:rPr lang="ru-RU" smtClean="0"/>
+              <a:rPr lang="ru-RU"/>
               <a:t>Пятый уровень</a:t>
             </a:r>
-            <a:endParaRPr lang="ru-RU"/>
           </a:p>
         </p:txBody>
       </p:sp>
@@ -2210,7 +2188,7 @@
           <a:p>
             <a:fld id="{63551EFE-4D02-45EB-A747-8B6F047B5AA0}" type="datetime1">
               <a:rPr lang="ru-RU" smtClean="0"/>
-              <a:t>28.11.2024</a:t>
+              <a:t>12.11.2025</a:t>
             </a:fld>
             <a:endParaRPr lang="ru-RU"/>
           </a:p>
@@ -2232,10 +2210,9 @@
           <a:lstStyle/>
           <a:p>
             <a:r>
-              <a:rPr lang="ru-RU" smtClean="0"/>
+              <a:rPr lang="ru-RU"/>
               <a:t>Артём Макаров</a:t>
             </a:r>
-            <a:endParaRPr lang="ru-RU"/>
           </a:p>
         </p:txBody>
       </p:sp>
@@ -2308,10 +2285,9 @@
           <a:lstStyle/>
           <a:p>
             <a:r>
-              <a:rPr lang="ru-RU" smtClean="0"/>
+              <a:rPr lang="ru-RU"/>
               <a:t>Образец заголовка</a:t>
             </a:r>
-            <a:endParaRPr lang="ru-RU"/>
           </a:p>
         </p:txBody>
       </p:sp>
@@ -2332,7 +2308,7 @@
           <a:p>
             <a:fld id="{813A9F34-E5CD-4B8F-AA9E-889C84372B20}" type="datetime1">
               <a:rPr lang="ru-RU" smtClean="0"/>
-              <a:t>28.11.2024</a:t>
+              <a:t>12.11.2025</a:t>
             </a:fld>
             <a:endParaRPr lang="ru-RU"/>
           </a:p>
@@ -2354,10 +2330,9 @@
           <a:lstStyle/>
           <a:p>
             <a:r>
-              <a:rPr lang="ru-RU" smtClean="0"/>
+              <a:rPr lang="ru-RU"/>
               <a:t>Артём Макаров</a:t>
             </a:r>
-            <a:endParaRPr lang="ru-RU"/>
           </a:p>
         </p:txBody>
       </p:sp>
@@ -2431,7 +2406,7 @@
           <a:p>
             <a:fld id="{51224D22-9B29-44A6-8E82-95FC492DEDC1}" type="datetime1">
               <a:rPr lang="ru-RU" smtClean="0"/>
-              <a:t>28.11.2024</a:t>
+              <a:t>12.11.2025</a:t>
             </a:fld>
             <a:endParaRPr lang="ru-RU"/>
           </a:p>
@@ -2453,10 +2428,9 @@
           <a:lstStyle/>
           <a:p>
             <a:r>
-              <a:rPr lang="ru-RU" smtClean="0"/>
+              <a:rPr lang="ru-RU"/>
               <a:t>Артём Макаров</a:t>
             </a:r>
-            <a:endParaRPr lang="ru-RU"/>
           </a:p>
         </p:txBody>
       </p:sp>
@@ -2538,10 +2512,9 @@
           </a:lstStyle>
           <a:p>
             <a:r>
-              <a:rPr lang="ru-RU" smtClean="0"/>
+              <a:rPr lang="ru-RU"/>
               <a:t>Образец заголовка</a:t>
             </a:r>
-            <a:endParaRPr lang="ru-RU"/>
           </a:p>
         </p:txBody>
       </p:sp>
@@ -2595,38 +2568,37 @@
           <a:p>
             <a:pPr lvl="0"/>
             <a:r>
-              <a:rPr lang="ru-RU" smtClean="0"/>
+              <a:rPr lang="ru-RU"/>
               <a:t>Образец текста</a:t>
             </a:r>
           </a:p>
           <a:p>
             <a:pPr lvl="1"/>
             <a:r>
-              <a:rPr lang="ru-RU" smtClean="0"/>
+              <a:rPr lang="ru-RU"/>
               <a:t>Второй уровень</a:t>
             </a:r>
           </a:p>
           <a:p>
             <a:pPr lvl="2"/>
             <a:r>
-              <a:rPr lang="ru-RU" smtClean="0"/>
+              <a:rPr lang="ru-RU"/>
               <a:t>Третий уровень</a:t>
             </a:r>
           </a:p>
           <a:p>
             <a:pPr lvl="3"/>
             <a:r>
-              <a:rPr lang="ru-RU" smtClean="0"/>
+              <a:rPr lang="ru-RU"/>
               <a:t>Четвертый уровень</a:t>
             </a:r>
           </a:p>
           <a:p>
             <a:pPr lvl="4"/>
             <a:r>
-              <a:rPr lang="ru-RU" smtClean="0"/>
+              <a:rPr lang="ru-RU"/>
               <a:t>Пятый уровень</a:t>
             </a:r>
-            <a:endParaRPr lang="ru-RU"/>
           </a:p>
         </p:txBody>
       </p:sp>
@@ -2689,7 +2661,7 @@
           <a:p>
             <a:pPr lvl="0"/>
             <a:r>
-              <a:rPr lang="ru-RU" smtClean="0"/>
+              <a:rPr lang="ru-RU"/>
               <a:t>Образец текста</a:t>
             </a:r>
           </a:p>
@@ -2712,7 +2684,7 @@
           <a:p>
             <a:fld id="{91D1034F-4441-48A1-BDC0-25EA1022324A}" type="datetime1">
               <a:rPr lang="ru-RU" smtClean="0"/>
-              <a:t>28.11.2024</a:t>
+              <a:t>12.11.2025</a:t>
             </a:fld>
             <a:endParaRPr lang="ru-RU"/>
           </a:p>
@@ -2734,10 +2706,9 @@
           <a:lstStyle/>
           <a:p>
             <a:r>
-              <a:rPr lang="ru-RU" smtClean="0"/>
+              <a:rPr lang="ru-RU"/>
               <a:t>Артём Макаров</a:t>
             </a:r>
-            <a:endParaRPr lang="ru-RU"/>
           </a:p>
         </p:txBody>
       </p:sp>
@@ -2819,10 +2790,9 @@
           </a:lstStyle>
           <a:p>
             <a:r>
-              <a:rPr lang="ru-RU" smtClean="0"/>
+              <a:rPr lang="ru-RU"/>
               <a:t>Образец заголовка</a:t>
             </a:r>
-            <a:endParaRPr lang="ru-RU"/>
           </a:p>
         </p:txBody>
       </p:sp>
@@ -2946,7 +2916,7 @@
           <a:p>
             <a:pPr lvl="0"/>
             <a:r>
-              <a:rPr lang="ru-RU" smtClean="0"/>
+              <a:rPr lang="ru-RU"/>
               <a:t>Образец текста</a:t>
             </a:r>
           </a:p>
@@ -2969,7 +2939,7 @@
           <a:p>
             <a:fld id="{B0FFDE79-B627-473B-AE17-4C65BD2495F7}" type="datetime1">
               <a:rPr lang="ru-RU" smtClean="0"/>
-              <a:t>28.11.2024</a:t>
+              <a:t>12.11.2025</a:t>
             </a:fld>
             <a:endParaRPr lang="ru-RU"/>
           </a:p>
@@ -2991,10 +2961,9 @@
           <a:lstStyle/>
           <a:p>
             <a:r>
-              <a:rPr lang="ru-RU" smtClean="0"/>
+              <a:rPr lang="ru-RU"/>
               <a:t>Артём Макаров</a:t>
             </a:r>
-            <a:endParaRPr lang="ru-RU"/>
           </a:p>
         </p:txBody>
       </p:sp>
@@ -3082,10 +3051,9 @@
           <a:lstStyle/>
           <a:p>
             <a:r>
-              <a:rPr lang="ru-RU" dirty="0" smtClean="0"/>
+              <a:rPr lang="ru-RU" dirty="0"/>
               <a:t>Образец заголовка</a:t>
             </a:r>
-            <a:endParaRPr lang="ru-RU" dirty="0"/>
           </a:p>
         </p:txBody>
       </p:sp>
@@ -3116,38 +3084,37 @@
           <a:p>
             <a:pPr lvl="0"/>
             <a:r>
-              <a:rPr lang="ru-RU" dirty="0" smtClean="0"/>
+              <a:rPr lang="ru-RU" dirty="0"/>
               <a:t>Образец текста</a:t>
             </a:r>
           </a:p>
           <a:p>
             <a:pPr lvl="1"/>
             <a:r>
-              <a:rPr lang="ru-RU" dirty="0" smtClean="0"/>
+              <a:rPr lang="ru-RU" dirty="0"/>
               <a:t>Второй уровень</a:t>
             </a:r>
           </a:p>
           <a:p>
             <a:pPr lvl="2"/>
             <a:r>
-              <a:rPr lang="ru-RU" dirty="0" smtClean="0"/>
+              <a:rPr lang="ru-RU" dirty="0"/>
               <a:t>Третий уровень</a:t>
             </a:r>
           </a:p>
           <a:p>
             <a:pPr lvl="3"/>
             <a:r>
-              <a:rPr lang="ru-RU" dirty="0" smtClean="0"/>
+              <a:rPr lang="ru-RU" dirty="0"/>
               <a:t>Четвертый уровень</a:t>
             </a:r>
           </a:p>
           <a:p>
             <a:pPr lvl="4"/>
             <a:r>
-              <a:rPr lang="ru-RU" dirty="0" smtClean="0"/>
+              <a:rPr lang="ru-RU" dirty="0"/>
               <a:t>Пятый уровень</a:t>
             </a:r>
-            <a:endParaRPr lang="ru-RU" dirty="0"/>
           </a:p>
         </p:txBody>
       </p:sp>
@@ -3186,7 +3153,7 @@
           <a:p>
             <a:fld id="{11CA537A-1B8C-47BA-9BA6-7CE3FAFDA8BE}" type="datetime1">
               <a:rPr lang="ru-RU" smtClean="0"/>
-              <a:t>28.11.2024</a:t>
+              <a:t>12.11.2025</a:t>
             </a:fld>
             <a:endParaRPr lang="ru-RU"/>
           </a:p>
@@ -3226,10 +3193,9 @@
           </a:lstStyle>
           <a:p>
             <a:r>
-              <a:rPr lang="ru-RU" smtClean="0"/>
+              <a:rPr lang="ru-RU"/>
               <a:t>Артём Макаров</a:t>
             </a:r>
-            <a:endParaRPr lang="ru-RU"/>
           </a:p>
         </p:txBody>
       </p:sp>
@@ -3619,44 +3585,31 @@
           <a:lstStyle/>
           <a:p>
             <a:r>
-              <a:rPr lang="ru-RU" dirty="0" smtClean="0"/>
-              <a:t>Прикладная </a:t>
-            </a:r>
-            <a:r>
               <a:rPr lang="ru-RU" dirty="0"/>
-              <a:t>К</a:t>
-            </a:r>
-            <a:r>
-              <a:rPr lang="ru-RU" dirty="0" smtClean="0"/>
-              <a:t>риптография</a:t>
-            </a:r>
-            <a:r>
-              <a:rPr lang="en-US" dirty="0" smtClean="0"/>
+              <a:t>Прикладная Криптография</a:t>
+            </a:r>
+            <a:r>
+              <a:rPr lang="en-US" dirty="0"/>
               <a:t>:</a:t>
             </a:r>
             <a:br>
-              <a:rPr lang="en-US" dirty="0" smtClean="0"/>
+              <a:rPr lang="en-US" dirty="0"/>
             </a:br>
             <a:r>
-              <a:rPr lang="ru-RU" dirty="0" smtClean="0"/>
+              <a:rPr lang="ru-RU" dirty="0"/>
               <a:t>Симметричные криптосистемы</a:t>
             </a:r>
-            <a:r>
-              <a:rPr lang="en-US" dirty="0" smtClean="0"/>
-              <a:t/>
-            </a:r>
             <a:br>
-              <a:rPr lang="en-US" dirty="0" smtClean="0"/>
+              <a:rPr lang="en-US" dirty="0"/>
             </a:br>
             <a:r>
-              <a:rPr lang="en-US" dirty="0" smtClean="0"/>
+              <a:rPr lang="en-US" dirty="0"/>
               <a:t> MAC: </a:t>
             </a:r>
             <a:r>
-              <a:rPr lang="ru-RU" dirty="0" smtClean="0"/>
+              <a:rPr lang="ru-RU" dirty="0"/>
               <a:t>схемы</a:t>
             </a:r>
-            <a:endParaRPr lang="ru-RU" dirty="0"/>
           </a:p>
         </p:txBody>
       </p:sp>
@@ -3681,22 +3634,18 @@
           <a:lstStyle/>
           <a:p>
             <a:r>
-              <a:rPr lang="ru-RU" dirty="0" smtClean="0"/>
+              <a:rPr lang="ru-RU" dirty="0"/>
               <a:t>Макаров Артём </a:t>
             </a:r>
           </a:p>
           <a:p>
             <a:r>
-              <a:rPr lang="ru-RU" dirty="0" smtClean="0"/>
-              <a:t>МИФИ </a:t>
-            </a:r>
-            <a:r>
-              <a:rPr lang="ru-RU" dirty="0" smtClean="0"/>
-              <a:t>202</a:t>
-            </a:r>
-            <a:r>
-              <a:rPr lang="en-US" smtClean="0"/>
-              <a:t>4</a:t>
+              <a:rPr lang="ru-RU" dirty="0"/>
+              <a:t>МИФИ 202</a:t>
+            </a:r>
+            <a:r>
+              <a:rPr lang="en-US"/>
+              <a:t>5</a:t>
             </a:r>
             <a:endParaRPr lang="ru-RU" dirty="0"/>
           </a:p>
@@ -3712,13 +3661,6 @@
   <p:clrMapOvr>
     <a:masterClrMapping/>
   </p:clrMapOvr>
-  <p:timing>
-    <p:tnLst>
-      <p:par>
-        <p:cTn id="1" dur="indefinite" restart="never" nodeType="tmRoot"/>
-      </p:par>
-    </p:tnLst>
-  </p:timing>
 </p:sld>
 </file>
 
@@ -3869,11 +3811,11 @@
                   <a:buNone/>
                 </a:pPr>
                 <a:r>
-                  <a:rPr lang="ru-RU" b="1" dirty="0" smtClean="0"/>
+                  <a:rPr lang="ru-RU" b="1" dirty="0"/>
                   <a:t>Теорема 9.3. </a:t>
                 </a:r>
                 <a:r>
-                  <a:rPr lang="ru-RU" dirty="0" smtClean="0"/>
+                  <a:rPr lang="ru-RU" dirty="0"/>
                   <a:t>Пусть </a:t>
                 </a:r>
                 <a14:m>
@@ -3887,20 +3829,16 @@
                   </m:oMath>
                 </a14:m>
                 <a:r>
-                  <a:rPr lang="ru-RU" dirty="0" smtClean="0"/>
+                  <a:rPr lang="ru-RU" dirty="0"/>
                   <a:t> – стойкая </a:t>
                 </a:r>
                 <a:r>
-                  <a:rPr lang="en-US" dirty="0" smtClean="0"/>
+                  <a:rPr lang="en-US" dirty="0"/>
                   <a:t>PRF</a:t>
                 </a:r>
                 <a:r>
                   <a:rPr lang="ru-RU" dirty="0"/>
-                  <a:t> </a:t>
-                </a:r>
-                <a:r>
-                  <a:rPr lang="ru-RU" dirty="0" smtClean="0"/>
-                  <a:t>на </a:t>
+                  <a:t> на </a:t>
                 </a:r>
                 <a14:m>
                   <m:oMath xmlns:m="http://schemas.openxmlformats.org/officeDocument/2006/math">
@@ -4004,15 +3942,15 @@
                   </m:oMath>
                 </a14:m>
                 <a:r>
-                  <a:rPr lang="ru-RU" dirty="0" smtClean="0"/>
+                  <a:rPr lang="ru-RU" dirty="0"/>
                   <a:t>. Для </a:t>
                 </a:r>
                 <a:r>
-                  <a:rPr lang="ru-RU" dirty="0" err="1" smtClean="0"/>
+                  <a:rPr lang="ru-RU" dirty="0" err="1"/>
                   <a:t>полиномиально</a:t>
                 </a:r>
                 <a:r>
-                  <a:rPr lang="ru-RU" dirty="0" smtClean="0"/>
+                  <a:rPr lang="ru-RU" dirty="0"/>
                   <a:t> ограниченной величины </a:t>
                 </a:r>
                 <a14:m>
@@ -4026,11 +3964,11 @@
                   </m:oMath>
                 </a14:m>
                 <a:r>
-                  <a:rPr lang="ru-RU" dirty="0" smtClean="0"/>
+                  <a:rPr lang="ru-RU" dirty="0"/>
                   <a:t> </a:t>
                 </a:r>
                 <a:r>
-                  <a:rPr lang="en-US" dirty="0" smtClean="0"/>
+                  <a:rPr lang="en-US" dirty="0"/>
                   <a:t>PRF </a:t>
                 </a:r>
                 <a14:m>
@@ -4124,35 +4062,35 @@
                   </m:oMath>
                 </a14:m>
                 <a:r>
-                  <a:rPr lang="en-US" dirty="0" smtClean="0"/>
+                  <a:rPr lang="en-US" dirty="0"/>
                   <a:t> </a:t>
                 </a:r>
                 <a:r>
-                  <a:rPr lang="ru-RU" dirty="0" smtClean="0"/>
+                  <a:rPr lang="ru-RU" dirty="0"/>
                   <a:t>является стойкой </a:t>
                 </a:r>
                 <a:r>
-                  <a:rPr lang="ru-RU" dirty="0" err="1" smtClean="0"/>
+                  <a:rPr lang="ru-RU" dirty="0" err="1"/>
                   <a:t>беспрификсной</a:t>
                 </a:r>
                 <a:r>
-                  <a:rPr lang="ru-RU" dirty="0" smtClean="0"/>
+                  <a:rPr lang="ru-RU" dirty="0"/>
                   <a:t> </a:t>
                 </a:r>
                 <a:r>
-                  <a:rPr lang="en-US" dirty="0" smtClean="0"/>
+                  <a:rPr lang="en-US" dirty="0"/>
                   <a:t>PRF</a:t>
                 </a:r>
                 <a:r>
-                  <a:rPr lang="ru-RU" dirty="0" smtClean="0"/>
+                  <a:rPr lang="ru-RU" dirty="0"/>
                   <a:t>, причём для любого </a:t>
                 </a:r>
                 <a:r>
-                  <a:rPr lang="ru-RU" dirty="0" err="1" smtClean="0"/>
+                  <a:rPr lang="ru-RU" dirty="0" err="1"/>
                   <a:t>беспрификсного</a:t>
                 </a:r>
                 <a:r>
-                  <a:rPr lang="ru-RU" dirty="0" smtClean="0"/>
+                  <a:rPr lang="ru-RU" dirty="0"/>
                   <a:t> противника </a:t>
                 </a:r>
                 <a14:m>
@@ -4166,7 +4104,7 @@
                   </m:oMath>
                 </a14:m>
                 <a:r>
-                  <a:rPr lang="ru-RU" dirty="0" smtClean="0"/>
+                  <a:rPr lang="ru-RU" dirty="0"/>
                   <a:t>, делающего не более </a:t>
                 </a:r>
                 <a14:m>
@@ -4180,15 +4118,15 @@
                   </m:oMath>
                 </a14:m>
                 <a:r>
-                  <a:rPr lang="ru-RU" dirty="0" smtClean="0"/>
+                  <a:rPr lang="ru-RU" dirty="0"/>
                   <a:t> запросов существует противник в игре на </a:t>
                 </a:r>
                 <a:r>
-                  <a:rPr lang="en-US" dirty="0" smtClean="0"/>
+                  <a:rPr lang="en-US" dirty="0"/>
                   <a:t>PRF</a:t>
                 </a:r>
                 <a:r>
-                  <a:rPr lang="ru-RU" dirty="0" smtClean="0"/>
+                  <a:rPr lang="ru-RU" dirty="0"/>
                   <a:t>, причём </a:t>
                 </a:r>
               </a:p>
@@ -4414,7 +4352,7 @@
                     </m:oMath>
                   </m:oMathPara>
                 </a14:m>
-                <a:endParaRPr lang="ru-RU" dirty="0" smtClean="0"/>
+                <a:endParaRPr lang="ru-RU" dirty="0"/>
               </a:p>
               <a:p>
                 <a:pPr marL="0" indent="0">
@@ -4422,19 +4360,11 @@
                 </a:pPr>
                 <a:r>
                   <a:rPr lang="ru-RU" b="1" dirty="0"/>
-                  <a:t>Теорема </a:t>
-                </a:r>
-                <a:r>
-                  <a:rPr lang="ru-RU" b="1" dirty="0" smtClean="0"/>
-                  <a:t>9.4</a:t>
-                </a:r>
-                <a:r>
-                  <a:rPr lang="ru-RU" dirty="0" smtClean="0"/>
-                  <a:t>. </a:t>
+                  <a:t>Теорема 9.4</a:t>
                 </a:r>
                 <a:r>
                   <a:rPr lang="ru-RU" dirty="0"/>
-                  <a:t>Пусть </a:t>
+                  <a:t>. Пусть </a:t>
                 </a:r>
                 <a14:m>
                   <m:oMath xmlns:m="http://schemas.openxmlformats.org/officeDocument/2006/math">
@@ -4504,12 +4434,8 @@
                   </m:oMath>
                 </a14:m>
                 <a:r>
-                  <a:rPr lang="ru-RU" dirty="0" smtClean="0"/>
-                  <a:t>. </a:t>
-                </a:r>
-                <a:r>
                   <a:rPr lang="ru-RU" dirty="0"/>
-                  <a:t>Для </a:t>
+                  <a:t>. Для </a:t>
                 </a:r>
                 <a:r>
                   <a:rPr lang="ru-RU" dirty="0" err="1"/>
@@ -4870,7 +4796,7 @@
                     </m:oMath>
                   </m:oMathPara>
                 </a14:m>
-                <a:endParaRPr lang="en-US" dirty="0" smtClean="0"/>
+                <a:endParaRPr lang="en-US" dirty="0"/>
               </a:p>
               <a:p>
                 <a:pPr marL="0" indent="0">
@@ -4888,11 +4814,11 @@
                   </m:oMath>
                 </a14:m>
                 <a:r>
-                  <a:rPr lang="en-US" dirty="0" smtClean="0"/>
+                  <a:rPr lang="en-US" dirty="0"/>
                   <a:t> </a:t>
                 </a:r>
                 <a:r>
-                  <a:rPr lang="ru-RU" dirty="0" smtClean="0"/>
+                  <a:rPr lang="ru-RU" dirty="0"/>
                   <a:t>без доказательства</a:t>
                 </a:r>
                 <a14:m>
@@ -4984,13 +4910,6 @@
   <p:clrMapOvr>
     <a:masterClrMapping/>
   </p:clrMapOvr>
-  <p:timing>
-    <p:tnLst>
-      <p:par>
-        <p:cTn id="1" dur="indefinite" restart="never" nodeType="tmRoot"/>
-      </p:par>
-    </p:tnLst>
-  </p:timing>
 </p:sld>
 </file>
 
@@ -5027,27 +4946,27 @@
           <a:lstStyle/>
           <a:p>
             <a:r>
-              <a:rPr lang="ru-RU" dirty="0" smtClean="0"/>
+              <a:rPr lang="ru-RU" dirty="0"/>
               <a:t>Построение стойкий </a:t>
             </a:r>
             <a:r>
-              <a:rPr lang="en-US" dirty="0" smtClean="0"/>
+              <a:rPr lang="en-US" dirty="0"/>
               <a:t>PRF </a:t>
             </a:r>
             <a:r>
-              <a:rPr lang="ru-RU" dirty="0" smtClean="0"/>
+              <a:rPr lang="ru-RU" dirty="0"/>
               <a:t>на основе </a:t>
             </a:r>
             <a:r>
-              <a:rPr lang="ru-RU" dirty="0" err="1" smtClean="0"/>
+              <a:rPr lang="ru-RU" dirty="0" err="1"/>
               <a:t>беспификсных</a:t>
             </a:r>
             <a:r>
-              <a:rPr lang="ru-RU" dirty="0" smtClean="0"/>
+              <a:rPr lang="ru-RU" dirty="0"/>
               <a:t> </a:t>
             </a:r>
             <a:r>
-              <a:rPr lang="en-US" dirty="0" smtClean="0"/>
+              <a:rPr lang="en-US" dirty="0"/>
               <a:t>PRF</a:t>
             </a:r>
             <a:endParaRPr lang="ru-RU" dirty="0"/>
@@ -5073,136 +4992,136 @@
               <a:buNone/>
             </a:pPr>
             <a:r>
-              <a:rPr lang="ru-RU" dirty="0" smtClean="0"/>
+              <a:rPr lang="ru-RU" dirty="0"/>
               <a:t>Рассмотрим 3 способа построения </a:t>
             </a:r>
             <a:r>
-              <a:rPr lang="en-US" dirty="0" smtClean="0"/>
+              <a:rPr lang="en-US" dirty="0"/>
               <a:t>PRF </a:t>
             </a:r>
             <a:r>
-              <a:rPr lang="ru-RU" dirty="0" smtClean="0"/>
+              <a:rPr lang="ru-RU" dirty="0"/>
               <a:t>на основе </a:t>
             </a:r>
             <a:r>
-              <a:rPr lang="ru-RU" dirty="0" err="1" smtClean="0"/>
+              <a:rPr lang="ru-RU" dirty="0" err="1"/>
               <a:t>беспрификсных</a:t>
             </a:r>
             <a:r>
-              <a:rPr lang="ru-RU" dirty="0" smtClean="0"/>
+              <a:rPr lang="ru-RU" dirty="0"/>
               <a:t>  </a:t>
             </a:r>
             <a:r>
-              <a:rPr lang="en-US" dirty="0" smtClean="0"/>
+              <a:rPr lang="en-US" dirty="0"/>
               <a:t>PRF:</a:t>
             </a:r>
           </a:p>
           <a:p>
             <a:pPr marL="342900" lvl="1" indent="-342900"/>
             <a:r>
-              <a:rPr lang="ru-RU" sz="2400" dirty="0" err="1" smtClean="0"/>
+              <a:rPr lang="ru-RU" sz="2400" dirty="0" err="1"/>
               <a:t>Зашифрование</a:t>
             </a:r>
             <a:r>
-              <a:rPr lang="ru-RU" sz="2400" dirty="0" smtClean="0"/>
+              <a:rPr lang="ru-RU" sz="2400" dirty="0"/>
               <a:t> выхода</a:t>
             </a:r>
             <a:r>
-              <a:rPr lang="en-US" sz="2400" dirty="0" smtClean="0"/>
+              <a:rPr lang="en-US" sz="2400" dirty="0"/>
               <a:t> </a:t>
             </a:r>
             <a:r>
-              <a:rPr lang="ru-RU" sz="2400" dirty="0" err="1" smtClean="0"/>
+              <a:rPr lang="ru-RU" sz="2400" dirty="0" err="1"/>
               <a:t>беспрификсной</a:t>
             </a:r>
             <a:r>
-              <a:rPr lang="ru-RU" sz="2400" dirty="0" smtClean="0"/>
+              <a:rPr lang="ru-RU" sz="2400" dirty="0"/>
               <a:t> </a:t>
             </a:r>
             <a:r>
-              <a:rPr lang="en-US" sz="2400" dirty="0" smtClean="0"/>
+              <a:rPr lang="en-US" sz="2400" dirty="0"/>
               <a:t>PRF</a:t>
             </a:r>
             <a:r>
-              <a:rPr lang="en-US" dirty="0" smtClean="0"/>
+              <a:rPr lang="en-US" dirty="0"/>
               <a:t>: </a:t>
             </a:r>
             <a:r>
-              <a:rPr lang="ru-RU" dirty="0" err="1" smtClean="0"/>
+              <a:rPr lang="ru-RU" dirty="0" err="1"/>
               <a:t>зашифрование</a:t>
             </a:r>
             <a:r>
-              <a:rPr lang="ru-RU" dirty="0" smtClean="0"/>
+              <a:rPr lang="ru-RU" dirty="0"/>
               <a:t> выхода </a:t>
             </a:r>
             <a:r>
-              <a:rPr lang="ru-RU" dirty="0" err="1" smtClean="0"/>
+              <a:rPr lang="ru-RU" dirty="0" err="1"/>
               <a:t>беспрификсной</a:t>
             </a:r>
             <a:r>
-              <a:rPr lang="ru-RU" dirty="0" smtClean="0"/>
+              <a:rPr lang="ru-RU" dirty="0"/>
               <a:t> </a:t>
             </a:r>
             <a:r>
-              <a:rPr lang="en-US" dirty="0" smtClean="0"/>
+              <a:rPr lang="en-US" dirty="0"/>
               <a:t>PRF </a:t>
             </a:r>
             <a:r>
-              <a:rPr lang="ru-RU" dirty="0" smtClean="0"/>
+              <a:rPr lang="ru-RU" dirty="0"/>
               <a:t> с использованием другой </a:t>
             </a:r>
             <a:r>
-              <a:rPr lang="en-US" dirty="0" smtClean="0"/>
+              <a:rPr lang="en-US" dirty="0"/>
               <a:t>PRF</a:t>
             </a:r>
           </a:p>
           <a:p>
             <a:pPr marL="342900" lvl="1" indent="-342900"/>
             <a:r>
-              <a:rPr lang="ru-RU" dirty="0" err="1" smtClean="0"/>
+              <a:rPr lang="ru-RU" dirty="0" err="1"/>
               <a:t>Беспрификсное</a:t>
             </a:r>
             <a:r>
-              <a:rPr lang="ru-RU" dirty="0" smtClean="0"/>
+              <a:rPr lang="ru-RU" dirty="0"/>
               <a:t> к</a:t>
             </a:r>
             <a:r>
-              <a:rPr lang="ru-RU" sz="2400" dirty="0" smtClean="0"/>
+              <a:rPr lang="ru-RU" sz="2400" dirty="0"/>
               <a:t>одирование</a:t>
             </a:r>
             <a:r>
-              <a:rPr lang="en-US" sz="2400" dirty="0" smtClean="0"/>
+              <a:rPr lang="en-US" sz="2400" dirty="0"/>
               <a:t>: </a:t>
             </a:r>
             <a:r>
-              <a:rPr lang="ru-RU" sz="2400" dirty="0" smtClean="0"/>
+              <a:rPr lang="ru-RU" sz="2400" dirty="0"/>
               <a:t>преобразовать входные данные так, чтобы все они были </a:t>
             </a:r>
             <a:r>
-              <a:rPr lang="ru-RU" sz="2400" dirty="0" err="1" smtClean="0"/>
+              <a:rPr lang="ru-RU" sz="2400" dirty="0" err="1"/>
               <a:t>беспрификсными</a:t>
             </a:r>
-            <a:endParaRPr lang="ru-RU" sz="2400" dirty="0" smtClean="0"/>
+            <a:endParaRPr lang="ru-RU" sz="2400" dirty="0"/>
           </a:p>
           <a:p>
             <a:pPr marL="342900" lvl="1" indent="-342900"/>
             <a:r>
-              <a:rPr lang="ru-RU" dirty="0" err="1" smtClean="0"/>
+              <a:rPr lang="ru-RU" dirty="0" err="1"/>
               <a:t>Беспрификсное</a:t>
             </a:r>
             <a:r>
-              <a:rPr lang="ru-RU" dirty="0" smtClean="0"/>
+              <a:rPr lang="ru-RU" dirty="0"/>
               <a:t> кодирование с рандомизацией</a:t>
             </a:r>
             <a:r>
-              <a:rPr lang="en-US" dirty="0" smtClean="0"/>
+              <a:rPr lang="en-US" dirty="0"/>
               <a:t>: CMAC</a:t>
             </a:r>
-            <a:endParaRPr lang="ru-RU" sz="2400" dirty="0" smtClean="0"/>
+            <a:endParaRPr lang="ru-RU" sz="2400" dirty="0"/>
           </a:p>
           <a:p>
             <a:pPr marL="342900" lvl="1" indent="-342900"/>
-            <a:endParaRPr lang="ru-RU" sz="2400" dirty="0" smtClean="0"/>
+            <a:endParaRPr lang="ru-RU" sz="2400" dirty="0"/>
           </a:p>
         </p:txBody>
       </p:sp>
@@ -5239,13 +5158,6 @@
   <p:clrMapOvr>
     <a:masterClrMapping/>
   </p:clrMapOvr>
-  <p:timing>
-    <p:tnLst>
-      <p:par>
-        <p:cTn id="1" dur="indefinite" restart="never" nodeType="tmRoot"/>
-      </p:par>
-    </p:tnLst>
-  </p:timing>
 </p:sld>
 </file>
 
@@ -5330,7 +5242,7 @@
                   <a:buNone/>
                 </a:pPr>
                 <a:r>
-                  <a:rPr lang="ru-RU" dirty="0" smtClean="0"/>
+                  <a:rPr lang="ru-RU" dirty="0"/>
                   <a:t>Пусть </a:t>
                 </a:r>
                 <a14:m>
@@ -5344,7 +5256,7 @@
                   </m:oMath>
                 </a14:m>
                 <a:r>
-                  <a:rPr lang="en-US" dirty="0" smtClean="0"/>
+                  <a:rPr lang="en-US" dirty="0"/>
                   <a:t> – PRF:</a:t>
                 </a:r>
                 <a14:m>
@@ -5432,7 +5344,7 @@
                   </m:oMath>
                 </a14:m>
                 <a:r>
-                  <a:rPr lang="en-US" dirty="0" smtClean="0"/>
+                  <a:rPr lang="en-US" dirty="0"/>
                   <a:t> </a:t>
                 </a:r>
                 <a14:m>
@@ -5446,7 +5358,7 @@
                   </m:oMath>
                 </a14:m>
                 <a:r>
-                  <a:rPr lang="en-US" dirty="0" smtClean="0"/>
+                  <a:rPr lang="en-US" dirty="0"/>
                   <a:t> – PRF: </a:t>
                 </a:r>
                 <a14:m>
@@ -5503,7 +5415,7 @@
                   </m:oMath>
                 </a14:m>
                 <a:r>
-                  <a:rPr lang="ru-RU" dirty="0" smtClean="0"/>
+                  <a:rPr lang="ru-RU" dirty="0"/>
                   <a:t>. </a:t>
                 </a:r>
               </a:p>
@@ -5512,7 +5424,7 @@
                   <a:buNone/>
                 </a:pPr>
                 <a:r>
-                  <a:rPr lang="ru-RU" dirty="0" smtClean="0"/>
+                  <a:rPr lang="ru-RU" dirty="0"/>
                   <a:t>Определим </a:t>
                 </a:r>
                 <a14:m>
@@ -6076,7 +5988,7 @@
                   <a:buNone/>
                 </a:pPr>
                 <a:r>
-                  <a:rPr lang="ru-RU" dirty="0" smtClean="0"/>
+                  <a:rPr lang="ru-RU" dirty="0"/>
                   <a:t>Пусть </a:t>
                 </a:r>
                 <a14:m>
@@ -6090,15 +6002,15 @@
                   </m:oMath>
                 </a14:m>
                 <a:r>
-                  <a:rPr lang="ru-RU" dirty="0" smtClean="0"/>
+                  <a:rPr lang="ru-RU" dirty="0"/>
                   <a:t> – </a:t>
                 </a:r>
                 <a:r>
-                  <a:rPr lang="en-US" dirty="0" smtClean="0"/>
+                  <a:rPr lang="en-US" dirty="0"/>
                   <a:t>PRF </a:t>
                 </a:r>
                 <a:r>
-                  <a:rPr lang="ru-RU" dirty="0" smtClean="0"/>
+                  <a:rPr lang="ru-RU" dirty="0"/>
                   <a:t>на </a:t>
                 </a:r>
                 <a14:m>
@@ -6173,7 +6085,7 @@
                   </m:oMath>
                 </a14:m>
                 <a:r>
-                  <a:rPr lang="ru-RU" dirty="0" smtClean="0"/>
+                  <a:rPr lang="ru-RU" dirty="0"/>
                   <a:t>. </a:t>
                 </a:r>
                 <a14:m>
@@ -6187,19 +6099,19 @@
                   </m:oMath>
                 </a14:m>
                 <a:r>
-                  <a:rPr lang="ru-RU" dirty="0" smtClean="0"/>
+                  <a:rPr lang="ru-RU" dirty="0"/>
                   <a:t> является </a:t>
                 </a:r>
                 <a:r>
-                  <a:rPr lang="ru-RU" b="1" dirty="0" smtClean="0"/>
+                  <a:rPr lang="ru-RU" b="1" dirty="0"/>
                   <a:t>расширяемой </a:t>
                 </a:r>
                 <a:r>
-                  <a:rPr lang="en-US" b="1" dirty="0" smtClean="0"/>
+                  <a:rPr lang="en-US" b="1" dirty="0"/>
                   <a:t>PRF</a:t>
                 </a:r>
                 <a:r>
-                  <a:rPr lang="ru-RU" dirty="0" smtClean="0"/>
+                  <a:rPr lang="ru-RU" dirty="0"/>
                   <a:t>, если </a:t>
                 </a:r>
                 <a14:m>
@@ -6327,7 +6239,7 @@
                     </m:r>
                   </m:oMath>
                 </a14:m>
-                <a:endParaRPr lang="en-US" b="0" dirty="0" smtClean="0"/>
+                <a:endParaRPr lang="en-US" b="0" dirty="0"/>
               </a:p>
               <a:p>
                 <a:pPr marL="0" indent="0" algn="ctr">
@@ -6528,7 +6440,7 @@
                   </m:oMath>
                 </a14:m>
                 <a:r>
-                  <a:rPr lang="ru-RU" dirty="0" smtClean="0"/>
+                  <a:rPr lang="ru-RU" dirty="0"/>
                   <a:t>.</a:t>
                 </a:r>
               </a:p>
@@ -6537,14 +6449,13 @@
                   <a:buNone/>
                 </a:pPr>
                 <a:r>
-                  <a:rPr lang="en-US" dirty="0" smtClean="0"/>
+                  <a:rPr lang="en-US" dirty="0"/>
                   <a:t>PRF CBC </a:t>
                 </a:r>
                 <a:r>
-                  <a:rPr lang="ru-RU" dirty="0" smtClean="0"/>
+                  <a:rPr lang="ru-RU" dirty="0"/>
                   <a:t>и каскадной конструкции являются расширяемыми.</a:t>
                 </a:r>
-                <a:endParaRPr lang="ru-RU" dirty="0"/>
               </a:p>
             </p:txBody>
           </p:sp>
@@ -6743,7 +6654,7 @@
                   <a:buNone/>
                 </a:pPr>
                 <a:r>
-                  <a:rPr lang="ru-RU" dirty="0" smtClean="0"/>
+                  <a:rPr lang="ru-RU" dirty="0"/>
                   <a:t>Если </a:t>
                 </a:r>
                 <a14:m>
@@ -6763,19 +6674,19 @@
                   </m:oMath>
                 </a14:m>
                 <a:r>
-                  <a:rPr lang="ru-RU" dirty="0" smtClean="0"/>
+                  <a:rPr lang="ru-RU" dirty="0"/>
                   <a:t>функция </a:t>
                 </a:r>
                 <a:r>
-                  <a:rPr lang="en-US" dirty="0" smtClean="0"/>
+                  <a:rPr lang="en-US" dirty="0"/>
                   <a:t>CBC </a:t>
                 </a:r>
                 <a:r>
-                  <a:rPr lang="ru-RU" dirty="0" smtClean="0"/>
+                  <a:rPr lang="ru-RU" dirty="0"/>
                   <a:t>или каскадная конструкция то </a:t>
                 </a:r>
                 <a:r>
-                  <a:rPr lang="en-US" dirty="0" smtClean="0"/>
+                  <a:rPr lang="en-US" dirty="0"/>
                   <a:t>PRF </a:t>
                 </a:r>
                 <a14:m>
@@ -6789,15 +6700,15 @@
                   </m:oMath>
                 </a14:m>
                 <a:r>
-                  <a:rPr lang="ru-RU" dirty="0" smtClean="0"/>
+                  <a:rPr lang="ru-RU" dirty="0"/>
                   <a:t> – стойкая </a:t>
                 </a:r>
                 <a:r>
-                  <a:rPr lang="en-US" dirty="0" smtClean="0"/>
+                  <a:rPr lang="en-US" dirty="0"/>
                   <a:t>PRF</a:t>
                 </a:r>
                 <a:r>
-                  <a:rPr lang="ru-RU" dirty="0" smtClean="0"/>
+                  <a:rPr lang="ru-RU" dirty="0"/>
                   <a:t>.</a:t>
                 </a:r>
               </a:p>
@@ -6806,11 +6717,11 @@
                   <a:buNone/>
                 </a:pPr>
                 <a:r>
-                  <a:rPr lang="ru-RU" b="1" dirty="0" smtClean="0"/>
+                  <a:rPr lang="ru-RU" b="1" dirty="0"/>
                   <a:t>Теорема 10.1. </a:t>
                 </a:r>
                 <a:r>
-                  <a:rPr lang="ru-RU" dirty="0" smtClean="0"/>
+                  <a:rPr lang="ru-RU" dirty="0"/>
                   <a:t>Пусть </a:t>
                 </a:r>
                 <a14:m>
@@ -6824,23 +6735,23 @@
                   </m:oMath>
                 </a14:m>
                 <a:r>
-                  <a:rPr lang="ru-RU" dirty="0" smtClean="0"/>
+                  <a:rPr lang="ru-RU" dirty="0"/>
                   <a:t> – расширяемая </a:t>
                 </a:r>
                 <a:r>
-                  <a:rPr lang="ru-RU" dirty="0" err="1" smtClean="0"/>
+                  <a:rPr lang="ru-RU" dirty="0" err="1"/>
                   <a:t>беспрификсная</a:t>
                 </a:r>
                 <a:r>
-                  <a:rPr lang="ru-RU" dirty="0" smtClean="0"/>
+                  <a:rPr lang="ru-RU" dirty="0"/>
                   <a:t> </a:t>
                 </a:r>
                 <a:r>
-                  <a:rPr lang="en-US" dirty="0" smtClean="0"/>
+                  <a:rPr lang="en-US" dirty="0"/>
                   <a:t>PRF</a:t>
                 </a:r>
                 <a:r>
-                  <a:rPr lang="ru-RU" dirty="0" smtClean="0"/>
+                  <a:rPr lang="ru-RU" dirty="0"/>
                   <a:t> на </a:t>
                 </a:r>
                 <a14:m>
@@ -6957,11 +6868,11 @@
                   </m:oMath>
                 </a14:m>
                 <a:r>
-                  <a:rPr lang="en-US" dirty="0" smtClean="0"/>
+                  <a:rPr lang="en-US" dirty="0"/>
                   <a:t> - </a:t>
                 </a:r>
                 <a:r>
-                  <a:rPr lang="ru-RU" dirty="0" smtClean="0"/>
+                  <a:rPr lang="ru-RU" dirty="0"/>
                   <a:t>сверх полиномиальная, </a:t>
                 </a:r>
                 <a14:m>
@@ -6975,15 +6886,15 @@
                   </m:oMath>
                 </a14:m>
                 <a:r>
-                  <a:rPr lang="en-US" dirty="0" smtClean="0"/>
+                  <a:rPr lang="en-US" dirty="0"/>
                   <a:t> – </a:t>
                 </a:r>
                 <a:r>
-                  <a:rPr lang="ru-RU" dirty="0" err="1" smtClean="0"/>
+                  <a:rPr lang="ru-RU" dirty="0" err="1"/>
                   <a:t>полиномиально</a:t>
                 </a:r>
                 <a:r>
-                  <a:rPr lang="ru-RU" dirty="0" smtClean="0"/>
+                  <a:rPr lang="ru-RU" dirty="0"/>
                   <a:t> ограниченная, </a:t>
                 </a:r>
                 <a14:m>
@@ -6997,7 +6908,7 @@
                   </m:oMath>
                 </a14:m>
                 <a:r>
-                  <a:rPr lang="ru-RU" dirty="0" smtClean="0"/>
+                  <a:rPr lang="ru-RU" dirty="0"/>
                   <a:t> – число запросов к </a:t>
                 </a:r>
                 <a14:m>
@@ -7011,11 +6922,11 @@
                   </m:oMath>
                 </a14:m>
                 <a:r>
-                  <a:rPr lang="en-US" dirty="0" smtClean="0"/>
+                  <a:rPr lang="en-US" dirty="0"/>
                   <a:t>.</a:t>
                 </a:r>
                 <a:r>
-                  <a:rPr lang="ru-RU" dirty="0" smtClean="0"/>
+                  <a:rPr lang="ru-RU" dirty="0"/>
                   <a:t> Пусть </a:t>
                 </a:r>
                 <a14:m>
@@ -7029,15 +6940,15 @@
                   </m:oMath>
                 </a14:m>
                 <a:r>
-                  <a:rPr lang="ru-RU" dirty="0" smtClean="0"/>
+                  <a:rPr lang="ru-RU" dirty="0"/>
                   <a:t> – стойкая </a:t>
                 </a:r>
                 <a:r>
-                  <a:rPr lang="en-US" dirty="0" smtClean="0"/>
+                  <a:rPr lang="en-US" dirty="0"/>
                   <a:t>PRF </a:t>
                 </a:r>
                 <a:r>
-                  <a:rPr lang="ru-RU" dirty="0" smtClean="0"/>
+                  <a:rPr lang="ru-RU" dirty="0"/>
                   <a:t>на </a:t>
                 </a:r>
                 <a14:m>
@@ -7106,7 +7017,7 @@
                   </m:oMath>
                 </a14:m>
                 <a:r>
-                  <a:rPr lang="ru-RU" dirty="0" smtClean="0"/>
+                  <a:rPr lang="ru-RU" dirty="0"/>
                   <a:t>. Тогда </a:t>
                 </a:r>
                 <a14:m>
@@ -7120,19 +7031,19 @@
                   </m:oMath>
                 </a14:m>
                 <a:r>
-                  <a:rPr lang="en-US" dirty="0" smtClean="0"/>
+                  <a:rPr lang="en-US" dirty="0"/>
                   <a:t> </a:t>
                 </a:r>
                 <a:r>
-                  <a:rPr lang="ru-RU" dirty="0" smtClean="0"/>
+                  <a:rPr lang="ru-RU" dirty="0"/>
                   <a:t>определённая ранее – стойкая </a:t>
                 </a:r>
                 <a:r>
-                  <a:rPr lang="en-US" dirty="0" smtClean="0"/>
+                  <a:rPr lang="en-US" dirty="0"/>
                   <a:t>PRF </a:t>
                 </a:r>
                 <a:r>
-                  <a:rPr lang="ru-RU" dirty="0" smtClean="0"/>
+                  <a:rPr lang="ru-RU" dirty="0"/>
                   <a:t>на </a:t>
                 </a:r>
                 <a14:m>
@@ -7261,7 +7172,7 @@
                     </m:r>
                   </m:oMath>
                 </a14:m>
-                <a:endParaRPr lang="en-US" dirty="0" smtClean="0"/>
+                <a:endParaRPr lang="en-US" dirty="0"/>
               </a:p>
               <a:p>
                 <a:pPr marL="0" indent="0">
@@ -7766,7 +7677,7 @@
                   </m:oMath>
                 </a14:m>
                 <a:r>
-                  <a:rPr lang="ru-RU" dirty="0" smtClean="0"/>
+                  <a:rPr lang="ru-RU" dirty="0"/>
                   <a:t> Рассмотрим идею доказательства. Самая неочевидная часть результирующей формулы </a:t>
                 </a:r>
                 <a14:m>
@@ -8067,7 +7978,7 @@
                   </m:oMath>
                 </a14:m>
                 <a:r>
-                  <a:rPr lang="ru-RU" dirty="0" smtClean="0"/>
+                  <a:rPr lang="ru-RU" dirty="0"/>
                   <a:t> это слагаемое </a:t>
                 </a:r>
                 <a14:m>
@@ -8118,7 +8029,7 @@
                   </m:oMath>
                 </a14:m>
                 <a:r>
-                  <a:rPr lang="ru-RU" dirty="0" smtClean="0"/>
+                  <a:rPr lang="ru-RU" dirty="0"/>
                   <a:t>. Рассмотрим причину его появления.</a:t>
                 </a:r>
               </a:p>
@@ -8127,7 +8038,7 @@
                   <a:buNone/>
                 </a:pPr>
                 <a:r>
-                  <a:rPr lang="ru-RU" dirty="0" smtClean="0"/>
+                  <a:rPr lang="ru-RU" dirty="0"/>
                   <a:t>Пусть противник запрашивает у оракула (претендента) </a:t>
                 </a:r>
                 <a14:m>
@@ -8141,11 +8052,11 @@
                   </m:oMath>
                 </a14:m>
                 <a:r>
-                  <a:rPr lang="en-US" dirty="0" smtClean="0"/>
+                  <a:rPr lang="en-US" dirty="0"/>
                   <a:t> </a:t>
                 </a:r>
                 <a:r>
-                  <a:rPr lang="ru-RU" dirty="0" smtClean="0"/>
+                  <a:rPr lang="ru-RU" dirty="0"/>
                   <a:t>кодов аутентичности для </a:t>
                 </a:r>
                 <a14:m>
@@ -8159,7 +8070,7 @@
                   </m:oMath>
                 </a14:m>
                 <a:r>
-                  <a:rPr lang="ru-RU" dirty="0" smtClean="0"/>
+                  <a:rPr lang="ru-RU" dirty="0"/>
                   <a:t> различных сообщений. Так как размер области значений </a:t>
                 </a:r>
                 <a14:m>
@@ -8173,11 +8084,11 @@
                   </m:oMath>
                 </a14:m>
                 <a:r>
-                  <a:rPr lang="en-US" dirty="0" smtClean="0"/>
+                  <a:rPr lang="en-US" dirty="0"/>
                   <a:t> </a:t>
                 </a:r>
                 <a:r>
-                  <a:rPr lang="ru-RU" dirty="0" smtClean="0"/>
+                  <a:rPr lang="ru-RU" dirty="0"/>
                   <a:t>есть </a:t>
                 </a:r>
                 <a14:m>
@@ -8203,11 +8114,11 @@
                   </m:oMath>
                 </a14:m>
                 <a:r>
-                  <a:rPr lang="ru-RU" dirty="0" smtClean="0"/>
+                  <a:rPr lang="ru-RU" dirty="0"/>
                   <a:t>, то используя парадокс дней рождений за</a:t>
                 </a:r>
                 <a:r>
-                  <a:rPr lang="en-US" dirty="0" smtClean="0"/>
+                  <a:rPr lang="en-US" dirty="0"/>
                   <a:t> </a:t>
                 </a:r>
                 <a14:m>
@@ -8259,15 +8170,15 @@
                   </m:oMath>
                 </a14:m>
                 <a:r>
-                  <a:rPr lang="ru-RU" dirty="0" smtClean="0"/>
+                  <a:rPr lang="ru-RU" dirty="0"/>
                   <a:t> произойдёт коллизия, и итоговое значение </a:t>
                 </a:r>
                 <a:r>
-                  <a:rPr lang="en-US" dirty="0" smtClean="0"/>
+                  <a:rPr lang="en-US" dirty="0"/>
                   <a:t>MAC </a:t>
                 </a:r>
                 <a:r>
-                  <a:rPr lang="ru-RU" dirty="0" smtClean="0"/>
+                  <a:rPr lang="ru-RU" dirty="0"/>
                   <a:t>тоже даст коллизию. Т.е. мы нашли пару </a:t>
                 </a:r>
                 <a14:m>
@@ -8490,15 +8401,15 @@
                   </m:oMath>
                 </a14:m>
                 <a:r>
-                  <a:rPr lang="ru-RU" dirty="0" smtClean="0"/>
+                  <a:rPr lang="ru-RU" dirty="0"/>
                   <a:t>.</a:t>
                 </a:r>
                 <a:r>
-                  <a:rPr lang="en-US" dirty="0" smtClean="0"/>
+                  <a:rPr lang="en-US" dirty="0"/>
                   <a:t> </a:t>
                 </a:r>
                 <a:r>
-                  <a:rPr lang="ru-RU" dirty="0" smtClean="0"/>
+                  <a:rPr lang="ru-RU" dirty="0"/>
                   <a:t>Так как </a:t>
                 </a:r>
                 <a14:m>
@@ -8512,11 +8423,11 @@
                   </m:oMath>
                 </a14:m>
                 <a:r>
-                  <a:rPr lang="ru-RU" dirty="0" smtClean="0"/>
+                  <a:rPr lang="ru-RU" dirty="0"/>
                   <a:t> расширяемая, то противник имея </a:t>
                 </a:r>
                 <a:r>
-                  <a:rPr lang="en-US" dirty="0" smtClean="0"/>
+                  <a:rPr lang="en-US" dirty="0"/>
                   <a:t>MAC </a:t>
                 </a:r>
                 <a14:m>
@@ -8530,7 +8441,7 @@
                   </m:oMath>
                 </a14:m>
                 <a:r>
-                  <a:rPr lang="ru-RU" dirty="0" smtClean="0"/>
+                  <a:rPr lang="ru-RU" dirty="0"/>
                   <a:t> для сообщения </a:t>
                 </a:r>
                 <a14:m>
@@ -8575,19 +8486,19 @@
                   </m:oMath>
                 </a14:m>
                 <a:r>
-                  <a:rPr lang="en-US" dirty="0" smtClean="0"/>
+                  <a:rPr lang="en-US" dirty="0"/>
                   <a:t> </a:t>
                 </a:r>
                 <a:r>
-                  <a:rPr lang="ru-RU" dirty="0" smtClean="0"/>
+                  <a:rPr lang="ru-RU" dirty="0"/>
                   <a:t>фактически имеет </a:t>
                 </a:r>
                 <a:r>
-                  <a:rPr lang="en-US" dirty="0" smtClean="0"/>
+                  <a:rPr lang="en-US" dirty="0"/>
                   <a:t>MAC </a:t>
                 </a:r>
                 <a:r>
-                  <a:rPr lang="ru-RU" dirty="0" smtClean="0"/>
+                  <a:rPr lang="ru-RU" dirty="0"/>
                   <a:t>для сообщения </a:t>
                 </a:r>
                 <a14:m>
@@ -8632,7 +8543,7 @@
                   </m:oMath>
                 </a14:m>
                 <a:r>
-                  <a:rPr lang="ru-RU" dirty="0" smtClean="0"/>
+                  <a:rPr lang="ru-RU" dirty="0"/>
                   <a:t>. </a:t>
                 </a:r>
                 <a14:m>
@@ -8914,7 +8825,7 @@
           <a:lstStyle/>
           <a:p>
             <a:r>
-              <a:rPr lang="en-US" dirty="0" smtClean="0"/>
+              <a:rPr lang="en-US" dirty="0"/>
               <a:t>ECBC MAC</a:t>
             </a:r>
             <a:endParaRPr lang="ru-RU" dirty="0"/>
@@ -8942,23 +8853,23 @@
                   <a:buNone/>
                 </a:pPr>
                 <a:r>
-                  <a:rPr lang="ru-RU" b="1" dirty="0" smtClean="0"/>
+                  <a:rPr lang="ru-RU" b="1" dirty="0"/>
                   <a:t>Теорема 10.2. </a:t>
                 </a:r>
                 <a:r>
-                  <a:rPr lang="ru-RU" dirty="0" err="1" smtClean="0"/>
+                  <a:rPr lang="ru-RU" dirty="0" err="1"/>
                   <a:t>Зашфированный</a:t>
                 </a:r>
                 <a:r>
-                  <a:rPr lang="ru-RU" dirty="0" smtClean="0"/>
+                  <a:rPr lang="ru-RU" dirty="0"/>
                   <a:t> </a:t>
                 </a:r>
                 <a:r>
-                  <a:rPr lang="en-US" dirty="0" smtClean="0"/>
+                  <a:rPr lang="en-US" dirty="0"/>
                   <a:t>CBC MAC</a:t>
                 </a:r>
                 <a:r>
-                  <a:rPr lang="ru-RU" dirty="0" smtClean="0"/>
+                  <a:rPr lang="ru-RU" dirty="0"/>
                   <a:t> </a:t>
                 </a:r>
                 <a14:m>
@@ -8972,11 +8883,11 @@
                   </m:oMath>
                 </a14:m>
                 <a:r>
-                  <a:rPr lang="ru-RU" dirty="0" smtClean="0"/>
+                  <a:rPr lang="ru-RU" dirty="0"/>
                   <a:t>, зашифрованный с использованием </a:t>
                 </a:r>
                 <a:r>
-                  <a:rPr lang="en-US" dirty="0" smtClean="0"/>
+                  <a:rPr lang="en-US" dirty="0"/>
                   <a:t>PRF </a:t>
                 </a:r>
                 <a14:m>
@@ -8990,11 +8901,11 @@
                   </m:oMath>
                 </a14:m>
                 <a:r>
-                  <a:rPr lang="en-US" dirty="0" smtClean="0"/>
+                  <a:rPr lang="en-US" dirty="0"/>
                   <a:t> </a:t>
                 </a:r>
                 <a:r>
-                  <a:rPr lang="ru-RU" dirty="0" smtClean="0"/>
+                  <a:rPr lang="ru-RU" dirty="0"/>
                   <a:t>на </a:t>
                 </a:r>
                 <a14:m>
@@ -9067,15 +8978,15 @@
                   </m:oMath>
                 </a14:m>
                 <a:r>
-                  <a:rPr lang="en-US" dirty="0" smtClean="0"/>
+                  <a:rPr lang="en-US" dirty="0"/>
                   <a:t> - </a:t>
                 </a:r>
                 <a:r>
-                  <a:rPr lang="ru-RU" dirty="0" smtClean="0"/>
+                  <a:rPr lang="ru-RU" dirty="0"/>
                   <a:t>сверх полиномиальная</a:t>
                 </a:r>
                 <a:r>
-                  <a:rPr lang="en-US" dirty="0" smtClean="0"/>
+                  <a:rPr lang="en-US" dirty="0"/>
                   <a:t>, </a:t>
                 </a:r>
                 <a14:m>
@@ -9089,19 +9000,19 @@
                   </m:oMath>
                 </a14:m>
                 <a:r>
-                  <a:rPr lang="en-US" dirty="0" smtClean="0"/>
+                  <a:rPr lang="en-US" dirty="0"/>
                   <a:t> – </a:t>
                 </a:r>
                 <a:r>
-                  <a:rPr lang="ru-RU" dirty="0" err="1" smtClean="0"/>
+                  <a:rPr lang="ru-RU" dirty="0" err="1"/>
                   <a:t>полиномиально</a:t>
                 </a:r>
                 <a:r>
-                  <a:rPr lang="ru-RU" dirty="0" smtClean="0"/>
+                  <a:rPr lang="ru-RU" dirty="0"/>
                   <a:t> ограниченная, число блоков</a:t>
                 </a:r>
                 <a:r>
-                  <a:rPr lang="en-US" dirty="0" smtClean="0"/>
+                  <a:rPr lang="en-US" dirty="0"/>
                   <a:t>, </a:t>
                 </a:r>
                 <a14:m>
@@ -9115,7 +9026,7 @@
                   </m:oMath>
                 </a14:m>
                 <a:r>
-                  <a:rPr lang="ru-RU" dirty="0" smtClean="0"/>
+                  <a:rPr lang="ru-RU" dirty="0"/>
                   <a:t> – число запросов противника к </a:t>
                 </a:r>
                 <a14:m>
@@ -9129,23 +9040,23 @@
                   </m:oMath>
                 </a14:m>
                 <a:r>
-                  <a:rPr lang="ru-RU" dirty="0" smtClean="0"/>
+                  <a:rPr lang="ru-RU" dirty="0"/>
                   <a:t>)</a:t>
                 </a:r>
                 <a:r>
-                  <a:rPr lang="en-US" dirty="0" smtClean="0"/>
+                  <a:rPr lang="en-US" dirty="0"/>
                   <a:t> – </a:t>
                 </a:r>
                 <a:r>
-                  <a:rPr lang="ru-RU" dirty="0" smtClean="0"/>
+                  <a:rPr lang="ru-RU" dirty="0"/>
                   <a:t>стойкая</a:t>
                 </a:r>
                 <a:r>
-                  <a:rPr lang="en-US" dirty="0" smtClean="0"/>
+                  <a:rPr lang="en-US" dirty="0"/>
                   <a:t> PRF </a:t>
                 </a:r>
                 <a:r>
-                  <a:rPr lang="ru-RU" dirty="0" smtClean="0"/>
+                  <a:rPr lang="ru-RU" dirty="0"/>
                   <a:t>на </a:t>
                 </a:r>
                 <a14:m>
@@ -9243,7 +9154,7 @@
                     </m:r>
                   </m:oMath>
                 </a14:m>
-                <a:endParaRPr lang="en-US" dirty="0" smtClean="0"/>
+                <a:endParaRPr lang="en-US" dirty="0"/>
               </a:p>
               <a:p>
                 <a:pPr marL="0" indent="0">
@@ -9621,7 +9532,7 @@
                     </m:oMath>
                   </m:oMathPara>
                 </a14:m>
-                <a:endParaRPr lang="ru-RU" dirty="0" smtClean="0"/>
+                <a:endParaRPr lang="ru-RU" dirty="0"/>
               </a:p>
               <a:p>
                 <a:pPr marL="0" indent="0">
@@ -9645,11 +9556,11 @@
                   </m:oMath>
                 </a14:m>
                 <a:r>
-                  <a:rPr lang="ru-RU" dirty="0" smtClean="0"/>
+                  <a:rPr lang="ru-RU" dirty="0"/>
                   <a:t>следствие </a:t>
                 </a:r>
                 <a:r>
-                  <a:rPr lang="ru-RU" b="1" dirty="0" smtClean="0"/>
+                  <a:rPr lang="ru-RU" b="1" dirty="0"/>
                   <a:t>Теоремы 10.1.</a:t>
                 </a:r>
                 <a14:m>
@@ -9815,7 +9726,7 @@
           <a:lstStyle/>
           <a:p>
             <a:r>
-              <a:rPr lang="en-US" dirty="0" smtClean="0"/>
+              <a:rPr lang="en-US" dirty="0"/>
               <a:t>NMAC</a:t>
             </a:r>
             <a:endParaRPr lang="ru-RU" dirty="0"/>
@@ -9847,7 +9758,7 @@
               <a:lstStyle/>
               <a:p>
                 <a:r>
-                  <a:rPr lang="en-US" dirty="0" smtClean="0"/>
+                  <a:rPr lang="en-US" dirty="0"/>
                   <a:t>PRF </a:t>
                 </a:r>
                 <a14:m>
@@ -9861,11 +9772,11 @@
                   </m:oMath>
                 </a14:m>
                 <a:r>
-                  <a:rPr lang="en-US" dirty="0" smtClean="0"/>
+                  <a:rPr lang="en-US" dirty="0"/>
                   <a:t> </a:t>
                 </a:r>
                 <a:r>
-                  <a:rPr lang="ru-RU" dirty="0" smtClean="0"/>
+                  <a:rPr lang="ru-RU" dirty="0"/>
                   <a:t>на </a:t>
                 </a:r>
                 <a14:m>
@@ -10026,7 +9937,7 @@
                   </m:oMath>
                 </a14:m>
                 <a:r>
-                  <a:rPr lang="en-US" dirty="0" smtClean="0"/>
+                  <a:rPr lang="en-US" dirty="0"/>
                   <a:t>, </a:t>
                 </a:r>
                 <a14:m>
@@ -10051,7 +9962,7 @@
                     </m:r>
                   </m:oMath>
                 </a14:m>
-                <a:endParaRPr lang="ru-RU" dirty="0" smtClean="0"/>
+                <a:endParaRPr lang="ru-RU" dirty="0"/>
               </a:p>
               <a:p>
                 <a14:m>
@@ -10100,23 +10011,23 @@
                   </m:oMath>
                 </a14:m>
                 <a:r>
-                  <a:rPr lang="en-US" dirty="0" err="1" smtClean="0"/>
+                  <a:rPr lang="en-US" dirty="0" err="1"/>
                   <a:t>fpad</a:t>
                 </a:r>
                 <a:r>
-                  <a:rPr lang="en-US" dirty="0" smtClean="0"/>
+                  <a:rPr lang="en-US" dirty="0"/>
                   <a:t>, </a:t>
                 </a:r>
                 <a:r>
-                  <a:rPr lang="en-US" dirty="0" err="1" smtClean="0"/>
+                  <a:rPr lang="en-US" dirty="0" err="1"/>
                   <a:t>fpad</a:t>
                 </a:r>
                 <a:r>
-                  <a:rPr lang="en-US" dirty="0" smtClean="0"/>
+                  <a:rPr lang="en-US" dirty="0"/>
                   <a:t> – </a:t>
                 </a:r>
                 <a:r>
-                  <a:rPr lang="ru-RU" dirty="0" smtClean="0"/>
+                  <a:rPr lang="ru-RU" dirty="0"/>
                   <a:t>фиксированное дополнение, длины </a:t>
                 </a:r>
                 <a14:m>
@@ -10142,19 +10053,19 @@
                   </m:oMath>
                 </a14:m>
                 <a:r>
-                  <a:rPr lang="en-US" dirty="0" smtClean="0"/>
+                  <a:rPr lang="en-US" dirty="0"/>
                   <a:t> </a:t>
                 </a:r>
                 <a:r>
-                  <a:rPr lang="ru-RU" dirty="0" smtClean="0"/>
+                  <a:rPr lang="ru-RU" dirty="0"/>
                   <a:t>бит</a:t>
                 </a:r>
                 <a:r>
-                  <a:rPr lang="en-US" dirty="0" smtClean="0"/>
+                  <a:rPr lang="en-US" dirty="0"/>
                   <a:t> (</a:t>
                 </a:r>
                 <a:r>
-                  <a:rPr lang="ru-RU" dirty="0" smtClean="0"/>
+                  <a:rPr lang="ru-RU" dirty="0"/>
                   <a:t>например все 0).</a:t>
                 </a:r>
               </a:p>
@@ -10162,14 +10073,14 @@
                 <a:pPr marL="0" indent="0">
                   <a:buNone/>
                 </a:pPr>
-                <a:endParaRPr lang="ru-RU" dirty="0" smtClean="0"/>
+                <a:endParaRPr lang="ru-RU" dirty="0"/>
               </a:p>
               <a:p>
                 <a:pPr marL="0" indent="0">
                   <a:buNone/>
                 </a:pPr>
                 <a:r>
-                  <a:rPr lang="ru-RU" b="1" dirty="0" smtClean="0"/>
+                  <a:rPr lang="ru-RU" b="1" dirty="0"/>
                   <a:t>Теорема 10.3. </a:t>
                 </a:r>
                 <a14:m>
@@ -10189,11 +10100,11 @@
                   </m:oMath>
                 </a14:m>
                 <a:r>
-                  <a:rPr lang="ru-RU" dirty="0" smtClean="0"/>
+                  <a:rPr lang="ru-RU" dirty="0"/>
                   <a:t> использующая </a:t>
                 </a:r>
                 <a:r>
-                  <a:rPr lang="en-US" dirty="0" smtClean="0"/>
+                  <a:rPr lang="en-US" dirty="0"/>
                   <a:t>PRF </a:t>
                 </a:r>
                 <a14:m>
@@ -10207,15 +10118,15 @@
                   </m:oMath>
                 </a14:m>
                 <a:r>
-                  <a:rPr lang="ru-RU" dirty="0" smtClean="0"/>
+                  <a:rPr lang="ru-RU" dirty="0"/>
                   <a:t> стойкая </a:t>
                 </a:r>
                 <a:r>
-                  <a:rPr lang="en-US" dirty="0" smtClean="0"/>
+                  <a:rPr lang="en-US" dirty="0"/>
                   <a:t>PRF </a:t>
                 </a:r>
                 <a:r>
-                  <a:rPr lang="ru-RU" dirty="0" smtClean="0"/>
+                  <a:rPr lang="ru-RU" dirty="0"/>
                   <a:t>на </a:t>
                 </a:r>
                 <a14:m>
@@ -10313,7 +10224,7 @@
                     </m:r>
                   </m:oMath>
                 </a14:m>
-                <a:endParaRPr lang="en-US" b="0" dirty="0" smtClean="0"/>
+                <a:endParaRPr lang="en-US" b="0" dirty="0"/>
               </a:p>
               <a:p>
                 <a:pPr marL="0" indent="0">
@@ -10673,13 +10584,13 @@
                     </m:oMath>
                   </m:oMathPara>
                 </a14:m>
-                <a:endParaRPr lang="en-US" dirty="0" smtClean="0"/>
+                <a:endParaRPr lang="en-US" dirty="0"/>
               </a:p>
               <a:p>
                 <a:pPr marL="0" indent="0">
                   <a:buNone/>
                 </a:pPr>
-                <a:endParaRPr lang="en-US" i="1" dirty="0" smtClean="0">
+                <a:endParaRPr lang="en-US" i="1" dirty="0">
                   <a:latin typeface="Cambria Math" panose="02040503050406030204" pitchFamily="18" charset="0"/>
                   <a:ea typeface="Cambria Math" panose="02040503050406030204" pitchFamily="18" charset="0"/>
                 </a:endParaRPr>
@@ -10725,7 +10636,7 @@
                   <a:buNone/>
                 </a:pPr>
                 <a:r>
-                  <a:rPr lang="en-US" dirty="0" smtClean="0"/>
+                  <a:rPr lang="en-US" dirty="0"/>
                   <a:t> </a:t>
                 </a:r>
                 <a:endParaRPr lang="ru-RU" dirty="0"/>
@@ -10840,15 +10751,15 @@
           <a:lstStyle/>
           <a:p>
             <a:r>
-              <a:rPr lang="en-US" dirty="0" smtClean="0"/>
+              <a:rPr lang="en-US" dirty="0"/>
               <a:t>NMAC </a:t>
             </a:r>
             <a:r>
-              <a:rPr lang="ru-RU" dirty="0" smtClean="0"/>
+              <a:rPr lang="ru-RU" dirty="0"/>
               <a:t>и </a:t>
             </a:r>
             <a:r>
-              <a:rPr lang="en-US" dirty="0" smtClean="0"/>
+              <a:rPr lang="en-US" dirty="0"/>
               <a:t>ECBC MAC</a:t>
             </a:r>
             <a:endParaRPr lang="ru-RU" dirty="0"/>
@@ -10871,55 +10782,54 @@
           <a:lstStyle/>
           <a:p>
             <a:r>
-              <a:rPr lang="ru-RU" dirty="0" smtClean="0"/>
+              <a:rPr lang="ru-RU" dirty="0"/>
               <a:t>Рассмотренные конструкции являются стойкими </a:t>
             </a:r>
             <a:r>
-              <a:rPr lang="en-US" dirty="0" smtClean="0"/>
+              <a:rPr lang="en-US" dirty="0"/>
               <a:t>PRF </a:t>
             </a:r>
             <a:r>
-              <a:rPr lang="ru-RU" dirty="0" smtClean="0"/>
+              <a:rPr lang="ru-RU" dirty="0"/>
               <a:t>и следовательно стойкими </a:t>
             </a:r>
             <a:r>
-              <a:rPr lang="en-US" dirty="0" smtClean="0"/>
+              <a:rPr lang="en-US" dirty="0"/>
               <a:t>MAC</a:t>
             </a:r>
             <a:endParaRPr lang="ru-RU" dirty="0"/>
           </a:p>
           <a:p>
             <a:r>
-              <a:rPr lang="ru-RU" dirty="0" smtClean="0"/>
+              <a:rPr lang="ru-RU" dirty="0"/>
               <a:t>Нет необходимости знать длину сообщения заранее, можно обновлять полученное значение </a:t>
             </a:r>
             <a:r>
-              <a:rPr lang="en-US" dirty="0" smtClean="0"/>
+              <a:rPr lang="en-US" dirty="0"/>
               <a:t>MAC </a:t>
             </a:r>
             <a:r>
-              <a:rPr lang="ru-RU" dirty="0" smtClean="0"/>
+              <a:rPr lang="ru-RU" dirty="0"/>
               <a:t>при получении новых блоков сообщения, не дожидаясь получения сообщения целиком</a:t>
             </a:r>
           </a:p>
           <a:p>
             <a:r>
-              <a:rPr lang="ru-RU" dirty="0" smtClean="0"/>
+              <a:rPr lang="ru-RU" dirty="0"/>
               <a:t>Можно использовать для сообщений произвольной длинны, </a:t>
             </a:r>
             <a:r>
-              <a:rPr lang="ru-RU" b="1" dirty="0" smtClean="0"/>
+              <a:rPr lang="ru-RU" b="1" dirty="0"/>
               <a:t>кратной размеру блока </a:t>
             </a:r>
             <a:r>
-              <a:rPr lang="en-US" dirty="0" smtClean="0"/>
+              <a:rPr lang="en-US" dirty="0"/>
               <a:t>PRF (</a:t>
             </a:r>
             <a:r>
-              <a:rPr lang="ru-RU" dirty="0" smtClean="0"/>
+              <a:rPr lang="ru-RU" dirty="0"/>
               <a:t>чаще всего – блочного шифра)</a:t>
             </a:r>
-            <a:endParaRPr lang="ru-RU" dirty="0"/>
           </a:p>
         </p:txBody>
       </p:sp>
@@ -10992,10 +10902,9 @@
           <a:lstStyle/>
           <a:p>
             <a:r>
-              <a:rPr lang="ru-RU" dirty="0" smtClean="0"/>
+              <a:rPr lang="ru-RU" dirty="0"/>
               <a:t>Тест.</a:t>
             </a:r>
-            <a:endParaRPr lang="ru-RU" dirty="0"/>
           </a:p>
         </p:txBody>
       </p:sp>
@@ -11020,41 +10929,40 @@
           <a:lstStyle/>
           <a:p>
             <a:r>
-              <a:rPr lang="ru-RU" dirty="0" smtClean="0"/>
+              <a:rPr lang="ru-RU" dirty="0"/>
               <a:t>Положить телефон экраном вниз справа от себя</a:t>
             </a:r>
           </a:p>
           <a:p>
             <a:r>
-              <a:rPr lang="ru-RU" dirty="0" smtClean="0"/>
+              <a:rPr lang="ru-RU" dirty="0"/>
               <a:t>Не разговаривать с соседями</a:t>
             </a:r>
           </a:p>
           <a:p>
             <a:r>
-              <a:rPr lang="ru-RU" dirty="0" smtClean="0"/>
+              <a:rPr lang="ru-RU" dirty="0"/>
               <a:t>Не пользоваться конспектами и электронными устройствами</a:t>
             </a:r>
           </a:p>
           <a:p>
             <a:r>
-              <a:rPr lang="ru-RU" dirty="0" smtClean="0"/>
+              <a:rPr lang="ru-RU" dirty="0"/>
               <a:t>Написать номер (по таблице) и ФИО на листочке</a:t>
             </a:r>
           </a:p>
           <a:p>
             <a:r>
-              <a:rPr lang="ru-RU" dirty="0" smtClean="0"/>
+              <a:rPr lang="ru-RU" dirty="0"/>
               <a:t>Написать краткий ответ на вопрос</a:t>
             </a:r>
-            <a:endParaRPr lang="en-US" dirty="0" smtClean="0"/>
+            <a:endParaRPr lang="en-US" dirty="0"/>
           </a:p>
           <a:p>
             <a:r>
-              <a:rPr lang="ru-RU" dirty="0" smtClean="0"/>
+              <a:rPr lang="ru-RU" dirty="0"/>
               <a:t>Дождаться окончания теста</a:t>
             </a:r>
-            <a:endParaRPr lang="ru-RU" dirty="0"/>
           </a:p>
         </p:txBody>
       </p:sp>
@@ -11241,24 +11149,23 @@
           <a:lstStyle/>
           <a:p>
             <a:r>
-              <a:rPr lang="en-US" sz="2600" dirty="0" smtClean="0"/>
+              <a:rPr lang="en-US" sz="2600" dirty="0"/>
               <a:t>4 </a:t>
             </a:r>
             <a:r>
-              <a:rPr lang="ru-RU" sz="2600" dirty="0" smtClean="0"/>
+              <a:rPr lang="ru-RU" sz="2600" dirty="0"/>
               <a:t>вопроса. </a:t>
             </a:r>
-            <a:endParaRPr lang="en-US" sz="2600" dirty="0" smtClean="0"/>
+            <a:endParaRPr lang="en-US" sz="2600" dirty="0"/>
           </a:p>
           <a:p>
             <a:endParaRPr lang="en-US" sz="2600" dirty="0"/>
           </a:p>
           <a:p>
             <a:r>
-              <a:rPr lang="ru-RU" sz="2600" dirty="0" smtClean="0"/>
+              <a:rPr lang="ru-RU" sz="2600" dirty="0"/>
               <a:t>Краткие ответы.</a:t>
             </a:r>
-            <a:endParaRPr lang="ru-RU" sz="2600" dirty="0"/>
           </a:p>
         </p:txBody>
       </p:sp>
@@ -11272,13 +11179,6 @@
   <p:clrMapOvr>
     <a:masterClrMapping/>
   </p:clrMapOvr>
-  <p:timing>
-    <p:tnLst>
-      <p:par>
-        <p:cTn id="1" dur="indefinite" restart="never" nodeType="tmRoot"/>
-      </p:par>
-    </p:tnLst>
-  </p:timing>
 </p:sld>
 </file>
 
@@ -11353,14 +11253,13 @@
           <a:lstStyle/>
           <a:p>
             <a:r>
-              <a:rPr lang="ru-RU" dirty="0" err="1" smtClean="0"/>
+              <a:rPr lang="ru-RU" dirty="0" err="1"/>
               <a:t>Беспрификсное</a:t>
             </a:r>
             <a:r>
-              <a:rPr lang="ru-RU" dirty="0" smtClean="0"/>
+              <a:rPr lang="ru-RU" dirty="0"/>
               <a:t> кодирование</a:t>
             </a:r>
-            <a:endParaRPr lang="ru-RU" dirty="0"/>
           </a:p>
         </p:txBody>
       </p:sp>
@@ -11390,35 +11289,35 @@
                   <a:buNone/>
                 </a:pPr>
                 <a:r>
-                  <a:rPr lang="ru-RU" dirty="0" smtClean="0"/>
+                  <a:rPr lang="ru-RU" dirty="0"/>
                   <a:t>Цель – закодировать «префиксные строки» в </a:t>
                 </a:r>
                 <a:r>
-                  <a:rPr lang="ru-RU" dirty="0" err="1" smtClean="0"/>
+                  <a:rPr lang="ru-RU" dirty="0" err="1"/>
                   <a:t>беспрификсные</a:t>
                 </a:r>
                 <a:r>
-                  <a:rPr lang="ru-RU" dirty="0" smtClean="0"/>
+                  <a:rPr lang="ru-RU" dirty="0"/>
                   <a:t>, для использования в </a:t>
                 </a:r>
                 <a:r>
-                  <a:rPr lang="ru-RU" dirty="0" err="1" smtClean="0"/>
+                  <a:rPr lang="ru-RU" dirty="0" err="1"/>
                   <a:t>беспрификсных</a:t>
                 </a:r>
                 <a:r>
-                  <a:rPr lang="ru-RU" dirty="0" smtClean="0"/>
+                  <a:rPr lang="ru-RU" dirty="0"/>
                   <a:t> </a:t>
                 </a:r>
                 <a:r>
-                  <a:rPr lang="en-US" dirty="0" smtClean="0"/>
+                  <a:rPr lang="en-US" dirty="0"/>
                   <a:t>PRF </a:t>
                 </a:r>
                 <a:r>
-                  <a:rPr lang="ru-RU" dirty="0" smtClean="0"/>
+                  <a:rPr lang="ru-RU" dirty="0"/>
                   <a:t>для получения </a:t>
                 </a:r>
                 <a:r>
-                  <a:rPr lang="en-US" dirty="0" smtClean="0"/>
+                  <a:rPr lang="en-US" dirty="0"/>
                   <a:t>MAC</a:t>
                 </a:r>
               </a:p>
@@ -11427,7 +11326,7 @@
                   <a:buNone/>
                 </a:pPr>
                 <a:r>
-                  <a:rPr lang="ru-RU" dirty="0" smtClean="0"/>
+                  <a:rPr lang="ru-RU" dirty="0"/>
                   <a:t>Пусть </a:t>
                 </a:r>
                 <a14:m>
@@ -11474,11 +11373,11 @@
                   </m:oMath>
                 </a14:m>
                 <a:r>
-                  <a:rPr lang="en-US" dirty="0" smtClean="0"/>
+                  <a:rPr lang="en-US" dirty="0"/>
                   <a:t> - </a:t>
                 </a:r>
                 <a:r>
-                  <a:rPr lang="ru-RU" dirty="0" smtClean="0"/>
+                  <a:rPr lang="ru-RU" dirty="0"/>
                   <a:t>множество непустых строк, длины не более </a:t>
                 </a:r>
                 <a14:m>
@@ -11492,11 +11391,11 @@
                   </m:oMath>
                 </a14:m>
                 <a:r>
-                  <a:rPr lang="en-US" dirty="0" smtClean="0"/>
+                  <a:rPr lang="en-US" dirty="0"/>
                   <a:t> </a:t>
                 </a:r>
                 <a:r>
-                  <a:rPr lang="ru-RU" dirty="0" smtClean="0"/>
+                  <a:rPr lang="ru-RU" dirty="0"/>
                   <a:t>элементов в </a:t>
                 </a:r>
                 <a14:m>
@@ -11510,7 +11409,7 @@
                   </m:oMath>
                 </a14:m>
                 <a:r>
-                  <a:rPr lang="ru-RU" dirty="0" smtClean="0"/>
+                  <a:rPr lang="ru-RU" dirty="0"/>
                   <a:t>. </a:t>
                 </a:r>
               </a:p>
@@ -11520,11 +11419,7 @@
                 </a:pPr>
                 <a:r>
                   <a:rPr lang="ru-RU" dirty="0"/>
-                  <a:t>Ф</a:t>
-                </a:r>
-                <a:r>
-                  <a:rPr lang="ru-RU" dirty="0" smtClean="0"/>
-                  <a:t>ункция </a:t>
+                  <a:t>Функция </a:t>
                 </a:r>
                 <a14:m>
                   <m:oMath xmlns:m="http://schemas.openxmlformats.org/officeDocument/2006/math">
@@ -11594,15 +11489,15 @@
                   </m:oMath>
                 </a14:m>
                 <a:r>
-                  <a:rPr lang="ru-RU" dirty="0" smtClean="0"/>
+                  <a:rPr lang="ru-RU" dirty="0"/>
                   <a:t> называется </a:t>
                 </a:r>
                 <a:r>
-                  <a:rPr lang="ru-RU" dirty="0" err="1" smtClean="0"/>
+                  <a:rPr lang="ru-RU" dirty="0" err="1"/>
                   <a:t>беспрификсным</a:t>
                 </a:r>
                 <a:r>
-                  <a:rPr lang="ru-RU" dirty="0" smtClean="0"/>
+                  <a:rPr lang="ru-RU" dirty="0"/>
                   <a:t> кодированием, если </a:t>
                 </a:r>
                 <a14:m>
@@ -11616,11 +11511,11 @@
                   </m:oMath>
                 </a14:m>
                 <a:r>
-                  <a:rPr lang="en-US" dirty="0" smtClean="0"/>
+                  <a:rPr lang="en-US" dirty="0"/>
                   <a:t> – </a:t>
                 </a:r>
                 <a:r>
-                  <a:rPr lang="ru-RU" dirty="0" smtClean="0"/>
+                  <a:rPr lang="ru-RU" dirty="0"/>
                   <a:t>инъективна и множество элементов из образа </a:t>
                 </a:r>
                 <a14:m>
@@ -11634,19 +11529,19 @@
                   </m:oMath>
                 </a14:m>
                 <a:r>
-                  <a:rPr lang="en-US" dirty="0" smtClean="0"/>
+                  <a:rPr lang="en-US" dirty="0"/>
                   <a:t> –</a:t>
                 </a:r>
                 <a:r>
-                  <a:rPr lang="ru-RU" dirty="0" smtClean="0"/>
+                  <a:rPr lang="ru-RU" dirty="0"/>
                   <a:t> </a:t>
                 </a:r>
                 <a:r>
-                  <a:rPr lang="ru-RU" dirty="0" err="1" smtClean="0"/>
+                  <a:rPr lang="ru-RU" dirty="0" err="1"/>
                   <a:t>беспрификсное</a:t>
                 </a:r>
                 <a:r>
-                  <a:rPr lang="ru-RU" dirty="0" smtClean="0"/>
+                  <a:rPr lang="ru-RU" dirty="0"/>
                   <a:t> множество.</a:t>
                 </a:r>
               </a:p>
@@ -11655,11 +11550,11 @@
                   <a:buNone/>
                 </a:pPr>
                 <a:r>
-                  <a:rPr lang="ru-RU" b="1" dirty="0" smtClean="0"/>
+                  <a:rPr lang="ru-RU" b="1" dirty="0"/>
                   <a:t>Теорема 10.4. </a:t>
                 </a:r>
                 <a:r>
-                  <a:rPr lang="ru-RU" dirty="0" smtClean="0"/>
+                  <a:rPr lang="ru-RU" dirty="0"/>
                   <a:t>Пусть </a:t>
                 </a:r>
                 <a14:m>
@@ -11673,15 +11568,15 @@
                   </m:oMath>
                 </a14:m>
                 <a:r>
-                  <a:rPr lang="en-US" dirty="0" smtClean="0"/>
+                  <a:rPr lang="en-US" dirty="0"/>
                   <a:t> – </a:t>
                 </a:r>
                 <a:r>
-                  <a:rPr lang="ru-RU" dirty="0" err="1" smtClean="0"/>
+                  <a:rPr lang="ru-RU" dirty="0" err="1"/>
                   <a:t>беспрификсное</a:t>
                 </a:r>
                 <a:r>
-                  <a:rPr lang="ru-RU" dirty="0" smtClean="0"/>
+                  <a:rPr lang="ru-RU" dirty="0"/>
                   <a:t> кодирование, </a:t>
                 </a:r>
                 <a14:m>
@@ -11695,23 +11590,23 @@
                   </m:oMath>
                 </a14:m>
                 <a:r>
-                  <a:rPr lang="en-US" dirty="0" smtClean="0"/>
+                  <a:rPr lang="en-US" dirty="0"/>
                   <a:t> – </a:t>
                 </a:r>
                 <a:r>
-                  <a:rPr lang="ru-RU" dirty="0" err="1" smtClean="0"/>
+                  <a:rPr lang="ru-RU" dirty="0" err="1"/>
                   <a:t>беспрификсная</a:t>
                 </a:r>
                 <a:r>
-                  <a:rPr lang="ru-RU" dirty="0" smtClean="0"/>
+                  <a:rPr lang="ru-RU" dirty="0"/>
                   <a:t> </a:t>
                 </a:r>
                 <a:r>
-                  <a:rPr lang="en-US" dirty="0" smtClean="0"/>
+                  <a:rPr lang="en-US" dirty="0"/>
                   <a:t>PRF </a:t>
                 </a:r>
                 <a:r>
-                  <a:rPr lang="ru-RU" dirty="0" smtClean="0"/>
+                  <a:rPr lang="ru-RU" dirty="0"/>
                   <a:t>на </a:t>
                 </a:r>
                 <a14:m>
@@ -11786,11 +11681,11 @@
                   </m:oMath>
                 </a14:m>
                 <a:r>
-                  <a:rPr lang="ru-RU" dirty="0" smtClean="0"/>
+                  <a:rPr lang="ru-RU" dirty="0"/>
                   <a:t>. Тогда </a:t>
                 </a:r>
                 <a:r>
-                  <a:rPr lang="en-US" dirty="0" smtClean="0"/>
+                  <a:rPr lang="en-US" dirty="0"/>
                   <a:t>PRF </a:t>
                 </a:r>
                 <a14:m>
@@ -11892,19 +11787,19 @@
                   </m:oMath>
                 </a14:m>
                 <a:r>
-                  <a:rPr lang="en-US" dirty="0" smtClean="0"/>
+                  <a:rPr lang="en-US" dirty="0"/>
                   <a:t> – </a:t>
                 </a:r>
                 <a:r>
-                  <a:rPr lang="ru-RU" dirty="0" smtClean="0"/>
+                  <a:rPr lang="ru-RU" dirty="0"/>
                   <a:t>стойкая </a:t>
                 </a:r>
                 <a:r>
-                  <a:rPr lang="en-US" dirty="0" smtClean="0"/>
+                  <a:rPr lang="en-US" dirty="0"/>
                   <a:t>PRF</a:t>
                 </a:r>
                 <a:r>
-                  <a:rPr lang="ru-RU" dirty="0" smtClean="0"/>
+                  <a:rPr lang="ru-RU" dirty="0"/>
                   <a:t> на </a:t>
                 </a:r>
                 <a14:m>
@@ -11954,7 +11849,7 @@
                   </m:oMath>
                 </a14:m>
                 <a:r>
-                  <a:rPr lang="en-US" dirty="0" smtClean="0"/>
+                  <a:rPr lang="en-US" dirty="0"/>
                   <a:t> </a:t>
                 </a:r>
               </a:p>
@@ -11974,11 +11869,11 @@
                   </m:oMath>
                 </a14:m>
                 <a:r>
-                  <a:rPr lang="ru-RU" dirty="0" smtClean="0"/>
+                  <a:rPr lang="ru-RU" dirty="0"/>
                   <a:t>Очевидно следует из определения беспрификсной </a:t>
                 </a:r>
                 <a:r>
-                  <a:rPr lang="en-US" dirty="0" smtClean="0"/>
+                  <a:rPr lang="en-US" dirty="0"/>
                   <a:t>PRF</a:t>
                 </a:r>
                 <a14:m>
@@ -11998,13 +11893,13 @@
                 <a:pPr marL="0" indent="0">
                   <a:buNone/>
                 </a:pPr>
-                <a:endParaRPr lang="en-US" dirty="0" smtClean="0"/>
+                <a:endParaRPr lang="en-US" dirty="0"/>
               </a:p>
               <a:p>
                 <a:pPr marL="0" indent="0">
                   <a:buNone/>
                 </a:pPr>
-                <a:endParaRPr lang="en-US" dirty="0" smtClean="0"/>
+                <a:endParaRPr lang="en-US" dirty="0"/>
               </a:p>
             </p:txBody>
           </p:sp>
@@ -12144,7 +12039,7 @@
               <a:lstStyle/>
               <a:p>
                 <a:r>
-                  <a:rPr lang="ru-RU" dirty="0" smtClean="0"/>
+                  <a:rPr lang="ru-RU" dirty="0"/>
                   <a:t>Метод 1. Добавление длины</a:t>
                 </a:r>
               </a:p>
@@ -12363,7 +12258,7 @@
                     </m:oMath>
                   </m:oMathPara>
                 </a14:m>
-                <a:endParaRPr lang="en-US" b="0" dirty="0" smtClean="0"/>
+                <a:endParaRPr lang="en-US" b="0" dirty="0"/>
               </a:p>
               <a:p>
                 <a:pPr marL="0" indent="0">
@@ -12537,11 +12432,11 @@
                     </m:oMath>
                   </m:oMathPara>
                 </a14:m>
-                <a:endParaRPr lang="en-US" dirty="0" smtClean="0"/>
+                <a:endParaRPr lang="en-US" dirty="0"/>
               </a:p>
               <a:p>
                 <a:r>
-                  <a:rPr lang="ru-RU" dirty="0" smtClean="0"/>
+                  <a:rPr lang="ru-RU" dirty="0"/>
                   <a:t>Метод 2. «Остановочные биты»</a:t>
                 </a:r>
               </a:p>
@@ -12848,7 +12743,7 @@
                     </m:oMath>
                   </m:oMathPara>
                 </a14:m>
-                <a:endParaRPr lang="en-US" b="0" dirty="0" smtClean="0"/>
+                <a:endParaRPr lang="en-US" b="0" dirty="0"/>
               </a:p>
               <a:p>
                 <a:pPr marL="0" indent="0">
@@ -13164,13 +13059,13 @@
                     </m:oMath>
                   </m:oMathPara>
                 </a14:m>
-                <a:endParaRPr lang="en-US" dirty="0" smtClean="0"/>
+                <a:endParaRPr lang="en-US" dirty="0"/>
               </a:p>
               <a:p>
                 <a:pPr marL="0" indent="0">
                   <a:buNone/>
                 </a:pPr>
-                <a:endParaRPr lang="en-US" i="1" dirty="0" smtClean="0">
+                <a:endParaRPr lang="en-US" i="1" dirty="0">
                   <a:latin typeface="Cambria Math" panose="02040503050406030204" pitchFamily="18" charset="0"/>
                   <a:ea typeface="Cambria Math" panose="02040503050406030204" pitchFamily="18" charset="0"/>
                 </a:endParaRPr>
@@ -13192,11 +13087,7 @@
                 </a14:m>
                 <a:r>
                   <a:rPr lang="ru-RU" dirty="0"/>
-                  <a:t>Очевидна</a:t>
-                </a:r>
-                <a:r>
-                  <a:rPr lang="ru-RU" dirty="0" smtClean="0"/>
-                  <a:t> инъективность и беспрификсность образа</a:t>
+                  <a:t>Очевидна инъективность и беспрификсность образа</a:t>
                 </a:r>
                 <a14:m>
                   <m:oMath xmlns:m="http://schemas.openxmlformats.org/officeDocument/2006/math">
@@ -13351,75 +13242,71 @@
           <a:lstStyle/>
           <a:p>
             <a:r>
-              <a:rPr lang="ru-RU" dirty="0" smtClean="0"/>
+              <a:rPr lang="ru-RU" dirty="0"/>
               <a:t>Позволяет использовать </a:t>
             </a:r>
             <a:r>
-              <a:rPr lang="ru-RU" dirty="0" err="1" smtClean="0"/>
+              <a:rPr lang="ru-RU" dirty="0" err="1"/>
               <a:t>беспрификсные</a:t>
             </a:r>
             <a:r>
-              <a:rPr lang="ru-RU" dirty="0" smtClean="0"/>
+              <a:rPr lang="ru-RU" dirty="0"/>
               <a:t> </a:t>
             </a:r>
             <a:r>
-              <a:rPr lang="en-US" dirty="0" smtClean="0"/>
+              <a:rPr lang="en-US" dirty="0"/>
               <a:t>PRF </a:t>
             </a:r>
             <a:r>
-              <a:rPr lang="ru-RU" dirty="0" smtClean="0"/>
+              <a:rPr lang="ru-RU" dirty="0"/>
               <a:t>в качестве </a:t>
             </a:r>
             <a:r>
-              <a:rPr lang="en-US" dirty="0" smtClean="0"/>
+              <a:rPr lang="en-US" dirty="0"/>
               <a:t>MAC</a:t>
             </a:r>
           </a:p>
           <a:p>
             <a:r>
-              <a:rPr lang="ru-RU" dirty="0" smtClean="0"/>
+              <a:rPr lang="ru-RU" dirty="0"/>
               <a:t>Добавление длины сообщения увеличивает длину сообщений как входа для </a:t>
             </a:r>
             <a:r>
-              <a:rPr lang="ru-RU" dirty="0" err="1" smtClean="0"/>
+              <a:rPr lang="ru-RU" dirty="0" err="1"/>
               <a:t>беспрификсной</a:t>
             </a:r>
             <a:r>
-              <a:rPr lang="ru-RU" dirty="0" smtClean="0"/>
+              <a:rPr lang="ru-RU" dirty="0"/>
               <a:t> </a:t>
             </a:r>
             <a:r>
-              <a:rPr lang="en-US" dirty="0" smtClean="0"/>
+              <a:rPr lang="en-US" dirty="0"/>
               <a:t>PRF</a:t>
             </a:r>
             <a:r>
-              <a:rPr lang="ru-RU" dirty="0" smtClean="0"/>
+              <a:rPr lang="ru-RU" dirty="0"/>
               <a:t>, так как </a:t>
             </a:r>
             <a:r>
-              <a:rPr lang="ru-RU" dirty="0" err="1" smtClean="0"/>
+              <a:rPr lang="ru-RU" dirty="0" err="1"/>
               <a:t>беспрификсное</a:t>
             </a:r>
             <a:r>
-              <a:rPr lang="ru-RU" dirty="0" smtClean="0"/>
+              <a:rPr lang="ru-RU" dirty="0"/>
               <a:t> кодирование – избыточно. </a:t>
             </a:r>
           </a:p>
           <a:p>
             <a:r>
               <a:rPr lang="ru-RU" dirty="0"/>
-              <a:t>Добавление </a:t>
-            </a:r>
-            <a:r>
-              <a:rPr lang="ru-RU" dirty="0" smtClean="0"/>
-              <a:t>длины к сообщению не позволяет использовать </a:t>
-            </a:r>
-            <a:r>
-              <a:rPr lang="en-US" dirty="0" smtClean="0"/>
+              <a:t>Добавление длины к сообщению не позволяет использовать </a:t>
+            </a:r>
+            <a:r>
+              <a:rPr lang="en-US" dirty="0"/>
               <a:t>MAC </a:t>
             </a:r>
             <a:r>
-              <a:rPr lang="ru-RU" dirty="0" smtClean="0"/>
+              <a:rPr lang="ru-RU" dirty="0"/>
               <a:t>в поточном режиме (когда сообщение передаётся по частям), так как длина сообщения заранее не известна</a:t>
             </a:r>
           </a:p>
@@ -13434,16 +13321,12 @@
             </a:r>
             <a:r>
               <a:rPr lang="ru-RU" dirty="0"/>
-              <a:t> кодирование означает добавление </a:t>
-            </a:r>
-            <a:r>
-              <a:rPr lang="ru-RU" dirty="0" smtClean="0"/>
-              <a:t>лишних блоков</a:t>
+              <a:t> кодирование означает добавление лишних блоков</a:t>
             </a:r>
           </a:p>
           <a:p>
             <a:r>
-              <a:rPr lang="ru-RU" dirty="0" smtClean="0"/>
+              <a:rPr lang="ru-RU" dirty="0"/>
               <a:t>Использование «остановочных битов» также увеличивает длину сообщения</a:t>
             </a:r>
           </a:p>
@@ -13549,7 +13432,7 @@
                   <a:buNone/>
                 </a:pPr>
                 <a:r>
-                  <a:rPr lang="ru-RU" dirty="0" smtClean="0"/>
+                  <a:rPr lang="ru-RU" dirty="0"/>
                   <a:t>Пусть </a:t>
                 </a:r>
                 <a14:m>
@@ -13612,7 +13495,7 @@
                   </m:oMath>
                 </a14:m>
                 <a:r>
-                  <a:rPr lang="ru-RU" dirty="0" smtClean="0"/>
+                  <a:rPr lang="ru-RU" dirty="0"/>
                   <a:t>. Обозначим </a:t>
                 </a:r>
                 <a14:m>
@@ -13638,11 +13521,11 @@
                   </m:oMath>
                 </a14:m>
                 <a:r>
-                  <a:rPr lang="en-US" dirty="0" smtClean="0"/>
+                  <a:rPr lang="en-US" dirty="0"/>
                   <a:t> </a:t>
                 </a:r>
                 <a:r>
-                  <a:rPr lang="ru-RU" dirty="0" smtClean="0"/>
+                  <a:rPr lang="ru-RU" dirty="0"/>
                   <a:t>если </a:t>
                 </a:r>
                 <a14:m>
@@ -13656,11 +13539,11 @@
                   </m:oMath>
                 </a14:m>
                 <a:r>
-                  <a:rPr lang="en-US" dirty="0" smtClean="0"/>
+                  <a:rPr lang="en-US" dirty="0"/>
                   <a:t> </a:t>
                 </a:r>
                 <a:r>
-                  <a:rPr lang="ru-RU" dirty="0" smtClean="0"/>
+                  <a:rPr lang="ru-RU" dirty="0"/>
                   <a:t>префикс </a:t>
                 </a:r>
                 <a14:m>
@@ -13674,7 +13557,7 @@
                   </m:oMath>
                 </a14:m>
                 <a:r>
-                  <a:rPr lang="ru-RU" dirty="0" smtClean="0"/>
+                  <a:rPr lang="ru-RU" dirty="0"/>
                   <a:t> или </a:t>
                 </a:r>
                 <a14:m>
@@ -13688,11 +13571,11 @@
                   </m:oMath>
                 </a14:m>
                 <a:r>
-                  <a:rPr lang="en-US" dirty="0" smtClean="0"/>
+                  <a:rPr lang="en-US" dirty="0"/>
                   <a:t> </a:t>
                 </a:r>
                 <a:r>
-                  <a:rPr lang="ru-RU" dirty="0" smtClean="0"/>
+                  <a:rPr lang="ru-RU" dirty="0"/>
                   <a:t>префикс </a:t>
                 </a:r>
                 <a14:m>
@@ -13706,7 +13589,7 @@
                   </m:oMath>
                 </a14:m>
                 <a:r>
-                  <a:rPr lang="ru-RU" dirty="0" smtClean="0"/>
+                  <a:rPr lang="ru-RU" dirty="0"/>
                   <a:t> (т.е.</a:t>
                 </a:r>
                 <a14:m>
@@ -13720,15 +13603,15 @@
                   </m:oMath>
                 </a14:m>
                 <a:r>
-                  <a:rPr lang="ru-RU" dirty="0" smtClean="0"/>
+                  <a:rPr lang="ru-RU" dirty="0"/>
                   <a:t> отношение «</a:t>
                 </a:r>
                 <a:r>
-                  <a:rPr lang="ru-RU" dirty="0" err="1" smtClean="0"/>
+                  <a:rPr lang="ru-RU" dirty="0" err="1"/>
                   <a:t>префиксности</a:t>
                 </a:r>
                 <a:r>
-                  <a:rPr lang="ru-RU" dirty="0" smtClean="0"/>
+                  <a:rPr lang="ru-RU" dirty="0"/>
                   <a:t>» на </a:t>
                 </a:r>
                 <a14:m>
@@ -13767,7 +13650,7 @@
                   </m:oMath>
                 </a14:m>
                 <a:r>
-                  <a:rPr lang="ru-RU" dirty="0" smtClean="0"/>
+                  <a:rPr lang="ru-RU" dirty="0"/>
                   <a:t>).</a:t>
                 </a:r>
               </a:p>
@@ -13776,7 +13659,7 @@
                   <a:buNone/>
                 </a:pPr>
                 <a:r>
-                  <a:rPr lang="ru-RU" dirty="0" smtClean="0"/>
+                  <a:rPr lang="ru-RU" dirty="0"/>
                   <a:t>Пусть </a:t>
                 </a:r>
                 <a14:m>
@@ -13790,11 +13673,11 @@
                   </m:oMath>
                 </a14:m>
                 <a:r>
-                  <a:rPr lang="en-US" dirty="0" smtClean="0"/>
+                  <a:rPr lang="en-US" dirty="0"/>
                   <a:t> – </a:t>
                 </a:r>
                 <a:r>
-                  <a:rPr lang="ru-RU" dirty="0" smtClean="0"/>
+                  <a:rPr lang="ru-RU" dirty="0"/>
                   <a:t>действительное число, </a:t>
                 </a:r>
                 <a14:m>
@@ -13820,7 +13703,7 @@
                   </m:oMath>
                 </a14:m>
                 <a:r>
-                  <a:rPr lang="ru-RU" dirty="0" smtClean="0"/>
+                  <a:rPr lang="ru-RU" dirty="0"/>
                   <a:t>. Вероятностное </a:t>
                 </a:r>
                 <a14:m>
@@ -13834,11 +13717,11 @@
                   </m:oMath>
                 </a14:m>
                 <a:r>
-                  <a:rPr lang="en-US" dirty="0" smtClean="0"/>
+                  <a:rPr lang="en-US" dirty="0"/>
                   <a:t>-</a:t>
                 </a:r>
                 <a:r>
-                  <a:rPr lang="ru-RU" dirty="0" smtClean="0"/>
+                  <a:rPr lang="ru-RU" dirty="0"/>
                   <a:t>префиксное кодирование это функция </a:t>
                 </a:r>
                 <a14:m>
@@ -14062,7 +13945,7 @@
                     </m:r>
                   </m:oMath>
                 </a14:m>
-                <a:endParaRPr lang="en-US" b="0" dirty="0" smtClean="0"/>
+                <a:endParaRPr lang="en-US" b="0" dirty="0"/>
               </a:p>
               <a:p>
                 <a:pPr marL="0" indent="0">
@@ -14238,14 +14121,14 @@
                     </m:oMath>
                   </m:oMathPara>
                 </a14:m>
-                <a:endParaRPr lang="ru-RU" dirty="0" smtClean="0"/>
+                <a:endParaRPr lang="ru-RU" dirty="0"/>
               </a:p>
               <a:p>
                 <a:pPr marL="0" indent="0">
                   <a:buNone/>
                 </a:pPr>
                 <a:r>
-                  <a:rPr lang="ru-RU" dirty="0" smtClean="0"/>
+                  <a:rPr lang="ru-RU" dirty="0"/>
                   <a:t>Где вероятность рассматривается при случайном равновероятном выборе </a:t>
                 </a:r>
                 <a14:m>
@@ -14270,7 +14153,7 @@
                     </m:r>
                   </m:oMath>
                 </a14:m>
-                <a:endParaRPr lang="en-US" dirty="0" smtClean="0"/>
+                <a:endParaRPr lang="en-US" dirty="0"/>
               </a:p>
               <a:p>
                 <a:pPr marL="0" indent="0">
@@ -14283,7 +14166,7 @@
                   <a:buNone/>
                 </a:pPr>
                 <a:r>
-                  <a:rPr lang="ru-RU" dirty="0" smtClean="0"/>
+                  <a:rPr lang="ru-RU" dirty="0"/>
                   <a:t>Пример - </a:t>
                 </a:r>
                 <a14:m>
@@ -14735,7 +14618,7 @@
                   <a:buNone/>
                 </a:pPr>
                 <a:r>
-                  <a:rPr lang="ru-RU" dirty="0" smtClean="0"/>
+                  <a:rPr lang="ru-RU" dirty="0"/>
                   <a:t>Пусть </a:t>
                 </a:r>
                 <a14:m>
@@ -14749,23 +14632,23 @@
                   </m:oMath>
                 </a14:m>
                 <a:r>
-                  <a:rPr lang="en-US" dirty="0" smtClean="0"/>
+                  <a:rPr lang="en-US" dirty="0"/>
                   <a:t> – </a:t>
                 </a:r>
                 <a:r>
-                  <a:rPr lang="ru-RU" dirty="0" err="1" smtClean="0"/>
+                  <a:rPr lang="ru-RU" dirty="0" err="1"/>
                   <a:t>беспрификсная</a:t>
                 </a:r>
                 <a:r>
-                  <a:rPr lang="ru-RU" dirty="0" smtClean="0"/>
+                  <a:rPr lang="ru-RU" dirty="0"/>
                   <a:t> </a:t>
                 </a:r>
                 <a:r>
-                  <a:rPr lang="en-US" dirty="0" smtClean="0"/>
+                  <a:rPr lang="en-US" dirty="0"/>
                   <a:t>PRF </a:t>
                 </a:r>
                 <a:r>
-                  <a:rPr lang="ru-RU" dirty="0" smtClean="0"/>
+                  <a:rPr lang="ru-RU" dirty="0"/>
                   <a:t>на </a:t>
                 </a:r>
                 <a14:m>
@@ -14939,16 +14822,12 @@
                   </m:oMath>
                 </a14:m>
                 <a:r>
-                  <a:rPr lang="en-US" dirty="0" smtClean="0"/>
+                  <a:rPr lang="en-US" dirty="0"/>
                   <a:t> - </a:t>
                 </a:r>
                 <a:r>
                   <a:rPr lang="ru-RU" dirty="0"/>
-                  <a:t>в</a:t>
-                </a:r>
-                <a:r>
-                  <a:rPr lang="ru-RU" dirty="0" smtClean="0"/>
-                  <a:t>ероятностное </a:t>
+                  <a:t>вероятностное </a:t>
                 </a:r>
                 <a14:m>
                   <m:oMath xmlns:m="http://schemas.openxmlformats.org/officeDocument/2006/math">
@@ -14966,24 +14845,20 @@
                 </a:r>
                 <a:r>
                   <a:rPr lang="ru-RU" dirty="0"/>
-                  <a:t>префиксное </a:t>
-                </a:r>
-                <a:r>
-                  <a:rPr lang="ru-RU" dirty="0" smtClean="0"/>
-                  <a:t>кодирование. </a:t>
-                </a:r>
-                <a:endParaRPr lang="en-US" dirty="0" smtClean="0"/>
+                  <a:t>префиксное кодирование. </a:t>
+                </a:r>
+                <a:endParaRPr lang="en-US" dirty="0"/>
               </a:p>
               <a:p>
                 <a:pPr marL="0" indent="0">
                   <a:buNone/>
                 </a:pPr>
                 <a:r>
-                  <a:rPr lang="ru-RU" dirty="0" smtClean="0"/>
+                  <a:rPr lang="ru-RU" dirty="0"/>
                   <a:t>Определим</a:t>
                 </a:r>
                 <a:r>
-                  <a:rPr lang="en-US" dirty="0" smtClean="0"/>
+                  <a:rPr lang="en-US" dirty="0"/>
                   <a:t> PRF </a:t>
                 </a:r>
                 <a14:m>
@@ -15002,11 +14877,7 @@
                 </a:r>
                 <a:r>
                   <a:rPr lang="ru-RU" dirty="0"/>
-                  <a:t>н</a:t>
-                </a:r>
-                <a:r>
-                  <a:rPr lang="ru-RU" dirty="0" smtClean="0"/>
-                  <a:t>а </a:t>
+                  <a:t>на </a:t>
                 </a:r>
                 <a14:m>
                   <m:oMath xmlns:m="http://schemas.openxmlformats.org/officeDocument/2006/math">
@@ -15085,7 +14956,7 @@
                     </m:r>
                   </m:oMath>
                 </a14:m>
-                <a:endParaRPr lang="en-US" b="0" dirty="0" smtClean="0"/>
+                <a:endParaRPr lang="en-US" b="0" dirty="0"/>
               </a:p>
               <a:p>
                 <a:pPr marL="0" indent="0">
@@ -15286,18 +15157,18 @@
                     </m:oMath>
                   </m:oMathPara>
                 </a14:m>
-                <a:endParaRPr lang="en-US" dirty="0" smtClean="0"/>
+                <a:endParaRPr lang="en-US" dirty="0"/>
               </a:p>
               <a:p>
                 <a:pPr marL="0" indent="0">
                   <a:buNone/>
                 </a:pPr>
                 <a:r>
-                  <a:rPr lang="ru-RU" b="1" dirty="0" smtClean="0"/>
+                  <a:rPr lang="ru-RU" b="1" dirty="0"/>
                   <a:t>Теорема 10.5. </a:t>
                 </a:r>
                 <a:r>
-                  <a:rPr lang="ru-RU" dirty="0" smtClean="0"/>
+                  <a:rPr lang="ru-RU" dirty="0"/>
                   <a:t>Если </a:t>
                 </a:r>
                 <a14:m>
@@ -15311,7 +15182,7 @@
                   </m:oMath>
                 </a14:m>
                 <a:r>
-                  <a:rPr lang="en-US" dirty="0" smtClean="0"/>
+                  <a:rPr lang="en-US" dirty="0"/>
                   <a:t> - </a:t>
                 </a:r>
                 <a:r>
@@ -15323,7 +15194,7 @@
                   <a:t> </a:t>
                 </a:r>
                 <a:r>
-                  <a:rPr lang="en-US" dirty="0" smtClean="0"/>
+                  <a:rPr lang="en-US" dirty="0"/>
                   <a:t>PRF, </a:t>
                 </a:r>
                 <a14:m>
@@ -15337,7 +15208,7 @@
                   </m:oMath>
                 </a14:m>
                 <a:r>
-                  <a:rPr lang="en-US" dirty="0" smtClean="0"/>
+                  <a:rPr lang="en-US" dirty="0"/>
                   <a:t> - </a:t>
                 </a:r>
                 <a:r>
@@ -15360,11 +15231,7 @@
                 </a:r>
                 <a:r>
                   <a:rPr lang="ru-RU" dirty="0"/>
-                  <a:t>префиксное </a:t>
-                </a:r>
-                <a:r>
-                  <a:rPr lang="ru-RU" dirty="0" smtClean="0"/>
-                  <a:t>кодирование, тогда </a:t>
+                  <a:t>префиксное кодирование, тогда </a:t>
                 </a:r>
                 <a14:m>
                   <m:oMath xmlns:m="http://schemas.openxmlformats.org/officeDocument/2006/math">
@@ -15377,15 +15244,15 @@
                   </m:oMath>
                 </a14:m>
                 <a:r>
-                  <a:rPr lang="en-US" dirty="0" smtClean="0"/>
+                  <a:rPr lang="en-US" dirty="0"/>
                   <a:t> </a:t>
                 </a:r>
                 <a:r>
-                  <a:rPr lang="ru-RU" dirty="0" smtClean="0"/>
+                  <a:rPr lang="ru-RU" dirty="0"/>
                   <a:t>, введённая выше – стойкая </a:t>
                 </a:r>
                 <a:r>
-                  <a:rPr lang="en-US" dirty="0" smtClean="0"/>
+                  <a:rPr lang="en-US" dirty="0"/>
                   <a:t>PRF:</a:t>
                 </a:r>
               </a:p>
@@ -15710,7 +15577,7 @@
                     </m:oMath>
                   </m:oMathPara>
                 </a14:m>
-                <a:endParaRPr lang="en-US" dirty="0" smtClean="0"/>
+                <a:endParaRPr lang="en-US" dirty="0"/>
               </a:p>
               <a:p>
                 <a:pPr marL="0" indent="0">
@@ -15728,7 +15595,7 @@
                   </m:oMath>
                 </a14:m>
                 <a:r>
-                  <a:rPr lang="ru-RU" dirty="0" smtClean="0"/>
+                  <a:rPr lang="ru-RU" dirty="0"/>
                   <a:t>без доказательства</a:t>
                 </a:r>
                 <a14:m>
@@ -15748,7 +15615,7 @@
                 <a:pPr marL="0" indent="0">
                   <a:buNone/>
                 </a:pPr>
-                <a:endParaRPr lang="en-US" dirty="0" smtClean="0"/>
+                <a:endParaRPr lang="en-US" dirty="0"/>
               </a:p>
               <a:p>
                 <a:pPr marL="0" indent="0">
@@ -15984,14 +15851,13 @@
           <a:lstStyle/>
           <a:p>
             <a:r>
-              <a:rPr lang="en-US" dirty="0" smtClean="0"/>
+              <a:rPr lang="en-US" dirty="0"/>
               <a:t>MAC </a:t>
             </a:r>
             <a:r>
-              <a:rPr lang="ru-RU" dirty="0" smtClean="0"/>
+              <a:rPr lang="ru-RU" dirty="0"/>
               <a:t>для сообщений, некратных длине блока</a:t>
             </a:r>
-            <a:endParaRPr lang="ru-RU" dirty="0"/>
           </a:p>
         </p:txBody>
       </p:sp>
@@ -16016,15 +15882,15 @@
                   <a:buNone/>
                 </a:pPr>
                 <a:r>
-                  <a:rPr lang="ru-RU" dirty="0" smtClean="0"/>
+                  <a:rPr lang="ru-RU" dirty="0"/>
                   <a:t>Все рассмотренные до этого схемы были применимы только для сообщений длины кратных длине блока </a:t>
                 </a:r>
                 <a:r>
-                  <a:rPr lang="en-US" dirty="0" smtClean="0"/>
+                  <a:rPr lang="en-US" dirty="0"/>
                   <a:t>PRF (</a:t>
                 </a:r>
                 <a:r>
-                  <a:rPr lang="ru-RU" dirty="0" smtClean="0"/>
+                  <a:rPr lang="ru-RU" dirty="0"/>
                   <a:t>блочного шифра).</a:t>
                 </a:r>
               </a:p>
@@ -16039,7 +15905,7 @@
                   <a:buNone/>
                 </a:pPr>
                 <a:r>
-                  <a:rPr lang="ru-RU" dirty="0" smtClean="0"/>
+                  <a:rPr lang="ru-RU" dirty="0"/>
                   <a:t>Пусть </a:t>
                 </a:r>
                 <a14:m>
@@ -16053,15 +15919,15 @@
                   </m:oMath>
                 </a14:m>
                 <a:r>
-                  <a:rPr lang="ru-RU" dirty="0" smtClean="0"/>
+                  <a:rPr lang="ru-RU" dirty="0"/>
                   <a:t> – </a:t>
                 </a:r>
                 <a:r>
-                  <a:rPr lang="en-US" dirty="0" smtClean="0"/>
+                  <a:rPr lang="en-US" dirty="0"/>
                   <a:t>PRF </a:t>
                 </a:r>
                 <a:r>
-                  <a:rPr lang="ru-RU" dirty="0" smtClean="0"/>
+                  <a:rPr lang="ru-RU" dirty="0"/>
                   <a:t>на </a:t>
                 </a:r>
                 <a14:m>
@@ -16240,15 +16106,15 @@
                   </m:oMath>
                 </a14:m>
                 <a:r>
-                  <a:rPr lang="en-US" dirty="0" smtClean="0"/>
+                  <a:rPr lang="en-US" dirty="0"/>
                   <a:t> - </a:t>
                 </a:r>
                 <a:r>
-                  <a:rPr lang="ru-RU" dirty="0" smtClean="0"/>
+                  <a:rPr lang="ru-RU" dirty="0"/>
                   <a:t>инъекция. Определим </a:t>
                 </a:r>
                 <a:r>
-                  <a:rPr lang="en-US" dirty="0" smtClean="0"/>
+                  <a:rPr lang="en-US" dirty="0"/>
                   <a:t>PRF </a:t>
                 </a:r>
                 <a14:m>
@@ -16286,7 +16152,7 @@
                     </m:r>
                   </m:oMath>
                 </a14:m>
-                <a:endParaRPr lang="en-US" b="0" dirty="0" smtClean="0"/>
+                <a:endParaRPr lang="en-US" b="0" dirty="0"/>
               </a:p>
               <a:p>
                 <a:pPr marL="0" indent="0">
@@ -16385,30 +16251,30 @@
                     </m:oMath>
                   </m:oMathPara>
                 </a14:m>
-                <a:endParaRPr lang="en-US" dirty="0" smtClean="0"/>
+                <a:endParaRPr lang="en-US" dirty="0"/>
               </a:p>
               <a:p>
                 <a:pPr marL="0" indent="0">
                   <a:buNone/>
                 </a:pPr>
                 <a:r>
-                  <a:rPr lang="ru-RU" b="1" dirty="0" smtClean="0"/>
+                  <a:rPr lang="ru-RU" b="1" dirty="0"/>
                   <a:t>Теорема 10.6. </a:t>
                 </a:r>
                 <a:r>
-                  <a:rPr lang="en-US" dirty="0" smtClean="0"/>
+                  <a:rPr lang="en-US" dirty="0"/>
                   <a:t>PRF </a:t>
                 </a:r>
                 <a:r>
-                  <a:rPr lang="ru-RU" dirty="0" smtClean="0"/>
+                  <a:rPr lang="ru-RU" dirty="0"/>
                   <a:t>введённая выше – стойкая </a:t>
                 </a:r>
                 <a:r>
-                  <a:rPr lang="en-US" dirty="0" smtClean="0"/>
+                  <a:rPr lang="en-US" dirty="0"/>
                   <a:t>PRF </a:t>
                 </a:r>
                 <a:r>
-                  <a:rPr lang="ru-RU" dirty="0" smtClean="0"/>
+                  <a:rPr lang="ru-RU" dirty="0"/>
                   <a:t>на </a:t>
                 </a:r>
                 <a14:m>
@@ -16494,7 +16360,7 @@
                     </m:d>
                   </m:oMath>
                 </a14:m>
-                <a:endParaRPr lang="en-US" b="0" dirty="0" smtClean="0"/>
+                <a:endParaRPr lang="en-US" b="0" dirty="0"/>
               </a:p>
               <a:p>
                 <a:pPr marL="0" indent="0">
@@ -16512,7 +16378,7 @@
                   </m:oMath>
                 </a14:m>
                 <a:r>
-                  <a:rPr lang="ru-RU" b="0" i="0" dirty="0" smtClean="0">
+                  <a:rPr lang="ru-RU" b="0" i="0" dirty="0">
                     <a:ea typeface="Cambria Math" panose="02040503050406030204" pitchFamily="18" charset="0"/>
                   </a:rPr>
                   <a:t>очевидно</a:t>
@@ -16642,10 +16508,9 @@
           <a:lstStyle/>
           <a:p>
             <a:r>
-              <a:rPr lang="ru-RU" dirty="0" smtClean="0"/>
+              <a:rPr lang="ru-RU" dirty="0"/>
               <a:t>Построение инъективных функций</a:t>
             </a:r>
-            <a:endParaRPr lang="ru-RU" dirty="0"/>
           </a:p>
         </p:txBody>
       </p:sp>
@@ -16670,7 +16535,7 @@
                   <a:buNone/>
                 </a:pPr>
                 <a:r>
-                  <a:rPr lang="ru-RU" dirty="0" smtClean="0"/>
+                  <a:rPr lang="ru-RU" dirty="0"/>
                   <a:t>Пусть </a:t>
                 </a:r>
                 <a14:m>
@@ -16832,7 +16697,7 @@
                     </m:sSup>
                   </m:oMath>
                 </a14:m>
-                <a:endParaRPr lang="en-US" dirty="0" smtClean="0"/>
+                <a:endParaRPr lang="en-US" dirty="0"/>
               </a:p>
               <a:p>
                 <a:pPr marL="0" indent="0">
@@ -16849,13 +16714,13 @@
                   </m:oMath>
                 </a14:m>
                 <a:r>
-                  <a:rPr lang="en-US" dirty="0" smtClean="0"/>
+                  <a:rPr lang="en-US" dirty="0"/>
                   <a:t>:</a:t>
                 </a:r>
               </a:p>
               <a:p>
                 <a:r>
-                  <a:rPr lang="ru-RU" dirty="0" smtClean="0"/>
+                  <a:rPr lang="ru-RU" dirty="0"/>
                   <a:t>Если входное сообщение имеет длину не кратную </a:t>
                 </a:r>
                 <a14:m>
@@ -16869,7 +16734,7 @@
                   </m:oMath>
                 </a14:m>
                 <a:r>
-                  <a:rPr lang="ru-RU" dirty="0" smtClean="0"/>
+                  <a:rPr lang="ru-RU" dirty="0"/>
                   <a:t> – добавить 10…00 до длинны кратной </a:t>
                 </a:r>
                 <a14:m>
@@ -16882,11 +16747,11 @@
                     </m:r>
                   </m:oMath>
                 </a14:m>
-                <a:endParaRPr lang="en-US" dirty="0" smtClean="0"/>
+                <a:endParaRPr lang="en-US" dirty="0"/>
               </a:p>
               <a:p>
                 <a:r>
-                  <a:rPr lang="ru-RU" dirty="0" smtClean="0"/>
+                  <a:rPr lang="ru-RU" dirty="0"/>
                   <a:t>Иначе – добавить </a:t>
                 </a:r>
                 <a14:m>
@@ -16900,11 +16765,11 @@
                   </m:oMath>
                 </a14:m>
                 <a:r>
-                  <a:rPr lang="en-US" dirty="0" smtClean="0"/>
+                  <a:rPr lang="en-US" dirty="0"/>
                   <a:t>-</a:t>
                 </a:r>
                 <a:r>
-                  <a:rPr lang="ru-RU" dirty="0" smtClean="0"/>
+                  <a:rPr lang="ru-RU" dirty="0"/>
                   <a:t>блок </a:t>
                 </a:r>
                 <a14:m>
@@ -16960,14 +16825,13 @@
                     </m:r>
                   </m:oMath>
                 </a14:m>
-                <a:endParaRPr lang="en-US" dirty="0" smtClean="0"/>
+                <a:endParaRPr lang="en-US" dirty="0"/>
               </a:p>
               <a:p>
                 <a:r>
-                  <a:rPr lang="ru-RU" dirty="0" smtClean="0"/>
+                  <a:rPr lang="ru-RU" dirty="0"/>
                   <a:t>Инъективна и обратима</a:t>
                 </a:r>
-                <a:endParaRPr lang="ru-RU" dirty="0"/>
               </a:p>
             </p:txBody>
           </p:sp>
@@ -17099,7 +16963,7 @@
           <a:lstStyle/>
           <a:p>
             <a:r>
-              <a:rPr lang="en-US" dirty="0" smtClean="0"/>
+              <a:rPr lang="en-US" dirty="0"/>
               <a:t>CMAC</a:t>
             </a:r>
             <a:endParaRPr lang="ru-RU" dirty="0"/>
@@ -17122,58 +16986,58 @@
           <a:lstStyle/>
           <a:p>
             <a:r>
-              <a:rPr lang="ru-RU" dirty="0" smtClean="0"/>
+              <a:rPr lang="ru-RU" dirty="0"/>
               <a:t>Стандарт </a:t>
             </a:r>
             <a:r>
-              <a:rPr lang="en-US" dirty="0" smtClean="0"/>
+              <a:rPr lang="en-US" dirty="0"/>
               <a:t>NIST</a:t>
             </a:r>
-            <a:endParaRPr lang="ru-RU" dirty="0" smtClean="0"/>
+            <a:endParaRPr lang="ru-RU" dirty="0"/>
           </a:p>
           <a:p>
             <a:r>
-              <a:rPr lang="ru-RU" dirty="0" smtClean="0"/>
+              <a:rPr lang="ru-RU" dirty="0"/>
               <a:t>Один из наиболее популярных алгоритмов вычисления </a:t>
             </a:r>
             <a:r>
-              <a:rPr lang="en-US" dirty="0" smtClean="0"/>
+              <a:rPr lang="en-US" dirty="0"/>
               <a:t>MAC (</a:t>
             </a:r>
             <a:r>
-              <a:rPr lang="ru-RU" dirty="0" smtClean="0"/>
+              <a:rPr lang="ru-RU" dirty="0"/>
               <a:t>самый популярных после </a:t>
             </a:r>
             <a:r>
-              <a:rPr lang="en-US" dirty="0" smtClean="0"/>
+              <a:rPr lang="en-US" dirty="0"/>
               <a:t>HMAC)</a:t>
             </a:r>
-            <a:endParaRPr lang="ru-RU" dirty="0" smtClean="0"/>
+            <a:endParaRPr lang="ru-RU" dirty="0"/>
           </a:p>
           <a:p>
             <a:r>
-              <a:rPr lang="ru-RU" dirty="0" smtClean="0"/>
+              <a:rPr lang="ru-RU" dirty="0"/>
               <a:t>Использует три различных ключа (могут быть выработаны на основе одного ключа)</a:t>
             </a:r>
           </a:p>
           <a:p>
             <a:r>
-              <a:rPr lang="ru-RU" dirty="0" smtClean="0"/>
+              <a:rPr lang="ru-RU" dirty="0"/>
               <a:t>Текущее название алгоритма, описываемое стандартом – </a:t>
             </a:r>
             <a:r>
-              <a:rPr lang="en-US" dirty="0" smtClean="0"/>
+              <a:rPr lang="en-US" dirty="0"/>
               <a:t>OMAC</a:t>
             </a:r>
             <a:r>
-              <a:rPr lang="ru-RU" dirty="0" smtClean="0"/>
+              <a:rPr lang="ru-RU" dirty="0"/>
               <a:t> (до этого – </a:t>
             </a:r>
             <a:r>
-              <a:rPr lang="en-US" smtClean="0"/>
+              <a:rPr lang="en-US"/>
               <a:t>TMAC).</a:t>
             </a:r>
-            <a:endParaRPr lang="en-US" dirty="0" smtClean="0"/>
+            <a:endParaRPr lang="en-US" dirty="0"/>
           </a:p>
         </p:txBody>
       </p:sp>
@@ -17329,13 +17193,6 @@
   <p:clrMapOvr>
     <a:masterClrMapping/>
   </p:clrMapOvr>
-  <p:timing>
-    <p:tnLst>
-      <p:par>
-        <p:cTn id="1" dur="indefinite" restart="never" nodeType="tmRoot"/>
-      </p:par>
-    </p:tnLst>
-  </p:timing>
 </p:sld>
 </file>
 
@@ -17377,10 +17234,9 @@
           <a:lstStyle/>
           <a:p>
             <a:r>
-              <a:rPr lang="ru-RU" dirty="0" smtClean="0"/>
+              <a:rPr lang="ru-RU" dirty="0"/>
               <a:t>Тест.</a:t>
             </a:r>
-            <a:endParaRPr lang="ru-RU" dirty="0"/>
           </a:p>
         </p:txBody>
       </p:sp>
@@ -17570,11 +17426,11 @@
               <a:lstStyle/>
               <a:p>
                 <a:r>
-                  <a:rPr lang="ru-RU" sz="2800" dirty="0" smtClean="0"/>
+                  <a:rPr lang="ru-RU" sz="2800" dirty="0"/>
                   <a:t>Игра на стойкость </a:t>
                 </a:r>
                 <a:r>
-                  <a:rPr lang="en-US" sz="2800" dirty="0" smtClean="0"/>
+                  <a:rPr lang="en-US" sz="2800" dirty="0"/>
                   <a:t>MAC </a:t>
                 </a:r>
                 <a14:m>
@@ -17618,11 +17474,11 @@
                   </m:oMath>
                 </a14:m>
                 <a:r>
-                  <a:rPr lang="ru-RU" sz="2800" b="1" dirty="0" smtClean="0"/>
+                  <a:rPr lang="ru-RU" sz="2800" b="1" dirty="0"/>
                   <a:t> </a:t>
                 </a:r>
                 <a:r>
-                  <a:rPr lang="ru-RU" sz="2800" dirty="0" smtClean="0"/>
+                  <a:rPr lang="ru-RU" sz="2800" dirty="0"/>
                   <a:t>на </a:t>
                 </a:r>
                 <a14:m>
@@ -17671,7 +17527,7 @@
                   </m:oMath>
                 </a14:m>
                 <a:r>
-                  <a:rPr lang="en-US" sz="2800" dirty="0" smtClean="0"/>
+                  <a:rPr lang="en-US" sz="2800" dirty="0"/>
                   <a:t>.</a:t>
                 </a:r>
                 <a:endParaRPr lang="ru-RU" sz="2800" dirty="0"/>
@@ -18227,7 +18083,7 @@
           <a:lstStyle/>
           <a:p>
             <a:r>
-              <a:rPr lang="en-US" sz="2600" dirty="0" smtClean="0"/>
+              <a:rPr lang="en-US" sz="2600" dirty="0"/>
               <a:t>…</a:t>
             </a:r>
             <a:endParaRPr lang="ru-RU" sz="2600" dirty="0"/>
@@ -18398,7 +18254,7 @@
           <a:lstStyle/>
           <a:p>
             <a:r>
-              <a:rPr lang="en-US" sz="2600" dirty="0" smtClean="0"/>
+              <a:rPr lang="en-US" sz="2600" dirty="0"/>
               <a:t>…</a:t>
             </a:r>
             <a:endParaRPr lang="ru-RU" sz="2600" dirty="0"/>
@@ -18439,7 +18295,7 @@
               <a:lstStyle/>
               <a:p>
                 <a:r>
-                  <a:rPr lang="en-US" sz="1600" i="1" dirty="0" smtClean="0"/>
+                  <a:rPr lang="en-US" sz="1600" i="1" dirty="0"/>
                   <a:t>k</a:t>
                 </a:r>
                 <a14:m>
@@ -18552,12 +18408,8 @@
               <a:lstStyle/>
               <a:p>
                 <a:r>
-                  <a:rPr lang="en-US" sz="2000" dirty="0" smtClean="0"/>
-                  <a:t>4</a:t>
-                </a:r>
-                <a:r>
                   <a:rPr lang="en-US" sz="2000" dirty="0"/>
-                  <a:t> </a:t>
+                  <a:t>4 </a:t>
                 </a:r>
                 <a14:m>
                   <m:oMath xmlns:m="http://schemas.openxmlformats.org/officeDocument/2006/math">
@@ -18570,7 +18422,7 @@
                   </m:oMath>
                 </a14:m>
                 <a:r>
-                  <a:rPr lang="en-US" sz="2000" dirty="0" smtClean="0"/>
+                  <a:rPr lang="en-US" sz="2000" dirty="0"/>
                   <a:t> </a:t>
                 </a:r>
                 <a14:m>
@@ -18920,7 +18772,7 @@
           <a:lstStyle/>
           <a:p>
             <a:r>
-              <a:rPr lang="en-US" dirty="0" smtClean="0"/>
+              <a:rPr lang="en-US" dirty="0"/>
               <a:t>OMAC</a:t>
             </a:r>
             <a:endParaRPr lang="ru-RU" dirty="0"/>
@@ -18945,7 +18797,7 @@
               <a:lstStyle/>
               <a:p>
                 <a:r>
-                  <a:rPr lang="ru-RU" dirty="0" smtClean="0"/>
+                  <a:rPr lang="ru-RU" dirty="0"/>
                   <a:t>В текущей вариации (</a:t>
                 </a:r>
                 <a:r>
@@ -18954,18 +18806,14 @@
                 </a:r>
                 <a:r>
                   <a:rPr lang="ru-RU" dirty="0"/>
-                  <a:t> использует единственный ключ для генерации этих трех </a:t>
-                </a:r>
-                <a:r>
-                  <a:rPr lang="ru-RU" dirty="0" smtClean="0"/>
-                  <a:t>ключей</a:t>
-                </a:r>
-                <a:r>
-                  <a:rPr lang="en-US" dirty="0" smtClean="0"/>
+                  <a:t> использует единственный ключ для генерации этих трех ключей</a:t>
+                </a:r>
+                <a:r>
+                  <a:rPr lang="en-US" dirty="0"/>
                   <a:t> </a:t>
                 </a:r>
                 <a:r>
-                  <a:rPr lang="ru-RU" dirty="0" smtClean="0"/>
+                  <a:rPr lang="ru-RU" dirty="0"/>
                   <a:t>для некоторой константы </a:t>
                 </a:r>
                 <a14:m>
@@ -18998,7 +18846,7 @@
                   </m:oMath>
                 </a14:m>
                 <a:r>
-                  <a:rPr lang="en-US" dirty="0" smtClean="0"/>
+                  <a:rPr lang="en-US" dirty="0"/>
                   <a:t>:</a:t>
                 </a:r>
               </a:p>
@@ -19006,19 +18854,19 @@
                 <a:endParaRPr lang="en-US" dirty="0"/>
               </a:p>
               <a:p>
-                <a:endParaRPr lang="en-US" dirty="0" smtClean="0"/>
+                <a:endParaRPr lang="en-US" dirty="0"/>
               </a:p>
               <a:p>
                 <a:endParaRPr lang="en-US" dirty="0"/>
               </a:p>
               <a:p>
-                <a:endParaRPr lang="en-US" dirty="0" smtClean="0"/>
+                <a:endParaRPr lang="en-US" dirty="0"/>
               </a:p>
               <a:p>
                 <a:endParaRPr lang="en-US" dirty="0"/>
               </a:p>
               <a:p>
-                <a:endParaRPr lang="en-US" dirty="0" smtClean="0"/>
+                <a:endParaRPr lang="en-US" dirty="0"/>
               </a:p>
               <a:p>
                 <a:endParaRPr lang="ru-RU" dirty="0"/>
@@ -19117,13 +18965,6 @@
   <p:clrMapOvr>
     <a:masterClrMapping/>
   </p:clrMapOvr>
-  <p:timing>
-    <p:tnLst>
-      <p:par>
-        <p:cTn id="1" dur="indefinite" restart="never" nodeType="tmRoot"/>
-      </p:par>
-    </p:tnLst>
-  </p:timing>
 </p:sld>
 </file>
 
@@ -19160,7 +19001,7 @@
           <a:lstStyle/>
           <a:p>
             <a:r>
-              <a:rPr lang="en-US" dirty="0" smtClean="0"/>
+              <a:rPr lang="en-US" dirty="0"/>
               <a:t>OMAC</a:t>
             </a:r>
             <a:endParaRPr lang="ru-RU" dirty="0"/>
@@ -19185,24 +19026,16 @@
               <a:lstStyle/>
               <a:p>
                 <a:r>
-                  <a:rPr lang="ru-RU" dirty="0" smtClean="0"/>
+                  <a:rPr lang="ru-RU" dirty="0"/>
                   <a:t>Фактически</a:t>
                 </a:r>
                 <a:r>
-                  <a:rPr lang="en-US" dirty="0" smtClean="0"/>
+                  <a:rPr lang="en-US" dirty="0"/>
                   <a:t> </a:t>
                 </a:r>
                 <a:r>
-                  <a:rPr lang="ru-RU" dirty="0" smtClean="0"/>
-                  <a:t>для получения трех ключей </a:t>
-                </a:r>
-                <a:r>
                   <a:rPr lang="ru-RU" dirty="0"/>
-                  <a:t>реализуется умножение в кольце </a:t>
-                </a:r>
-                <a:r>
-                  <a:rPr lang="ru-RU" dirty="0" smtClean="0"/>
-                  <a:t>многочленов на некоторую константу </a:t>
+                  <a:t>для получения трех ключей реализуется умножение в кольце многочленов на некоторую константу </a:t>
                 </a:r>
                 <a14:m>
                   <m:oMath xmlns:m="http://schemas.openxmlformats.org/officeDocument/2006/math">
@@ -19313,13 +19146,6 @@
   <p:clrMapOvr>
     <a:masterClrMapping/>
   </p:clrMapOvr>
-  <p:timing>
-    <p:tnLst>
-      <p:par>
-        <p:cTn id="1" dur="indefinite" restart="never" nodeType="tmRoot"/>
-      </p:par>
-    </p:tnLst>
-  </p:timing>
 </p:sld>
 </file>
 
@@ -19356,11 +19182,11 @@
           <a:lstStyle/>
           <a:p>
             <a:r>
-              <a:rPr lang="en-US" dirty="0" err="1" smtClean="0"/>
+              <a:rPr lang="en-US" dirty="0" err="1"/>
               <a:t>Trunkated</a:t>
             </a:r>
             <a:r>
-              <a:rPr lang="en-US" dirty="0" smtClean="0"/>
+              <a:rPr lang="en-US" dirty="0"/>
               <a:t> CBC MAC</a:t>
             </a:r>
             <a:endParaRPr lang="ru-RU" dirty="0"/>
@@ -19386,16 +19212,38 @@
               <a:buNone/>
             </a:pPr>
             <a:r>
-              <a:rPr lang="ru-RU" dirty="0" smtClean="0"/>
+              <a:rPr lang="ru-RU" dirty="0"/>
               <a:t>Основная идея – не дать противнику возможность воспользоваться </a:t>
             </a:r>
             <a:r>
-              <a:rPr lang="en-US" dirty="0" smtClean="0"/>
+              <a:rPr lang="en-US" dirty="0"/>
               <a:t>MAC </a:t>
             </a:r>
             <a:r>
-              <a:rPr lang="ru-RU" dirty="0" smtClean="0"/>
+              <a:rPr lang="ru-RU" dirty="0"/>
               <a:t>для осуществления префиксной атаки.</a:t>
+            </a:r>
+          </a:p>
+          <a:p>
+            <a:pPr marL="0" indent="0">
+              <a:buNone/>
+            </a:pPr>
+            <a:r>
+              <a:rPr lang="ru-RU" dirty="0"/>
+              <a:t>Использование части кода аутентичности. Используется в ГОСТ 28147-98</a:t>
+            </a:r>
+          </a:p>
+          <a:p>
+            <a:pPr marL="0" indent="0">
+              <a:buNone/>
+            </a:pPr>
+            <a:r>
+              <a:rPr lang="ru-RU" dirty="0"/>
+              <a:t>Оптимально использовать половину исходного </a:t>
+            </a:r>
+            <a:r>
+              <a:rPr lang="en-US" dirty="0"/>
+              <a:t>MAC</a:t>
             </a:r>
             <a:endParaRPr lang="ru-RU" dirty="0"/>
           </a:p>
@@ -19404,41 +19252,17 @@
               <a:buNone/>
             </a:pPr>
             <a:r>
-              <a:rPr lang="ru-RU" dirty="0" smtClean="0"/>
-              <a:t>Использование части кода аутентичности. Используется в ГОСТ 28147-98</a:t>
-            </a:r>
-          </a:p>
-          <a:p>
-            <a:pPr marL="0" indent="0">
-              <a:buNone/>
-            </a:pPr>
-            <a:r>
-              <a:rPr lang="ru-RU" dirty="0" smtClean="0"/>
-              <a:t>Оптимально использовать половину исходного </a:t>
-            </a:r>
-            <a:r>
-              <a:rPr lang="en-US" dirty="0" smtClean="0"/>
-              <a:t>MAC</a:t>
-            </a:r>
-            <a:endParaRPr lang="ru-RU" dirty="0" smtClean="0"/>
-          </a:p>
-          <a:p>
-            <a:pPr marL="0" indent="0">
-              <a:buNone/>
-            </a:pPr>
-            <a:r>
-              <a:rPr lang="ru-RU" dirty="0" smtClean="0"/>
+              <a:rPr lang="ru-RU" dirty="0"/>
               <a:t>Основной недостаток – фактически понижаем</a:t>
             </a:r>
             <a:r>
-              <a:rPr lang="en-US" dirty="0" smtClean="0"/>
+              <a:rPr lang="en-US" dirty="0"/>
               <a:t> </a:t>
             </a:r>
             <a:r>
-              <a:rPr lang="ru-RU" dirty="0" smtClean="0"/>
+              <a:rPr lang="ru-RU" dirty="0"/>
               <a:t>достижимый параметр стойкости в 2 раза</a:t>
             </a:r>
-            <a:endParaRPr lang="ru-RU" dirty="0"/>
           </a:p>
         </p:txBody>
       </p:sp>
@@ -19499,13 +19323,6 @@
   <p:clrMapOvr>
     <a:masterClrMapping/>
   </p:clrMapOvr>
-  <p:timing>
-    <p:tnLst>
-      <p:par>
-        <p:cTn id="1" dur="indefinite" restart="never" nodeType="tmRoot"/>
-      </p:par>
-    </p:tnLst>
-  </p:timing>
 </p:sld>
 </file>
 
@@ -19542,7 +19359,7 @@
           <a:lstStyle/>
           <a:p>
             <a:r>
-              <a:rPr lang="en-US" dirty="0" smtClean="0"/>
+              <a:rPr lang="en-US" dirty="0"/>
               <a:t>PMAC</a:t>
             </a:r>
             <a:endParaRPr lang="ru-RU" dirty="0"/>
@@ -19575,15 +19392,15 @@
               <a:buNone/>
             </a:pPr>
             <a:r>
-              <a:rPr lang="en-US" dirty="0" smtClean="0"/>
+              <a:rPr lang="en-US" dirty="0"/>
               <a:t>PMAC – </a:t>
             </a:r>
             <a:r>
-              <a:rPr lang="ru-RU" dirty="0" smtClean="0"/>
+              <a:rPr lang="ru-RU" dirty="0"/>
               <a:t>параллельный </a:t>
             </a:r>
             <a:r>
-              <a:rPr lang="en-US" dirty="0" smtClean="0"/>
+              <a:rPr lang="en-US" dirty="0"/>
               <a:t>MAC</a:t>
             </a:r>
           </a:p>
@@ -19602,10 +19419,10 @@
               <a:t>Возможность добавлять и удалять блоки из итогового значения </a:t>
             </a:r>
             <a:r>
-              <a:rPr lang="en-US" dirty="0" smtClean="0"/>
+              <a:rPr lang="en-US" dirty="0"/>
               <a:t>MAC</a:t>
             </a:r>
-            <a:endParaRPr lang="ru-RU" dirty="0" smtClean="0"/>
+            <a:endParaRPr lang="ru-RU" dirty="0"/>
           </a:p>
           <a:p>
             <a:pPr marL="0" indent="0">
@@ -19618,7 +19435,7 @@
               <a:buNone/>
             </a:pPr>
             <a:r>
-              <a:rPr lang="ru-RU" dirty="0" smtClean="0"/>
+              <a:rPr lang="ru-RU" dirty="0"/>
               <a:t>Основная идея – использование «различных» ключей для каждого блока, полученных через умножение в кольце многочленов</a:t>
             </a:r>
           </a:p>
@@ -19633,15 +19450,15 @@
               <a:buNone/>
             </a:pPr>
             <a:r>
-              <a:rPr lang="ru-RU" dirty="0" smtClean="0"/>
+              <a:rPr lang="ru-RU" dirty="0"/>
               <a:t>Возможность вычислять </a:t>
             </a:r>
             <a:r>
-              <a:rPr lang="en-US" dirty="0" smtClean="0"/>
+              <a:rPr lang="en-US" dirty="0"/>
               <a:t>MAC </a:t>
             </a:r>
             <a:r>
-              <a:rPr lang="ru-RU" dirty="0" smtClean="0"/>
+              <a:rPr lang="ru-RU" dirty="0"/>
               <a:t>параллельно для всех блоков</a:t>
             </a:r>
           </a:p>
@@ -19656,30 +19473,30 @@
               <a:buNone/>
             </a:pPr>
             <a:r>
-              <a:rPr lang="ru-RU" dirty="0" smtClean="0"/>
+              <a:rPr lang="ru-RU" dirty="0"/>
               <a:t>Был патентован (США), разрешено бесплатное использование в образовательных и </a:t>
             </a:r>
             <a:r>
-              <a:rPr lang="en-US" dirty="0" smtClean="0"/>
+              <a:rPr lang="en-US" dirty="0"/>
               <a:t>open-sour</a:t>
             </a:r>
             <a:r>
-              <a:rPr lang="ru-RU" dirty="0" smtClean="0"/>
+              <a:rPr lang="ru-RU" dirty="0"/>
               <a:t>с</a:t>
             </a:r>
             <a:r>
-              <a:rPr lang="en-US" dirty="0" smtClean="0"/>
+              <a:rPr lang="en-US" dirty="0"/>
               <a:t>e </a:t>
             </a:r>
             <a:r>
-              <a:rPr lang="ru-RU" dirty="0" smtClean="0"/>
+              <a:rPr lang="ru-RU" dirty="0"/>
               <a:t>проектах. В настоящий момент </a:t>
             </a:r>
             <a:r>
-              <a:rPr lang="ru-RU" smtClean="0"/>
+              <a:rPr lang="ru-RU"/>
               <a:t>патент истёк</a:t>
             </a:r>
-            <a:endParaRPr lang="ru-RU" dirty="0" smtClean="0"/>
+            <a:endParaRPr lang="ru-RU" dirty="0"/>
           </a:p>
           <a:p>
             <a:pPr marL="0" indent="0">
@@ -19867,35 +19684,27 @@
           <a:lstStyle/>
           <a:p>
             <a:r>
-              <a:rPr lang="ru-RU" dirty="0" smtClean="0"/>
+              <a:rPr lang="ru-RU" dirty="0"/>
               <a:t>Одноразовый </a:t>
             </a:r>
             <a:r>
-              <a:rPr lang="en-US" dirty="0" smtClean="0"/>
+              <a:rPr lang="en-US" dirty="0"/>
               <a:t>MAC  </a:t>
             </a:r>
-            <a:r>
-              <a:rPr lang="ru-RU" dirty="0" smtClean="0"/>
-              <a:t/>
-            </a:r>
             <a:br>
-              <a:rPr lang="ru-RU" dirty="0" smtClean="0"/>
+              <a:rPr lang="ru-RU" dirty="0"/>
             </a:br>
             <a:r>
-              <a:rPr lang="en-US" sz="3600" dirty="0" smtClean="0"/>
+              <a:rPr lang="en-US" sz="3600" dirty="0"/>
               <a:t>(</a:t>
             </a:r>
             <a:r>
-              <a:rPr lang="ru-RU" sz="3600" dirty="0" smtClean="0"/>
+              <a:rPr lang="ru-RU" sz="3600" dirty="0"/>
               <a:t>по аналогии с одноразовым блокнотом</a:t>
             </a:r>
             <a:r>
-              <a:rPr lang="en-US" sz="3600" dirty="0" smtClean="0"/>
+              <a:rPr lang="en-US" sz="3600" dirty="0"/>
               <a:t>)</a:t>
-            </a:r>
-            <a:r>
-              <a:rPr lang="en-US" sz="3600" dirty="0"/>
-              <a:t/>
             </a:r>
             <a:br>
               <a:rPr lang="en-US" sz="3600" dirty="0"/>
@@ -19935,7 +19744,7 @@
                   <a:buNone/>
                 </a:pPr>
                 <a:r>
-                  <a:rPr lang="ru-RU" dirty="0" smtClean="0"/>
+                  <a:rPr lang="ru-RU" dirty="0"/>
                   <a:t>Введём игру</a:t>
                 </a:r>
                 <a:endParaRPr lang="en-US" dirty="0"/>
@@ -20047,15 +19856,15 @@
                   <a:t>  </a:t>
                 </a:r>
                 <a:r>
-                  <a:rPr lang="ru-RU" dirty="0" smtClean="0"/>
+                  <a:rPr lang="ru-RU" dirty="0"/>
                   <a:t>стойкий одноразовый </a:t>
                 </a:r>
                 <a:r>
-                  <a:rPr lang="en-US" dirty="0" smtClean="0"/>
+                  <a:rPr lang="en-US" dirty="0"/>
                   <a:t>MAC</a:t>
                 </a:r>
                 <a:r>
-                  <a:rPr lang="ru-RU" dirty="0" smtClean="0"/>
+                  <a:rPr lang="ru-RU" dirty="0"/>
                   <a:t>, если </a:t>
                 </a:r>
                 <a14:m>
@@ -20208,7 +20017,7 @@
                   </m:oMath>
                 </a14:m>
                 <a:r>
-                  <a:rPr lang="ru-RU" dirty="0" smtClean="0"/>
+                  <a:rPr lang="ru-RU" dirty="0"/>
                   <a:t> – пренебрежимо малая величина</a:t>
                 </a:r>
                 <a:endParaRPr lang="en-US" dirty="0"/>
@@ -20284,7 +20093,7 @@
           <a:effectLst/>
           <a:extLst>
             <a:ext uri="{AF507438-7753-43e0-B8FC-AC1667EBCBE1}">
-              <a14:hiddenEffects xmlns="" xmlns:a14="http://schemas.microsoft.com/office/drawing/2010/main">
+              <a14:hiddenEffects xmlns:a14="http://schemas.microsoft.com/office/drawing/2010/main" xmlns="">
                 <a:effectLst>
                   <a:outerShdw blurRad="63500" dist="38099" dir="2700000" algn="ctr" rotWithShape="0">
                     <a:schemeClr val="bg2">
@@ -20338,7 +20147,7 @@
           <a:effectLst/>
           <a:extLst>
             <a:ext uri="{AF507438-7753-43e0-B8FC-AC1667EBCBE1}">
-              <a14:hiddenEffects xmlns="" xmlns:a14="http://schemas.microsoft.com/office/drawing/2010/main">
+              <a14:hiddenEffects xmlns:a14="http://schemas.microsoft.com/office/drawing/2010/main" xmlns="">
                 <a:effectLst>
                   <a:outerShdw blurRad="63500" dist="38099" dir="2700000" algn="ctr" rotWithShape="0">
                     <a:schemeClr val="bg2">
@@ -20385,14 +20194,14 @@
           <a:effectLst/>
           <a:extLst>
             <a:ext uri="{909E8E84-426E-40dd-AFC4-6F175D3DCCD1}">
-              <a14:hiddenFill xmlns="" xmlns:a14="http://schemas.microsoft.com/office/drawing/2010/main">
+              <a14:hiddenFill xmlns:a14="http://schemas.microsoft.com/office/drawing/2010/main" xmlns="">
                 <a:solidFill>
                   <a:schemeClr val="accent1"/>
                 </a:solidFill>
               </a14:hiddenFill>
             </a:ext>
             <a:ext uri="{91240B29-F687-4f45-9708-019B960494DF}">
-              <a14:hiddenLine xmlns="" xmlns:a14="http://schemas.microsoft.com/office/drawing/2010/main" w="9525">
+              <a14:hiddenLine xmlns:a14="http://schemas.microsoft.com/office/drawing/2010/main" xmlns="" w="9525">
                 <a:solidFill>
                   <a:schemeClr val="tx1"/>
                 </a:solidFill>
@@ -20402,7 +20211,7 @@
               </a14:hiddenLine>
             </a:ext>
             <a:ext uri="{AF507438-7753-43e0-B8FC-AC1667EBCBE1}">
-              <a14:hiddenEffects xmlns="" xmlns:a14="http://schemas.microsoft.com/office/drawing/2010/main">
+              <a14:hiddenEffects xmlns:a14="http://schemas.microsoft.com/office/drawing/2010/main" xmlns="">
                 <a:effectLst>
                   <a:outerShdw blurRad="63500" dist="38099" dir="2700000" algn="ctr" rotWithShape="0">
                     <a:schemeClr val="bg2">
@@ -20487,12 +20296,12 @@
             <a:effectLst/>
             <a:extLst>
               <a:ext uri="{909E8E84-426E-40dd-AFC4-6F175D3DCCD1}">
-                <a14:hiddenFill xmlns="" xmlns:a14="http://schemas.microsoft.com/office/drawing/2010/main">
+                <a14:hiddenFill xmlns:a14="http://schemas.microsoft.com/office/drawing/2010/main" xmlns="">
                   <a:noFill/>
                 </a14:hiddenFill>
               </a:ext>
               <a:ext uri="{AF507438-7753-43e0-B8FC-AC1667EBCBE1}">
-                <a14:hiddenEffects xmlns="" xmlns:a14="http://schemas.microsoft.com/office/drawing/2010/main">
+                <a14:hiddenEffects xmlns:a14="http://schemas.microsoft.com/office/drawing/2010/main" xmlns="">
                   <a:effectLst>
                     <a:outerShdw blurRad="63500" dist="38099" dir="2700000" algn="ctr" rotWithShape="0">
                       <a:schemeClr val="bg2">
@@ -20535,14 +20344,14 @@
             <a:effectLst/>
             <a:extLst>
               <a:ext uri="{909E8E84-426E-40dd-AFC4-6F175D3DCCD1}">
-                <a14:hiddenFill xmlns="" xmlns:a14="http://schemas.microsoft.com/office/drawing/2010/main">
+                <a14:hiddenFill xmlns:a14="http://schemas.microsoft.com/office/drawing/2010/main" xmlns="">
                   <a:solidFill>
                     <a:schemeClr val="accent1"/>
                   </a:solidFill>
                 </a14:hiddenFill>
               </a:ext>
               <a:ext uri="{91240B29-F687-4f45-9708-019B960494DF}">
-                <a14:hiddenLine xmlns="" xmlns:a14="http://schemas.microsoft.com/office/drawing/2010/main" w="9525">
+                <a14:hiddenLine xmlns:a14="http://schemas.microsoft.com/office/drawing/2010/main" xmlns="" w="9525">
                   <a:solidFill>
                     <a:schemeClr val="tx1"/>
                   </a:solidFill>
@@ -20552,7 +20361,7 @@
                 </a14:hiddenLine>
               </a:ext>
               <a:ext uri="{AF507438-7753-43e0-B8FC-AC1667EBCBE1}">
-                <a14:hiddenEffects xmlns="" xmlns:a14="http://schemas.microsoft.com/office/drawing/2010/main">
+                <a14:hiddenEffects xmlns:a14="http://schemas.microsoft.com/office/drawing/2010/main" xmlns="">
                   <a:effectLst>
                     <a:outerShdw blurRad="63500" dist="38099" dir="2700000" algn="ctr" rotWithShape="0">
                       <a:schemeClr val="bg2">
@@ -20625,14 +20434,14 @@
           <a:effectLst/>
           <a:extLst>
             <a:ext uri="{909E8E84-426E-40dd-AFC4-6F175D3DCCD1}">
-              <a14:hiddenFill xmlns="" xmlns:a14="http://schemas.microsoft.com/office/drawing/2010/main">
+              <a14:hiddenFill xmlns:a14="http://schemas.microsoft.com/office/drawing/2010/main" xmlns="">
                 <a:solidFill>
                   <a:schemeClr val="accent1"/>
                 </a:solidFill>
               </a14:hiddenFill>
             </a:ext>
             <a:ext uri="{AF507438-7753-43e0-B8FC-AC1667EBCBE1}">
-              <a14:hiddenEffects xmlns="" xmlns:a14="http://schemas.microsoft.com/office/drawing/2010/main">
+              <a14:hiddenEffects xmlns:a14="http://schemas.microsoft.com/office/drawing/2010/main" xmlns="">
                 <a:effectLst>
                   <a:outerShdw blurRad="63500" dist="38099" dir="2700000" algn="ctr" rotWithShape="0">
                     <a:schemeClr val="bg2">
@@ -20696,12 +20505,12 @@
             <a:effectLst/>
             <a:extLst>
               <a:ext uri="{909E8E84-426E-40dd-AFC4-6F175D3DCCD1}">
-                <a14:hiddenFill xmlns="" xmlns:a14="http://schemas.microsoft.com/office/drawing/2010/main">
+                <a14:hiddenFill xmlns:a14="http://schemas.microsoft.com/office/drawing/2010/main" xmlns="">
                   <a:noFill/>
                 </a14:hiddenFill>
               </a:ext>
               <a:ext uri="{AF507438-7753-43e0-B8FC-AC1667EBCBE1}">
-                <a14:hiddenEffects xmlns="" xmlns:a14="http://schemas.microsoft.com/office/drawing/2010/main">
+                <a14:hiddenEffects xmlns:a14="http://schemas.microsoft.com/office/drawing/2010/main" xmlns="">
                   <a:effectLst>
                     <a:outerShdw blurRad="63500" dist="38099" dir="2700000" algn="ctr" rotWithShape="0">
                       <a:schemeClr val="bg2">
@@ -20744,14 +20553,14 @@
             <a:effectLst/>
             <a:extLst>
               <a:ext uri="{909E8E84-426E-40dd-AFC4-6F175D3DCCD1}">
-                <a14:hiddenFill xmlns="" xmlns:a14="http://schemas.microsoft.com/office/drawing/2010/main">
+                <a14:hiddenFill xmlns:a14="http://schemas.microsoft.com/office/drawing/2010/main" xmlns="">
                   <a:solidFill>
                     <a:schemeClr val="accent1"/>
                   </a:solidFill>
                 </a14:hiddenFill>
               </a:ext>
               <a:ext uri="{91240B29-F687-4f45-9708-019B960494DF}">
-                <a14:hiddenLine xmlns="" xmlns:a14="http://schemas.microsoft.com/office/drawing/2010/main" w="9525">
+                <a14:hiddenLine xmlns:a14="http://schemas.microsoft.com/office/drawing/2010/main" xmlns="" w="9525">
                   <a:solidFill>
                     <a:schemeClr val="tx1"/>
                   </a:solidFill>
@@ -20761,7 +20570,7 @@
                 </a14:hiddenLine>
               </a:ext>
               <a:ext uri="{AF507438-7753-43e0-B8FC-AC1667EBCBE1}">
-                <a14:hiddenEffects xmlns="" xmlns:a14="http://schemas.microsoft.com/office/drawing/2010/main">
+                <a14:hiddenEffects xmlns:a14="http://schemas.microsoft.com/office/drawing/2010/main" xmlns="">
                   <a:effectLst>
                     <a:outerShdw blurRad="63500" dist="38099" dir="2700000" algn="ctr" rotWithShape="0">
                       <a:schemeClr val="bg2">
@@ -20851,12 +20660,12 @@
             <a:effectLst/>
             <a:extLst>
               <a:ext uri="{909E8E84-426E-40dd-AFC4-6F175D3DCCD1}">
-                <a14:hiddenFill xmlns="" xmlns:a14="http://schemas.microsoft.com/office/drawing/2010/main">
+                <a14:hiddenFill xmlns:a14="http://schemas.microsoft.com/office/drawing/2010/main" xmlns="">
                   <a:noFill/>
                 </a14:hiddenFill>
               </a:ext>
               <a:ext uri="{AF507438-7753-43e0-B8FC-AC1667EBCBE1}">
-                <a14:hiddenEffects xmlns="" xmlns:a14="http://schemas.microsoft.com/office/drawing/2010/main">
+                <a14:hiddenEffects xmlns:a14="http://schemas.microsoft.com/office/drawing/2010/main" xmlns="">
                   <a:effectLst>
                     <a:outerShdw blurRad="63500" dist="38099" dir="2700000" algn="ctr" rotWithShape="0">
                       <a:schemeClr val="bg2">
@@ -20899,14 +20708,14 @@
             <a:effectLst/>
             <a:extLst>
               <a:ext uri="{909E8E84-426E-40dd-AFC4-6F175D3DCCD1}">
-                <a14:hiddenFill xmlns="" xmlns:a14="http://schemas.microsoft.com/office/drawing/2010/main">
+                <a14:hiddenFill xmlns:a14="http://schemas.microsoft.com/office/drawing/2010/main" xmlns="">
                   <a:solidFill>
                     <a:schemeClr val="accent1"/>
                   </a:solidFill>
                 </a14:hiddenFill>
               </a:ext>
               <a:ext uri="{91240B29-F687-4f45-9708-019B960494DF}">
-                <a14:hiddenLine xmlns="" xmlns:a14="http://schemas.microsoft.com/office/drawing/2010/main" w="9525">
+                <a14:hiddenLine xmlns:a14="http://schemas.microsoft.com/office/drawing/2010/main" xmlns="" w="9525">
                   <a:solidFill>
                     <a:schemeClr val="tx1"/>
                   </a:solidFill>
@@ -20916,7 +20725,7 @@
                 </a14:hiddenLine>
               </a:ext>
               <a:ext uri="{AF507438-7753-43e0-B8FC-AC1667EBCBE1}">
-                <a14:hiddenEffects xmlns="" xmlns:a14="http://schemas.microsoft.com/office/drawing/2010/main">
+                <a14:hiddenEffects xmlns:a14="http://schemas.microsoft.com/office/drawing/2010/main" xmlns="">
                   <a:effectLst>
                     <a:outerShdw blurRad="63500" dist="38099" dir="2700000" algn="ctr" rotWithShape="0">
                       <a:schemeClr val="bg2">
@@ -21073,11 +20882,11 @@
                     <a:t>=1    </a:t>
                   </a:r>
                   <a:r>
-                    <a:rPr lang="ru-RU" sz="2667" dirty="0" smtClean="0"/>
+                    <a:rPr lang="ru-RU" sz="2667" dirty="0"/>
                     <a:t>если</a:t>
                   </a:r>
                   <a:r>
-                    <a:rPr lang="en-US" sz="2667" dirty="0" smtClean="0"/>
+                    <a:rPr lang="en-US" sz="2667" dirty="0"/>
                     <a:t>  </a:t>
                   </a:r>
                   <a14:m>
@@ -21139,12 +20948,8 @@
                     </m:oMath>
                   </a14:m>
                   <a:r>
-                    <a:rPr lang="en-US" sz="2667" dirty="0" smtClean="0"/>
-                    <a:t>   </a:t>
-                  </a:r>
-                  <a:r>
                     <a:rPr lang="en-US" sz="2667" dirty="0"/>
-                    <a:t>and  </a:t>
+                    <a:t>   and  </a:t>
                   </a:r>
                   <a14:m>
                     <m:oMath xmlns:m="http://schemas.openxmlformats.org/officeDocument/2006/math">
@@ -21252,7 +21057,7 @@
                     <a:t>=0   </a:t>
                   </a:r>
                   <a:r>
-                    <a:rPr lang="ru-RU" sz="2667" dirty="0" smtClean="0">
+                    <a:rPr lang="ru-RU" sz="2667" dirty="0">
                       <a:sym typeface="Symbol" charset="0"/>
                     </a:rPr>
                     <a:t>иначе</a:t>
@@ -21366,14 +21171,14 @@
             <a:effectLst/>
             <a:extLst>
               <a:ext uri="{909E8E84-426E-40dd-AFC4-6F175D3DCCD1}">
-                <a14:hiddenFill xmlns="" xmlns:a14="http://schemas.microsoft.com/office/drawing/2010/main">
+                <a14:hiddenFill xmlns:a14="http://schemas.microsoft.com/office/drawing/2010/main" xmlns="">
                   <a:solidFill>
                     <a:schemeClr val="accent1"/>
                   </a:solidFill>
                 </a14:hiddenFill>
               </a:ext>
               <a:ext uri="{AF507438-7753-43e0-B8FC-AC1667EBCBE1}">
-                <a14:hiddenEffects xmlns="" xmlns:a14="http://schemas.microsoft.com/office/drawing/2010/main">
+                <a14:hiddenEffects xmlns:a14="http://schemas.microsoft.com/office/drawing/2010/main" xmlns="">
                   <a:effectLst>
                     <a:outerShdw blurRad="63500" dist="38099" dir="2700000" algn="ctr" rotWithShape="0">
                       <a:schemeClr val="bg2">
@@ -21436,12 +21241,12 @@
             <a:effectLst/>
             <a:extLst>
               <a:ext uri="{909E8E84-426E-40dd-AFC4-6F175D3DCCD1}">
-                <a14:hiddenFill xmlns="" xmlns:a14="http://schemas.microsoft.com/office/drawing/2010/main">
+                <a14:hiddenFill xmlns:a14="http://schemas.microsoft.com/office/drawing/2010/main" xmlns="">
                   <a:noFill/>
                 </a14:hiddenFill>
               </a:ext>
               <a:ext uri="{AF507438-7753-43e0-B8FC-AC1667EBCBE1}">
-                <a14:hiddenEffects xmlns="" xmlns:a14="http://schemas.microsoft.com/office/drawing/2010/main">
+                <a14:hiddenEffects xmlns:a14="http://schemas.microsoft.com/office/drawing/2010/main" xmlns="">
                   <a:effectLst>
                     <a:outerShdw blurRad="63500" dist="38099" dir="2700000" algn="ctr" rotWithShape="0">
                       <a:schemeClr val="bg2">
@@ -21484,14 +21289,14 @@
             <a:effectLst/>
             <a:extLst>
               <a:ext uri="{909E8E84-426E-40dd-AFC4-6F175D3DCCD1}">
-                <a14:hiddenFill xmlns="" xmlns:a14="http://schemas.microsoft.com/office/drawing/2010/main">
+                <a14:hiddenFill xmlns:a14="http://schemas.microsoft.com/office/drawing/2010/main" xmlns="">
                   <a:solidFill>
                     <a:schemeClr val="accent1"/>
                   </a:solidFill>
                 </a14:hiddenFill>
               </a:ext>
               <a:ext uri="{91240B29-F687-4f45-9708-019B960494DF}">
-                <a14:hiddenLine xmlns="" xmlns:a14="http://schemas.microsoft.com/office/drawing/2010/main" w="9525">
+                <a14:hiddenLine xmlns:a14="http://schemas.microsoft.com/office/drawing/2010/main" xmlns="" w="9525">
                   <a:solidFill>
                     <a:schemeClr val="tx1"/>
                   </a:solidFill>
@@ -21501,7 +21306,7 @@
                 </a14:hiddenLine>
               </a:ext>
               <a:ext uri="{AF507438-7753-43e0-B8FC-AC1667EBCBE1}">
-                <a14:hiddenEffects xmlns="" xmlns:a14="http://schemas.microsoft.com/office/drawing/2010/main">
+                <a14:hiddenEffects xmlns:a14="http://schemas.microsoft.com/office/drawing/2010/main" xmlns="">
                   <a:effectLst>
                     <a:outerShdw blurRad="63500" dist="38099" dir="2700000" algn="ctr" rotWithShape="0">
                       <a:schemeClr val="bg2">
@@ -21537,13 +21342,6 @@
   <p:clrMapOvr>
     <a:masterClrMapping/>
   </p:clrMapOvr>
-  <p:timing>
-    <p:tnLst>
-      <p:par>
-        <p:cTn id="1" dur="indefinite" restart="never" nodeType="tmRoot"/>
-      </p:par>
-    </p:tnLst>
-  </p:timing>
 </p:sld>
 </file>
 
@@ -21588,15 +21386,15 @@
               <a:t>MAC :  </a:t>
             </a:r>
             <a:r>
-              <a:rPr lang="ru-RU" dirty="0" smtClean="0"/>
+              <a:rPr lang="ru-RU" dirty="0"/>
               <a:t>пример</a:t>
             </a:r>
             <a:endParaRPr lang="en-US" dirty="0"/>
           </a:p>
         </p:txBody>
       </p:sp>
-      <mc:AlternateContent xmlns:mc="http://schemas.openxmlformats.org/markup-compatibility/2006" xmlns:a14="http://schemas.microsoft.com/office/drawing/2010/main">
-        <mc:Choice Requires="a14">
+      <mc:AlternateContent xmlns:mc="http://schemas.openxmlformats.org/markup-compatibility/2006">
+        <mc:Choice xmlns:a14="http://schemas.microsoft.com/office/drawing/2010/main" Requires="a14">
           <p:sp>
             <p:nvSpPr>
               <p:cNvPr id="3" name="Content Placeholder 2"/>
@@ -21626,10 +21424,10 @@
                   <a:buNone/>
                 </a:pPr>
                 <a:r>
-                  <a:rPr lang="ru-RU" dirty="0" smtClean="0"/>
+                  <a:rPr lang="ru-RU" dirty="0"/>
                   <a:t>Стойкий против любых (не только эффективных) противников</a:t>
                 </a:r>
-                <a:endParaRPr lang="en-US" dirty="0" smtClean="0"/>
+                <a:endParaRPr lang="en-US" dirty="0"/>
               </a:p>
               <a:p>
                 <a:pPr marL="0" indent="0">
@@ -21639,7 +21437,7 @@
                   <a:buNone/>
                 </a:pPr>
                 <a:r>
-                  <a:rPr lang="ru-RU" dirty="0" smtClean="0"/>
+                  <a:rPr lang="ru-RU" dirty="0"/>
                   <a:t>Пусть </a:t>
                 </a:r>
                 <a14:m>
@@ -21653,52 +21451,24 @@
                   </m:oMath>
                 </a14:m>
                 <a:r>
-                  <a:rPr lang="en-US" dirty="0" smtClean="0"/>
+                  <a:rPr lang="en-US" dirty="0"/>
                   <a:t>  </a:t>
                 </a:r>
                 <a:r>
-                  <a:rPr lang="ru-RU" dirty="0" smtClean="0"/>
+                  <a:rPr lang="ru-RU" dirty="0"/>
                   <a:t>большое простое число</a:t>
                 </a:r>
                 <a:r>
-                  <a:rPr lang="en-US" dirty="0" smtClean="0"/>
-                  <a:t> (</a:t>
-                </a:r>
-                <a:r>
-                  <a:rPr lang="ru-RU" dirty="0" smtClean="0"/>
-                  <a:t>пример (хоть и не больше) -</a:t>
-                </a:r>
-                <a:r>
-                  <a:rPr lang="en-US" dirty="0" smtClean="0"/>
+                  <a:rPr lang="en-US" dirty="0"/>
                   <a:t> </a:t>
-                </a:r>
-                <a14:m>
-                  <m:oMath xmlns:m="http://schemas.openxmlformats.org/officeDocument/2006/math">
-                    <m:r>
-                      <a:rPr lang="en-US" b="0" i="1" dirty="0" smtClean="0">
-                        <a:latin typeface="Cambria Math" panose="02040503050406030204" pitchFamily="18" charset="0"/>
-                      </a:rPr>
-                      <m:t>𝑞</m:t>
-                    </m:r>
-                    <m:r>
-                      <a:rPr lang="en-US" b="0" i="1" dirty="0" smtClean="0">
-                        <a:latin typeface="Cambria Math" panose="02040503050406030204" pitchFamily="18" charset="0"/>
-                      </a:rPr>
-                      <m:t> = 2128+51 </m:t>
-                    </m:r>
-                  </m:oMath>
-                </a14:m>
-                <a:r>
-                  <a:rPr lang="en-US" dirty="0" smtClean="0"/>
-                  <a:t>)</a:t>
                 </a:r>
               </a:p>
               <a:p>
                 <a:pPr marL="0" indent="0">
+                  <a:spcBef>
+                    <a:spcPts val="3168"/>
+                  </a:spcBef>
                   <a:buNone/>
-                  <a:tabLst>
-                    <a:tab pos="770447" algn="l"/>
-                  </a:tabLst>
                 </a:pPr>
                 <a:r>
                   <a:rPr lang="en-US" baseline="30000" dirty="0"/>
@@ -21799,7 +21569,7 @@
                     </m:sSup>
                   </m:oMath>
                 </a14:m>
-                <a:endParaRPr lang="ru-RU" baseline="30000" dirty="0" smtClean="0"/>
+                <a:endParaRPr lang="ru-RU" baseline="30000" dirty="0"/>
               </a:p>
               <a:p>
                 <a:pPr marL="0" indent="0">
@@ -21901,7 +21671,7 @@
                     </m:d>
                   </m:oMath>
                 </a14:m>
-                <a:endParaRPr lang="ru-RU" dirty="0" smtClean="0"/>
+                <a:endParaRPr lang="ru-RU" dirty="0"/>
               </a:p>
               <a:p>
                 <a:pPr marL="0" indent="0">
@@ -21910,7 +21680,7 @@
                     <a:tab pos="770447" algn="l"/>
                   </a:tabLst>
                 </a:pPr>
-                <a:endParaRPr lang="ru-RU" dirty="0" smtClean="0"/>
+                <a:endParaRPr lang="ru-RU" dirty="0"/>
               </a:p>
               <a:p>
                 <a:pPr marL="0" indent="0">
@@ -22108,11 +21878,11 @@
                   </m:oMath>
                 </a14:m>
                 <a:r>
-                  <a:rPr lang="en-US" dirty="0" smtClean="0"/>
+                  <a:rPr lang="en-US" dirty="0"/>
                   <a:t> – </a:t>
                 </a:r>
                 <a:r>
-                  <a:rPr lang="ru-RU" dirty="0" smtClean="0"/>
+                  <a:rPr lang="ru-RU" dirty="0"/>
                   <a:t>полином степени </a:t>
                 </a:r>
                 <a14:m>
@@ -22131,7 +21901,7 @@
                     </m:r>
                   </m:oMath>
                 </a14:m>
-                <a:endParaRPr lang="ru-RU" b="0" dirty="0" smtClean="0"/>
+                <a:endParaRPr lang="ru-RU" b="0" dirty="0"/>
               </a:p>
               <a:p>
                 <a:pPr marL="0" indent="0">
@@ -22140,7 +21910,7 @@
                     <a:tab pos="770447" algn="l"/>
                   </a:tabLst>
                 </a:pPr>
-                <a:endParaRPr lang="ru-RU" baseline="30000" dirty="0" smtClean="0"/>
+                <a:endParaRPr lang="ru-RU" baseline="30000" dirty="0"/>
               </a:p>
               <a:p>
                 <a:pPr marL="0" indent="0">
@@ -22320,7 +22090,7 @@
                     </m:oMath>
                   </m:oMathPara>
                 </a14:m>
-                <a:endParaRPr lang="ru-RU" dirty="0" smtClean="0">
+                <a:endParaRPr lang="ru-RU" dirty="0">
                   <a:solidFill>
                     <a:schemeClr val="tx1"/>
                   </a:solidFill>
@@ -22329,7 +22099,7 @@
             </p:txBody>
           </p:sp>
         </mc:Choice>
-        <mc:Fallback xmlns="">
+        <mc:Fallback>
           <p:sp>
             <p:nvSpPr>
               <p:cNvPr id="3" name="Content Placeholder 2"/>
@@ -22377,13 +22147,6 @@
   <p:clrMapOvr>
     <a:masterClrMapping/>
   </p:clrMapOvr>
-  <p:timing>
-    <p:tnLst>
-      <p:par>
-        <p:cTn id="1" dur="indefinite" restart="never" nodeType="tmRoot"/>
-      </p:par>
-    </p:tnLst>
-  </p:timing>
 </p:sld>
 </file>
 
@@ -22422,22 +22185,21 @@
           <a:lstStyle/>
           <a:p>
             <a:r>
-              <a:rPr lang="ru-RU" dirty="0" smtClean="0"/>
+              <a:rPr lang="ru-RU" dirty="0"/>
               <a:t>Одноразовый</a:t>
             </a:r>
             <a:r>
-              <a:rPr lang="en-US" dirty="0" smtClean="0"/>
+              <a:rPr lang="en-US" dirty="0"/>
               <a:t> MAC ⇒ </a:t>
             </a:r>
             <a:r>
-              <a:rPr lang="ru-RU" dirty="0" smtClean="0"/>
+              <a:rPr lang="ru-RU" dirty="0"/>
               <a:t>Многоразовый</a:t>
             </a:r>
             <a:r>
-              <a:rPr lang="en-US" dirty="0" smtClean="0"/>
+              <a:rPr lang="en-US" dirty="0"/>
               <a:t> MAC</a:t>
             </a:r>
-            <a:endParaRPr lang="en-US" dirty="0"/>
           </a:p>
         </p:txBody>
       </p:sp>
@@ -22467,11 +22229,11 @@
                   <a:buNone/>
                 </a:pPr>
                 <a:r>
-                  <a:rPr lang="ru-RU" dirty="0" smtClean="0"/>
+                  <a:rPr lang="ru-RU" dirty="0"/>
                   <a:t>Пусть</a:t>
                 </a:r>
                 <a:r>
-                  <a:rPr lang="en-US" dirty="0" smtClean="0"/>
+                  <a:rPr lang="en-US" dirty="0"/>
                   <a:t>  </a:t>
                 </a:r>
                 <a14:m>
@@ -22509,19 +22271,19 @@
                   </m:oMath>
                 </a14:m>
                 <a:r>
-                  <a:rPr lang="ru-RU" dirty="0" smtClean="0"/>
+                  <a:rPr lang="ru-RU" dirty="0"/>
                   <a:t> стойкий одноразовый </a:t>
                 </a:r>
                 <a:r>
-                  <a:rPr lang="en-US" dirty="0" smtClean="0"/>
+                  <a:rPr lang="en-US" dirty="0"/>
                   <a:t>MAC </a:t>
                 </a:r>
                 <a:r>
-                  <a:rPr lang="ru-RU" dirty="0" smtClean="0"/>
+                  <a:rPr lang="ru-RU" dirty="0"/>
                   <a:t>на</a:t>
                 </a:r>
                 <a:r>
-                  <a:rPr lang="en-US" dirty="0" smtClean="0"/>
+                  <a:rPr lang="en-US" dirty="0"/>
                   <a:t> </a:t>
                 </a:r>
                 <a14:m>
@@ -22571,7 +22333,7 @@
                   </m:oMath>
                 </a14:m>
                 <a:r>
-                  <a:rPr lang="en-US" dirty="0" smtClean="0"/>
+                  <a:rPr lang="en-US" dirty="0"/>
                   <a:t> .</a:t>
                 </a:r>
               </a:p>
@@ -22660,18 +22422,14 @@
                 </a14:m>
                 <a:r>
                   <a:rPr lang="en-US" dirty="0"/>
-                  <a:t> </a:t>
-                </a:r>
-                <a:r>
-                  <a:rPr lang="en-US" dirty="0" smtClean="0"/>
-                  <a:t> </a:t>
-                </a:r>
-                <a:r>
-                  <a:rPr lang="ru-RU" dirty="0" smtClean="0"/>
+                  <a:t>  </a:t>
+                </a:r>
+                <a:r>
+                  <a:rPr lang="ru-RU" dirty="0"/>
                   <a:t>стойкая </a:t>
                 </a:r>
                 <a:r>
-                  <a:rPr lang="en-US" dirty="0" smtClean="0"/>
+                  <a:rPr lang="en-US" dirty="0"/>
                   <a:t>PRF.</a:t>
                 </a:r>
               </a:p>
@@ -22721,28 +22479,27 @@
                   </m:oMath>
                 </a14:m>
                 <a:r>
-                  <a:rPr lang="en-US" dirty="0" smtClean="0"/>
+                  <a:rPr lang="en-US" dirty="0"/>
                   <a:t>.</a:t>
                 </a:r>
-                <a:endParaRPr lang="en-US" dirty="0"/>
               </a:p>
               <a:p>
                 <a:pPr marL="0" indent="0">
                   <a:buNone/>
                 </a:pPr>
                 <a:r>
-                  <a:rPr lang="en-US" dirty="0" smtClean="0"/>
+                  <a:rPr lang="en-US" dirty="0"/>
                   <a:t>Carter-</a:t>
                 </a:r>
                 <a:r>
-                  <a:rPr lang="en-US" dirty="0" err="1" smtClean="0"/>
+                  <a:rPr lang="en-US" dirty="0" err="1"/>
                   <a:t>Wegman</a:t>
                 </a:r>
                 <a:r>
-                  <a:rPr lang="en-US" dirty="0" smtClean="0"/>
+                  <a:rPr lang="en-US" dirty="0"/>
                   <a:t> MAC:    </a:t>
                 </a:r>
-                <a:endParaRPr lang="en-US" b="0" i="1" dirty="0" smtClean="0">
+                <a:endParaRPr lang="en-US" b="0" i="1" dirty="0">
                   <a:latin typeface="Cambria Math" panose="02040503050406030204" pitchFamily="18" charset="0"/>
                 </a:endParaRPr>
               </a:p>
@@ -23026,7 +22783,7 @@
                     </m:oMath>
                   </m:oMathPara>
                 </a14:m>
-                <a:endParaRPr lang="en-US" b="0" i="1" dirty="0" smtClean="0">
+                <a:endParaRPr lang="en-US" b="0" i="1" dirty="0">
                   <a:latin typeface="Cambria Math" panose="02040503050406030204" pitchFamily="18" charset="0"/>
                 </a:endParaRPr>
               </a:p>
@@ -23297,7 +23054,7 @@
                     </m:oMath>
                   </m:oMathPara>
                 </a14:m>
-                <a:endParaRPr lang="en-US" dirty="0" smtClean="0"/>
+                <a:endParaRPr lang="en-US" dirty="0"/>
               </a:p>
               <a:p>
                 <a:pPr marL="0" indent="0">
@@ -23310,10 +23067,10 @@
                   <a:buNone/>
                 </a:pPr>
                 <a:r>
-                  <a:rPr lang="ru-RU" dirty="0" smtClean="0"/>
+                  <a:rPr lang="ru-RU" dirty="0"/>
                   <a:t>Является недетерминированным</a:t>
                 </a:r>
-                <a:endParaRPr lang="en-US" dirty="0" smtClean="0"/>
+                <a:endParaRPr lang="en-US" dirty="0"/>
               </a:p>
               <a:p>
                 <a:pPr marL="0" indent="0">
@@ -23442,7 +23199,7 @@
                 </a:lnSpc>
               </a:pPr>
               <a:r>
-                <a:rPr lang="ru-RU" sz="2400" dirty="0" smtClean="0"/>
+                <a:rPr lang="ru-RU" sz="2400" dirty="0"/>
                 <a:t>Быстрая,</a:t>
               </a:r>
             </a:p>
@@ -23453,7 +23210,7 @@
                 </a:lnSpc>
               </a:pPr>
               <a:r>
-                <a:rPr lang="ru-RU" sz="2400" dirty="0" smtClean="0"/>
+                <a:rPr lang="ru-RU" sz="2400" dirty="0"/>
                 <a:t>Длинный вход</a:t>
               </a:r>
               <a:endParaRPr lang="en-US" sz="2400" dirty="0"/>
@@ -23541,7 +23298,7 @@
                 </a:lnSpc>
               </a:pPr>
               <a:r>
-                <a:rPr lang="ru-RU" sz="2400" dirty="0" smtClean="0"/>
+                <a:rPr lang="ru-RU" sz="2400" dirty="0"/>
                 <a:t>Медленная,</a:t>
               </a:r>
             </a:p>
@@ -23552,7 +23309,7 @@
                 </a:lnSpc>
               </a:pPr>
               <a:r>
-                <a:rPr lang="ru-RU" sz="2400" dirty="0" smtClean="0"/>
+                <a:rPr lang="ru-RU" sz="2400" dirty="0"/>
                 <a:t>Короткий вход</a:t>
               </a:r>
               <a:endParaRPr lang="en-US" sz="2400" dirty="0"/>
@@ -23594,13 +23351,6 @@
   <p:clrMapOvr>
     <a:masterClrMapping/>
   </p:clrMapOvr>
-  <p:timing>
-    <p:tnLst>
-      <p:par>
-        <p:cTn id="1" dur="indefinite" restart="never" nodeType="tmRoot"/>
-      </p:par>
-    </p:tnLst>
-  </p:timing>
 </p:sld>
 </file>
 
@@ -23676,29 +23426,29 @@
               <a:buNone/>
             </a:pPr>
             <a:r>
-              <a:rPr lang="ru-RU" dirty="0" smtClean="0"/>
+              <a:rPr lang="ru-RU" dirty="0"/>
               <a:t>Наиболее быстрые современные </a:t>
             </a:r>
             <a:r>
-              <a:rPr lang="en-US" dirty="0" smtClean="0"/>
+              <a:rPr lang="en-US" dirty="0"/>
               <a:t>MAC</a:t>
             </a:r>
           </a:p>
           <a:p>
             <a:r>
-              <a:rPr lang="en-US" dirty="0" smtClean="0"/>
+              <a:rPr lang="en-US" dirty="0"/>
               <a:t>VMAC</a:t>
             </a:r>
           </a:p>
           <a:p>
             <a:r>
-              <a:rPr lang="en-US" dirty="0" smtClean="0"/>
+              <a:rPr lang="en-US" dirty="0"/>
               <a:t>UMAC</a:t>
             </a:r>
           </a:p>
           <a:p>
             <a:r>
-              <a:rPr lang="en-US" dirty="0" smtClean="0"/>
+              <a:rPr lang="en-US" dirty="0"/>
               <a:t>Poly1305-AES</a:t>
             </a:r>
           </a:p>
@@ -23706,7 +23456,7 @@
             <a:pPr marL="0" indent="0">
               <a:buNone/>
             </a:pPr>
-            <a:endParaRPr lang="en-US" dirty="0" smtClean="0"/>
+            <a:endParaRPr lang="en-US" dirty="0"/>
           </a:p>
           <a:p>
             <a:pPr marL="0" indent="0">
@@ -23749,13 +23499,6 @@
   <p:clrMapOvr>
     <a:masterClrMapping/>
   </p:clrMapOvr>
-  <p:timing>
-    <p:tnLst>
-      <p:par>
-        <p:cTn id="1" dur="indefinite" restart="never" nodeType="tmRoot"/>
-      </p:par>
-    </p:tnLst>
-  </p:timing>
 </p:sld>
 </file>
 
@@ -23792,7 +23535,7 @@
           <a:lstStyle/>
           <a:p>
             <a:r>
-              <a:rPr lang="en-US" dirty="0" smtClean="0"/>
+              <a:rPr lang="en-US" dirty="0"/>
               <a:t>Poly1305</a:t>
             </a:r>
             <a:endParaRPr lang="ru-RU" dirty="0"/>
@@ -23827,7 +23570,7 @@
                   <a:buNone/>
                 </a:pPr>
                 <a:r>
-                  <a:rPr lang="en-US" dirty="0" smtClean="0"/>
+                  <a:rPr lang="en-US" dirty="0"/>
                   <a:t>Poly1305: </a:t>
                 </a:r>
               </a:p>
@@ -23979,18 +23722,18 @@
                   </m:oMath>
                 </a14:m>
                 <a:r>
-                  <a:rPr lang="ru-RU" i="1" dirty="0" smtClean="0">
+                  <a:rPr lang="ru-RU" i="1" dirty="0">
                     <a:latin typeface="Cambria Math" panose="02040503050406030204" pitchFamily="18" charset="0"/>
                   </a:rPr>
                   <a:t> </a:t>
                 </a:r>
                 <a:r>
-                  <a:rPr lang="ru-RU" dirty="0" smtClean="0">
+                  <a:rPr lang="ru-RU" dirty="0">
                     <a:latin typeface="Cambria Math" panose="02040503050406030204" pitchFamily="18" charset="0"/>
                   </a:rPr>
                   <a:t>(округление сверху)</a:t>
                 </a:r>
-                <a:endParaRPr lang="en-US" i="1" dirty="0" smtClean="0">
+                <a:endParaRPr lang="en-US" i="1" dirty="0">
                   <a:latin typeface="Cambria Math" panose="02040503050406030204" pitchFamily="18" charset="0"/>
                 </a:endParaRPr>
               </a:p>
@@ -24350,20 +24093,20 @@
                     </m:oMath>
                   </m:oMathPara>
                 </a14:m>
-                <a:endParaRPr lang="en-US" dirty="0" smtClean="0"/>
+                <a:endParaRPr lang="en-US" dirty="0"/>
               </a:p>
               <a:p>
                 <a:pPr marL="0" indent="0">
                   <a:buNone/>
                 </a:pPr>
-                <a:endParaRPr lang="ru-RU" dirty="0" smtClean="0"/>
+                <a:endParaRPr lang="ru-RU" dirty="0"/>
               </a:p>
               <a:p>
                 <a:pPr marL="0" indent="0">
                   <a:buNone/>
                 </a:pPr>
                 <a:r>
-                  <a:rPr lang="ru-RU" dirty="0" smtClean="0"/>
+                  <a:rPr lang="ru-RU" dirty="0"/>
                   <a:t>Если </a:t>
                 </a:r>
                 <a14:m>
@@ -24377,7 +24120,7 @@
                   </m:oMath>
                 </a14:m>
                 <a:r>
-                  <a:rPr lang="ru-RU" dirty="0" smtClean="0"/>
+                  <a:rPr lang="ru-RU" dirty="0"/>
                   <a:t> не делит </a:t>
                 </a:r>
                 <a14:m>
@@ -24391,7 +24134,7 @@
                   </m:oMath>
                 </a14:m>
                 <a:r>
-                  <a:rPr lang="en-US" dirty="0" smtClean="0"/>
+                  <a:rPr lang="en-US" dirty="0"/>
                   <a:t>:</a:t>
                 </a:r>
               </a:p>
@@ -24559,7 +24302,7 @@
                     </m:oMath>
                   </m:oMathPara>
                 </a14:m>
-                <a:endParaRPr lang="en-US" b="0" i="1" dirty="0" smtClean="0">
+                <a:endParaRPr lang="en-US" b="0" i="1" dirty="0">
                   <a:latin typeface="Cambria Math" panose="02040503050406030204" pitchFamily="18" charset="0"/>
                 </a:endParaRPr>
               </a:p>
@@ -24728,14 +24471,14 @@
                     </m:oMath>
                   </m:oMathPara>
                 </a14:m>
-                <a:endParaRPr lang="en-US" dirty="0" smtClean="0"/>
+                <a:endParaRPr lang="en-US" dirty="0"/>
               </a:p>
               <a:p>
                 <a:pPr marL="0" indent="0">
                   <a:buNone/>
                 </a:pPr>
                 <a:r>
-                  <a:rPr lang="ru-RU" dirty="0" smtClean="0"/>
+                  <a:rPr lang="ru-RU" dirty="0"/>
                   <a:t>Простыми словами – дополнить каждые 16 байт до 17, добавляя 1. Если не хватает до 16 байт – добавить 100…000 чтоб хватало.</a:t>
                 </a:r>
                 <a:endParaRPr lang="en-US" dirty="0"/>
@@ -24814,13 +24557,6 @@
   <p:clrMapOvr>
     <a:masterClrMapping/>
   </p:clrMapOvr>
-  <p:timing>
-    <p:tnLst>
-      <p:par>
-        <p:cTn id="1" dur="indefinite" restart="never" nodeType="tmRoot"/>
-      </p:par>
-    </p:tnLst>
-  </p:timing>
 </p:sld>
 </file>
 
@@ -24904,7 +24640,7 @@
           <a:lstStyle/>
           <a:p>
             <a:r>
-              <a:rPr lang="en-US" sz="20000" dirty="0" smtClean="0">
+              <a:rPr lang="en-US" sz="20000" dirty="0">
                 <a:solidFill>
                   <a:schemeClr val="bg1"/>
                 </a:solidFill>
@@ -24913,7 +24649,7 @@
               <a:t>TIME</a:t>
             </a:r>
             <a:r>
-              <a:rPr lang="en-US" sz="15000" dirty="0" smtClean="0">
+              <a:rPr lang="en-US" sz="15000" dirty="0">
                 <a:solidFill>
                   <a:schemeClr val="bg1"/>
                 </a:solidFill>
@@ -24954,7 +24690,7 @@
               <a:buNone/>
             </a:pPr>
             <a:r>
-              <a:rPr lang="en-US" sz="20000" dirty="0" smtClean="0">
+              <a:rPr lang="en-US" sz="20000" dirty="0">
                 <a:solidFill>
                   <a:schemeClr val="bg1"/>
                 </a:solidFill>
@@ -25036,7 +24772,7 @@
           </a:lstStyle>
           <a:p>
             <a:r>
-              <a:rPr lang="en-US" sz="20000" dirty="0" smtClean="0">
+              <a:rPr lang="en-US" sz="20000" dirty="0">
                 <a:solidFill>
                   <a:schemeClr val="bg1"/>
                 </a:solidFill>
@@ -25045,7 +24781,7 @@
               <a:t>IS</a:t>
             </a:r>
             <a:r>
-              <a:rPr lang="en-US" sz="20000" dirty="0" smtClean="0">
+              <a:rPr lang="en-US" sz="20000" dirty="0">
                 <a:solidFill>
                   <a:schemeClr val="bg1"/>
                 </a:solidFill>
@@ -25837,7 +25573,7 @@
                     </m:oMath>
                   </m:oMathPara>
                 </a14:m>
-                <a:endParaRPr lang="ru-RU" b="0" i="1" dirty="0" smtClean="0"/>
+                <a:endParaRPr lang="ru-RU" b="0" i="1" dirty="0"/>
               </a:p>
               <a:p>
                 <a14:m>
@@ -25854,15 +25590,15 @@
                   </m:oMath>
                 </a14:m>
                 <a:r>
-                  <a:rPr lang="ru-RU" b="0" i="1" dirty="0" smtClean="0"/>
+                  <a:rPr lang="ru-RU" b="0" i="1" dirty="0"/>
                   <a:t> – </a:t>
                 </a:r>
                 <a:r>
-                  <a:rPr lang="en-US" b="0" dirty="0" smtClean="0"/>
+                  <a:rPr lang="en-US" b="0" dirty="0"/>
                   <a:t>nonce</a:t>
                 </a:r>
                 <a:r>
-                  <a:rPr lang="ru-RU" b="0" dirty="0" smtClean="0"/>
+                  <a:rPr lang="ru-RU" b="0" dirty="0"/>
                   <a:t>, </a:t>
                 </a:r>
                 <a14:m>
@@ -25939,11 +25675,11 @@
                   </m:oMath>
                 </a14:m>
                 <a:r>
-                  <a:rPr lang="ru-RU" b="0" dirty="0" smtClean="0"/>
+                  <a:rPr lang="ru-RU" b="0" dirty="0"/>
                   <a:t> - ключ</a:t>
                 </a:r>
                 <a:r>
-                  <a:rPr lang="ru-RU" dirty="0" smtClean="0"/>
+                  <a:rPr lang="ru-RU" dirty="0"/>
                   <a:t>, </a:t>
                 </a:r>
                 <a14:m>
@@ -25957,7 +25693,7 @@
                   </m:oMath>
                 </a14:m>
                 <a:r>
-                  <a:rPr lang="ru-RU" b="0" dirty="0" smtClean="0"/>
+                  <a:rPr lang="ru-RU" b="0" dirty="0"/>
                   <a:t> – подписываемое сообщение. </a:t>
                 </a:r>
               </a:p>
@@ -26151,7 +25887,7 @@
                   </m:oMath>
                 </a14:m>
                 <a:r>
-                  <a:rPr lang="ru-RU" dirty="0" smtClean="0"/>
+                  <a:rPr lang="ru-RU" dirty="0"/>
                   <a:t> (некоторые биты </a:t>
                 </a:r>
                 <a14:m>
@@ -26168,7 +25904,7 @@
                   </m:oMath>
                 </a14:m>
                 <a:r>
-                  <a:rPr lang="ru-RU" dirty="0" smtClean="0"/>
+                  <a:rPr lang="ru-RU" dirty="0"/>
                   <a:t> просто выставляются константами в 0 или 1. Возможно использование полностью случайного </a:t>
                 </a:r>
                 <a14:m>
@@ -26185,7 +25921,7 @@
                   </m:oMath>
                 </a14:m>
                 <a:r>
-                  <a:rPr lang="ru-RU" dirty="0" smtClean="0"/>
+                  <a:rPr lang="ru-RU" dirty="0"/>
                   <a:t> для увеличения параметра стойкости до 128 бит, но снижения производительности)</a:t>
                 </a:r>
               </a:p>
@@ -26238,21 +25974,21 @@
                   </m:oMath>
                 </a14:m>
                 <a:r>
-                  <a:rPr lang="ru-RU" dirty="0" smtClean="0"/>
+                  <a:rPr lang="ru-RU" dirty="0"/>
                   <a:t> – выбранное простое число </a:t>
                 </a:r>
               </a:p>
               <a:p>
                 <a:r>
-                  <a:rPr lang="ru-RU" dirty="0" smtClean="0"/>
+                  <a:rPr lang="ru-RU" dirty="0"/>
                   <a:t>106 бит стойкости</a:t>
                 </a:r>
                 <a:r>
-                  <a:rPr lang="en-US" dirty="0" smtClean="0"/>
+                  <a:rPr lang="en-US" dirty="0"/>
                   <a:t> (</a:t>
                 </a:r>
                 <a:r>
-                  <a:rPr lang="ru-RU" dirty="0" smtClean="0"/>
+                  <a:rPr lang="ru-RU" dirty="0"/>
                   <a:t>число случайный бит в </a:t>
                 </a:r>
                 <a14:m>
@@ -26269,7 +26005,7 @@
                   </m:oMath>
                 </a14:m>
                 <a:r>
-                  <a:rPr lang="en-US" dirty="0" smtClean="0"/>
+                  <a:rPr lang="en-US" dirty="0"/>
                   <a:t>)</a:t>
                 </a:r>
                 <a:endParaRPr lang="ru-RU" dirty="0"/>
@@ -26348,13 +26084,6 @@
   <p:clrMapOvr>
     <a:masterClrMapping/>
   </p:clrMapOvr>
-  <p:timing>
-    <p:tnLst>
-      <p:par>
-        <p:cTn id="1" dur="indefinite" restart="never" nodeType="tmRoot"/>
-      </p:par>
-    </p:tnLst>
-  </p:timing>
 </p:sld>
 </file>
 
@@ -26426,27 +26155,27 @@
                   <a:buNone/>
                 </a:pPr>
                 <a:r>
-                  <a:rPr lang="en-US" dirty="0" smtClean="0"/>
+                  <a:rPr lang="en-US" dirty="0"/>
                   <a:t>NB: </a:t>
                 </a:r>
                 <a:r>
-                  <a:rPr lang="ru-RU" dirty="0" smtClean="0"/>
+                  <a:rPr lang="ru-RU" dirty="0"/>
                   <a:t>картинка слева предполагает, что правая часть ключа </a:t>
                 </a:r>
                 <a:r>
-                  <a:rPr lang="en-US" dirty="0" smtClean="0"/>
+                  <a:rPr lang="en-US" dirty="0"/>
                   <a:t>Poly1305</a:t>
                 </a:r>
                 <a:r>
-                  <a:rPr lang="ru-RU" dirty="0" smtClean="0"/>
+                  <a:rPr lang="ru-RU" dirty="0"/>
                   <a:t> уже получена ранее как выход некоторой </a:t>
                 </a:r>
                 <a:r>
-                  <a:rPr lang="en-US" dirty="0" smtClean="0"/>
+                  <a:rPr lang="en-US" dirty="0"/>
                   <a:t>PRF</a:t>
                 </a:r>
                 <a:r>
-                  <a:rPr lang="ru-RU" dirty="0" smtClean="0"/>
+                  <a:rPr lang="ru-RU" dirty="0"/>
                   <a:t>, вычисленной от некоторого </a:t>
                 </a:r>
                 <a14:m>
@@ -26463,55 +26192,55 @@
                   </m:oMath>
                 </a14:m>
                 <a:r>
-                  <a:rPr lang="ru-RU" dirty="0" smtClean="0"/>
+                  <a:rPr lang="ru-RU" dirty="0"/>
                   <a:t> поэтому явного вычисления</a:t>
                 </a:r>
                 <a:r>
-                  <a:rPr lang="en-US" dirty="0" smtClean="0"/>
+                  <a:rPr lang="en-US" dirty="0"/>
                   <a:t> PRF </a:t>
                 </a:r>
                 <a:r>
-                  <a:rPr lang="ru-RU" dirty="0" smtClean="0"/>
+                  <a:rPr lang="ru-RU" dirty="0"/>
                   <a:t>нет.</a:t>
                 </a:r>
-                <a:endParaRPr lang="en-US" dirty="0" smtClean="0"/>
+                <a:endParaRPr lang="en-US" dirty="0"/>
               </a:p>
               <a:p>
                 <a:pPr marL="0" indent="0">
                   <a:buNone/>
                 </a:pPr>
-                <a:endParaRPr lang="ru-RU" dirty="0" smtClean="0"/>
+                <a:endParaRPr lang="ru-RU" dirty="0"/>
               </a:p>
               <a:p>
                 <a:pPr marL="0" indent="0">
                   <a:buNone/>
                 </a:pPr>
                 <a:r>
-                  <a:rPr lang="ru-RU" dirty="0" smtClean="0"/>
+                  <a:rPr lang="ru-RU" dirty="0"/>
                   <a:t>В качестве </a:t>
                 </a:r>
                 <a:r>
-                  <a:rPr lang="en-US" dirty="0" smtClean="0"/>
+                  <a:rPr lang="en-US" dirty="0"/>
                   <a:t>PRF </a:t>
                 </a:r>
                 <a:r>
-                  <a:rPr lang="ru-RU" dirty="0" smtClean="0"/>
+                  <a:rPr lang="ru-RU" dirty="0"/>
                   <a:t>используется не только </a:t>
                 </a:r>
                 <a:r>
-                  <a:rPr lang="en-US" dirty="0" smtClean="0"/>
+                  <a:rPr lang="en-US" dirty="0"/>
                   <a:t>AES</a:t>
                 </a:r>
                 <a:r>
-                  <a:rPr lang="ru-RU" dirty="0" smtClean="0"/>
+                  <a:rPr lang="ru-RU" dirty="0"/>
                   <a:t>, но и </a:t>
                 </a:r>
                 <a:r>
-                  <a:rPr lang="en-US" dirty="0" smtClean="0"/>
+                  <a:rPr lang="en-US" dirty="0"/>
                   <a:t>ChaCha20 (</a:t>
                 </a:r>
                 <a:r>
-                  <a:rPr lang="ru-RU" dirty="0" smtClean="0"/>
+                  <a:rPr lang="ru-RU" dirty="0"/>
                   <a:t>обычно в рамках построения аутентифицированного шифрования </a:t>
                 </a:r>
                 <a:r>
@@ -26520,17 +26249,12 @@
                 </a:r>
                 <a:r>
                   <a:rPr lang="en-US" dirty="0"/>
-                  <a:t> 20 – Poly </a:t>
-                </a:r>
-                <a:r>
-                  <a:rPr lang="en-US" dirty="0" smtClean="0"/>
-                  <a:t>1305</a:t>
-                </a:r>
-                <a:r>
-                  <a:rPr lang="ru-RU" dirty="0" smtClean="0"/>
+                  <a:t> 20 – Poly 1305</a:t>
+                </a:r>
+                <a:r>
+                  <a:rPr lang="ru-RU" dirty="0"/>
                   <a:t>) </a:t>
                 </a:r>
-                <a:endParaRPr lang="ru-RU" dirty="0"/>
               </a:p>
             </p:txBody>
           </p:sp>
@@ -26739,10 +26463,9 @@
           <a:lstStyle/>
           <a:p>
             <a:r>
-              <a:rPr lang="ru-RU" dirty="0" smtClean="0"/>
+              <a:rPr lang="ru-RU" dirty="0"/>
               <a:t>Тест.</a:t>
             </a:r>
-            <a:endParaRPr lang="ru-RU" dirty="0"/>
           </a:p>
         </p:txBody>
       </p:sp>
@@ -26932,28 +26655,24 @@
               <a:lstStyle/>
               <a:p>
                 <a:r>
-                  <a:rPr lang="ru-RU" sz="2800" dirty="0" smtClean="0"/>
+                  <a:rPr lang="ru-RU" sz="2800" dirty="0"/>
                   <a:t>1 –</a:t>
                 </a:r>
                 <a:r>
-                  <a:rPr lang="en-US" sz="2800" dirty="0" smtClean="0"/>
+                  <a:rPr lang="en-US" sz="2800" dirty="0"/>
                   <a:t> </a:t>
                 </a:r>
                 <a:r>
-                  <a:rPr lang="ru-RU" sz="2800" dirty="0" smtClean="0"/>
+                  <a:rPr lang="ru-RU" sz="2800" dirty="0"/>
                   <a:t>Стойкая </a:t>
                 </a:r>
                 <a:r>
-                  <a:rPr lang="en-US" sz="2800" dirty="0" smtClean="0"/>
+                  <a:rPr lang="en-US" sz="2800" dirty="0"/>
                   <a:t>PRF</a:t>
                 </a:r>
                 <a:r>
-                  <a:rPr lang="ru-RU" sz="2800" dirty="0" smtClean="0"/>
-                  <a:t> </a:t>
-                </a:r>
-                <a:r>
                   <a:rPr lang="ru-RU" sz="2800" dirty="0"/>
-                  <a:t>со </a:t>
+                  <a:t> со </a:t>
                 </a:r>
                 <a:r>
                   <a:rPr lang="ru-RU" sz="2800" dirty="0" err="1"/>
@@ -26961,28 +26680,24 @@
                 </a:r>
                 <a:r>
                   <a:rPr lang="ru-RU" sz="2800" dirty="0"/>
-                  <a:t> областью </a:t>
-                </a:r>
-                <a:r>
-                  <a:rPr lang="ru-RU" sz="2800" dirty="0" smtClean="0"/>
-                  <a:t>значений. </a:t>
-                </a:r>
-                <a:r>
-                  <a:rPr lang="ru-RU" sz="2800" b="1" dirty="0" smtClean="0"/>
+                  <a:t> областью значений. </a:t>
+                </a:r>
+                <a:r>
+                  <a:rPr lang="ru-RU" sz="2800" b="1" dirty="0"/>
                   <a:t>Является ли она стойкой </a:t>
                 </a:r>
                 <a:r>
-                  <a:rPr lang="en-US" sz="2800" b="1" dirty="0" smtClean="0"/>
+                  <a:rPr lang="en-US" sz="2800" b="1" dirty="0"/>
                   <a:t>MAC</a:t>
                 </a:r>
                 <a:r>
-                  <a:rPr lang="en-US" sz="2800" dirty="0" smtClean="0"/>
+                  <a:rPr lang="en-US" sz="2800" dirty="0"/>
                   <a:t>.</a:t>
                 </a:r>
               </a:p>
               <a:p>
                 <a:r>
-                  <a:rPr lang="en-US" sz="2800" dirty="0" smtClean="0"/>
+                  <a:rPr lang="en-US" sz="2800" dirty="0"/>
                   <a:t>2 – </a:t>
                 </a:r>
                 <a:r>
@@ -27006,36 +26721,36 @@
                   <a:t>MAC</a:t>
                 </a:r>
                 <a:r>
-                  <a:rPr lang="en-US" sz="2800" dirty="0" smtClean="0"/>
+                  <a:rPr lang="en-US" sz="2800" dirty="0"/>
                   <a:t>?</a:t>
                 </a:r>
               </a:p>
               <a:p>
                 <a:r>
-                  <a:rPr lang="ru-RU" sz="2800" dirty="0" smtClean="0"/>
+                  <a:rPr lang="ru-RU" sz="2800" dirty="0"/>
                   <a:t>3 – Связь преимущества противника в игре против </a:t>
                 </a:r>
                 <a:r>
-                  <a:rPr lang="en-US" sz="2800" dirty="0" smtClean="0"/>
+                  <a:rPr lang="en-US" sz="2800" dirty="0"/>
                   <a:t>MAC </a:t>
                 </a:r>
                 <a:r>
-                  <a:rPr lang="ru-RU" sz="2800" b="1" dirty="0" smtClean="0"/>
+                  <a:rPr lang="ru-RU" sz="2800" b="1" dirty="0"/>
                   <a:t>с и без запросов на проверку </a:t>
                 </a:r>
                 <a:r>
-                  <a:rPr lang="en-US" sz="2800" b="1" dirty="0" smtClean="0"/>
+                  <a:rPr lang="en-US" sz="2800" b="1" dirty="0"/>
                   <a:t>MAC</a:t>
                 </a:r>
                 <a:r>
-                  <a:rPr lang="ru-RU" sz="2800" dirty="0" smtClean="0"/>
+                  <a:rPr lang="ru-RU" sz="2800" dirty="0"/>
                   <a:t>.</a:t>
                 </a:r>
-                <a:endParaRPr lang="en-US" sz="2800" dirty="0" smtClean="0"/>
+                <a:endParaRPr lang="en-US" sz="2800" dirty="0"/>
               </a:p>
               <a:p>
                 <a:r>
-                  <a:rPr lang="ru-RU" sz="2800" dirty="0" smtClean="0"/>
+                  <a:rPr lang="ru-RU" sz="2800" dirty="0"/>
                   <a:t>4 – </a:t>
                 </a:r>
                 <a14:m>
@@ -27209,12 +26924,8 @@
                   </m:oMath>
                 </a14:m>
                 <a:r>
-                  <a:rPr lang="ru-RU" sz="2800" dirty="0" smtClean="0"/>
-                  <a:t> (результат – последний блок). </a:t>
-                </a:r>
-                <a:r>
                   <a:rPr lang="ru-RU" sz="2800" dirty="0"/>
-                  <a:t>Является ли </a:t>
+                  <a:t> (результат – последний блок). Является ли </a:t>
                 </a:r>
                 <a14:m>
                   <m:oMath xmlns:m="http://schemas.openxmlformats.org/officeDocument/2006/math">
@@ -27524,10 +27235,9 @@
           <a:lstStyle/>
           <a:p>
             <a:r>
-              <a:rPr lang="ru-RU" dirty="0" smtClean="0"/>
+              <a:rPr lang="ru-RU" dirty="0"/>
               <a:t>Целостность сообщений</a:t>
             </a:r>
-            <a:endParaRPr lang="ru-RU" dirty="0"/>
           </a:p>
         </p:txBody>
       </p:sp>
@@ -27554,7 +27264,7 @@
               <a:lstStyle/>
               <a:p>
                 <a:r>
-                  <a:rPr lang="ru-RU" dirty="0" smtClean="0"/>
+                  <a:rPr lang="ru-RU" dirty="0"/>
                   <a:t>Задача – обеспечить целостность сообщений </a:t>
                 </a:r>
                 <a14:m>
@@ -27568,31 +27278,31 @@
                   </m:oMath>
                 </a14:m>
                 <a:r>
-                  <a:rPr lang="ru-RU" dirty="0" smtClean="0"/>
+                  <a:rPr lang="ru-RU" dirty="0"/>
                   <a:t> при передаче</a:t>
                 </a:r>
               </a:p>
               <a:p>
                 <a:r>
-                  <a:rPr lang="ru-RU" dirty="0" smtClean="0"/>
+                  <a:rPr lang="ru-RU" dirty="0"/>
                   <a:t>Обеспечиваем только </a:t>
                 </a:r>
                 <a:r>
-                  <a:rPr lang="ru-RU" b="1" dirty="0" smtClean="0"/>
+                  <a:rPr lang="ru-RU" b="1" dirty="0"/>
                   <a:t>целостность</a:t>
                 </a:r>
                 <a:r>
-                  <a:rPr lang="ru-RU" dirty="0" smtClean="0"/>
+                  <a:rPr lang="ru-RU" dirty="0"/>
                   <a:t>, сообщения предполагаются открытыми</a:t>
                 </a:r>
               </a:p>
               <a:p>
                 <a:r>
-                  <a:rPr lang="ru-RU" dirty="0" smtClean="0"/>
+                  <a:rPr lang="ru-RU" dirty="0"/>
                   <a:t>Основная идея – создать небольшую по длине величину</a:t>
                 </a:r>
                 <a:r>
-                  <a:rPr lang="en-US" dirty="0" smtClean="0"/>
+                  <a:rPr lang="en-US" dirty="0"/>
                   <a:t> </a:t>
                 </a:r>
                 <a14:m>
@@ -27606,19 +27316,19 @@
                   </m:oMath>
                 </a14:m>
                 <a:r>
-                  <a:rPr lang="ru-RU" dirty="0" smtClean="0"/>
+                  <a:rPr lang="ru-RU" dirty="0"/>
                   <a:t> </a:t>
                 </a:r>
                 <a:r>
-                  <a:rPr lang="en-US" dirty="0" smtClean="0"/>
+                  <a:rPr lang="en-US" dirty="0"/>
                   <a:t>(tag, </a:t>
                 </a:r>
                 <a:r>
-                  <a:rPr lang="ru-RU" dirty="0" smtClean="0"/>
+                  <a:rPr lang="ru-RU" dirty="0"/>
                   <a:t>метка) на основе сообщения, и передать данную величину вместе с сообщением</a:t>
                 </a:r>
                 <a:r>
-                  <a:rPr lang="en-US" dirty="0" smtClean="0"/>
+                  <a:rPr lang="en-US" dirty="0"/>
                   <a:t>: </a:t>
                 </a:r>
                 <a14:m>
@@ -27656,7 +27366,7 @@
                   </m:oMath>
                 </a14:m>
                 <a:r>
-                  <a:rPr lang="ru-RU" dirty="0" smtClean="0"/>
+                  <a:rPr lang="ru-RU" dirty="0"/>
                   <a:t>. На стороне получателя величина </a:t>
                 </a:r>
                 <a14:m>
@@ -27676,11 +27386,11 @@
                   </m:oMath>
                 </a14:m>
                 <a:r>
-                  <a:rPr lang="ru-RU" dirty="0" smtClean="0"/>
+                  <a:rPr lang="ru-RU" dirty="0"/>
                   <a:t> вычисляется для полученного сообщения</a:t>
                 </a:r>
                 <a:r>
-                  <a:rPr lang="en-US" dirty="0" smtClean="0"/>
+                  <a:rPr lang="en-US" dirty="0"/>
                   <a:t> </a:t>
                 </a:r>
                 <a14:m>
@@ -27700,11 +27410,11 @@
                   </m:oMath>
                 </a14:m>
                 <a:r>
-                  <a:rPr lang="en-US" dirty="0" smtClean="0"/>
+                  <a:rPr lang="en-US" dirty="0"/>
                   <a:t> </a:t>
                 </a:r>
                 <a:r>
-                  <a:rPr lang="ru-RU" dirty="0" smtClean="0"/>
+                  <a:rPr lang="ru-RU" dirty="0"/>
                   <a:t>и производится сравнение </a:t>
                 </a:r>
                 <a14:m>
@@ -27736,7 +27446,7 @@
                   </m:oMath>
                 </a14:m>
                 <a:r>
-                  <a:rPr lang="ru-RU" dirty="0" smtClean="0"/>
+                  <a:rPr lang="ru-RU" dirty="0"/>
                   <a:t>. В случае равенства полагается, что целостность сообщения не нарушена.</a:t>
                 </a:r>
               </a:p>
@@ -27838,13 +27548,6 @@
   <p:clrMapOvr>
     <a:masterClrMapping/>
   </p:clrMapOvr>
-  <p:timing>
-    <p:tnLst>
-      <p:par>
-        <p:cTn id="1" dur="indefinite" restart="never" nodeType="tmRoot"/>
-      </p:par>
-    </p:tnLst>
-  </p:timing>
 </p:sld>
 </file>
 
@@ -27881,11 +27584,11 @@
           <a:lstStyle/>
           <a:p>
             <a:r>
-              <a:rPr lang="ru-RU" dirty="0" smtClean="0"/>
+              <a:rPr lang="ru-RU" dirty="0"/>
               <a:t>Определение </a:t>
             </a:r>
             <a:r>
-              <a:rPr lang="en-US" dirty="0" smtClean="0"/>
+              <a:rPr lang="en-US" dirty="0"/>
               <a:t>MAC</a:t>
             </a:r>
             <a:endParaRPr lang="ru-RU" dirty="0"/>
@@ -27915,11 +27618,11 @@
                   <a:buNone/>
                 </a:pPr>
                 <a:r>
-                  <a:rPr lang="en-US" dirty="0" smtClean="0"/>
+                  <a:rPr lang="en-US" dirty="0"/>
                   <a:t>MAC </a:t>
                 </a:r>
                 <a:r>
-                  <a:rPr lang="ru-RU" dirty="0" smtClean="0"/>
+                  <a:rPr lang="ru-RU" dirty="0"/>
                   <a:t>на </a:t>
                 </a:r>
                 <a14:m>
@@ -27969,11 +27672,11 @@
                   </m:oMath>
                 </a14:m>
                 <a:r>
-                  <a:rPr lang="en-US" dirty="0" smtClean="0"/>
+                  <a:rPr lang="en-US" dirty="0"/>
                   <a:t> </a:t>
                 </a:r>
                 <a:r>
-                  <a:rPr lang="ru-RU" dirty="0" smtClean="0"/>
+                  <a:rPr lang="ru-RU" dirty="0"/>
                   <a:t>называется пара эффективных алгоритмов </a:t>
                 </a:r>
                 <a14:m>
@@ -28028,7 +27731,7 @@
                   </m:oMath>
                 </a14:m>
                 <a:r>
-                  <a:rPr lang="ru-RU" dirty="0" smtClean="0"/>
+                  <a:rPr lang="ru-RU" dirty="0"/>
                   <a:t> </a:t>
                 </a:r>
                 <a14:m>
@@ -28042,19 +27745,19 @@
                   </m:oMath>
                 </a14:m>
                 <a:r>
-                  <a:rPr lang="en-US" dirty="0" smtClean="0"/>
+                  <a:rPr lang="en-US" dirty="0"/>
                   <a:t> – </a:t>
                 </a:r>
                 <a:r>
-                  <a:rPr lang="ru-RU" dirty="0" smtClean="0"/>
+                  <a:rPr lang="ru-RU" dirty="0"/>
                   <a:t>алгоритм выработки </a:t>
                 </a:r>
                 <a:r>
-                  <a:rPr lang="en-US" dirty="0" smtClean="0"/>
+                  <a:rPr lang="en-US" dirty="0"/>
                   <a:t>MAC</a:t>
                 </a:r>
                 <a:r>
-                  <a:rPr lang="ru-RU" dirty="0" smtClean="0"/>
+                  <a:rPr lang="ru-RU" dirty="0"/>
                   <a:t>, </a:t>
                 </a:r>
                 <a14:m>
@@ -28068,23 +27771,23 @@
                   </m:oMath>
                 </a14:m>
                 <a:r>
-                  <a:rPr lang="ru-RU" dirty="0" smtClean="0"/>
+                  <a:rPr lang="ru-RU" dirty="0"/>
                   <a:t> – алгоритм проверки </a:t>
                 </a:r>
                 <a:r>
-                  <a:rPr lang="en-US" dirty="0" smtClean="0"/>
+                  <a:rPr lang="en-US" dirty="0"/>
                   <a:t>MAC</a:t>
                 </a:r>
                 <a:r>
-                  <a:rPr lang="ru-RU" dirty="0" smtClean="0"/>
+                  <a:rPr lang="ru-RU" dirty="0"/>
                   <a:t>.</a:t>
                 </a:r>
                 <a:r>
-                  <a:rPr lang="en-US" dirty="0" smtClean="0"/>
+                  <a:rPr lang="en-US" dirty="0"/>
                   <a:t> </a:t>
                 </a:r>
                 <a:r>
-                  <a:rPr lang="ru-RU" dirty="0" smtClean="0"/>
+                  <a:rPr lang="ru-RU" dirty="0"/>
                   <a:t>Пусть </a:t>
                 </a:r>
                 <a14:m>
@@ -28098,7 +27801,7 @@
                   </m:oMath>
                 </a14:m>
                 <a:r>
-                  <a:rPr lang="ru-RU" dirty="0" smtClean="0"/>
+                  <a:rPr lang="ru-RU" dirty="0"/>
                   <a:t> – множество сообщений, </a:t>
                 </a:r>
                 <a14:m>
@@ -28112,11 +27815,11 @@
                   </m:oMath>
                 </a14:m>
                 <a:r>
-                  <a:rPr lang="en-US" dirty="0" smtClean="0"/>
+                  <a:rPr lang="en-US" dirty="0"/>
                   <a:t> – </a:t>
                 </a:r>
                 <a:r>
-                  <a:rPr lang="ru-RU" dirty="0" smtClean="0"/>
+                  <a:rPr lang="ru-RU" dirty="0"/>
                   <a:t>множество ключей, </a:t>
                 </a:r>
                 <a14:m>
@@ -28130,7 +27833,7 @@
                   </m:oMath>
                 </a14:m>
                 <a:r>
-                  <a:rPr lang="ru-RU" dirty="0" smtClean="0"/>
+                  <a:rPr lang="ru-RU" dirty="0"/>
                   <a:t> – множество кодов аутентичности (меток). Тогда для </a:t>
                 </a:r>
                 <a14:m>
@@ -28203,7 +27906,7 @@
                     </m:r>
                   </m:oMath>
                 </a14:m>
-                <a:endParaRPr lang="ru-RU" dirty="0" smtClean="0"/>
+                <a:endParaRPr lang="ru-RU" dirty="0"/>
               </a:p>
               <a:p>
                 <a14:m>
@@ -28259,7 +27962,7 @@
                   </m:oMath>
                 </a14:m>
                 <a:r>
-                  <a:rPr lang="ru-RU" dirty="0" smtClean="0"/>
+                  <a:rPr lang="ru-RU" dirty="0"/>
                   <a:t> - вероятностный алгоритм, вычисляющий </a:t>
                 </a:r>
                 <a14:m>
@@ -28333,7 +28036,7 @@
                     </m:r>
                   </m:oMath>
                 </a14:m>
-                <a:endParaRPr lang="en-US" dirty="0" smtClean="0"/>
+                <a:endParaRPr lang="en-US" dirty="0"/>
               </a:p>
               <a:p>
                 <a14:m>
@@ -28389,11 +28092,11 @@
                   </m:oMath>
                 </a14:m>
                 <a:r>
-                  <a:rPr lang="en-US" dirty="0" smtClean="0"/>
+                  <a:rPr lang="en-US" dirty="0"/>
                   <a:t> – </a:t>
                 </a:r>
                 <a:r>
-                  <a:rPr lang="ru-RU" dirty="0" smtClean="0"/>
+                  <a:rPr lang="ru-RU" dirty="0"/>
                   <a:t>детерминированный алгоритм, вычисляющий результат проверки </a:t>
                 </a:r>
                 <a14:m>
@@ -28461,13 +28164,13 @@
                   </m:oMath>
                 </a14:m>
                 <a:r>
-                  <a:rPr lang="ru-RU" dirty="0" smtClean="0"/>
+                  <a:rPr lang="ru-RU" dirty="0"/>
                   <a:t>.</a:t>
                 </a:r>
               </a:p>
               <a:p>
                 <a:r>
-                  <a:rPr lang="ru-RU" dirty="0" smtClean="0"/>
+                  <a:rPr lang="ru-RU" dirty="0"/>
                   <a:t>Свойство корректности - </a:t>
                 </a:r>
                 <a14:m>
@@ -28705,15 +28408,15 @@
           <a:lstStyle/>
           <a:p>
             <a:r>
-              <a:rPr lang="ru-RU" dirty="0" smtClean="0"/>
+              <a:rPr lang="ru-RU" dirty="0"/>
               <a:t>Игра на стойкость </a:t>
             </a:r>
             <a:r>
-              <a:rPr lang="en-US" dirty="0" smtClean="0"/>
+              <a:rPr lang="en-US" dirty="0"/>
               <a:t>MAC</a:t>
             </a:r>
             <a:br>
-              <a:rPr lang="en-US" dirty="0" smtClean="0"/>
+              <a:rPr lang="en-US" dirty="0"/>
             </a:br>
             <a:r>
               <a:rPr lang="ru-RU" dirty="0"/>
@@ -28745,7 +28448,7 @@
               <a:lstStyle/>
               <a:p>
                 <a:r>
-                  <a:rPr lang="ru-RU" dirty="0" smtClean="0"/>
+                  <a:rPr lang="ru-RU" dirty="0"/>
                   <a:t>Противник побеждает в игре, если пара </a:t>
                 </a:r>
                 <a14:m>
@@ -28783,19 +28486,19 @@
                   </m:oMath>
                 </a14:m>
                 <a:r>
-                  <a:rPr lang="en-US" dirty="0" smtClean="0"/>
+                  <a:rPr lang="en-US" dirty="0"/>
                   <a:t> – </a:t>
                 </a:r>
                 <a:r>
-                  <a:rPr lang="ru-RU" dirty="0" smtClean="0"/>
+                  <a:rPr lang="ru-RU" dirty="0"/>
                   <a:t>верная пара сообщение – </a:t>
                 </a:r>
                 <a:r>
-                  <a:rPr lang="en-US" dirty="0" smtClean="0"/>
+                  <a:rPr lang="en-US" dirty="0"/>
                   <a:t>MA</a:t>
                 </a:r>
                 <a:r>
-                  <a:rPr lang="ru-RU" dirty="0" smtClean="0"/>
+                  <a:rPr lang="ru-RU" dirty="0"/>
                   <a:t>С, т.е. </a:t>
                 </a:r>
                 <a14:m>
@@ -28861,11 +28564,11 @@
                     </m:r>
                   </m:oMath>
                 </a14:m>
-                <a:endParaRPr lang="en-US" dirty="0" smtClean="0"/>
+                <a:endParaRPr lang="en-US" dirty="0"/>
               </a:p>
               <a:p>
                 <a:r>
-                  <a:rPr lang="ru-RU" dirty="0" smtClean="0"/>
+                  <a:rPr lang="ru-RU" dirty="0"/>
                   <a:t>Преимуществом противника </a:t>
                 </a:r>
                 <a14:m>
@@ -28879,11 +28582,11 @@
                   </m:oMath>
                 </a14:m>
                 <a:r>
-                  <a:rPr lang="ru-RU" dirty="0" smtClean="0"/>
+                  <a:rPr lang="ru-RU" dirty="0"/>
                   <a:t> в игре против </a:t>
                 </a:r>
                 <a:r>
-                  <a:rPr lang="en-US" dirty="0" smtClean="0"/>
+                  <a:rPr lang="en-US" dirty="0"/>
                   <a:t>MAC </a:t>
                 </a:r>
                 <a14:m>
@@ -28927,11 +28630,11 @@
                   </m:oMath>
                 </a14:m>
                 <a:r>
-                  <a:rPr lang="en-US" dirty="0" smtClean="0"/>
+                  <a:rPr lang="en-US" dirty="0"/>
                   <a:t> </a:t>
                 </a:r>
                 <a:r>
-                  <a:rPr lang="ru-RU" dirty="0" smtClean="0"/>
+                  <a:rPr lang="ru-RU" dirty="0"/>
                   <a:t>называется величина </a:t>
                 </a:r>
                 <a14:m>
@@ -29075,13 +28778,13 @@
                   </m:oMath>
                 </a14:m>
                 <a:r>
-                  <a:rPr lang="en-US" dirty="0" smtClean="0"/>
+                  <a:rPr lang="en-US" dirty="0"/>
                   <a:t>].</a:t>
                 </a:r>
               </a:p>
               <a:p>
                 <a:r>
-                  <a:rPr lang="en-US" dirty="0" smtClean="0"/>
+                  <a:rPr lang="en-US" dirty="0"/>
                   <a:t>MAC </a:t>
                 </a:r>
                 <a14:m>
@@ -29125,19 +28828,19 @@
                   </m:oMath>
                 </a14:m>
                 <a:r>
-                  <a:rPr lang="en-US" dirty="0" smtClean="0"/>
+                  <a:rPr lang="en-US" dirty="0"/>
                   <a:t> </a:t>
                 </a:r>
                 <a:r>
-                  <a:rPr lang="ru-RU" dirty="0" smtClean="0"/>
+                  <a:rPr lang="ru-RU" dirty="0"/>
                   <a:t>называется стойким </a:t>
                 </a:r>
                 <a:r>
-                  <a:rPr lang="en-US" dirty="0" smtClean="0"/>
+                  <a:rPr lang="en-US" dirty="0"/>
                   <a:t>MA</a:t>
                 </a:r>
                 <a:r>
-                  <a:rPr lang="ru-RU" dirty="0" smtClean="0"/>
+                  <a:rPr lang="ru-RU" dirty="0"/>
                   <a:t>С, если </a:t>
                 </a:r>
                 <a14:m>
@@ -29249,14 +28952,13 @@
                   </m:oMath>
                 </a14:m>
                 <a:r>
-                  <a:rPr lang="en-US" dirty="0" smtClean="0"/>
+                  <a:rPr lang="en-US" dirty="0"/>
                   <a:t> – </a:t>
                 </a:r>
                 <a:r>
-                  <a:rPr lang="ru-RU" dirty="0" smtClean="0"/>
+                  <a:rPr lang="ru-RU" dirty="0"/>
                   <a:t>пренебрежимо малая величина.</a:t>
                 </a:r>
-                <a:endParaRPr lang="ru-RU" dirty="0"/>
               </a:p>
             </p:txBody>
           </p:sp>
@@ -29947,7 +29649,7 @@
           <a:lstStyle/>
           <a:p>
             <a:r>
-              <a:rPr lang="en-US" sz="2600" dirty="0" smtClean="0"/>
+              <a:rPr lang="en-US" sz="2600" dirty="0"/>
               <a:t>…</a:t>
             </a:r>
             <a:endParaRPr lang="ru-RU" sz="2600" dirty="0"/>
@@ -30135,7 +29837,7 @@
           <a:lstStyle/>
           <a:p>
             <a:r>
-              <a:rPr lang="en-US" sz="2600" dirty="0" smtClean="0"/>
+              <a:rPr lang="en-US" sz="2600" dirty="0"/>
               <a:t>…</a:t>
             </a:r>
             <a:endParaRPr lang="ru-RU" sz="2600" dirty="0"/>
@@ -30176,7 +29878,7 @@
               <a:lstStyle/>
               <a:p>
                 <a:r>
-                  <a:rPr lang="en-US" sz="1600" i="1" dirty="0" smtClean="0"/>
+                  <a:rPr lang="en-US" sz="1600" i="1" dirty="0"/>
                   <a:t>k</a:t>
                 </a:r>
                 <a14:m>
@@ -30275,13 +29977,6 @@
   <p:clrMapOvr>
     <a:masterClrMapping/>
   </p:clrMapOvr>
-  <p:timing>
-    <p:tnLst>
-      <p:par>
-        <p:cTn id="1" dur="indefinite" restart="never" nodeType="tmRoot"/>
-      </p:par>
-    </p:tnLst>
-  </p:timing>
 </p:sld>
 </file>
 
@@ -30318,15 +30013,15 @@
           <a:lstStyle/>
           <a:p>
             <a:r>
-              <a:rPr lang="ru-RU" dirty="0" err="1" smtClean="0"/>
+              <a:rPr lang="ru-RU" dirty="0" err="1"/>
               <a:t>Беспрификсные</a:t>
             </a:r>
             <a:r>
-              <a:rPr lang="ru-RU" dirty="0" smtClean="0"/>
+              <a:rPr lang="ru-RU" dirty="0"/>
               <a:t> </a:t>
             </a:r>
             <a:r>
-              <a:rPr lang="en-US" dirty="0" smtClean="0"/>
+              <a:rPr lang="en-US" dirty="0"/>
               <a:t>PRF</a:t>
             </a:r>
             <a:endParaRPr lang="ru-RU" dirty="0"/>
@@ -30354,7 +30049,7 @@
                   <a:buNone/>
                 </a:pPr>
                 <a:r>
-                  <a:rPr lang="en-US" dirty="0" smtClean="0"/>
+                  <a:rPr lang="en-US" dirty="0"/>
                   <a:t>PRF </a:t>
                 </a:r>
                 <a14:m>
@@ -30417,23 +30112,23 @@
                   </m:oMath>
                 </a14:m>
                 <a:r>
-                  <a:rPr lang="ru-RU" dirty="0" smtClean="0"/>
+                  <a:rPr lang="ru-RU" dirty="0"/>
                   <a:t> – цепочка </a:t>
                 </a:r>
                 <a:r>
-                  <a:rPr lang="en-US" dirty="0" smtClean="0"/>
+                  <a:rPr lang="en-US" dirty="0"/>
                   <a:t>CBC </a:t>
                 </a:r>
                 <a:r>
-                  <a:rPr lang="ru-RU" dirty="0" smtClean="0"/>
+                  <a:rPr lang="ru-RU" dirty="0"/>
                   <a:t>с использованием </a:t>
                 </a:r>
                 <a:r>
-                  <a:rPr lang="en-US" dirty="0" smtClean="0"/>
+                  <a:rPr lang="en-US" dirty="0"/>
                   <a:t>PRF</a:t>
                 </a:r>
                 <a:r>
-                  <a:rPr lang="ru-RU" dirty="0" smtClean="0"/>
+                  <a:rPr lang="ru-RU" dirty="0"/>
                   <a:t>. В качестве значение используется последний элемент цепочки.</a:t>
                 </a:r>
               </a:p>
@@ -30447,7 +30142,7 @@
                 <a:pPr marL="0" indent="0">
                   <a:buNone/>
                 </a:pPr>
-                <a:endParaRPr lang="ru-RU" dirty="0" smtClean="0"/>
+                <a:endParaRPr lang="ru-RU" dirty="0"/>
               </a:p>
               <a:p>
                 <a:pPr marL="0" indent="0">
@@ -30459,7 +30154,7 @@
                 <a:pPr marL="0" indent="0">
                   <a:buNone/>
                 </a:pPr>
-                <a:endParaRPr lang="ru-RU" dirty="0" smtClean="0"/>
+                <a:endParaRPr lang="ru-RU" dirty="0"/>
               </a:p>
               <a:p>
                 <a:pPr marL="0" indent="0">
@@ -30567,13 +30262,6 @@
   <p:clrMapOvr>
     <a:masterClrMapping/>
   </p:clrMapOvr>
-  <p:timing>
-    <p:tnLst>
-      <p:par>
-        <p:cTn id="1" dur="indefinite" restart="never" nodeType="tmRoot"/>
-      </p:par>
-    </p:tnLst>
-  </p:timing>
 </p:sld>
 </file>
 
@@ -30714,29 +30402,24 @@
                 </a:r>
                 <a:r>
                   <a:rPr lang="ru-RU" dirty="0"/>
-                  <a:t>каскадная </a:t>
-                </a:r>
-                <a:r>
-                  <a:rPr lang="ru-RU" dirty="0" smtClean="0"/>
-                  <a:t>конструкция. Выход каждой итерации </a:t>
-                </a:r>
-                <a:r>
-                  <a:rPr lang="en-US" dirty="0" smtClean="0"/>
+                  <a:t>каскадная конструкция. Выход каждой итерации </a:t>
+                </a:r>
+                <a:r>
+                  <a:rPr lang="en-US" dirty="0"/>
                   <a:t>PRF</a:t>
                 </a:r>
                 <a:r>
-                  <a:rPr lang="ru-RU" dirty="0" smtClean="0"/>
+                  <a:rPr lang="ru-RU" dirty="0"/>
                   <a:t> используется к качестве ключа в следующей итерации </a:t>
                 </a:r>
                 <a:r>
-                  <a:rPr lang="en-US" dirty="0" smtClean="0"/>
+                  <a:rPr lang="en-US" dirty="0"/>
                   <a:t>PRF</a:t>
                 </a:r>
                 <a:r>
-                  <a:rPr lang="ru-RU" dirty="0" smtClean="0"/>
+                  <a:rPr lang="ru-RU" dirty="0"/>
                   <a:t>.</a:t>
                 </a:r>
-                <a:endParaRPr lang="ru-RU" dirty="0"/>
               </a:p>
               <a:p>
                 <a:endParaRPr lang="ru-RU" dirty="0"/>
@@ -30835,13 +30518,6 @@
   <p:clrMapOvr>
     <a:masterClrMapping/>
   </p:clrMapOvr>
-  <p:timing>
-    <p:tnLst>
-      <p:par>
-        <p:cTn id="1" dur="indefinite" restart="never" nodeType="tmRoot"/>
-      </p:par>
-    </p:tnLst>
-  </p:timing>
 </p:sld>
 </file>
 

--- a/Lectures/Lecture10.pptx
+++ b/Lectures/Lecture10.pptx
@@ -329,7 +329,7 @@
           <a:p>
             <a:fld id="{CBA08D16-15DC-4E25-BDC3-F25146157B16}" type="datetimeFigureOut">
               <a:rPr lang="ru-RU" smtClean="0"/>
-              <a:t>12.11.2025</a:t>
+              <a:t>27.11.2025</a:t>
             </a:fld>
             <a:endParaRPr lang="ru-RU"/>
           </a:p>
@@ -818,7 +818,7 @@
           <a:p>
             <a:fld id="{FCEC8293-DB51-454A-BE81-EC8FCB31EBA2}" type="datetime1">
               <a:rPr lang="ru-RU" smtClean="0"/>
-              <a:t>12.11.2025</a:t>
+              <a:t>27.11.2025</a:t>
             </a:fld>
             <a:endParaRPr lang="ru-RU"/>
           </a:p>
@@ -989,7 +989,7 @@
           <a:p>
             <a:fld id="{241C87B1-1C35-4DBD-BC18-2BC72E776603}" type="datetime1">
               <a:rPr lang="ru-RU" smtClean="0"/>
-              <a:t>12.11.2025</a:t>
+              <a:t>27.11.2025</a:t>
             </a:fld>
             <a:endParaRPr lang="ru-RU"/>
           </a:p>
@@ -1170,7 +1170,7 @@
           <a:p>
             <a:fld id="{3134C275-26C0-42CD-9111-9ADE65922AF9}" type="datetime1">
               <a:rPr lang="ru-RU" smtClean="0"/>
-              <a:t>12.11.2025</a:t>
+              <a:t>27.11.2025</a:t>
             </a:fld>
             <a:endParaRPr lang="ru-RU"/>
           </a:p>
@@ -1341,7 +1341,7 @@
           <a:p>
             <a:fld id="{C1A9A50B-C350-45F5-8AAB-ADB9E670AF2E}" type="datetime1">
               <a:rPr lang="ru-RU" smtClean="0"/>
-              <a:t>12.11.2025</a:t>
+              <a:t>27.11.2025</a:t>
             </a:fld>
             <a:endParaRPr lang="ru-RU"/>
           </a:p>
@@ -1589,7 +1589,7 @@
           <a:p>
             <a:fld id="{089688C9-348F-42F9-B6C0-5990DDE0C5B2}" type="datetime1">
               <a:rPr lang="ru-RU" smtClean="0"/>
-              <a:t>12.11.2025</a:t>
+              <a:t>27.11.2025</a:t>
             </a:fld>
             <a:endParaRPr lang="ru-RU"/>
           </a:p>
@@ -1821,7 +1821,7 @@
           <a:p>
             <a:fld id="{684AFD8F-6DD9-4AD3-A505-FDC3F5C5F3F6}" type="datetime1">
               <a:rPr lang="ru-RU" smtClean="0"/>
-              <a:t>12.11.2025</a:t>
+              <a:t>27.11.2025</a:t>
             </a:fld>
             <a:endParaRPr lang="ru-RU"/>
           </a:p>
@@ -2188,7 +2188,7 @@
           <a:p>
             <a:fld id="{63551EFE-4D02-45EB-A747-8B6F047B5AA0}" type="datetime1">
               <a:rPr lang="ru-RU" smtClean="0"/>
-              <a:t>12.11.2025</a:t>
+              <a:t>27.11.2025</a:t>
             </a:fld>
             <a:endParaRPr lang="ru-RU"/>
           </a:p>
@@ -2308,7 +2308,7 @@
           <a:p>
             <a:fld id="{813A9F34-E5CD-4B8F-AA9E-889C84372B20}" type="datetime1">
               <a:rPr lang="ru-RU" smtClean="0"/>
-              <a:t>12.11.2025</a:t>
+              <a:t>27.11.2025</a:t>
             </a:fld>
             <a:endParaRPr lang="ru-RU"/>
           </a:p>
@@ -2406,7 +2406,7 @@
           <a:p>
             <a:fld id="{51224D22-9B29-44A6-8E82-95FC492DEDC1}" type="datetime1">
               <a:rPr lang="ru-RU" smtClean="0"/>
-              <a:t>12.11.2025</a:t>
+              <a:t>27.11.2025</a:t>
             </a:fld>
             <a:endParaRPr lang="ru-RU"/>
           </a:p>
@@ -2684,7 +2684,7 @@
           <a:p>
             <a:fld id="{91D1034F-4441-48A1-BDC0-25EA1022324A}" type="datetime1">
               <a:rPr lang="ru-RU" smtClean="0"/>
-              <a:t>12.11.2025</a:t>
+              <a:t>27.11.2025</a:t>
             </a:fld>
             <a:endParaRPr lang="ru-RU"/>
           </a:p>
@@ -2939,7 +2939,7 @@
           <a:p>
             <a:fld id="{B0FFDE79-B627-473B-AE17-4C65BD2495F7}" type="datetime1">
               <a:rPr lang="ru-RU" smtClean="0"/>
-              <a:t>12.11.2025</a:t>
+              <a:t>27.11.2025</a:t>
             </a:fld>
             <a:endParaRPr lang="ru-RU"/>
           </a:p>
@@ -3153,7 +3153,7 @@
           <a:p>
             <a:fld id="{11CA537A-1B8C-47BA-9BA6-7CE3FAFDA8BE}" type="datetime1">
               <a:rPr lang="ru-RU" smtClean="0"/>
-              <a:t>12.11.2025</a:t>
+              <a:t>27.11.2025</a:t>
             </a:fld>
             <a:endParaRPr lang="ru-RU"/>
           </a:p>
@@ -7555,7 +7555,7 @@
           <p:nvPr/>
         </p:nvPicPr>
         <p:blipFill>
-          <a:blip r:embed="rId3"/>
+          <a:blip r:embed="rId2"/>
           <a:stretch>
             <a:fillRect/>
           </a:stretch>
@@ -20093,7 +20093,7 @@
           <a:effectLst/>
           <a:extLst>
             <a:ext uri="{AF507438-7753-43e0-B8FC-AC1667EBCBE1}">
-              <a14:hiddenEffects xmlns:a14="http://schemas.microsoft.com/office/drawing/2010/main" xmlns="">
+              <a14:hiddenEffects xmlns="" xmlns:a14="http://schemas.microsoft.com/office/drawing/2010/main">
                 <a:effectLst>
                   <a:outerShdw blurRad="63500" dist="38099" dir="2700000" algn="ctr" rotWithShape="0">
                     <a:schemeClr val="bg2">
@@ -20147,7 +20147,7 @@
           <a:effectLst/>
           <a:extLst>
             <a:ext uri="{AF507438-7753-43e0-B8FC-AC1667EBCBE1}">
-              <a14:hiddenEffects xmlns:a14="http://schemas.microsoft.com/office/drawing/2010/main" xmlns="">
+              <a14:hiddenEffects xmlns="" xmlns:a14="http://schemas.microsoft.com/office/drawing/2010/main">
                 <a:effectLst>
                   <a:outerShdw blurRad="63500" dist="38099" dir="2700000" algn="ctr" rotWithShape="0">
                     <a:schemeClr val="bg2">
@@ -20194,14 +20194,14 @@
           <a:effectLst/>
           <a:extLst>
             <a:ext uri="{909E8E84-426E-40dd-AFC4-6F175D3DCCD1}">
-              <a14:hiddenFill xmlns:a14="http://schemas.microsoft.com/office/drawing/2010/main" xmlns="">
+              <a14:hiddenFill xmlns="" xmlns:a14="http://schemas.microsoft.com/office/drawing/2010/main">
                 <a:solidFill>
                   <a:schemeClr val="accent1"/>
                 </a:solidFill>
               </a14:hiddenFill>
             </a:ext>
             <a:ext uri="{91240B29-F687-4f45-9708-019B960494DF}">
-              <a14:hiddenLine xmlns:a14="http://schemas.microsoft.com/office/drawing/2010/main" xmlns="" w="9525">
+              <a14:hiddenLine xmlns="" xmlns:a14="http://schemas.microsoft.com/office/drawing/2010/main" w="9525">
                 <a:solidFill>
                   <a:schemeClr val="tx1"/>
                 </a:solidFill>
@@ -20211,7 +20211,7 @@
               </a14:hiddenLine>
             </a:ext>
             <a:ext uri="{AF507438-7753-43e0-B8FC-AC1667EBCBE1}">
-              <a14:hiddenEffects xmlns:a14="http://schemas.microsoft.com/office/drawing/2010/main" xmlns="">
+              <a14:hiddenEffects xmlns="" xmlns:a14="http://schemas.microsoft.com/office/drawing/2010/main">
                 <a:effectLst>
                   <a:outerShdw blurRad="63500" dist="38099" dir="2700000" algn="ctr" rotWithShape="0">
                     <a:schemeClr val="bg2">
@@ -20296,12 +20296,12 @@
             <a:effectLst/>
             <a:extLst>
               <a:ext uri="{909E8E84-426E-40dd-AFC4-6F175D3DCCD1}">
-                <a14:hiddenFill xmlns:a14="http://schemas.microsoft.com/office/drawing/2010/main" xmlns="">
+                <a14:hiddenFill xmlns="" xmlns:a14="http://schemas.microsoft.com/office/drawing/2010/main">
                   <a:noFill/>
                 </a14:hiddenFill>
               </a:ext>
               <a:ext uri="{AF507438-7753-43e0-B8FC-AC1667EBCBE1}">
-                <a14:hiddenEffects xmlns:a14="http://schemas.microsoft.com/office/drawing/2010/main" xmlns="">
+                <a14:hiddenEffects xmlns="" xmlns:a14="http://schemas.microsoft.com/office/drawing/2010/main">
                   <a:effectLst>
                     <a:outerShdw blurRad="63500" dist="38099" dir="2700000" algn="ctr" rotWithShape="0">
                       <a:schemeClr val="bg2">
@@ -20344,14 +20344,14 @@
             <a:effectLst/>
             <a:extLst>
               <a:ext uri="{909E8E84-426E-40dd-AFC4-6F175D3DCCD1}">
-                <a14:hiddenFill xmlns:a14="http://schemas.microsoft.com/office/drawing/2010/main" xmlns="">
+                <a14:hiddenFill xmlns="" xmlns:a14="http://schemas.microsoft.com/office/drawing/2010/main">
                   <a:solidFill>
                     <a:schemeClr val="accent1"/>
                   </a:solidFill>
                 </a14:hiddenFill>
               </a:ext>
               <a:ext uri="{91240B29-F687-4f45-9708-019B960494DF}">
-                <a14:hiddenLine xmlns:a14="http://schemas.microsoft.com/office/drawing/2010/main" xmlns="" w="9525">
+                <a14:hiddenLine xmlns="" xmlns:a14="http://schemas.microsoft.com/office/drawing/2010/main" w="9525">
                   <a:solidFill>
                     <a:schemeClr val="tx1"/>
                   </a:solidFill>
@@ -20361,7 +20361,7 @@
                 </a14:hiddenLine>
               </a:ext>
               <a:ext uri="{AF507438-7753-43e0-B8FC-AC1667EBCBE1}">
-                <a14:hiddenEffects xmlns:a14="http://schemas.microsoft.com/office/drawing/2010/main" xmlns="">
+                <a14:hiddenEffects xmlns="" xmlns:a14="http://schemas.microsoft.com/office/drawing/2010/main">
                   <a:effectLst>
                     <a:outerShdw blurRad="63500" dist="38099" dir="2700000" algn="ctr" rotWithShape="0">
                       <a:schemeClr val="bg2">
@@ -20434,14 +20434,14 @@
           <a:effectLst/>
           <a:extLst>
             <a:ext uri="{909E8E84-426E-40dd-AFC4-6F175D3DCCD1}">
-              <a14:hiddenFill xmlns:a14="http://schemas.microsoft.com/office/drawing/2010/main" xmlns="">
+              <a14:hiddenFill xmlns="" xmlns:a14="http://schemas.microsoft.com/office/drawing/2010/main">
                 <a:solidFill>
                   <a:schemeClr val="accent1"/>
                 </a:solidFill>
               </a14:hiddenFill>
             </a:ext>
             <a:ext uri="{AF507438-7753-43e0-B8FC-AC1667EBCBE1}">
-              <a14:hiddenEffects xmlns:a14="http://schemas.microsoft.com/office/drawing/2010/main" xmlns="">
+              <a14:hiddenEffects xmlns="" xmlns:a14="http://schemas.microsoft.com/office/drawing/2010/main">
                 <a:effectLst>
                   <a:outerShdw blurRad="63500" dist="38099" dir="2700000" algn="ctr" rotWithShape="0">
                     <a:schemeClr val="bg2">
@@ -20505,12 +20505,12 @@
             <a:effectLst/>
             <a:extLst>
               <a:ext uri="{909E8E84-426E-40dd-AFC4-6F175D3DCCD1}">
-                <a14:hiddenFill xmlns:a14="http://schemas.microsoft.com/office/drawing/2010/main" xmlns="">
+                <a14:hiddenFill xmlns="" xmlns:a14="http://schemas.microsoft.com/office/drawing/2010/main">
                   <a:noFill/>
                 </a14:hiddenFill>
               </a:ext>
               <a:ext uri="{AF507438-7753-43e0-B8FC-AC1667EBCBE1}">
-                <a14:hiddenEffects xmlns:a14="http://schemas.microsoft.com/office/drawing/2010/main" xmlns="">
+                <a14:hiddenEffects xmlns="" xmlns:a14="http://schemas.microsoft.com/office/drawing/2010/main">
                   <a:effectLst>
                     <a:outerShdw blurRad="63500" dist="38099" dir="2700000" algn="ctr" rotWithShape="0">
                       <a:schemeClr val="bg2">
@@ -20553,14 +20553,14 @@
             <a:effectLst/>
             <a:extLst>
               <a:ext uri="{909E8E84-426E-40dd-AFC4-6F175D3DCCD1}">
-                <a14:hiddenFill xmlns:a14="http://schemas.microsoft.com/office/drawing/2010/main" xmlns="">
+                <a14:hiddenFill xmlns="" xmlns:a14="http://schemas.microsoft.com/office/drawing/2010/main">
                   <a:solidFill>
                     <a:schemeClr val="accent1"/>
                   </a:solidFill>
                 </a14:hiddenFill>
               </a:ext>
               <a:ext uri="{91240B29-F687-4f45-9708-019B960494DF}">
-                <a14:hiddenLine xmlns:a14="http://schemas.microsoft.com/office/drawing/2010/main" xmlns="" w="9525">
+                <a14:hiddenLine xmlns="" xmlns:a14="http://schemas.microsoft.com/office/drawing/2010/main" w="9525">
                   <a:solidFill>
                     <a:schemeClr val="tx1"/>
                   </a:solidFill>
@@ -20570,7 +20570,7 @@
                 </a14:hiddenLine>
               </a:ext>
               <a:ext uri="{AF507438-7753-43e0-B8FC-AC1667EBCBE1}">
-                <a14:hiddenEffects xmlns:a14="http://schemas.microsoft.com/office/drawing/2010/main" xmlns="">
+                <a14:hiddenEffects xmlns="" xmlns:a14="http://schemas.microsoft.com/office/drawing/2010/main">
                   <a:effectLst>
                     <a:outerShdw blurRad="63500" dist="38099" dir="2700000" algn="ctr" rotWithShape="0">
                       <a:schemeClr val="bg2">
@@ -20660,12 +20660,12 @@
             <a:effectLst/>
             <a:extLst>
               <a:ext uri="{909E8E84-426E-40dd-AFC4-6F175D3DCCD1}">
-                <a14:hiddenFill xmlns:a14="http://schemas.microsoft.com/office/drawing/2010/main" xmlns="">
+                <a14:hiddenFill xmlns="" xmlns:a14="http://schemas.microsoft.com/office/drawing/2010/main">
                   <a:noFill/>
                 </a14:hiddenFill>
               </a:ext>
               <a:ext uri="{AF507438-7753-43e0-B8FC-AC1667EBCBE1}">
-                <a14:hiddenEffects xmlns:a14="http://schemas.microsoft.com/office/drawing/2010/main" xmlns="">
+                <a14:hiddenEffects xmlns="" xmlns:a14="http://schemas.microsoft.com/office/drawing/2010/main">
                   <a:effectLst>
                     <a:outerShdw blurRad="63500" dist="38099" dir="2700000" algn="ctr" rotWithShape="0">
                       <a:schemeClr val="bg2">
@@ -20708,14 +20708,14 @@
             <a:effectLst/>
             <a:extLst>
               <a:ext uri="{909E8E84-426E-40dd-AFC4-6F175D3DCCD1}">
-                <a14:hiddenFill xmlns:a14="http://schemas.microsoft.com/office/drawing/2010/main" xmlns="">
+                <a14:hiddenFill xmlns="" xmlns:a14="http://schemas.microsoft.com/office/drawing/2010/main">
                   <a:solidFill>
                     <a:schemeClr val="accent1"/>
                   </a:solidFill>
                 </a14:hiddenFill>
               </a:ext>
               <a:ext uri="{91240B29-F687-4f45-9708-019B960494DF}">
-                <a14:hiddenLine xmlns:a14="http://schemas.microsoft.com/office/drawing/2010/main" xmlns="" w="9525">
+                <a14:hiddenLine xmlns="" xmlns:a14="http://schemas.microsoft.com/office/drawing/2010/main" w="9525">
                   <a:solidFill>
                     <a:schemeClr val="tx1"/>
                   </a:solidFill>
@@ -20725,7 +20725,7 @@
                 </a14:hiddenLine>
               </a:ext>
               <a:ext uri="{AF507438-7753-43e0-B8FC-AC1667EBCBE1}">
-                <a14:hiddenEffects xmlns:a14="http://schemas.microsoft.com/office/drawing/2010/main" xmlns="">
+                <a14:hiddenEffects xmlns="" xmlns:a14="http://schemas.microsoft.com/office/drawing/2010/main">
                   <a:effectLst>
                     <a:outerShdw blurRad="63500" dist="38099" dir="2700000" algn="ctr" rotWithShape="0">
                       <a:schemeClr val="bg2">
@@ -21171,14 +21171,14 @@
             <a:effectLst/>
             <a:extLst>
               <a:ext uri="{909E8E84-426E-40dd-AFC4-6F175D3DCCD1}">
-                <a14:hiddenFill xmlns:a14="http://schemas.microsoft.com/office/drawing/2010/main" xmlns="">
+                <a14:hiddenFill xmlns="" xmlns:a14="http://schemas.microsoft.com/office/drawing/2010/main">
                   <a:solidFill>
                     <a:schemeClr val="accent1"/>
                   </a:solidFill>
                 </a14:hiddenFill>
               </a:ext>
               <a:ext uri="{AF507438-7753-43e0-B8FC-AC1667EBCBE1}">
-                <a14:hiddenEffects xmlns:a14="http://schemas.microsoft.com/office/drawing/2010/main" xmlns="">
+                <a14:hiddenEffects xmlns="" xmlns:a14="http://schemas.microsoft.com/office/drawing/2010/main">
                   <a:effectLst>
                     <a:outerShdw blurRad="63500" dist="38099" dir="2700000" algn="ctr" rotWithShape="0">
                       <a:schemeClr val="bg2">
@@ -21241,12 +21241,12 @@
             <a:effectLst/>
             <a:extLst>
               <a:ext uri="{909E8E84-426E-40dd-AFC4-6F175D3DCCD1}">
-                <a14:hiddenFill xmlns:a14="http://schemas.microsoft.com/office/drawing/2010/main" xmlns="">
+                <a14:hiddenFill xmlns="" xmlns:a14="http://schemas.microsoft.com/office/drawing/2010/main">
                   <a:noFill/>
                 </a14:hiddenFill>
               </a:ext>
               <a:ext uri="{AF507438-7753-43e0-B8FC-AC1667EBCBE1}">
-                <a14:hiddenEffects xmlns:a14="http://schemas.microsoft.com/office/drawing/2010/main" xmlns="">
+                <a14:hiddenEffects xmlns="" xmlns:a14="http://schemas.microsoft.com/office/drawing/2010/main">
                   <a:effectLst>
                     <a:outerShdw blurRad="63500" dist="38099" dir="2700000" algn="ctr" rotWithShape="0">
                       <a:schemeClr val="bg2">
@@ -21289,14 +21289,14 @@
             <a:effectLst/>
             <a:extLst>
               <a:ext uri="{909E8E84-426E-40dd-AFC4-6F175D3DCCD1}">
-                <a14:hiddenFill xmlns:a14="http://schemas.microsoft.com/office/drawing/2010/main" xmlns="">
+                <a14:hiddenFill xmlns="" xmlns:a14="http://schemas.microsoft.com/office/drawing/2010/main">
                   <a:solidFill>
                     <a:schemeClr val="accent1"/>
                   </a:solidFill>
                 </a14:hiddenFill>
               </a:ext>
               <a:ext uri="{91240B29-F687-4f45-9708-019B960494DF}">
-                <a14:hiddenLine xmlns:a14="http://schemas.microsoft.com/office/drawing/2010/main" xmlns="" w="9525">
+                <a14:hiddenLine xmlns="" xmlns:a14="http://schemas.microsoft.com/office/drawing/2010/main" w="9525">
                   <a:solidFill>
                     <a:schemeClr val="tx1"/>
                   </a:solidFill>
@@ -21306,7 +21306,7 @@
                 </a14:hiddenLine>
               </a:ext>
               <a:ext uri="{AF507438-7753-43e0-B8FC-AC1667EBCBE1}">
-                <a14:hiddenEffects xmlns:a14="http://schemas.microsoft.com/office/drawing/2010/main" xmlns="">
+                <a14:hiddenEffects xmlns="" xmlns:a14="http://schemas.microsoft.com/office/drawing/2010/main">
                   <a:effectLst>
                     <a:outerShdw blurRad="63500" dist="38099" dir="2700000" algn="ctr" rotWithShape="0">
                       <a:schemeClr val="bg2">
@@ -21393,8 +21393,8 @@
           </a:p>
         </p:txBody>
       </p:sp>
-      <mc:AlternateContent xmlns:mc="http://schemas.openxmlformats.org/markup-compatibility/2006">
-        <mc:Choice xmlns:a14="http://schemas.microsoft.com/office/drawing/2010/main" Requires="a14">
+      <mc:AlternateContent xmlns:mc="http://schemas.openxmlformats.org/markup-compatibility/2006" xmlns:a14="http://schemas.microsoft.com/office/drawing/2010/main">
+        <mc:Choice Requires="a14">
           <p:sp>
             <p:nvSpPr>
               <p:cNvPr id="3" name="Content Placeholder 2"/>
@@ -22099,7 +22099,7 @@
             </p:txBody>
           </p:sp>
         </mc:Choice>
-        <mc:Fallback>
+        <mc:Fallback xmlns="">
           <p:sp>
             <p:nvSpPr>
               <p:cNvPr id="3" name="Content Placeholder 2"/>
@@ -28430,8 +28430,8 @@
           </a:p>
         </p:txBody>
       </p:sp>
-      <mc:AlternateContent xmlns:mc="http://schemas.openxmlformats.org/markup-compatibility/2006" xmlns:a14="http://schemas.microsoft.com/office/drawing/2010/main">
-        <mc:Choice Requires="a14">
+      <mc:AlternateContent xmlns:mc="http://schemas.openxmlformats.org/markup-compatibility/2006">
+        <mc:Choice xmlns:a14="http://schemas.microsoft.com/office/drawing/2010/main" Requires="a14">
           <p:sp>
             <p:nvSpPr>
               <p:cNvPr id="3" name="Объект 2"/>
@@ -28556,11 +28556,178 @@
                       </a:rPr>
                       <m:t>=1</m:t>
                     </m:r>
-                    <m:r>
-                      <a:rPr lang="en-US" b="0" i="0" smtClean="0">
-                        <a:latin typeface="Cambria Math" panose="02040503050406030204" pitchFamily="18" charset="0"/>
-                      </a:rPr>
-                      <m:t>.</m:t>
+                  </m:oMath>
+                </a14:m>
+                <a:r>
+                  <a:rPr lang="ru-RU" dirty="0"/>
+                  <a:t>, </a:t>
+                </a:r>
+                <a14:m>
+                  <m:oMath xmlns:m="http://schemas.openxmlformats.org/officeDocument/2006/math">
+                    <m:r>
+                      <a:rPr lang="ru-RU" i="1">
+                        <a:latin typeface="Cambria Math" panose="02040503050406030204" pitchFamily="18" charset="0"/>
+                      </a:rPr>
+                      <m:t>(</m:t>
+                    </m:r>
+                    <m:r>
+                      <a:rPr lang="en-US" i="1">
+                        <a:latin typeface="Cambria Math" panose="02040503050406030204" pitchFamily="18" charset="0"/>
+                      </a:rPr>
+                      <m:t>𝑚</m:t>
+                    </m:r>
+                    <m:r>
+                      <a:rPr lang="en-US" i="1">
+                        <a:latin typeface="Cambria Math" panose="02040503050406030204" pitchFamily="18" charset="0"/>
+                      </a:rPr>
+                      <m:t>,</m:t>
+                    </m:r>
+                    <m:r>
+                      <a:rPr lang="en-US" i="1">
+                        <a:latin typeface="Cambria Math" panose="02040503050406030204" pitchFamily="18" charset="0"/>
+                      </a:rPr>
+                      <m:t>𝑡</m:t>
+                    </m:r>
+                    <m:r>
+                      <a:rPr lang="en-US" i="1">
+                        <a:latin typeface="Cambria Math" panose="02040503050406030204" pitchFamily="18" charset="0"/>
+                      </a:rPr>
+                      <m:t>)∉{</m:t>
+                    </m:r>
+                    <m:d>
+                      <m:dPr>
+                        <m:ctrlPr>
+                          <a:rPr lang="en-US" i="1">
+                            <a:latin typeface="Cambria Math" panose="02040503050406030204" pitchFamily="18" charset="0"/>
+                          </a:rPr>
+                        </m:ctrlPr>
+                      </m:dPr>
+                      <m:e>
+                        <m:sSub>
+                          <m:sSubPr>
+                            <m:ctrlPr>
+                              <a:rPr lang="en-US" i="1">
+                                <a:latin typeface="Cambria Math" panose="02040503050406030204" pitchFamily="18" charset="0"/>
+                              </a:rPr>
+                            </m:ctrlPr>
+                          </m:sSubPr>
+                          <m:e>
+                            <m:r>
+                              <a:rPr lang="en-US" i="1">
+                                <a:latin typeface="Cambria Math" panose="02040503050406030204" pitchFamily="18" charset="0"/>
+                              </a:rPr>
+                              <m:t>𝑚</m:t>
+                            </m:r>
+                          </m:e>
+                          <m:sub>
+                            <m:r>
+                              <a:rPr lang="en-US" i="1">
+                                <a:latin typeface="Cambria Math" panose="02040503050406030204" pitchFamily="18" charset="0"/>
+                              </a:rPr>
+                              <m:t>1</m:t>
+                            </m:r>
+                          </m:sub>
+                        </m:sSub>
+                        <m:r>
+                          <a:rPr lang="en-US" i="1">
+                            <a:latin typeface="Cambria Math" panose="02040503050406030204" pitchFamily="18" charset="0"/>
+                          </a:rPr>
+                          <m:t>,</m:t>
+                        </m:r>
+                        <m:sSub>
+                          <m:sSubPr>
+                            <m:ctrlPr>
+                              <a:rPr lang="en-US" i="1">
+                                <a:latin typeface="Cambria Math" panose="02040503050406030204" pitchFamily="18" charset="0"/>
+                              </a:rPr>
+                            </m:ctrlPr>
+                          </m:sSubPr>
+                          <m:e>
+                            <m:r>
+                              <a:rPr lang="en-US" i="1">
+                                <a:latin typeface="Cambria Math" panose="02040503050406030204" pitchFamily="18" charset="0"/>
+                              </a:rPr>
+                              <m:t>𝑡</m:t>
+                            </m:r>
+                          </m:e>
+                          <m:sub>
+                            <m:r>
+                              <a:rPr lang="en-US" i="1">
+                                <a:latin typeface="Cambria Math" panose="02040503050406030204" pitchFamily="18" charset="0"/>
+                              </a:rPr>
+                              <m:t>1</m:t>
+                            </m:r>
+                          </m:sub>
+                        </m:sSub>
+                      </m:e>
+                    </m:d>
+                    <m:r>
+                      <a:rPr lang="en-US" i="1">
+                        <a:latin typeface="Cambria Math" panose="02040503050406030204" pitchFamily="18" charset="0"/>
+                      </a:rPr>
+                      <m:t>,(</m:t>
+                    </m:r>
+                    <m:sSub>
+                      <m:sSubPr>
+                        <m:ctrlPr>
+                          <a:rPr lang="en-US" i="1">
+                            <a:latin typeface="Cambria Math" panose="02040503050406030204" pitchFamily="18" charset="0"/>
+                          </a:rPr>
+                        </m:ctrlPr>
+                      </m:sSubPr>
+                      <m:e>
+                        <m:r>
+                          <a:rPr lang="en-US" i="1">
+                            <a:latin typeface="Cambria Math" panose="02040503050406030204" pitchFamily="18" charset="0"/>
+                          </a:rPr>
+                          <m:t>𝑚</m:t>
+                        </m:r>
+                      </m:e>
+                      <m:sub>
+                        <m:r>
+                          <a:rPr lang="en-US" i="1">
+                            <a:latin typeface="Cambria Math" panose="02040503050406030204" pitchFamily="18" charset="0"/>
+                          </a:rPr>
+                          <m:t>2</m:t>
+                        </m:r>
+                      </m:sub>
+                    </m:sSub>
+                    <m:r>
+                      <a:rPr lang="en-US" i="1">
+                        <a:latin typeface="Cambria Math" panose="02040503050406030204" pitchFamily="18" charset="0"/>
+                      </a:rPr>
+                      <m:t>,</m:t>
+                    </m:r>
+                    <m:sSub>
+                      <m:sSubPr>
+                        <m:ctrlPr>
+                          <a:rPr lang="en-US" i="1">
+                            <a:latin typeface="Cambria Math" panose="02040503050406030204" pitchFamily="18" charset="0"/>
+                          </a:rPr>
+                        </m:ctrlPr>
+                      </m:sSubPr>
+                      <m:e>
+                        <m:r>
+                          <a:rPr lang="en-US" i="1">
+                            <a:latin typeface="Cambria Math" panose="02040503050406030204" pitchFamily="18" charset="0"/>
+                          </a:rPr>
+                          <m:t>𝑡</m:t>
+                        </m:r>
+                      </m:e>
+                      <m:sub>
+                        <m:r>
+                          <a:rPr lang="en-US" i="1">
+                            <a:latin typeface="Cambria Math" panose="02040503050406030204" pitchFamily="18" charset="0"/>
+                          </a:rPr>
+                          <m:t>2</m:t>
+                        </m:r>
+                      </m:sub>
+                    </m:sSub>
+                    <m:r>
+                      <a:rPr lang="en-US" i="1">
+                        <a:latin typeface="Cambria Math" panose="02040503050406030204" pitchFamily="18" charset="0"/>
+                      </a:rPr>
+                      <m:t>)…}</m:t>
                     </m:r>
                   </m:oMath>
                 </a14:m>
@@ -28963,7 +29130,7 @@
             </p:txBody>
           </p:sp>
         </mc:Choice>
-        <mc:Fallback xmlns="">
+        <mc:Fallback>
           <p:sp>
             <p:nvSpPr>
               <p:cNvPr id="3" name="Объект 2"/>
@@ -28975,7 +29142,7 @@
               </p:nvPr>
             </p:nvSpPr>
             <p:spPr>
-              <a:blipFill rotWithShape="0">
+              <a:blipFill>
                 <a:blip r:embed="rId2"/>
                 <a:stretch>
                   <a:fillRect l="-928" t="-2101" r="-522"/>
